--- a/figures/Figures.pptx
+++ b/figures/Figures.pptx
@@ -2,14 +2,14 @@
 <file path=ppt/presentation.xml><?xml version="1.0" encoding="utf-8"?>
 <p:presentation xmlns:a="http://schemas.openxmlformats.org/drawingml/2006/main" xmlns:r="http://schemas.openxmlformats.org/officeDocument/2006/relationships" xmlns:p="http://schemas.openxmlformats.org/presentationml/2006/main" saveSubsetFonts="1">
   <p:sldMasterIdLst>
-    <p:sldMasterId id="2147483660" r:id="rId1"/>
+    <p:sldMasterId id="2147483672" r:id="rId1"/>
   </p:sldMasterIdLst>
   <p:sldIdLst>
     <p:sldId id="256" r:id="rId2"/>
     <p:sldId id="258" r:id="rId3"/>
     <p:sldId id="257" r:id="rId4"/>
   </p:sldIdLst>
-  <p:sldSz cx="18562638" cy="18288000"/>
+  <p:sldSz cx="18562638" cy="22860000"/>
   <p:notesSz cx="6858000" cy="9144000"/>
   <p:defaultTextStyle>
     <a:defPPr>
@@ -143,8 +143,8 @@
         </p:nvSpPr>
         <p:spPr>
           <a:xfrm>
-            <a:off x="1392198" y="2992968"/>
-            <a:ext cx="15778242" cy="6366933"/>
+            <a:off x="1392198" y="3741210"/>
+            <a:ext cx="15778242" cy="7958667"/>
           </a:xfrm>
         </p:spPr>
         <p:txBody>
@@ -175,8 +175,8 @@
         </p:nvSpPr>
         <p:spPr>
           <a:xfrm>
-            <a:off x="2320330" y="9605435"/>
-            <a:ext cx="13921979" cy="4415365"/>
+            <a:off x="2320330" y="12006793"/>
+            <a:ext cx="13921979" cy="5519207"/>
           </a:xfrm>
         </p:spPr>
         <p:txBody>
@@ -245,7 +245,7 @@
           <a:p>
             <a:fld id="{AAEC4A40-A4AF-4D07-B5DE-5231CAC44A4C}" type="datetimeFigureOut">
               <a:rPr lang="en-US" smtClean="0"/>
-              <a:t>10/30/2020</a:t>
+              <a:t>11/9/2020</a:t>
             </a:fld>
             <a:endParaRPr lang="en-US"/>
           </a:p>
@@ -296,7 +296,7 @@
     </p:spTree>
     <p:extLst>
       <p:ext uri="{BB962C8B-B14F-4D97-AF65-F5344CB8AC3E}">
-        <p14:creationId xmlns:p14="http://schemas.microsoft.com/office/powerpoint/2010/main" val="354886882"/>
+        <p14:creationId xmlns:p14="http://schemas.microsoft.com/office/powerpoint/2010/main" val="862145719"/>
       </p:ext>
     </p:extLst>
   </p:cSld>
@@ -415,7 +415,7 @@
           <a:p>
             <a:fld id="{AAEC4A40-A4AF-4D07-B5DE-5231CAC44A4C}" type="datetimeFigureOut">
               <a:rPr lang="en-US" smtClean="0"/>
-              <a:t>10/30/2020</a:t>
+              <a:t>11/9/2020</a:t>
             </a:fld>
             <a:endParaRPr lang="en-US"/>
           </a:p>
@@ -466,7 +466,7 @@
     </p:spTree>
     <p:extLst>
       <p:ext uri="{BB962C8B-B14F-4D97-AF65-F5344CB8AC3E}">
-        <p14:creationId xmlns:p14="http://schemas.microsoft.com/office/powerpoint/2010/main" val="2606999420"/>
+        <p14:creationId xmlns:p14="http://schemas.microsoft.com/office/powerpoint/2010/main" val="2381234012"/>
       </p:ext>
     </p:extLst>
   </p:cSld>
@@ -505,8 +505,8 @@
         </p:nvSpPr>
         <p:spPr>
           <a:xfrm>
-            <a:off x="13283889" y="973667"/>
-            <a:ext cx="4002569" cy="15498235"/>
+            <a:off x="13283889" y="1217084"/>
+            <a:ext cx="4002569" cy="19372793"/>
           </a:xfrm>
         </p:spPr>
         <p:txBody>
@@ -533,8 +533,8 @@
         </p:nvSpPr>
         <p:spPr>
           <a:xfrm>
-            <a:off x="1276183" y="973667"/>
-            <a:ext cx="11775673" cy="15498235"/>
+            <a:off x="1276183" y="1217084"/>
+            <a:ext cx="11775673" cy="19372793"/>
           </a:xfrm>
         </p:spPr>
         <p:txBody>
@@ -595,7 +595,7 @@
           <a:p>
             <a:fld id="{AAEC4A40-A4AF-4D07-B5DE-5231CAC44A4C}" type="datetimeFigureOut">
               <a:rPr lang="en-US" smtClean="0"/>
-              <a:t>10/30/2020</a:t>
+              <a:t>11/9/2020</a:t>
             </a:fld>
             <a:endParaRPr lang="en-US"/>
           </a:p>
@@ -646,7 +646,7 @@
     </p:spTree>
     <p:extLst>
       <p:ext uri="{BB962C8B-B14F-4D97-AF65-F5344CB8AC3E}">
-        <p14:creationId xmlns:p14="http://schemas.microsoft.com/office/powerpoint/2010/main" val="2955444390"/>
+        <p14:creationId xmlns:p14="http://schemas.microsoft.com/office/powerpoint/2010/main" val="485984922"/>
       </p:ext>
     </p:extLst>
   </p:cSld>
@@ -765,7 +765,7 @@
           <a:p>
             <a:fld id="{AAEC4A40-A4AF-4D07-B5DE-5231CAC44A4C}" type="datetimeFigureOut">
               <a:rPr lang="en-US" smtClean="0"/>
-              <a:t>10/30/2020</a:t>
+              <a:t>11/9/2020</a:t>
             </a:fld>
             <a:endParaRPr lang="en-US"/>
           </a:p>
@@ -816,7 +816,7 @@
     </p:spTree>
     <p:extLst>
       <p:ext uri="{BB962C8B-B14F-4D97-AF65-F5344CB8AC3E}">
-        <p14:creationId xmlns:p14="http://schemas.microsoft.com/office/powerpoint/2010/main" val="2763870586"/>
+        <p14:creationId xmlns:p14="http://schemas.microsoft.com/office/powerpoint/2010/main" val="3912785628"/>
       </p:ext>
     </p:extLst>
   </p:cSld>
@@ -855,8 +855,8 @@
         </p:nvSpPr>
         <p:spPr>
           <a:xfrm>
-            <a:off x="1266514" y="4559305"/>
-            <a:ext cx="16010275" cy="7607299"/>
+            <a:off x="1266514" y="5699132"/>
+            <a:ext cx="16010275" cy="9509123"/>
           </a:xfrm>
         </p:spPr>
         <p:txBody>
@@ -887,8 +887,8 @@
         </p:nvSpPr>
         <p:spPr>
           <a:xfrm>
-            <a:off x="1266514" y="12238572"/>
-            <a:ext cx="16010275" cy="4000499"/>
+            <a:off x="1266514" y="15298215"/>
+            <a:ext cx="16010275" cy="5000623"/>
           </a:xfrm>
         </p:spPr>
         <p:txBody>
@@ -1009,7 +1009,7 @@
           <a:p>
             <a:fld id="{AAEC4A40-A4AF-4D07-B5DE-5231CAC44A4C}" type="datetimeFigureOut">
               <a:rPr lang="en-US" smtClean="0"/>
-              <a:t>10/30/2020</a:t>
+              <a:t>11/9/2020</a:t>
             </a:fld>
             <a:endParaRPr lang="en-US"/>
           </a:p>
@@ -1060,7 +1060,7 @@
     </p:spTree>
     <p:extLst>
       <p:ext uri="{BB962C8B-B14F-4D97-AF65-F5344CB8AC3E}">
-        <p14:creationId xmlns:p14="http://schemas.microsoft.com/office/powerpoint/2010/main" val="2135694281"/>
+        <p14:creationId xmlns:p14="http://schemas.microsoft.com/office/powerpoint/2010/main" val="2003526376"/>
       </p:ext>
     </p:extLst>
   </p:cSld>
@@ -1122,8 +1122,8 @@
         </p:nvSpPr>
         <p:spPr>
           <a:xfrm>
-            <a:off x="1276181" y="4868333"/>
-            <a:ext cx="7889121" cy="11603568"/>
+            <a:off x="1276181" y="6085417"/>
+            <a:ext cx="7889121" cy="14504460"/>
           </a:xfrm>
         </p:spPr>
         <p:txBody>
@@ -1179,8 +1179,8 @@
         </p:nvSpPr>
         <p:spPr>
           <a:xfrm>
-            <a:off x="9397336" y="4868333"/>
-            <a:ext cx="7889121" cy="11603568"/>
+            <a:off x="9397336" y="6085417"/>
+            <a:ext cx="7889121" cy="14504460"/>
           </a:xfrm>
         </p:spPr>
         <p:txBody>
@@ -1241,7 +1241,7 @@
           <a:p>
             <a:fld id="{AAEC4A40-A4AF-4D07-B5DE-5231CAC44A4C}" type="datetimeFigureOut">
               <a:rPr lang="en-US" smtClean="0"/>
-              <a:t>10/30/2020</a:t>
+              <a:t>11/9/2020</a:t>
             </a:fld>
             <a:endParaRPr lang="en-US"/>
           </a:p>
@@ -1292,7 +1292,7 @@
     </p:spTree>
     <p:extLst>
       <p:ext uri="{BB962C8B-B14F-4D97-AF65-F5344CB8AC3E}">
-        <p14:creationId xmlns:p14="http://schemas.microsoft.com/office/powerpoint/2010/main" val="1862513559"/>
+        <p14:creationId xmlns:p14="http://schemas.microsoft.com/office/powerpoint/2010/main" val="480309638"/>
       </p:ext>
     </p:extLst>
   </p:cSld>
@@ -1331,8 +1331,8 @@
         </p:nvSpPr>
         <p:spPr>
           <a:xfrm>
-            <a:off x="1278599" y="973671"/>
-            <a:ext cx="16010275" cy="3534835"/>
+            <a:off x="1278599" y="1217089"/>
+            <a:ext cx="16010275" cy="4418543"/>
           </a:xfrm>
         </p:spPr>
         <p:txBody>
@@ -1359,8 +1359,8 @@
         </p:nvSpPr>
         <p:spPr>
           <a:xfrm>
-            <a:off x="1278601" y="4483101"/>
-            <a:ext cx="7852865" cy="2197099"/>
+            <a:off x="1278601" y="5603877"/>
+            <a:ext cx="7852865" cy="2746373"/>
           </a:xfrm>
         </p:spPr>
         <p:txBody>
@@ -1424,8 +1424,8 @@
         </p:nvSpPr>
         <p:spPr>
           <a:xfrm>
-            <a:off x="1278601" y="6680200"/>
-            <a:ext cx="7852865" cy="9825568"/>
+            <a:off x="1278601" y="8350250"/>
+            <a:ext cx="7852865" cy="12281960"/>
           </a:xfrm>
         </p:spPr>
         <p:txBody>
@@ -1481,8 +1481,8 @@
         </p:nvSpPr>
         <p:spPr>
           <a:xfrm>
-            <a:off x="9397336" y="4483101"/>
-            <a:ext cx="7891539" cy="2197099"/>
+            <a:off x="9397336" y="5603877"/>
+            <a:ext cx="7891539" cy="2746373"/>
           </a:xfrm>
         </p:spPr>
         <p:txBody>
@@ -1546,8 +1546,8 @@
         </p:nvSpPr>
         <p:spPr>
           <a:xfrm>
-            <a:off x="9397336" y="6680200"/>
-            <a:ext cx="7891539" cy="9825568"/>
+            <a:off x="9397336" y="8350250"/>
+            <a:ext cx="7891539" cy="12281960"/>
           </a:xfrm>
         </p:spPr>
         <p:txBody>
@@ -1608,7 +1608,7 @@
           <a:p>
             <a:fld id="{AAEC4A40-A4AF-4D07-B5DE-5231CAC44A4C}" type="datetimeFigureOut">
               <a:rPr lang="en-US" smtClean="0"/>
-              <a:t>10/30/2020</a:t>
+              <a:t>11/9/2020</a:t>
             </a:fld>
             <a:endParaRPr lang="en-US"/>
           </a:p>
@@ -1659,7 +1659,7 @@
     </p:spTree>
     <p:extLst>
       <p:ext uri="{BB962C8B-B14F-4D97-AF65-F5344CB8AC3E}">
-        <p14:creationId xmlns:p14="http://schemas.microsoft.com/office/powerpoint/2010/main" val="3731934643"/>
+        <p14:creationId xmlns:p14="http://schemas.microsoft.com/office/powerpoint/2010/main" val="2587207255"/>
       </p:ext>
     </p:extLst>
   </p:cSld>
@@ -1726,7 +1726,7 @@
           <a:p>
             <a:fld id="{AAEC4A40-A4AF-4D07-B5DE-5231CAC44A4C}" type="datetimeFigureOut">
               <a:rPr lang="en-US" smtClean="0"/>
-              <a:t>10/30/2020</a:t>
+              <a:t>11/9/2020</a:t>
             </a:fld>
             <a:endParaRPr lang="en-US"/>
           </a:p>
@@ -1777,7 +1777,7 @@
     </p:spTree>
     <p:extLst>
       <p:ext uri="{BB962C8B-B14F-4D97-AF65-F5344CB8AC3E}">
-        <p14:creationId xmlns:p14="http://schemas.microsoft.com/office/powerpoint/2010/main" val="91197003"/>
+        <p14:creationId xmlns:p14="http://schemas.microsoft.com/office/powerpoint/2010/main" val="3361792246"/>
       </p:ext>
     </p:extLst>
   </p:cSld>
@@ -1821,7 +1821,7 @@
           <a:p>
             <a:fld id="{AAEC4A40-A4AF-4D07-B5DE-5231CAC44A4C}" type="datetimeFigureOut">
               <a:rPr lang="en-US" smtClean="0"/>
-              <a:t>10/30/2020</a:t>
+              <a:t>11/9/2020</a:t>
             </a:fld>
             <a:endParaRPr lang="en-US"/>
           </a:p>
@@ -1872,7 +1872,7 @@
     </p:spTree>
     <p:extLst>
       <p:ext uri="{BB962C8B-B14F-4D97-AF65-F5344CB8AC3E}">
-        <p14:creationId xmlns:p14="http://schemas.microsoft.com/office/powerpoint/2010/main" val="2739977646"/>
+        <p14:creationId xmlns:p14="http://schemas.microsoft.com/office/powerpoint/2010/main" val="3131979108"/>
       </p:ext>
     </p:extLst>
   </p:cSld>
@@ -1911,8 +1911,8 @@
         </p:nvSpPr>
         <p:spPr>
           <a:xfrm>
-            <a:off x="1278599" y="1219200"/>
-            <a:ext cx="5986934" cy="4267200"/>
+            <a:off x="1278599" y="1524000"/>
+            <a:ext cx="5986934" cy="5334000"/>
           </a:xfrm>
         </p:spPr>
         <p:txBody>
@@ -1943,8 +1943,8 @@
         </p:nvSpPr>
         <p:spPr>
           <a:xfrm>
-            <a:off x="7891539" y="2633138"/>
-            <a:ext cx="9397335" cy="12996333"/>
+            <a:off x="7891539" y="3291422"/>
+            <a:ext cx="9397335" cy="16245417"/>
           </a:xfrm>
         </p:spPr>
         <p:txBody>
@@ -2028,8 +2028,8 @@
         </p:nvSpPr>
         <p:spPr>
           <a:xfrm>
-            <a:off x="1278599" y="5486400"/>
-            <a:ext cx="5986934" cy="10164235"/>
+            <a:off x="1278599" y="6858000"/>
+            <a:ext cx="5986934" cy="12705293"/>
           </a:xfrm>
         </p:spPr>
         <p:txBody>
@@ -2098,7 +2098,7 @@
           <a:p>
             <a:fld id="{AAEC4A40-A4AF-4D07-B5DE-5231CAC44A4C}" type="datetimeFigureOut">
               <a:rPr lang="en-US" smtClean="0"/>
-              <a:t>10/30/2020</a:t>
+              <a:t>11/9/2020</a:t>
             </a:fld>
             <a:endParaRPr lang="en-US"/>
           </a:p>
@@ -2149,7 +2149,7 @@
     </p:spTree>
     <p:extLst>
       <p:ext uri="{BB962C8B-B14F-4D97-AF65-F5344CB8AC3E}">
-        <p14:creationId xmlns:p14="http://schemas.microsoft.com/office/powerpoint/2010/main" val="3307106657"/>
+        <p14:creationId xmlns:p14="http://schemas.microsoft.com/office/powerpoint/2010/main" val="1755363994"/>
       </p:ext>
     </p:extLst>
   </p:cSld>
@@ -2188,8 +2188,8 @@
         </p:nvSpPr>
         <p:spPr>
           <a:xfrm>
-            <a:off x="1278599" y="1219200"/>
-            <a:ext cx="5986934" cy="4267200"/>
+            <a:off x="1278599" y="1524000"/>
+            <a:ext cx="5986934" cy="5334000"/>
           </a:xfrm>
         </p:spPr>
         <p:txBody>
@@ -2220,8 +2220,8 @@
         </p:nvSpPr>
         <p:spPr>
           <a:xfrm>
-            <a:off x="7891539" y="2633138"/>
-            <a:ext cx="9397335" cy="12996333"/>
+            <a:off x="7891539" y="3291422"/>
+            <a:ext cx="9397335" cy="16245417"/>
           </a:xfrm>
         </p:spPr>
         <p:txBody>
@@ -2285,8 +2285,8 @@
         </p:nvSpPr>
         <p:spPr>
           <a:xfrm>
-            <a:off x="1278599" y="5486400"/>
-            <a:ext cx="5986934" cy="10164235"/>
+            <a:off x="1278599" y="6858000"/>
+            <a:ext cx="5986934" cy="12705293"/>
           </a:xfrm>
         </p:spPr>
         <p:txBody>
@@ -2355,7 +2355,7 @@
           <a:p>
             <a:fld id="{AAEC4A40-A4AF-4D07-B5DE-5231CAC44A4C}" type="datetimeFigureOut">
               <a:rPr lang="en-US" smtClean="0"/>
-              <a:t>10/30/2020</a:t>
+              <a:t>11/9/2020</a:t>
             </a:fld>
             <a:endParaRPr lang="en-US"/>
           </a:p>
@@ -2406,7 +2406,7 @@
     </p:spTree>
     <p:extLst>
       <p:ext uri="{BB962C8B-B14F-4D97-AF65-F5344CB8AC3E}">
-        <p14:creationId xmlns:p14="http://schemas.microsoft.com/office/powerpoint/2010/main" val="890154138"/>
+        <p14:creationId xmlns:p14="http://schemas.microsoft.com/office/powerpoint/2010/main" val="2106494430"/>
       </p:ext>
     </p:extLst>
   </p:cSld>
@@ -2450,8 +2450,8 @@
         </p:nvSpPr>
         <p:spPr>
           <a:xfrm>
-            <a:off x="1276182" y="973671"/>
-            <a:ext cx="16010275" cy="3534835"/>
+            <a:off x="1276182" y="1217089"/>
+            <a:ext cx="16010275" cy="4418543"/>
           </a:xfrm>
           <a:prstGeom prst="rect">
             <a:avLst/>
@@ -2483,8 +2483,8 @@
         </p:nvSpPr>
         <p:spPr>
           <a:xfrm>
-            <a:off x="1276182" y="4868333"/>
-            <a:ext cx="16010275" cy="11603568"/>
+            <a:off x="1276182" y="6085417"/>
+            <a:ext cx="16010275" cy="14504460"/>
           </a:xfrm>
           <a:prstGeom prst="rect">
             <a:avLst/>
@@ -2545,8 +2545,8 @@
         </p:nvSpPr>
         <p:spPr>
           <a:xfrm>
-            <a:off x="1276181" y="16950271"/>
-            <a:ext cx="4176594" cy="973667"/>
+            <a:off x="1276181" y="21187839"/>
+            <a:ext cx="4176594" cy="1217083"/>
           </a:xfrm>
           <a:prstGeom prst="rect">
             <a:avLst/>
@@ -2568,7 +2568,7 @@
           <a:p>
             <a:fld id="{AAEC4A40-A4AF-4D07-B5DE-5231CAC44A4C}" type="datetimeFigureOut">
               <a:rPr lang="en-US" smtClean="0"/>
-              <a:t>10/30/2020</a:t>
+              <a:t>11/9/2020</a:t>
             </a:fld>
             <a:endParaRPr lang="en-US"/>
           </a:p>
@@ -2586,8 +2586,8 @@
         </p:nvSpPr>
         <p:spPr>
           <a:xfrm>
-            <a:off x="6148874" y="16950271"/>
-            <a:ext cx="6264890" cy="973667"/>
+            <a:off x="6148874" y="21187839"/>
+            <a:ext cx="6264890" cy="1217083"/>
           </a:xfrm>
           <a:prstGeom prst="rect">
             <a:avLst/>
@@ -2623,8 +2623,8 @@
         </p:nvSpPr>
         <p:spPr>
           <a:xfrm>
-            <a:off x="13109863" y="16950271"/>
-            <a:ext cx="4176594" cy="973667"/>
+            <a:off x="13109863" y="21187839"/>
+            <a:ext cx="4176594" cy="1217083"/>
           </a:xfrm>
           <a:prstGeom prst="rect">
             <a:avLst/>
@@ -2655,23 +2655,23 @@
     </p:spTree>
     <p:extLst>
       <p:ext uri="{BB962C8B-B14F-4D97-AF65-F5344CB8AC3E}">
-        <p14:creationId xmlns:p14="http://schemas.microsoft.com/office/powerpoint/2010/main" val="3491720137"/>
+        <p14:creationId xmlns:p14="http://schemas.microsoft.com/office/powerpoint/2010/main" val="35636423"/>
       </p:ext>
     </p:extLst>
   </p:cSld>
   <p:clrMap bg1="lt1" tx1="dk1" bg2="lt2" tx2="dk2" accent1="accent1" accent2="accent2" accent3="accent3" accent4="accent4" accent5="accent5" accent6="accent6" hlink="hlink" folHlink="folHlink"/>
   <p:sldLayoutIdLst>
-    <p:sldLayoutId id="2147483661" r:id="rId1"/>
-    <p:sldLayoutId id="2147483662" r:id="rId2"/>
-    <p:sldLayoutId id="2147483663" r:id="rId3"/>
-    <p:sldLayoutId id="2147483664" r:id="rId4"/>
-    <p:sldLayoutId id="2147483665" r:id="rId5"/>
-    <p:sldLayoutId id="2147483666" r:id="rId6"/>
-    <p:sldLayoutId id="2147483667" r:id="rId7"/>
-    <p:sldLayoutId id="2147483668" r:id="rId8"/>
-    <p:sldLayoutId id="2147483669" r:id="rId9"/>
-    <p:sldLayoutId id="2147483670" r:id="rId10"/>
-    <p:sldLayoutId id="2147483671" r:id="rId11"/>
+    <p:sldLayoutId id="2147483673" r:id="rId1"/>
+    <p:sldLayoutId id="2147483674" r:id="rId2"/>
+    <p:sldLayoutId id="2147483675" r:id="rId3"/>
+    <p:sldLayoutId id="2147483676" r:id="rId4"/>
+    <p:sldLayoutId id="2147483677" r:id="rId5"/>
+    <p:sldLayoutId id="2147483678" r:id="rId6"/>
+    <p:sldLayoutId id="2147483679" r:id="rId7"/>
+    <p:sldLayoutId id="2147483680" r:id="rId8"/>
+    <p:sldLayoutId id="2147483681" r:id="rId9"/>
+    <p:sldLayoutId id="2147483682" r:id="rId10"/>
+    <p:sldLayoutId id="2147483683" r:id="rId11"/>
   </p:sldLayoutIdLst>
   <p:txStyles>
     <p:titleStyle>
@@ -2987,7 +2987,7 @@
         </p:nvSpPr>
         <p:spPr>
           <a:xfrm>
-            <a:off x="125667" y="498388"/>
+            <a:off x="125667" y="2784388"/>
             <a:ext cx="2265030" cy="861774"/>
           </a:xfrm>
           <a:prstGeom prst="rect">
@@ -3027,7 +3027,7 @@
         </p:nvSpPr>
         <p:spPr>
           <a:xfrm>
-            <a:off x="125667" y="5778504"/>
+            <a:off x="125668" y="8064504"/>
             <a:ext cx="2307979" cy="861774"/>
           </a:xfrm>
           <a:prstGeom prst="rect">
@@ -3067,7 +3067,7 @@
         </p:nvSpPr>
         <p:spPr>
           <a:xfrm>
-            <a:off x="6510968" y="5778504"/>
+            <a:off x="6510968" y="8064505"/>
             <a:ext cx="2598742" cy="861774"/>
           </a:xfrm>
           <a:prstGeom prst="rect">
@@ -3107,7 +3107,7 @@
         </p:nvSpPr>
         <p:spPr>
           <a:xfrm>
-            <a:off x="12132328" y="5778504"/>
+            <a:off x="12132328" y="8064504"/>
             <a:ext cx="2307788" cy="861774"/>
           </a:xfrm>
           <a:prstGeom prst="rect">
@@ -3162,7 +3162,7 @@
         </p:blipFill>
         <p:spPr bwMode="auto">
           <a:xfrm>
-            <a:off x="460667" y="1501432"/>
+            <a:off x="460667" y="3787433"/>
             <a:ext cx="10401300" cy="4314825"/>
           </a:xfrm>
           <a:prstGeom prst="rect">
@@ -3209,7 +3209,7 @@
         </p:blipFill>
         <p:spPr bwMode="auto">
           <a:xfrm>
-            <a:off x="460667" y="6640278"/>
+            <a:off x="460668" y="8926279"/>
             <a:ext cx="5724525" cy="4295775"/>
           </a:xfrm>
           <a:prstGeom prst="rect">
@@ -3256,7 +3256,7 @@
         </p:blipFill>
         <p:spPr bwMode="auto">
           <a:xfrm>
-            <a:off x="6510968" y="6732365"/>
+            <a:off x="6510968" y="9018367"/>
             <a:ext cx="4876800" cy="4314825"/>
           </a:xfrm>
           <a:prstGeom prst="rect">
@@ -3303,7 +3303,7 @@
         </p:blipFill>
         <p:spPr bwMode="auto">
           <a:xfrm>
-            <a:off x="12132328" y="6640278"/>
+            <a:off x="12132330" y="8926278"/>
             <a:ext cx="5381625" cy="4171950"/>
           </a:xfrm>
           <a:prstGeom prst="rect">
@@ -3365,7 +3365,7 @@
         </p:nvSpPr>
         <p:spPr>
           <a:xfrm>
-            <a:off x="125667" y="243784"/>
+            <a:off x="125668" y="2529784"/>
             <a:ext cx="7863301" cy="1077218"/>
           </a:xfrm>
           <a:prstGeom prst="rect">
@@ -3442,7 +3442,7 @@
         </p:blipFill>
         <p:spPr bwMode="auto">
           <a:xfrm>
-            <a:off x="348874" y="1374968"/>
+            <a:off x="348874" y="3660969"/>
             <a:ext cx="6362700" cy="4295775"/>
           </a:xfrm>
           <a:prstGeom prst="rect">
@@ -3489,7 +3489,7 @@
         </p:blipFill>
         <p:spPr bwMode="auto">
           <a:xfrm>
-            <a:off x="7505065" y="1435100"/>
+            <a:off x="7505065" y="3721102"/>
             <a:ext cx="4876800" cy="4314825"/>
           </a:xfrm>
           <a:prstGeom prst="rect">
@@ -3521,7 +3521,7 @@
         </p:nvSpPr>
         <p:spPr>
           <a:xfrm>
-            <a:off x="125667" y="5873754"/>
+            <a:off x="125668" y="8159755"/>
             <a:ext cx="4420933" cy="769441"/>
           </a:xfrm>
           <a:prstGeom prst="rect">
@@ -3569,7 +3569,7 @@
         </p:nvSpPr>
         <p:spPr>
           <a:xfrm>
-            <a:off x="6560018" y="5873754"/>
+            <a:off x="6560018" y="8159756"/>
             <a:ext cx="4209582" cy="769441"/>
           </a:xfrm>
           <a:prstGeom prst="rect">
@@ -3617,7 +3617,7 @@
         </p:nvSpPr>
         <p:spPr>
           <a:xfrm>
-            <a:off x="12132328" y="5873754"/>
+            <a:off x="12132328" y="8159756"/>
             <a:ext cx="4584408" cy="769441"/>
           </a:xfrm>
           <a:prstGeom prst="rect">
@@ -3680,7 +3680,7 @@
         </p:blipFill>
         <p:spPr bwMode="auto">
           <a:xfrm>
-            <a:off x="460667" y="6735528"/>
+            <a:off x="460668" y="9021529"/>
             <a:ext cx="5724525" cy="4295775"/>
           </a:xfrm>
           <a:prstGeom prst="rect">
@@ -3727,7 +3727,7 @@
         </p:blipFill>
         <p:spPr bwMode="auto">
           <a:xfrm>
-            <a:off x="6510968" y="6827615"/>
+            <a:off x="6510968" y="9113617"/>
             <a:ext cx="4876800" cy="4314825"/>
           </a:xfrm>
           <a:prstGeom prst="rect">
@@ -3774,7 +3774,7 @@
         </p:blipFill>
         <p:spPr bwMode="auto">
           <a:xfrm>
-            <a:off x="12132328" y="6735528"/>
+            <a:off x="12132330" y="9021528"/>
             <a:ext cx="5381625" cy="4171950"/>
           </a:xfrm>
           <a:prstGeom prst="rect">
@@ -3806,7 +3806,7 @@
         </p:nvSpPr>
         <p:spPr>
           <a:xfrm>
-            <a:off x="7547611" y="243870"/>
+            <a:off x="7547611" y="2529871"/>
             <a:ext cx="4288790" cy="1077218"/>
           </a:xfrm>
           <a:prstGeom prst="rect">
@@ -3898,8 +3898,8 @@
         </p:nvSpPr>
         <p:spPr>
           <a:xfrm>
-            <a:off x="325770" y="474795"/>
-            <a:ext cx="2226930" cy="861774"/>
+            <a:off x="423244" y="322395"/>
+            <a:ext cx="5078396" cy="707886"/>
           </a:xfrm>
           <a:prstGeom prst="rect">
             <a:avLst/>
@@ -3913,14 +3913,37 @@
           <a:lstStyle/>
           <a:p>
             <a:r>
-              <a:rPr lang="en-US" sz="5000" b="1" dirty="0"/>
-              <a:t>a</a:t>
-            </a:r>
-            <a:r>
-              <a:rPr lang="en-US" sz="5000" dirty="0"/>
-              <a:t>) YI6</a:t>
-            </a:r>
-            <a:endParaRPr lang="en-US" sz="5000" b="1" dirty="0"/>
+              <a:rPr lang="en-US" sz="4000" b="1" dirty="0">
+                <a:latin typeface="Arial" panose="020B0604020202020204" pitchFamily="34" charset="0"/>
+                <a:cs typeface="Arial" panose="020B0604020202020204" pitchFamily="34" charset="0"/>
+              </a:rPr>
+              <a:t>A</a:t>
+            </a:r>
+            <a:r>
+              <a:rPr lang="en-US" sz="4000" dirty="0">
+                <a:latin typeface="Arial" panose="020B0604020202020204" pitchFamily="34" charset="0"/>
+                <a:cs typeface="Arial" panose="020B0604020202020204" pitchFamily="34" charset="0"/>
+              </a:rPr>
+              <a:t>) </a:t>
+            </a:r>
+            <a:r>
+              <a:rPr lang="en-US" sz="4000" i="1" dirty="0">
+                <a:latin typeface="Arial" panose="020B0604020202020204" pitchFamily="34" charset="0"/>
+                <a:cs typeface="Arial" panose="020B0604020202020204" pitchFamily="34" charset="0"/>
+              </a:rPr>
+              <a:t>E. faecalis </a:t>
+            </a:r>
+            <a:r>
+              <a:rPr lang="en-US" sz="4000" dirty="0">
+                <a:latin typeface="Arial" panose="020B0604020202020204" pitchFamily="34" charset="0"/>
+                <a:cs typeface="Arial" panose="020B0604020202020204" pitchFamily="34" charset="0"/>
+              </a:rPr>
+              <a:t>Yi6-1</a:t>
+            </a:r>
+            <a:endParaRPr lang="en-US" sz="4000" b="1" dirty="0">
+              <a:latin typeface="Arial" panose="020B0604020202020204" pitchFamily="34" charset="0"/>
+              <a:cs typeface="Arial" panose="020B0604020202020204" pitchFamily="34" charset="0"/>
+            </a:endParaRPr>
           </a:p>
         </p:txBody>
       </p:sp>
@@ -3938,8 +3961,8 @@
         </p:nvSpPr>
         <p:spPr>
           <a:xfrm>
-            <a:off x="390122" y="5043404"/>
-            <a:ext cx="2410228" cy="861774"/>
+            <a:off x="295206" y="5364728"/>
+            <a:ext cx="5709354" cy="707886"/>
           </a:xfrm>
           <a:prstGeom prst="rect">
             <a:avLst/>
@@ -3953,14 +3976,37 @@
           <a:lstStyle/>
           <a:p>
             <a:r>
-              <a:rPr lang="en-US" sz="5000" b="1" dirty="0"/>
-              <a:t>b</a:t>
-            </a:r>
-            <a:r>
-              <a:rPr lang="en-US" sz="5000" dirty="0"/>
-              <a:t>) EF06</a:t>
-            </a:r>
-            <a:endParaRPr lang="en-US" sz="5000" b="1" dirty="0"/>
+              <a:rPr lang="en-US" sz="4000" b="1" dirty="0">
+                <a:latin typeface="Arial" panose="020B0604020202020204" pitchFamily="34" charset="0"/>
+                <a:cs typeface="Arial" panose="020B0604020202020204" pitchFamily="34" charset="0"/>
+              </a:rPr>
+              <a:t>B</a:t>
+            </a:r>
+            <a:r>
+              <a:rPr lang="en-US" sz="4000" dirty="0">
+                <a:latin typeface="Arial" panose="020B0604020202020204" pitchFamily="34" charset="0"/>
+                <a:cs typeface="Arial" panose="020B0604020202020204" pitchFamily="34" charset="0"/>
+              </a:rPr>
+              <a:t>) </a:t>
+            </a:r>
+            <a:r>
+              <a:rPr lang="en-US" sz="4000" i="1" dirty="0">
+                <a:latin typeface="Arial" panose="020B0604020202020204" pitchFamily="34" charset="0"/>
+                <a:cs typeface="Arial" panose="020B0604020202020204" pitchFamily="34" charset="0"/>
+              </a:rPr>
+              <a:t>E. faecalis </a:t>
+            </a:r>
+            <a:r>
+              <a:rPr lang="en-US" sz="4000" dirty="0">
+                <a:latin typeface="Arial" panose="020B0604020202020204" pitchFamily="34" charset="0"/>
+                <a:cs typeface="Arial" panose="020B0604020202020204" pitchFamily="34" charset="0"/>
+              </a:rPr>
+              <a:t>EF06</a:t>
+            </a:r>
+            <a:endParaRPr lang="en-US" sz="4000" b="1" dirty="0">
+              <a:latin typeface="Arial" panose="020B0604020202020204" pitchFamily="34" charset="0"/>
+              <a:cs typeface="Arial" panose="020B0604020202020204" pitchFamily="34" charset="0"/>
+            </a:endParaRPr>
           </a:p>
         </p:txBody>
       </p:sp>
@@ -3978,8 +4024,8 @@
         </p:nvSpPr>
         <p:spPr>
           <a:xfrm>
-            <a:off x="390122" y="9506474"/>
-            <a:ext cx="2410228" cy="861774"/>
+            <a:off x="423244" y="10116081"/>
+            <a:ext cx="5078396" cy="707886"/>
           </a:xfrm>
           <a:prstGeom prst="rect">
             <a:avLst/>
@@ -3993,14 +4039,37 @@
           <a:lstStyle/>
           <a:p>
             <a:r>
-              <a:rPr lang="en-US" sz="5000" b="1" dirty="0"/>
-              <a:t>c</a:t>
-            </a:r>
-            <a:r>
-              <a:rPr lang="en-US" sz="5000" dirty="0"/>
-              <a:t>) EF11</a:t>
-            </a:r>
-            <a:endParaRPr lang="en-US" sz="5000" b="1" dirty="0"/>
+              <a:rPr lang="en-US" sz="4000" b="1" dirty="0">
+                <a:latin typeface="Arial" panose="020B0604020202020204" pitchFamily="34" charset="0"/>
+                <a:cs typeface="Arial" panose="020B0604020202020204" pitchFamily="34" charset="0"/>
+              </a:rPr>
+              <a:t>C</a:t>
+            </a:r>
+            <a:r>
+              <a:rPr lang="en-US" sz="4000" dirty="0">
+                <a:latin typeface="Arial" panose="020B0604020202020204" pitchFamily="34" charset="0"/>
+                <a:cs typeface="Arial" panose="020B0604020202020204" pitchFamily="34" charset="0"/>
+              </a:rPr>
+              <a:t>) </a:t>
+            </a:r>
+            <a:r>
+              <a:rPr lang="en-US" sz="4000" i="1" dirty="0">
+                <a:latin typeface="Arial" panose="020B0604020202020204" pitchFamily="34" charset="0"/>
+                <a:cs typeface="Arial" panose="020B0604020202020204" pitchFamily="34" charset="0"/>
+              </a:rPr>
+              <a:t>E. faecalis </a:t>
+            </a:r>
+            <a:r>
+              <a:rPr lang="en-US" sz="4000" dirty="0">
+                <a:latin typeface="Arial" panose="020B0604020202020204" pitchFamily="34" charset="0"/>
+                <a:cs typeface="Arial" panose="020B0604020202020204" pitchFamily="34" charset="0"/>
+              </a:rPr>
+              <a:t>EF11</a:t>
+            </a:r>
+            <a:endParaRPr lang="en-US" sz="4000" b="1" dirty="0">
+              <a:latin typeface="Arial" panose="020B0604020202020204" pitchFamily="34" charset="0"/>
+              <a:cs typeface="Arial" panose="020B0604020202020204" pitchFamily="34" charset="0"/>
+            </a:endParaRPr>
           </a:p>
         </p:txBody>
       </p:sp>
@@ -4033,7 +4102,7 @@
         </p:blipFill>
         <p:spPr bwMode="auto">
           <a:xfrm>
-            <a:off x="615633" y="1226141"/>
+            <a:off x="615634" y="1073741"/>
             <a:ext cx="10563225" cy="4248150"/>
           </a:xfrm>
           <a:prstGeom prst="rect">
@@ -4080,7 +4149,7 @@
         </p:blipFill>
         <p:spPr bwMode="auto">
           <a:xfrm>
-            <a:off x="615633" y="5810903"/>
+            <a:off x="423244" y="6132228"/>
             <a:ext cx="11839575" cy="4295775"/>
           </a:xfrm>
           <a:prstGeom prst="rect">
@@ -4127,7 +4196,7 @@
         </p:blipFill>
         <p:spPr bwMode="auto">
           <a:xfrm>
-            <a:off x="615633" y="10443290"/>
+            <a:off x="429577" y="10870011"/>
             <a:ext cx="10144125" cy="4314825"/>
           </a:xfrm>
           <a:prstGeom prst="rect">
@@ -4145,6 +4214,116 @@
           </a:extLst>
         </p:spPr>
       </p:pic>
+      <p:pic>
+        <p:nvPicPr>
+          <p:cNvPr id="1026" name="Picture 2">
+            <a:extLst>
+              <a:ext uri="{FF2B5EF4-FFF2-40B4-BE49-F238E27FC236}">
+                <a16:creationId xmlns:a16="http://schemas.microsoft.com/office/drawing/2014/main" id="{D9D497AE-E1BE-4762-958D-BA617F7F7073}"/>
+              </a:ext>
+            </a:extLst>
+          </p:cNvPr>
+          <p:cNvPicPr>
+            <a:picLocks noChangeAspect="1" noChangeArrowheads="1"/>
+          </p:cNvPicPr>
+          <p:nvPr/>
+        </p:nvPicPr>
+        <p:blipFill>
+          <a:blip r:embed="rId5">
+            <a:extLst>
+              <a:ext uri="{28A0092B-C50C-407E-A947-70E740481C1C}">
+                <a14:useLocalDpi xmlns:a14="http://schemas.microsoft.com/office/drawing/2010/main" val="0"/>
+              </a:ext>
+            </a:extLst>
+          </a:blip>
+          <a:srcRect/>
+          <a:stretch>
+            <a:fillRect/>
+          </a:stretch>
+        </p:blipFill>
+        <p:spPr bwMode="auto">
+          <a:xfrm>
+            <a:off x="423244" y="15984810"/>
+            <a:ext cx="7229475" cy="4171950"/>
+          </a:xfrm>
+          <a:prstGeom prst="rect">
+            <a:avLst/>
+          </a:prstGeom>
+          <a:noFill/>
+          <a:extLst>
+            <a:ext uri="{909E8E84-426E-40DD-AFC4-6F175D3DCCD1}">
+              <a14:hiddenFill xmlns:a14="http://schemas.microsoft.com/office/drawing/2010/main">
+                <a:solidFill>
+                  <a:srgbClr val="FFFFFF"/>
+                </a:solidFill>
+              </a14:hiddenFill>
+            </a:ext>
+          </a:extLst>
+        </p:spPr>
+      </p:pic>
+      <p:sp>
+        <p:nvSpPr>
+          <p:cNvPr id="2" name="TextBox 1">
+            <a:extLst>
+              <a:ext uri="{FF2B5EF4-FFF2-40B4-BE49-F238E27FC236}">
+                <a16:creationId xmlns:a16="http://schemas.microsoft.com/office/drawing/2014/main" id="{18952644-4033-405D-AF02-3E56C82E47CC}"/>
+              </a:ext>
+            </a:extLst>
+          </p:cNvPr>
+          <p:cNvSpPr txBox="1"/>
+          <p:nvPr/>
+        </p:nvSpPr>
+        <p:spPr>
+          <a:xfrm>
+            <a:off x="423244" y="15230880"/>
+            <a:ext cx="4865036" cy="707886"/>
+          </a:xfrm>
+          <a:prstGeom prst="rect">
+            <a:avLst/>
+          </a:prstGeom>
+          <a:noFill/>
+        </p:spPr>
+        <p:txBody>
+          <a:bodyPr wrap="square" rtlCol="0">
+            <a:spAutoFit/>
+          </a:bodyPr>
+          <a:lstStyle/>
+          <a:p>
+            <a:r>
+              <a:rPr lang="en-US" sz="4000" b="1" dirty="0">
+                <a:latin typeface="Arial" panose="020B0604020202020204" pitchFamily="34" charset="0"/>
+                <a:cs typeface="Arial" panose="020B0604020202020204" pitchFamily="34" charset="0"/>
+              </a:rPr>
+              <a:t>D</a:t>
+            </a:r>
+            <a:r>
+              <a:rPr lang="en-US" sz="4000" dirty="0">
+                <a:latin typeface="Arial" panose="020B0604020202020204" pitchFamily="34" charset="0"/>
+                <a:cs typeface="Arial" panose="020B0604020202020204" pitchFamily="34" charset="0"/>
+              </a:rPr>
+              <a:t>) </a:t>
+            </a:r>
+            <a:r>
+              <a:rPr lang="en-US" sz="4000" i="1" dirty="0">
+                <a:latin typeface="Arial" panose="020B0604020202020204" pitchFamily="34" charset="0"/>
+                <a:cs typeface="Arial" panose="020B0604020202020204" pitchFamily="34" charset="0"/>
+              </a:rPr>
+              <a:t>E. faecalis </a:t>
+            </a:r>
+            <a:r>
+              <a:rPr lang="en-US" sz="4000" dirty="0">
+                <a:latin typeface="Arial" panose="020B0604020202020204" pitchFamily="34" charset="0"/>
+                <a:cs typeface="Arial" panose="020B0604020202020204" pitchFamily="34" charset="0"/>
+              </a:rPr>
+              <a:t>V587</a:t>
+            </a:r>
+            <a:endParaRPr lang="en-US" sz="4000" b="1" dirty="0">
+              <a:latin typeface="Arial" panose="020B0604020202020204" pitchFamily="34" charset="0"/>
+              <a:cs typeface="Arial" panose="020B0604020202020204" pitchFamily="34" charset="0"/>
+            </a:endParaRPr>
+          </a:p>
+        </p:txBody>
+      </p:sp>
     </p:spTree>
     <p:extLst>
       <p:ext uri="{BB962C8B-B14F-4D97-AF65-F5344CB8AC3E}">

--- a/figures/Figures.pptx
+++ b/figures/Figures.pptx
@@ -7,7 +7,8 @@
   <p:sldIdLst>
     <p:sldId id="256" r:id="rId2"/>
     <p:sldId id="258" r:id="rId3"/>
-    <p:sldId id="257" r:id="rId4"/>
+    <p:sldId id="259" r:id="rId4"/>
+    <p:sldId id="257" r:id="rId5"/>
   </p:sldIdLst>
   <p:sldSz cx="18562638" cy="22860000"/>
   <p:notesSz cx="6858000" cy="9144000"/>
@@ -245,7 +246,7 @@
           <a:p>
             <a:fld id="{AAEC4A40-A4AF-4D07-B5DE-5231CAC44A4C}" type="datetimeFigureOut">
               <a:rPr lang="en-US" smtClean="0"/>
-              <a:t>11/9/2020</a:t>
+              <a:t>11/18/2020</a:t>
             </a:fld>
             <a:endParaRPr lang="en-US"/>
           </a:p>
@@ -415,7 +416,7 @@
           <a:p>
             <a:fld id="{AAEC4A40-A4AF-4D07-B5DE-5231CAC44A4C}" type="datetimeFigureOut">
               <a:rPr lang="en-US" smtClean="0"/>
-              <a:t>11/9/2020</a:t>
+              <a:t>11/18/2020</a:t>
             </a:fld>
             <a:endParaRPr lang="en-US"/>
           </a:p>
@@ -595,7 +596,7 @@
           <a:p>
             <a:fld id="{AAEC4A40-A4AF-4D07-B5DE-5231CAC44A4C}" type="datetimeFigureOut">
               <a:rPr lang="en-US" smtClean="0"/>
-              <a:t>11/9/2020</a:t>
+              <a:t>11/18/2020</a:t>
             </a:fld>
             <a:endParaRPr lang="en-US"/>
           </a:p>
@@ -765,7 +766,7 @@
           <a:p>
             <a:fld id="{AAEC4A40-A4AF-4D07-B5DE-5231CAC44A4C}" type="datetimeFigureOut">
               <a:rPr lang="en-US" smtClean="0"/>
-              <a:t>11/9/2020</a:t>
+              <a:t>11/18/2020</a:t>
             </a:fld>
             <a:endParaRPr lang="en-US"/>
           </a:p>
@@ -1009,7 +1010,7 @@
           <a:p>
             <a:fld id="{AAEC4A40-A4AF-4D07-B5DE-5231CAC44A4C}" type="datetimeFigureOut">
               <a:rPr lang="en-US" smtClean="0"/>
-              <a:t>11/9/2020</a:t>
+              <a:t>11/18/2020</a:t>
             </a:fld>
             <a:endParaRPr lang="en-US"/>
           </a:p>
@@ -1241,7 +1242,7 @@
           <a:p>
             <a:fld id="{AAEC4A40-A4AF-4D07-B5DE-5231CAC44A4C}" type="datetimeFigureOut">
               <a:rPr lang="en-US" smtClean="0"/>
-              <a:t>11/9/2020</a:t>
+              <a:t>11/18/2020</a:t>
             </a:fld>
             <a:endParaRPr lang="en-US"/>
           </a:p>
@@ -1608,7 +1609,7 @@
           <a:p>
             <a:fld id="{AAEC4A40-A4AF-4D07-B5DE-5231CAC44A4C}" type="datetimeFigureOut">
               <a:rPr lang="en-US" smtClean="0"/>
-              <a:t>11/9/2020</a:t>
+              <a:t>11/18/2020</a:t>
             </a:fld>
             <a:endParaRPr lang="en-US"/>
           </a:p>
@@ -1726,7 +1727,7 @@
           <a:p>
             <a:fld id="{AAEC4A40-A4AF-4D07-B5DE-5231CAC44A4C}" type="datetimeFigureOut">
               <a:rPr lang="en-US" smtClean="0"/>
-              <a:t>11/9/2020</a:t>
+              <a:t>11/18/2020</a:t>
             </a:fld>
             <a:endParaRPr lang="en-US"/>
           </a:p>
@@ -1821,7 +1822,7 @@
           <a:p>
             <a:fld id="{AAEC4A40-A4AF-4D07-B5DE-5231CAC44A4C}" type="datetimeFigureOut">
               <a:rPr lang="en-US" smtClean="0"/>
-              <a:t>11/9/2020</a:t>
+              <a:t>11/18/2020</a:t>
             </a:fld>
             <a:endParaRPr lang="en-US"/>
           </a:p>
@@ -2098,7 +2099,7 @@
           <a:p>
             <a:fld id="{AAEC4A40-A4AF-4D07-B5DE-5231CAC44A4C}" type="datetimeFigureOut">
               <a:rPr lang="en-US" smtClean="0"/>
-              <a:t>11/9/2020</a:t>
+              <a:t>11/18/2020</a:t>
             </a:fld>
             <a:endParaRPr lang="en-US"/>
           </a:p>
@@ -2355,7 +2356,7 @@
           <a:p>
             <a:fld id="{AAEC4A40-A4AF-4D07-B5DE-5231CAC44A4C}" type="datetimeFigureOut">
               <a:rPr lang="en-US" smtClean="0"/>
-              <a:t>11/9/2020</a:t>
+              <a:t>11/18/2020</a:t>
             </a:fld>
             <a:endParaRPr lang="en-US"/>
           </a:p>
@@ -2568,7 +2569,7 @@
           <a:p>
             <a:fld id="{AAEC4A40-A4AF-4D07-B5DE-5231CAC44A4C}" type="datetimeFigureOut">
               <a:rPr lang="en-US" smtClean="0"/>
-              <a:t>11/9/2020</a:t>
+              <a:t>11/18/2020</a:t>
             </a:fld>
             <a:endParaRPr lang="en-US"/>
           </a:p>
@@ -3353,6 +3354,58 @@
       </p:grpSpPr>
       <p:sp>
         <p:nvSpPr>
+          <p:cNvPr id="2" name="Rectangle 1">
+            <a:extLst>
+              <a:ext uri="{FF2B5EF4-FFF2-40B4-BE49-F238E27FC236}">
+                <a16:creationId xmlns:a16="http://schemas.microsoft.com/office/drawing/2014/main" id="{8DA4DBB0-0245-4960-BCB2-E112BF87B22C}"/>
+              </a:ext>
+            </a:extLst>
+          </p:cNvPr>
+          <p:cNvSpPr/>
+          <p:nvPr/>
+        </p:nvSpPr>
+        <p:spPr>
+          <a:xfrm>
+            <a:off x="125668" y="2529784"/>
+            <a:ext cx="17976302" cy="11303447"/>
+          </a:xfrm>
+          <a:prstGeom prst="rect">
+            <a:avLst/>
+          </a:prstGeom>
+          <a:solidFill>
+            <a:schemeClr val="bg1"/>
+          </a:solidFill>
+          <a:ln>
+            <a:noFill/>
+          </a:ln>
+        </p:spPr>
+        <p:style>
+          <a:lnRef idx="2">
+            <a:schemeClr val="accent1">
+              <a:shade val="50000"/>
+            </a:schemeClr>
+          </a:lnRef>
+          <a:fillRef idx="1">
+            <a:schemeClr val="accent1"/>
+          </a:fillRef>
+          <a:effectRef idx="0">
+            <a:schemeClr val="accent1"/>
+          </a:effectRef>
+          <a:fontRef idx="minor">
+            <a:schemeClr val="lt1"/>
+          </a:fontRef>
+        </p:style>
+        <p:txBody>
+          <a:bodyPr rtlCol="0" anchor="ctr"/>
+          <a:lstStyle/>
+          <a:p>
+            <a:pPr algn="ctr"/>
+            <a:endParaRPr lang="en-US"/>
+          </a:p>
+        </p:txBody>
+      </p:sp>
+      <p:sp>
+        <p:nvSpPr>
           <p:cNvPr id="5" name="TextBox 4">
             <a:extLst>
               <a:ext uri="{FF2B5EF4-FFF2-40B4-BE49-F238E27FC236}">
@@ -3366,7 +3419,7 @@
         <p:spPr>
           <a:xfrm>
             <a:off x="125668" y="2529784"/>
-            <a:ext cx="7863301" cy="1077218"/>
+            <a:ext cx="7863301" cy="1015663"/>
           </a:xfrm>
           <a:prstGeom prst="rect">
             <a:avLst/>
@@ -3380,36 +3433,60 @@
           <a:lstStyle/>
           <a:p>
             <a:r>
-              <a:rPr lang="en-US" sz="4400" b="1" dirty="0"/>
-              <a:t>a</a:t>
-            </a:r>
-            <a:r>
-              <a:rPr lang="en-US" sz="4400" dirty="0"/>
+              <a:rPr lang="en-US" sz="4000" b="1" dirty="0">
+                <a:latin typeface="Arial" panose="020B0604020202020204" pitchFamily="34" charset="0"/>
+                <a:cs typeface="Arial" panose="020B0604020202020204" pitchFamily="34" charset="0"/>
+              </a:rPr>
+              <a:t>A</a:t>
+            </a:r>
+            <a:r>
+              <a:rPr lang="en-US" sz="4000" dirty="0">
+                <a:latin typeface="Arial" panose="020B0604020202020204" pitchFamily="34" charset="0"/>
+                <a:cs typeface="Arial" panose="020B0604020202020204" pitchFamily="34" charset="0"/>
+              </a:rPr>
               <a:t>) </a:t>
             </a:r>
             <a:r>
-              <a:rPr lang="en-US" sz="4400" i="1" dirty="0"/>
+              <a:rPr lang="en-US" sz="4000" i="1" dirty="0">
+                <a:latin typeface="Arial" panose="020B0604020202020204" pitchFamily="34" charset="0"/>
+                <a:cs typeface="Arial" panose="020B0604020202020204" pitchFamily="34" charset="0"/>
+              </a:rPr>
               <a:t>E. faecalis </a:t>
             </a:r>
             <a:r>
-              <a:rPr lang="en-US" sz="4400" dirty="0"/>
-              <a:t>YI6</a:t>
-            </a:r>
-          </a:p>
-          <a:p>
-            <a:r>
-              <a:rPr lang="en-US" sz="2000" dirty="0"/>
+              <a:rPr lang="en-US" sz="4000" dirty="0">
+                <a:latin typeface="Arial" panose="020B0604020202020204" pitchFamily="34" charset="0"/>
+                <a:cs typeface="Arial" panose="020B0604020202020204" pitchFamily="34" charset="0"/>
+              </a:rPr>
+              <a:t>Yi6-1</a:t>
+            </a:r>
+          </a:p>
+          <a:p>
+            <a:r>
+              <a:rPr lang="en-US" sz="2000" dirty="0">
+                <a:latin typeface="Arial" panose="020B0604020202020204" pitchFamily="34" charset="0"/>
+                <a:cs typeface="Arial" panose="020B0604020202020204" pitchFamily="34" charset="0"/>
+              </a:rPr>
               <a:t>	Individual phages </a:t>
             </a:r>
             <a:r>
-              <a:rPr lang="en-US" sz="2000" b="1" dirty="0"/>
+              <a:rPr lang="en-US" sz="2000" b="1" dirty="0">
+                <a:latin typeface="Arial" panose="020B0604020202020204" pitchFamily="34" charset="0"/>
+                <a:cs typeface="Arial" panose="020B0604020202020204" pitchFamily="34" charset="0"/>
+              </a:rPr>
               <a:t>don’t</a:t>
             </a:r>
             <a:r>
-              <a:rPr lang="en-US" sz="2000" dirty="0"/>
+              <a:rPr lang="en-US" sz="2000" dirty="0">
+                <a:latin typeface="Arial" panose="020B0604020202020204" pitchFamily="34" charset="0"/>
+                <a:cs typeface="Arial" panose="020B0604020202020204" pitchFamily="34" charset="0"/>
+              </a:rPr>
               <a:t> clear host</a:t>
             </a:r>
-            <a:endParaRPr lang="en-US" sz="2000" b="1" dirty="0"/>
+            <a:endParaRPr lang="en-US" sz="2000" b="1" dirty="0">
+              <a:latin typeface="Arial" panose="020B0604020202020204" pitchFamily="34" charset="0"/>
+              <a:cs typeface="Arial" panose="020B0604020202020204" pitchFamily="34" charset="0"/>
+            </a:endParaRPr>
           </a:p>
         </p:txBody>
       </p:sp>
@@ -3521,8 +3598,8 @@
         </p:nvSpPr>
         <p:spPr>
           <a:xfrm>
-            <a:off x="125668" y="8159755"/>
-            <a:ext cx="4420933" cy="769441"/>
+            <a:off x="125668" y="8296915"/>
+            <a:ext cx="5022570" cy="707886"/>
           </a:xfrm>
           <a:prstGeom prst="rect">
             <a:avLst/>
@@ -3536,22 +3613,37 @@
           <a:lstStyle/>
           <a:p>
             <a:r>
-              <a:rPr lang="en-US" sz="4400" b="1" dirty="0"/>
-              <a:t>c</a:t>
-            </a:r>
-            <a:r>
-              <a:rPr lang="en-US" sz="4400" dirty="0"/>
+              <a:rPr lang="en-US" sz="4000" b="1" dirty="0">
+                <a:latin typeface="Arial" panose="020B0604020202020204" pitchFamily="34" charset="0"/>
+                <a:cs typeface="Arial" panose="020B0604020202020204" pitchFamily="34" charset="0"/>
+              </a:rPr>
+              <a:t>C</a:t>
+            </a:r>
+            <a:r>
+              <a:rPr lang="en-US" sz="4000" dirty="0">
+                <a:latin typeface="Arial" panose="020B0604020202020204" pitchFamily="34" charset="0"/>
+                <a:cs typeface="Arial" panose="020B0604020202020204" pitchFamily="34" charset="0"/>
+              </a:rPr>
               <a:t>) </a:t>
             </a:r>
             <a:r>
-              <a:rPr lang="en-US" sz="4400" i="1" dirty="0"/>
+              <a:rPr lang="en-US" sz="4000" i="1" dirty="0">
+                <a:latin typeface="Arial" panose="020B0604020202020204" pitchFamily="34" charset="0"/>
+                <a:cs typeface="Arial" panose="020B0604020202020204" pitchFamily="34" charset="0"/>
+              </a:rPr>
               <a:t>E. faecalis </a:t>
             </a:r>
             <a:r>
-              <a:rPr lang="en-US" sz="4400" dirty="0"/>
+              <a:rPr lang="en-US" sz="4000" dirty="0">
+                <a:latin typeface="Arial" panose="020B0604020202020204" pitchFamily="34" charset="0"/>
+                <a:cs typeface="Arial" panose="020B0604020202020204" pitchFamily="34" charset="0"/>
+              </a:rPr>
               <a:t>EF06</a:t>
             </a:r>
-            <a:endParaRPr lang="en-US" sz="4400" b="1" dirty="0"/>
+            <a:endParaRPr lang="en-US" sz="4000" b="1" dirty="0">
+              <a:latin typeface="Arial" panose="020B0604020202020204" pitchFamily="34" charset="0"/>
+              <a:cs typeface="Arial" panose="020B0604020202020204" pitchFamily="34" charset="0"/>
+            </a:endParaRPr>
           </a:p>
         </p:txBody>
       </p:sp>
@@ -3569,8 +3661,8 @@
         </p:nvSpPr>
         <p:spPr>
           <a:xfrm>
-            <a:off x="6560018" y="8159756"/>
-            <a:ext cx="4209582" cy="769441"/>
+            <a:off x="6560017" y="8296916"/>
+            <a:ext cx="4584407" cy="707886"/>
           </a:xfrm>
           <a:prstGeom prst="rect">
             <a:avLst/>
@@ -3584,22 +3676,30 @@
           <a:lstStyle/>
           <a:p>
             <a:r>
-              <a:rPr lang="en-US" sz="4400" b="1" dirty="0"/>
-              <a:t>d</a:t>
-            </a:r>
-            <a:r>
-              <a:rPr lang="en-US" sz="4400" dirty="0"/>
-              <a:t>) </a:t>
-            </a:r>
-            <a:r>
-              <a:rPr lang="en-US" sz="4400" i="1" dirty="0"/>
+              <a:rPr lang="en-US" sz="4000" dirty="0">
+                <a:latin typeface="Arial" panose="020B0604020202020204" pitchFamily="34" charset="0"/>
+                <a:cs typeface="Arial" panose="020B0604020202020204" pitchFamily="34" charset="0"/>
+              </a:rPr>
+              <a:t>D) </a:t>
+            </a:r>
+            <a:r>
+              <a:rPr lang="en-US" sz="4000" i="1" dirty="0">
+                <a:latin typeface="Arial" panose="020B0604020202020204" pitchFamily="34" charset="0"/>
+                <a:cs typeface="Arial" panose="020B0604020202020204" pitchFamily="34" charset="0"/>
+              </a:rPr>
               <a:t>E. faecalis </a:t>
             </a:r>
             <a:r>
-              <a:rPr lang="en-US" sz="4400" dirty="0"/>
+              <a:rPr lang="en-US" sz="4000" dirty="0">
+                <a:latin typeface="Arial" panose="020B0604020202020204" pitchFamily="34" charset="0"/>
+                <a:cs typeface="Arial" panose="020B0604020202020204" pitchFamily="34" charset="0"/>
+              </a:rPr>
               <a:t>Ef11</a:t>
             </a:r>
-            <a:endParaRPr lang="en-US" sz="4400" b="1" dirty="0"/>
+            <a:endParaRPr lang="en-US" sz="4000" b="1" dirty="0">
+              <a:latin typeface="Arial" panose="020B0604020202020204" pitchFamily="34" charset="0"/>
+              <a:cs typeface="Arial" panose="020B0604020202020204" pitchFamily="34" charset="0"/>
+            </a:endParaRPr>
           </a:p>
         </p:txBody>
       </p:sp>
@@ -3617,8 +3717,8 @@
         </p:nvSpPr>
         <p:spPr>
           <a:xfrm>
-            <a:off x="12132328" y="8159756"/>
-            <a:ext cx="4584408" cy="769441"/>
+            <a:off x="12132328" y="8296916"/>
+            <a:ext cx="4584408" cy="707886"/>
           </a:xfrm>
           <a:prstGeom prst="rect">
             <a:avLst/>
@@ -3632,22 +3732,37 @@
           <a:lstStyle/>
           <a:p>
             <a:r>
-              <a:rPr lang="en-US" sz="4400" b="1" dirty="0"/>
-              <a:t>e</a:t>
-            </a:r>
-            <a:r>
-              <a:rPr lang="en-US" sz="4400" dirty="0"/>
+              <a:rPr lang="en-US" sz="4000" b="1" dirty="0">
+                <a:latin typeface="Arial" panose="020B0604020202020204" pitchFamily="34" charset="0"/>
+                <a:cs typeface="Arial" panose="020B0604020202020204" pitchFamily="34" charset="0"/>
+              </a:rPr>
+              <a:t>E</a:t>
+            </a:r>
+            <a:r>
+              <a:rPr lang="en-US" sz="4000" dirty="0">
+                <a:latin typeface="Arial" panose="020B0604020202020204" pitchFamily="34" charset="0"/>
+                <a:cs typeface="Arial" panose="020B0604020202020204" pitchFamily="34" charset="0"/>
+              </a:rPr>
               <a:t>) </a:t>
             </a:r>
             <a:r>
-              <a:rPr lang="en-US" sz="4400" i="1" dirty="0"/>
+              <a:rPr lang="en-US" sz="4000" i="1" dirty="0">
+                <a:latin typeface="Arial" panose="020B0604020202020204" pitchFamily="34" charset="0"/>
+                <a:cs typeface="Arial" panose="020B0604020202020204" pitchFamily="34" charset="0"/>
+              </a:rPr>
               <a:t>E. faecalis </a:t>
             </a:r>
             <a:r>
-              <a:rPr lang="en-US" sz="4400" dirty="0"/>
+              <a:rPr lang="en-US" sz="4000" dirty="0">
+                <a:latin typeface="Arial" panose="020B0604020202020204" pitchFamily="34" charset="0"/>
+                <a:cs typeface="Arial" panose="020B0604020202020204" pitchFamily="34" charset="0"/>
+              </a:rPr>
               <a:t>V587</a:t>
             </a:r>
-            <a:endParaRPr lang="en-US" sz="4400" b="1" dirty="0"/>
+            <a:endParaRPr lang="en-US" sz="4000" b="1" dirty="0">
+              <a:latin typeface="Arial" panose="020B0604020202020204" pitchFamily="34" charset="0"/>
+              <a:cs typeface="Arial" panose="020B0604020202020204" pitchFamily="34" charset="0"/>
+            </a:endParaRPr>
           </a:p>
         </p:txBody>
       </p:sp>
@@ -3806,8 +3921,8 @@
         </p:nvSpPr>
         <p:spPr>
           <a:xfrm>
-            <a:off x="7547611" y="2529871"/>
-            <a:ext cx="4288790" cy="1077218"/>
+            <a:off x="7547610" y="2529871"/>
+            <a:ext cx="5314949" cy="1015663"/>
           </a:xfrm>
           <a:prstGeom prst="rect">
             <a:avLst/>
@@ -3821,36 +3936,60 @@
           <a:lstStyle/>
           <a:p>
             <a:r>
-              <a:rPr lang="en-US" sz="4400" b="1" dirty="0"/>
-              <a:t>b</a:t>
-            </a:r>
-            <a:r>
-              <a:rPr lang="en-US" sz="4400" dirty="0"/>
+              <a:rPr lang="en-US" sz="4000" b="1" dirty="0">
+                <a:latin typeface="Arial" panose="020B0604020202020204" pitchFamily="34" charset="0"/>
+                <a:cs typeface="Arial" panose="020B0604020202020204" pitchFamily="34" charset="0"/>
+              </a:rPr>
+              <a:t>B</a:t>
+            </a:r>
+            <a:r>
+              <a:rPr lang="en-US" sz="4000" dirty="0">
+                <a:latin typeface="Arial" panose="020B0604020202020204" pitchFamily="34" charset="0"/>
+                <a:cs typeface="Arial" panose="020B0604020202020204" pitchFamily="34" charset="0"/>
+              </a:rPr>
               <a:t>) </a:t>
             </a:r>
             <a:r>
-              <a:rPr lang="en-US" sz="4400" i="1" dirty="0"/>
+              <a:rPr lang="en-US" sz="4000" i="1" dirty="0">
+                <a:latin typeface="Arial" panose="020B0604020202020204" pitchFamily="34" charset="0"/>
+                <a:cs typeface="Arial" panose="020B0604020202020204" pitchFamily="34" charset="0"/>
+              </a:rPr>
               <a:t>E. faecalis </a:t>
             </a:r>
             <a:r>
-              <a:rPr lang="en-US" sz="4400" dirty="0"/>
-              <a:t>YI6</a:t>
-            </a:r>
-          </a:p>
-          <a:p>
-            <a:r>
-              <a:rPr lang="en-US" sz="2000" dirty="0"/>
+              <a:rPr lang="en-US" sz="4000" dirty="0">
+                <a:latin typeface="Arial" panose="020B0604020202020204" pitchFamily="34" charset="0"/>
+                <a:cs typeface="Arial" panose="020B0604020202020204" pitchFamily="34" charset="0"/>
+              </a:rPr>
+              <a:t>Yi6-1</a:t>
+            </a:r>
+          </a:p>
+          <a:p>
+            <a:r>
+              <a:rPr lang="en-US" sz="2000" dirty="0">
+                <a:latin typeface="Arial" panose="020B0604020202020204" pitchFamily="34" charset="0"/>
+                <a:cs typeface="Arial" panose="020B0604020202020204" pitchFamily="34" charset="0"/>
+              </a:rPr>
               <a:t>	Individual phages </a:t>
             </a:r>
             <a:r>
-              <a:rPr lang="en-US" sz="2000" b="1" dirty="0"/>
+              <a:rPr lang="en-US" sz="2000" b="1" dirty="0">
+                <a:latin typeface="Arial" panose="020B0604020202020204" pitchFamily="34" charset="0"/>
+                <a:cs typeface="Arial" panose="020B0604020202020204" pitchFamily="34" charset="0"/>
+              </a:rPr>
               <a:t>do</a:t>
             </a:r>
             <a:r>
-              <a:rPr lang="en-US" sz="2000" dirty="0"/>
+              <a:rPr lang="en-US" sz="2000" dirty="0">
+                <a:latin typeface="Arial" panose="020B0604020202020204" pitchFamily="34" charset="0"/>
+                <a:cs typeface="Arial" panose="020B0604020202020204" pitchFamily="34" charset="0"/>
+              </a:rPr>
               <a:t> clear host</a:t>
             </a:r>
-            <a:endParaRPr lang="en-US" sz="2000" b="1" dirty="0"/>
+            <a:endParaRPr lang="en-US" sz="2000" b="1" dirty="0">
+              <a:latin typeface="Arial" panose="020B0604020202020204" pitchFamily="34" charset="0"/>
+              <a:cs typeface="Arial" panose="020B0604020202020204" pitchFamily="34" charset="0"/>
+            </a:endParaRPr>
           </a:p>
         </p:txBody>
       </p:sp>
@@ -3886,199 +4025,62 @@
       </p:grpSpPr>
       <p:sp>
         <p:nvSpPr>
-          <p:cNvPr id="4" name="TextBox 3">
+          <p:cNvPr id="10" name="Rectangle 9">
             <a:extLst>
               <a:ext uri="{FF2B5EF4-FFF2-40B4-BE49-F238E27FC236}">
-                <a16:creationId xmlns:a16="http://schemas.microsoft.com/office/drawing/2014/main" id="{1A0A423D-5221-41EC-982A-095F6F1B0BCA}"/>
+                <a16:creationId xmlns:a16="http://schemas.microsoft.com/office/drawing/2014/main" id="{FAA3F314-F421-44D5-BD1E-86E0FF7BDBE3}"/>
               </a:ext>
             </a:extLst>
           </p:cNvPr>
-          <p:cNvSpPr txBox="1"/>
+          <p:cNvSpPr/>
           <p:nvPr/>
         </p:nvSpPr>
         <p:spPr>
           <a:xfrm>
-            <a:off x="423244" y="322395"/>
-            <a:ext cx="5078396" cy="707886"/>
+            <a:off x="686095" y="247313"/>
+            <a:ext cx="15684616" cy="16506855"/>
           </a:xfrm>
           <a:prstGeom prst="rect">
             <a:avLst/>
           </a:prstGeom>
-          <a:noFill/>
-        </p:spPr>
-        <p:txBody>
-          <a:bodyPr wrap="square" rtlCol="0">
-            <a:spAutoFit/>
-          </a:bodyPr>
-          <a:lstStyle/>
-          <a:p>
-            <a:r>
-              <a:rPr lang="en-US" sz="4000" b="1" dirty="0">
-                <a:latin typeface="Arial" panose="020B0604020202020204" pitchFamily="34" charset="0"/>
-                <a:cs typeface="Arial" panose="020B0604020202020204" pitchFamily="34" charset="0"/>
-              </a:rPr>
-              <a:t>A</a:t>
-            </a:r>
-            <a:r>
-              <a:rPr lang="en-US" sz="4000" dirty="0">
-                <a:latin typeface="Arial" panose="020B0604020202020204" pitchFamily="34" charset="0"/>
-                <a:cs typeface="Arial" panose="020B0604020202020204" pitchFamily="34" charset="0"/>
-              </a:rPr>
-              <a:t>) </a:t>
-            </a:r>
-            <a:r>
-              <a:rPr lang="en-US" sz="4000" i="1" dirty="0">
-                <a:latin typeface="Arial" panose="020B0604020202020204" pitchFamily="34" charset="0"/>
-                <a:cs typeface="Arial" panose="020B0604020202020204" pitchFamily="34" charset="0"/>
-              </a:rPr>
-              <a:t>E. faecalis </a:t>
-            </a:r>
-            <a:r>
-              <a:rPr lang="en-US" sz="4000" dirty="0">
-                <a:latin typeface="Arial" panose="020B0604020202020204" pitchFamily="34" charset="0"/>
-                <a:cs typeface="Arial" panose="020B0604020202020204" pitchFamily="34" charset="0"/>
-              </a:rPr>
-              <a:t>Yi6-1</a:t>
-            </a:r>
-            <a:endParaRPr lang="en-US" sz="4000" b="1" dirty="0">
-              <a:latin typeface="Arial" panose="020B0604020202020204" pitchFamily="34" charset="0"/>
-              <a:cs typeface="Arial" panose="020B0604020202020204" pitchFamily="34" charset="0"/>
-            </a:endParaRPr>
-          </a:p>
-        </p:txBody>
-      </p:sp>
-      <p:sp>
-        <p:nvSpPr>
-          <p:cNvPr id="5" name="TextBox 4">
-            <a:extLst>
-              <a:ext uri="{FF2B5EF4-FFF2-40B4-BE49-F238E27FC236}">
-                <a16:creationId xmlns:a16="http://schemas.microsoft.com/office/drawing/2014/main" id="{11306143-D5BF-4A46-91BC-5133E33DBB2F}"/>
-              </a:ext>
-            </a:extLst>
-          </p:cNvPr>
-          <p:cNvSpPr txBox="1"/>
-          <p:nvPr/>
-        </p:nvSpPr>
-        <p:spPr>
-          <a:xfrm>
-            <a:off x="295206" y="5364728"/>
-            <a:ext cx="5709354" cy="707886"/>
-          </a:xfrm>
-          <a:prstGeom prst="rect">
-            <a:avLst/>
-          </a:prstGeom>
-          <a:noFill/>
-        </p:spPr>
-        <p:txBody>
-          <a:bodyPr wrap="square" rtlCol="0">
-            <a:spAutoFit/>
-          </a:bodyPr>
-          <a:lstStyle/>
-          <a:p>
-            <a:r>
-              <a:rPr lang="en-US" sz="4000" b="1" dirty="0">
-                <a:latin typeface="Arial" panose="020B0604020202020204" pitchFamily="34" charset="0"/>
-                <a:cs typeface="Arial" panose="020B0604020202020204" pitchFamily="34" charset="0"/>
-              </a:rPr>
-              <a:t>B</a:t>
-            </a:r>
-            <a:r>
-              <a:rPr lang="en-US" sz="4000" dirty="0">
-                <a:latin typeface="Arial" panose="020B0604020202020204" pitchFamily="34" charset="0"/>
-                <a:cs typeface="Arial" panose="020B0604020202020204" pitchFamily="34" charset="0"/>
-              </a:rPr>
-              <a:t>) </a:t>
-            </a:r>
-            <a:r>
-              <a:rPr lang="en-US" sz="4000" i="1" dirty="0">
-                <a:latin typeface="Arial" panose="020B0604020202020204" pitchFamily="34" charset="0"/>
-                <a:cs typeface="Arial" panose="020B0604020202020204" pitchFamily="34" charset="0"/>
-              </a:rPr>
-              <a:t>E. faecalis </a:t>
-            </a:r>
-            <a:r>
-              <a:rPr lang="en-US" sz="4000" dirty="0">
-                <a:latin typeface="Arial" panose="020B0604020202020204" pitchFamily="34" charset="0"/>
-                <a:cs typeface="Arial" panose="020B0604020202020204" pitchFamily="34" charset="0"/>
-              </a:rPr>
-              <a:t>EF06</a:t>
-            </a:r>
-            <a:endParaRPr lang="en-US" sz="4000" b="1" dirty="0">
-              <a:latin typeface="Arial" panose="020B0604020202020204" pitchFamily="34" charset="0"/>
-              <a:cs typeface="Arial" panose="020B0604020202020204" pitchFamily="34" charset="0"/>
-            </a:endParaRPr>
-          </a:p>
-        </p:txBody>
-      </p:sp>
-      <p:sp>
-        <p:nvSpPr>
-          <p:cNvPr id="6" name="TextBox 5">
-            <a:extLst>
-              <a:ext uri="{FF2B5EF4-FFF2-40B4-BE49-F238E27FC236}">
-                <a16:creationId xmlns:a16="http://schemas.microsoft.com/office/drawing/2014/main" id="{27604841-55A7-45C6-A64B-03FA0F2446B6}"/>
-              </a:ext>
-            </a:extLst>
-          </p:cNvPr>
-          <p:cNvSpPr txBox="1"/>
-          <p:nvPr/>
-        </p:nvSpPr>
-        <p:spPr>
-          <a:xfrm>
-            <a:off x="423244" y="10116081"/>
-            <a:ext cx="5078396" cy="707886"/>
-          </a:xfrm>
-          <a:prstGeom prst="rect">
-            <a:avLst/>
-          </a:prstGeom>
-          <a:noFill/>
-        </p:spPr>
-        <p:txBody>
-          <a:bodyPr wrap="square" rtlCol="0">
-            <a:spAutoFit/>
-          </a:bodyPr>
-          <a:lstStyle/>
-          <a:p>
-            <a:r>
-              <a:rPr lang="en-US" sz="4000" b="1" dirty="0">
-                <a:latin typeface="Arial" panose="020B0604020202020204" pitchFamily="34" charset="0"/>
-                <a:cs typeface="Arial" panose="020B0604020202020204" pitchFamily="34" charset="0"/>
-              </a:rPr>
-              <a:t>C</a:t>
-            </a:r>
-            <a:r>
-              <a:rPr lang="en-US" sz="4000" dirty="0">
-                <a:latin typeface="Arial" panose="020B0604020202020204" pitchFamily="34" charset="0"/>
-                <a:cs typeface="Arial" panose="020B0604020202020204" pitchFamily="34" charset="0"/>
-              </a:rPr>
-              <a:t>) </a:t>
-            </a:r>
-            <a:r>
-              <a:rPr lang="en-US" sz="4000" i="1" dirty="0">
-                <a:latin typeface="Arial" panose="020B0604020202020204" pitchFamily="34" charset="0"/>
-                <a:cs typeface="Arial" panose="020B0604020202020204" pitchFamily="34" charset="0"/>
-              </a:rPr>
-              <a:t>E. faecalis </a:t>
-            </a:r>
-            <a:r>
-              <a:rPr lang="en-US" sz="4000" dirty="0">
-                <a:latin typeface="Arial" panose="020B0604020202020204" pitchFamily="34" charset="0"/>
-                <a:cs typeface="Arial" panose="020B0604020202020204" pitchFamily="34" charset="0"/>
-              </a:rPr>
-              <a:t>EF11</a:t>
-            </a:r>
-            <a:endParaRPr lang="en-US" sz="4000" b="1" dirty="0">
-              <a:latin typeface="Arial" panose="020B0604020202020204" pitchFamily="34" charset="0"/>
-              <a:cs typeface="Arial" panose="020B0604020202020204" pitchFamily="34" charset="0"/>
-            </a:endParaRPr>
+          <a:solidFill>
+            <a:schemeClr val="bg1"/>
+          </a:solidFill>
+          <a:ln>
+            <a:noFill/>
+          </a:ln>
+        </p:spPr>
+        <p:style>
+          <a:lnRef idx="2">
+            <a:schemeClr val="accent1">
+              <a:shade val="50000"/>
+            </a:schemeClr>
+          </a:lnRef>
+          <a:fillRef idx="1">
+            <a:schemeClr val="accent1"/>
+          </a:fillRef>
+          <a:effectRef idx="0">
+            <a:schemeClr val="accent1"/>
+          </a:effectRef>
+          <a:fontRef idx="minor">
+            <a:schemeClr val="lt1"/>
+          </a:fontRef>
+        </p:style>
+        <p:txBody>
+          <a:bodyPr rtlCol="0" anchor="ctr"/>
+          <a:lstStyle/>
+          <a:p>
+            <a:pPr algn="ctr"/>
+            <a:endParaRPr lang="en-US"/>
           </a:p>
         </p:txBody>
       </p:sp>
       <p:pic>
         <p:nvPicPr>
-          <p:cNvPr id="3074" name="Picture 2">
+          <p:cNvPr id="1026" name="Picture 2">
             <a:extLst>
               <a:ext uri="{FF2B5EF4-FFF2-40B4-BE49-F238E27FC236}">
-                <a16:creationId xmlns:a16="http://schemas.microsoft.com/office/drawing/2014/main" id="{B3CF8EA0-48B6-4879-A06C-FE0C57B63323}"/>
+                <a16:creationId xmlns:a16="http://schemas.microsoft.com/office/drawing/2014/main" id="{69EDA25D-891B-4308-9776-1EF3CF0F487C}"/>
               </a:ext>
             </a:extLst>
           </p:cNvPr>
@@ -4102,8 +4104,8 @@
         </p:blipFill>
         <p:spPr bwMode="auto">
           <a:xfrm>
-            <a:off x="615634" y="1073741"/>
-            <a:ext cx="10563225" cy="4248150"/>
+            <a:off x="917576" y="1362382"/>
+            <a:ext cx="4352925" cy="7143750"/>
           </a:xfrm>
           <a:prstGeom prst="rect">
             <a:avLst/>
@@ -4122,10 +4124,10 @@
       </p:pic>
       <p:pic>
         <p:nvPicPr>
-          <p:cNvPr id="3076" name="Picture 4">
+          <p:cNvPr id="1028" name="Picture 4">
             <a:extLst>
               <a:ext uri="{FF2B5EF4-FFF2-40B4-BE49-F238E27FC236}">
-                <a16:creationId xmlns:a16="http://schemas.microsoft.com/office/drawing/2014/main" id="{DEB1BAE8-17C0-4A16-AAC9-D50A8C454B24}"/>
+                <a16:creationId xmlns:a16="http://schemas.microsoft.com/office/drawing/2014/main" id="{530E3B0C-1342-489C-8E6B-86B14358EA05}"/>
               </a:ext>
             </a:extLst>
           </p:cNvPr>
@@ -4149,8 +4151,8 @@
         </p:blipFill>
         <p:spPr bwMode="auto">
           <a:xfrm>
-            <a:off x="423244" y="6132228"/>
-            <a:ext cx="11839575" cy="4295775"/>
+            <a:off x="6128418" y="1362382"/>
+            <a:ext cx="4362450" cy="5695950"/>
           </a:xfrm>
           <a:prstGeom prst="rect">
             <a:avLst/>
@@ -4169,10 +4171,10 @@
       </p:pic>
       <p:pic>
         <p:nvPicPr>
-          <p:cNvPr id="3078" name="Picture 6">
+          <p:cNvPr id="1030" name="Picture 6">
             <a:extLst>
               <a:ext uri="{FF2B5EF4-FFF2-40B4-BE49-F238E27FC236}">
-                <a16:creationId xmlns:a16="http://schemas.microsoft.com/office/drawing/2014/main" id="{5EF59F0C-200E-4D05-B4F7-80FAFAD73FD4}"/>
+                <a16:creationId xmlns:a16="http://schemas.microsoft.com/office/drawing/2014/main" id="{CBB48845-AE4A-4CAA-8E18-09441447A585}"/>
               </a:ext>
             </a:extLst>
           </p:cNvPr>
@@ -4196,8 +4198,8 @@
         </p:blipFill>
         <p:spPr bwMode="auto">
           <a:xfrm>
-            <a:off x="429577" y="10870011"/>
-            <a:ext cx="10144125" cy="4314825"/>
+            <a:off x="11222205" y="1250921"/>
+            <a:ext cx="4343400" cy="6515100"/>
           </a:xfrm>
           <a:prstGeom prst="rect">
             <a:avLst/>
@@ -4216,10 +4218,10 @@
       </p:pic>
       <p:pic>
         <p:nvPicPr>
-          <p:cNvPr id="1026" name="Picture 2">
+          <p:cNvPr id="1032" name="Picture 8">
             <a:extLst>
               <a:ext uri="{FF2B5EF4-FFF2-40B4-BE49-F238E27FC236}">
-                <a16:creationId xmlns:a16="http://schemas.microsoft.com/office/drawing/2014/main" id="{D9D497AE-E1BE-4762-958D-BA617F7F7073}"/>
+                <a16:creationId xmlns:a16="http://schemas.microsoft.com/office/drawing/2014/main" id="{532E1D51-1A2C-4EA9-B47B-7869663516CF}"/>
               </a:ext>
             </a:extLst>
           </p:cNvPr>
@@ -4243,8 +4245,8 @@
         </p:blipFill>
         <p:spPr bwMode="auto">
           <a:xfrm>
-            <a:off x="423244" y="15984810"/>
-            <a:ext cx="7229475" cy="4171950"/>
+            <a:off x="908051" y="10315576"/>
+            <a:ext cx="4362450" cy="5695950"/>
           </a:xfrm>
           <a:prstGeom prst="rect">
             <a:avLst/>
@@ -4261,12 +4263,59 @@
           </a:extLst>
         </p:spPr>
       </p:pic>
-      <p:sp>
-        <p:nvSpPr>
-          <p:cNvPr id="2" name="TextBox 1">
+      <p:pic>
+        <p:nvPicPr>
+          <p:cNvPr id="1034" name="Picture 10">
             <a:extLst>
               <a:ext uri="{FF2B5EF4-FFF2-40B4-BE49-F238E27FC236}">
-                <a16:creationId xmlns:a16="http://schemas.microsoft.com/office/drawing/2014/main" id="{18952644-4033-405D-AF02-3E56C82E47CC}"/>
+                <a16:creationId xmlns:a16="http://schemas.microsoft.com/office/drawing/2014/main" id="{0FF213B1-B22F-4694-800F-0A3536A430CF}"/>
+              </a:ext>
+            </a:extLst>
+          </p:cNvPr>
+          <p:cNvPicPr>
+            <a:picLocks noChangeAspect="1" noChangeArrowheads="1"/>
+          </p:cNvPicPr>
+          <p:nvPr/>
+        </p:nvPicPr>
+        <p:blipFill>
+          <a:blip r:embed="rId6">
+            <a:extLst>
+              <a:ext uri="{28A0092B-C50C-407E-A947-70E740481C1C}">
+                <a14:useLocalDpi xmlns:a14="http://schemas.microsoft.com/office/drawing/2010/main" val="0"/>
+              </a:ext>
+            </a:extLst>
+          </a:blip>
+          <a:srcRect/>
+          <a:stretch>
+            <a:fillRect/>
+          </a:stretch>
+        </p:blipFill>
+        <p:spPr bwMode="auto">
+          <a:xfrm>
+            <a:off x="6271293" y="10315576"/>
+            <a:ext cx="4219575" cy="6105525"/>
+          </a:xfrm>
+          <a:prstGeom prst="rect">
+            <a:avLst/>
+          </a:prstGeom>
+          <a:noFill/>
+          <a:extLst>
+            <a:ext uri="{909E8E84-426E-40DD-AFC4-6F175D3DCCD1}">
+              <a14:hiddenFill xmlns:a14="http://schemas.microsoft.com/office/drawing/2010/main">
+                <a:solidFill>
+                  <a:srgbClr val="FFFFFF"/>
+                </a:solidFill>
+              </a14:hiddenFill>
+            </a:ext>
+          </a:extLst>
+        </p:spPr>
+      </p:pic>
+      <p:sp>
+        <p:nvSpPr>
+          <p:cNvPr id="4" name="TextBox 3">
+            <a:extLst>
+              <a:ext uri="{FF2B5EF4-FFF2-40B4-BE49-F238E27FC236}">
+                <a16:creationId xmlns:a16="http://schemas.microsoft.com/office/drawing/2014/main" id="{21222866-BF30-4EF8-9315-45462C6727FC}"/>
               </a:ext>
             </a:extLst>
           </p:cNvPr>
@@ -4275,7 +4324,827 @@
         </p:nvSpPr>
         <p:spPr>
           <a:xfrm>
-            <a:off x="423244" y="15230880"/>
+            <a:off x="686094" y="247314"/>
+            <a:ext cx="5314949" cy="1015663"/>
+          </a:xfrm>
+          <a:prstGeom prst="rect">
+            <a:avLst/>
+          </a:prstGeom>
+          <a:noFill/>
+        </p:spPr>
+        <p:txBody>
+          <a:bodyPr wrap="square" rtlCol="0">
+            <a:spAutoFit/>
+          </a:bodyPr>
+          <a:lstStyle/>
+          <a:p>
+            <a:r>
+              <a:rPr lang="en-US" sz="4000" b="1" dirty="0">
+                <a:latin typeface="Arial" panose="020B0604020202020204" pitchFamily="34" charset="0"/>
+                <a:cs typeface="Arial" panose="020B0604020202020204" pitchFamily="34" charset="0"/>
+              </a:rPr>
+              <a:t>A</a:t>
+            </a:r>
+            <a:r>
+              <a:rPr lang="en-US" sz="4000" dirty="0">
+                <a:latin typeface="Arial" panose="020B0604020202020204" pitchFamily="34" charset="0"/>
+                <a:cs typeface="Arial" panose="020B0604020202020204" pitchFamily="34" charset="0"/>
+              </a:rPr>
+              <a:t>) </a:t>
+            </a:r>
+            <a:r>
+              <a:rPr lang="en-US" sz="4000" i="1" dirty="0">
+                <a:latin typeface="Arial" panose="020B0604020202020204" pitchFamily="34" charset="0"/>
+                <a:cs typeface="Arial" panose="020B0604020202020204" pitchFamily="34" charset="0"/>
+              </a:rPr>
+              <a:t>E. faecalis </a:t>
+            </a:r>
+            <a:r>
+              <a:rPr lang="en-US" sz="4000" dirty="0">
+                <a:latin typeface="Arial" panose="020B0604020202020204" pitchFamily="34" charset="0"/>
+                <a:cs typeface="Arial" panose="020B0604020202020204" pitchFamily="34" charset="0"/>
+              </a:rPr>
+              <a:t>Yi6-1</a:t>
+            </a:r>
+          </a:p>
+          <a:p>
+            <a:r>
+              <a:rPr lang="en-US" sz="2000" dirty="0">
+                <a:latin typeface="Arial" panose="020B0604020202020204" pitchFamily="34" charset="0"/>
+                <a:cs typeface="Arial" panose="020B0604020202020204" pitchFamily="34" charset="0"/>
+              </a:rPr>
+              <a:t>	Individual phages </a:t>
+            </a:r>
+            <a:r>
+              <a:rPr lang="en-US" sz="2000" b="1" dirty="0">
+                <a:latin typeface="Arial" panose="020B0604020202020204" pitchFamily="34" charset="0"/>
+                <a:cs typeface="Arial" panose="020B0604020202020204" pitchFamily="34" charset="0"/>
+              </a:rPr>
+              <a:t>don’t</a:t>
+            </a:r>
+            <a:r>
+              <a:rPr lang="en-US" sz="2000" dirty="0">
+                <a:latin typeface="Arial" panose="020B0604020202020204" pitchFamily="34" charset="0"/>
+                <a:cs typeface="Arial" panose="020B0604020202020204" pitchFamily="34" charset="0"/>
+              </a:rPr>
+              <a:t> clear host</a:t>
+            </a:r>
+            <a:endParaRPr lang="en-US" sz="2000" b="1" dirty="0">
+              <a:latin typeface="Arial" panose="020B0604020202020204" pitchFamily="34" charset="0"/>
+              <a:cs typeface="Arial" panose="020B0604020202020204" pitchFamily="34" charset="0"/>
+            </a:endParaRPr>
+          </a:p>
+        </p:txBody>
+      </p:sp>
+      <p:sp>
+        <p:nvSpPr>
+          <p:cNvPr id="5" name="TextBox 4">
+            <a:extLst>
+              <a:ext uri="{FF2B5EF4-FFF2-40B4-BE49-F238E27FC236}">
+                <a16:creationId xmlns:a16="http://schemas.microsoft.com/office/drawing/2014/main" id="{B4F2E14C-26CF-41D0-A3B8-C548A3DEAE0A}"/>
+              </a:ext>
+            </a:extLst>
+          </p:cNvPr>
+          <p:cNvSpPr txBox="1"/>
+          <p:nvPr/>
+        </p:nvSpPr>
+        <p:spPr>
+          <a:xfrm>
+            <a:off x="11711268" y="235258"/>
+            <a:ext cx="5022570" cy="707886"/>
+          </a:xfrm>
+          <a:prstGeom prst="rect">
+            <a:avLst/>
+          </a:prstGeom>
+          <a:noFill/>
+        </p:spPr>
+        <p:txBody>
+          <a:bodyPr wrap="square" rtlCol="0">
+            <a:spAutoFit/>
+          </a:bodyPr>
+          <a:lstStyle/>
+          <a:p>
+            <a:r>
+              <a:rPr lang="en-US" sz="4000" b="1" dirty="0">
+                <a:latin typeface="Arial" panose="020B0604020202020204" pitchFamily="34" charset="0"/>
+                <a:cs typeface="Arial" panose="020B0604020202020204" pitchFamily="34" charset="0"/>
+              </a:rPr>
+              <a:t>C</a:t>
+            </a:r>
+            <a:r>
+              <a:rPr lang="en-US" sz="4000" dirty="0">
+                <a:latin typeface="Arial" panose="020B0604020202020204" pitchFamily="34" charset="0"/>
+                <a:cs typeface="Arial" panose="020B0604020202020204" pitchFamily="34" charset="0"/>
+              </a:rPr>
+              <a:t>) </a:t>
+            </a:r>
+            <a:r>
+              <a:rPr lang="en-US" sz="4000" i="1" dirty="0">
+                <a:latin typeface="Arial" panose="020B0604020202020204" pitchFamily="34" charset="0"/>
+                <a:cs typeface="Arial" panose="020B0604020202020204" pitchFamily="34" charset="0"/>
+              </a:rPr>
+              <a:t>E. faecalis </a:t>
+            </a:r>
+            <a:r>
+              <a:rPr lang="en-US" sz="4000" dirty="0">
+                <a:latin typeface="Arial" panose="020B0604020202020204" pitchFamily="34" charset="0"/>
+                <a:cs typeface="Arial" panose="020B0604020202020204" pitchFamily="34" charset="0"/>
+              </a:rPr>
+              <a:t>EF06</a:t>
+            </a:r>
+            <a:endParaRPr lang="en-US" sz="4000" b="1" dirty="0">
+              <a:latin typeface="Arial" panose="020B0604020202020204" pitchFamily="34" charset="0"/>
+              <a:cs typeface="Arial" panose="020B0604020202020204" pitchFamily="34" charset="0"/>
+            </a:endParaRPr>
+          </a:p>
+        </p:txBody>
+      </p:sp>
+      <p:sp>
+        <p:nvSpPr>
+          <p:cNvPr id="6" name="TextBox 5">
+            <a:extLst>
+              <a:ext uri="{FF2B5EF4-FFF2-40B4-BE49-F238E27FC236}">
+                <a16:creationId xmlns:a16="http://schemas.microsoft.com/office/drawing/2014/main" id="{F3BD6282-AEB8-46DA-917E-496C3D63F179}"/>
+              </a:ext>
+            </a:extLst>
+          </p:cNvPr>
+          <p:cNvSpPr txBox="1"/>
+          <p:nvPr/>
+        </p:nvSpPr>
+        <p:spPr>
+          <a:xfrm>
+            <a:off x="686094" y="9401176"/>
+            <a:ext cx="4584407" cy="707886"/>
+          </a:xfrm>
+          <a:prstGeom prst="rect">
+            <a:avLst/>
+          </a:prstGeom>
+          <a:noFill/>
+        </p:spPr>
+        <p:txBody>
+          <a:bodyPr wrap="square" rtlCol="0">
+            <a:spAutoFit/>
+          </a:bodyPr>
+          <a:lstStyle/>
+          <a:p>
+            <a:r>
+              <a:rPr lang="en-US" sz="4000" b="1" dirty="0">
+                <a:latin typeface="Arial" panose="020B0604020202020204" pitchFamily="34" charset="0"/>
+                <a:cs typeface="Arial" panose="020B0604020202020204" pitchFamily="34" charset="0"/>
+              </a:rPr>
+              <a:t>D</a:t>
+            </a:r>
+            <a:r>
+              <a:rPr lang="en-US" sz="4000" dirty="0">
+                <a:latin typeface="Arial" panose="020B0604020202020204" pitchFamily="34" charset="0"/>
+                <a:cs typeface="Arial" panose="020B0604020202020204" pitchFamily="34" charset="0"/>
+              </a:rPr>
+              <a:t>) </a:t>
+            </a:r>
+            <a:r>
+              <a:rPr lang="en-US" sz="4000" i="1" dirty="0">
+                <a:latin typeface="Arial" panose="020B0604020202020204" pitchFamily="34" charset="0"/>
+                <a:cs typeface="Arial" panose="020B0604020202020204" pitchFamily="34" charset="0"/>
+              </a:rPr>
+              <a:t>E. faecalis </a:t>
+            </a:r>
+            <a:r>
+              <a:rPr lang="en-US" sz="4000" dirty="0">
+                <a:latin typeface="Arial" panose="020B0604020202020204" pitchFamily="34" charset="0"/>
+                <a:cs typeface="Arial" panose="020B0604020202020204" pitchFamily="34" charset="0"/>
+              </a:rPr>
+              <a:t>Ef11</a:t>
+            </a:r>
+            <a:endParaRPr lang="en-US" sz="4000" b="1" dirty="0">
+              <a:latin typeface="Arial" panose="020B0604020202020204" pitchFamily="34" charset="0"/>
+              <a:cs typeface="Arial" panose="020B0604020202020204" pitchFamily="34" charset="0"/>
+            </a:endParaRPr>
+          </a:p>
+        </p:txBody>
+      </p:sp>
+      <p:sp>
+        <p:nvSpPr>
+          <p:cNvPr id="7" name="TextBox 6">
+            <a:extLst>
+              <a:ext uri="{FF2B5EF4-FFF2-40B4-BE49-F238E27FC236}">
+                <a16:creationId xmlns:a16="http://schemas.microsoft.com/office/drawing/2014/main" id="{CA3DC903-3DAF-4FA7-B1DE-414956DB6228}"/>
+              </a:ext>
+            </a:extLst>
+          </p:cNvPr>
+          <p:cNvSpPr txBox="1"/>
+          <p:nvPr/>
+        </p:nvSpPr>
+        <p:spPr>
+          <a:xfrm>
+            <a:off x="6194745" y="9401176"/>
+            <a:ext cx="4584408" cy="707886"/>
+          </a:xfrm>
+          <a:prstGeom prst="rect">
+            <a:avLst/>
+          </a:prstGeom>
+          <a:noFill/>
+        </p:spPr>
+        <p:txBody>
+          <a:bodyPr wrap="square" rtlCol="0">
+            <a:spAutoFit/>
+          </a:bodyPr>
+          <a:lstStyle/>
+          <a:p>
+            <a:r>
+              <a:rPr lang="en-US" sz="4000" b="1" dirty="0">
+                <a:latin typeface="Arial" panose="020B0604020202020204" pitchFamily="34" charset="0"/>
+                <a:cs typeface="Arial" panose="020B0604020202020204" pitchFamily="34" charset="0"/>
+              </a:rPr>
+              <a:t>E</a:t>
+            </a:r>
+            <a:r>
+              <a:rPr lang="en-US" sz="4000" dirty="0">
+                <a:latin typeface="Arial" panose="020B0604020202020204" pitchFamily="34" charset="0"/>
+                <a:cs typeface="Arial" panose="020B0604020202020204" pitchFamily="34" charset="0"/>
+              </a:rPr>
+              <a:t>) </a:t>
+            </a:r>
+            <a:r>
+              <a:rPr lang="en-US" sz="4000" i="1" dirty="0">
+                <a:latin typeface="Arial" panose="020B0604020202020204" pitchFamily="34" charset="0"/>
+                <a:cs typeface="Arial" panose="020B0604020202020204" pitchFamily="34" charset="0"/>
+              </a:rPr>
+              <a:t>E. faecalis </a:t>
+            </a:r>
+            <a:r>
+              <a:rPr lang="en-US" sz="4000" dirty="0">
+                <a:latin typeface="Arial" panose="020B0604020202020204" pitchFamily="34" charset="0"/>
+                <a:cs typeface="Arial" panose="020B0604020202020204" pitchFamily="34" charset="0"/>
+              </a:rPr>
+              <a:t>V587</a:t>
+            </a:r>
+            <a:endParaRPr lang="en-US" sz="4000" b="1" dirty="0">
+              <a:latin typeface="Arial" panose="020B0604020202020204" pitchFamily="34" charset="0"/>
+              <a:cs typeface="Arial" panose="020B0604020202020204" pitchFamily="34" charset="0"/>
+            </a:endParaRPr>
+          </a:p>
+        </p:txBody>
+      </p:sp>
+      <p:sp>
+        <p:nvSpPr>
+          <p:cNvPr id="8" name="TextBox 7">
+            <a:extLst>
+              <a:ext uri="{FF2B5EF4-FFF2-40B4-BE49-F238E27FC236}">
+                <a16:creationId xmlns:a16="http://schemas.microsoft.com/office/drawing/2014/main" id="{40B3FAFD-EBEC-462C-BF0A-6D6C9E42A978}"/>
+              </a:ext>
+            </a:extLst>
+          </p:cNvPr>
+          <p:cNvSpPr txBox="1"/>
+          <p:nvPr/>
+        </p:nvSpPr>
+        <p:spPr>
+          <a:xfrm>
+            <a:off x="6194745" y="235258"/>
+            <a:ext cx="5314949" cy="1015663"/>
+          </a:xfrm>
+          <a:prstGeom prst="rect">
+            <a:avLst/>
+          </a:prstGeom>
+          <a:noFill/>
+        </p:spPr>
+        <p:txBody>
+          <a:bodyPr wrap="square" rtlCol="0">
+            <a:spAutoFit/>
+          </a:bodyPr>
+          <a:lstStyle/>
+          <a:p>
+            <a:r>
+              <a:rPr lang="en-US" sz="4000" b="1" dirty="0">
+                <a:latin typeface="Arial" panose="020B0604020202020204" pitchFamily="34" charset="0"/>
+                <a:cs typeface="Arial" panose="020B0604020202020204" pitchFamily="34" charset="0"/>
+              </a:rPr>
+              <a:t>B</a:t>
+            </a:r>
+            <a:r>
+              <a:rPr lang="en-US" sz="4000" dirty="0">
+                <a:latin typeface="Arial" panose="020B0604020202020204" pitchFamily="34" charset="0"/>
+                <a:cs typeface="Arial" panose="020B0604020202020204" pitchFamily="34" charset="0"/>
+              </a:rPr>
+              <a:t>) </a:t>
+            </a:r>
+            <a:r>
+              <a:rPr lang="en-US" sz="4000" i="1" dirty="0">
+                <a:latin typeface="Arial" panose="020B0604020202020204" pitchFamily="34" charset="0"/>
+                <a:cs typeface="Arial" panose="020B0604020202020204" pitchFamily="34" charset="0"/>
+              </a:rPr>
+              <a:t>E. faecalis </a:t>
+            </a:r>
+            <a:r>
+              <a:rPr lang="en-US" sz="4000" dirty="0">
+                <a:latin typeface="Arial" panose="020B0604020202020204" pitchFamily="34" charset="0"/>
+                <a:cs typeface="Arial" panose="020B0604020202020204" pitchFamily="34" charset="0"/>
+              </a:rPr>
+              <a:t>Yi6-1</a:t>
+            </a:r>
+          </a:p>
+          <a:p>
+            <a:r>
+              <a:rPr lang="en-US" sz="2000" dirty="0">
+                <a:latin typeface="Arial" panose="020B0604020202020204" pitchFamily="34" charset="0"/>
+                <a:cs typeface="Arial" panose="020B0604020202020204" pitchFamily="34" charset="0"/>
+              </a:rPr>
+              <a:t>	Individual phages </a:t>
+            </a:r>
+            <a:r>
+              <a:rPr lang="en-US" sz="2000" b="1" dirty="0">
+                <a:latin typeface="Arial" panose="020B0604020202020204" pitchFamily="34" charset="0"/>
+                <a:cs typeface="Arial" panose="020B0604020202020204" pitchFamily="34" charset="0"/>
+              </a:rPr>
+              <a:t>do</a:t>
+            </a:r>
+            <a:r>
+              <a:rPr lang="en-US" sz="2000" dirty="0">
+                <a:latin typeface="Arial" panose="020B0604020202020204" pitchFamily="34" charset="0"/>
+                <a:cs typeface="Arial" panose="020B0604020202020204" pitchFamily="34" charset="0"/>
+              </a:rPr>
+              <a:t> clear host</a:t>
+            </a:r>
+            <a:endParaRPr lang="en-US" sz="2000" b="1" dirty="0">
+              <a:latin typeface="Arial" panose="020B0604020202020204" pitchFamily="34" charset="0"/>
+              <a:cs typeface="Arial" panose="020B0604020202020204" pitchFamily="34" charset="0"/>
+            </a:endParaRPr>
+          </a:p>
+        </p:txBody>
+      </p:sp>
+    </p:spTree>
+    <p:extLst>
+      <p:ext uri="{BB962C8B-B14F-4D97-AF65-F5344CB8AC3E}">
+        <p14:creationId xmlns:p14="http://schemas.microsoft.com/office/powerpoint/2010/main" val="529604342"/>
+      </p:ext>
+    </p:extLst>
+  </p:cSld>
+  <p:clrMapOvr>
+    <a:masterClrMapping/>
+  </p:clrMapOvr>
+</p:sld>
+</file>
+
+<file path=ppt/slides/slide4.xml><?xml version="1.0" encoding="utf-8"?>
+<p:sld xmlns:a="http://schemas.openxmlformats.org/drawingml/2006/main" xmlns:r="http://schemas.openxmlformats.org/officeDocument/2006/relationships" xmlns:p="http://schemas.openxmlformats.org/presentationml/2006/main">
+  <p:cSld>
+    <p:spTree>
+      <p:nvGrpSpPr>
+        <p:cNvPr id="1" name=""/>
+        <p:cNvGrpSpPr/>
+        <p:nvPr/>
+      </p:nvGrpSpPr>
+      <p:grpSpPr>
+        <a:xfrm>
+          <a:off x="0" y="0"/>
+          <a:ext cx="0" cy="0"/>
+          <a:chOff x="0" y="0"/>
+          <a:chExt cx="0" cy="0"/>
+        </a:xfrm>
+      </p:grpSpPr>
+      <p:sp>
+        <p:nvSpPr>
+          <p:cNvPr id="3" name="Rectangle 2">
+            <a:extLst>
+              <a:ext uri="{FF2B5EF4-FFF2-40B4-BE49-F238E27FC236}">
+                <a16:creationId xmlns:a16="http://schemas.microsoft.com/office/drawing/2014/main" id="{70BD1B5C-79CB-4489-9126-B399682E77C9}"/>
+              </a:ext>
+            </a:extLst>
+          </p:cNvPr>
+          <p:cNvSpPr/>
+          <p:nvPr/>
+        </p:nvSpPr>
+        <p:spPr>
+          <a:xfrm>
+            <a:off x="0" y="322395"/>
+            <a:ext cx="12771120" cy="19486762"/>
+          </a:xfrm>
+          <a:prstGeom prst="rect">
+            <a:avLst/>
+          </a:prstGeom>
+          <a:solidFill>
+            <a:schemeClr val="bg1"/>
+          </a:solidFill>
+          <a:ln>
+            <a:noFill/>
+          </a:ln>
+        </p:spPr>
+        <p:style>
+          <a:lnRef idx="2">
+            <a:schemeClr val="accent1">
+              <a:shade val="50000"/>
+            </a:schemeClr>
+          </a:lnRef>
+          <a:fillRef idx="1">
+            <a:schemeClr val="accent1"/>
+          </a:fillRef>
+          <a:effectRef idx="0">
+            <a:schemeClr val="accent1"/>
+          </a:effectRef>
+          <a:fontRef idx="minor">
+            <a:schemeClr val="lt1"/>
+          </a:fontRef>
+        </p:style>
+        <p:txBody>
+          <a:bodyPr rtlCol="0" anchor="ctr"/>
+          <a:lstStyle/>
+          <a:p>
+            <a:pPr algn="ctr"/>
+            <a:endParaRPr lang="en-US"/>
+          </a:p>
+        </p:txBody>
+      </p:sp>
+      <p:sp>
+        <p:nvSpPr>
+          <p:cNvPr id="4" name="TextBox 3">
+            <a:extLst>
+              <a:ext uri="{FF2B5EF4-FFF2-40B4-BE49-F238E27FC236}">
+                <a16:creationId xmlns:a16="http://schemas.microsoft.com/office/drawing/2014/main" id="{1A0A423D-5221-41EC-982A-095F6F1B0BCA}"/>
+              </a:ext>
+            </a:extLst>
+          </p:cNvPr>
+          <p:cNvSpPr txBox="1"/>
+          <p:nvPr/>
+        </p:nvSpPr>
+        <p:spPr>
+          <a:xfrm>
+            <a:off x="423244" y="322395"/>
+            <a:ext cx="5078396" cy="707886"/>
+          </a:xfrm>
+          <a:prstGeom prst="rect">
+            <a:avLst/>
+          </a:prstGeom>
+          <a:noFill/>
+        </p:spPr>
+        <p:txBody>
+          <a:bodyPr wrap="square" rtlCol="0">
+            <a:spAutoFit/>
+          </a:bodyPr>
+          <a:lstStyle/>
+          <a:p>
+            <a:r>
+              <a:rPr lang="en-US" sz="4000" b="1" dirty="0">
+                <a:latin typeface="Arial" panose="020B0604020202020204" pitchFamily="34" charset="0"/>
+                <a:cs typeface="Arial" panose="020B0604020202020204" pitchFamily="34" charset="0"/>
+              </a:rPr>
+              <a:t>A</a:t>
+            </a:r>
+            <a:r>
+              <a:rPr lang="en-US" sz="4000" dirty="0">
+                <a:latin typeface="Arial" panose="020B0604020202020204" pitchFamily="34" charset="0"/>
+                <a:cs typeface="Arial" panose="020B0604020202020204" pitchFamily="34" charset="0"/>
+              </a:rPr>
+              <a:t>) </a:t>
+            </a:r>
+            <a:r>
+              <a:rPr lang="en-US" sz="4000" i="1" dirty="0">
+                <a:latin typeface="Arial" panose="020B0604020202020204" pitchFamily="34" charset="0"/>
+                <a:cs typeface="Arial" panose="020B0604020202020204" pitchFamily="34" charset="0"/>
+              </a:rPr>
+              <a:t>E. faecalis </a:t>
+            </a:r>
+            <a:r>
+              <a:rPr lang="en-US" sz="4000" dirty="0">
+                <a:latin typeface="Arial" panose="020B0604020202020204" pitchFamily="34" charset="0"/>
+                <a:cs typeface="Arial" panose="020B0604020202020204" pitchFamily="34" charset="0"/>
+              </a:rPr>
+              <a:t>Yi6-1</a:t>
+            </a:r>
+            <a:endParaRPr lang="en-US" sz="4000" b="1" dirty="0">
+              <a:latin typeface="Arial" panose="020B0604020202020204" pitchFamily="34" charset="0"/>
+              <a:cs typeface="Arial" panose="020B0604020202020204" pitchFamily="34" charset="0"/>
+            </a:endParaRPr>
+          </a:p>
+        </p:txBody>
+      </p:sp>
+      <p:sp>
+        <p:nvSpPr>
+          <p:cNvPr id="5" name="TextBox 4">
+            <a:extLst>
+              <a:ext uri="{FF2B5EF4-FFF2-40B4-BE49-F238E27FC236}">
+                <a16:creationId xmlns:a16="http://schemas.microsoft.com/office/drawing/2014/main" id="{11306143-D5BF-4A46-91BC-5133E33DBB2F}"/>
+              </a:ext>
+            </a:extLst>
+          </p:cNvPr>
+          <p:cNvSpPr txBox="1"/>
+          <p:nvPr/>
+        </p:nvSpPr>
+        <p:spPr>
+          <a:xfrm>
+            <a:off x="423244" y="5365351"/>
+            <a:ext cx="5709354" cy="707886"/>
+          </a:xfrm>
+          <a:prstGeom prst="rect">
+            <a:avLst/>
+          </a:prstGeom>
+          <a:noFill/>
+        </p:spPr>
+        <p:txBody>
+          <a:bodyPr wrap="square" rtlCol="0">
+            <a:spAutoFit/>
+          </a:bodyPr>
+          <a:lstStyle/>
+          <a:p>
+            <a:r>
+              <a:rPr lang="en-US" sz="4000" b="1" dirty="0">
+                <a:latin typeface="Arial" panose="020B0604020202020204" pitchFamily="34" charset="0"/>
+                <a:cs typeface="Arial" panose="020B0604020202020204" pitchFamily="34" charset="0"/>
+              </a:rPr>
+              <a:t>B</a:t>
+            </a:r>
+            <a:r>
+              <a:rPr lang="en-US" sz="4000" dirty="0">
+                <a:latin typeface="Arial" panose="020B0604020202020204" pitchFamily="34" charset="0"/>
+                <a:cs typeface="Arial" panose="020B0604020202020204" pitchFamily="34" charset="0"/>
+              </a:rPr>
+              <a:t>) </a:t>
+            </a:r>
+            <a:r>
+              <a:rPr lang="en-US" sz="4000" i="1" dirty="0">
+                <a:latin typeface="Arial" panose="020B0604020202020204" pitchFamily="34" charset="0"/>
+                <a:cs typeface="Arial" panose="020B0604020202020204" pitchFamily="34" charset="0"/>
+              </a:rPr>
+              <a:t>E. faecalis </a:t>
+            </a:r>
+            <a:r>
+              <a:rPr lang="en-US" sz="4000" dirty="0">
+                <a:latin typeface="Arial" panose="020B0604020202020204" pitchFamily="34" charset="0"/>
+                <a:cs typeface="Arial" panose="020B0604020202020204" pitchFamily="34" charset="0"/>
+              </a:rPr>
+              <a:t>EF06</a:t>
+            </a:r>
+            <a:endParaRPr lang="en-US" sz="4000" b="1" dirty="0">
+              <a:latin typeface="Arial" panose="020B0604020202020204" pitchFamily="34" charset="0"/>
+              <a:cs typeface="Arial" panose="020B0604020202020204" pitchFamily="34" charset="0"/>
+            </a:endParaRPr>
+          </a:p>
+        </p:txBody>
+      </p:sp>
+      <p:sp>
+        <p:nvSpPr>
+          <p:cNvPr id="6" name="TextBox 5">
+            <a:extLst>
+              <a:ext uri="{FF2B5EF4-FFF2-40B4-BE49-F238E27FC236}">
+                <a16:creationId xmlns:a16="http://schemas.microsoft.com/office/drawing/2014/main" id="{27604841-55A7-45C6-A64B-03FA0F2446B6}"/>
+              </a:ext>
+            </a:extLst>
+          </p:cNvPr>
+          <p:cNvSpPr txBox="1"/>
+          <p:nvPr/>
+        </p:nvSpPr>
+        <p:spPr>
+          <a:xfrm>
+            <a:off x="423244" y="10116081"/>
+            <a:ext cx="5078396" cy="707886"/>
+          </a:xfrm>
+          <a:prstGeom prst="rect">
+            <a:avLst/>
+          </a:prstGeom>
+          <a:noFill/>
+        </p:spPr>
+        <p:txBody>
+          <a:bodyPr wrap="square" rtlCol="0">
+            <a:spAutoFit/>
+          </a:bodyPr>
+          <a:lstStyle/>
+          <a:p>
+            <a:r>
+              <a:rPr lang="en-US" sz="4000" b="1" dirty="0">
+                <a:latin typeface="Arial" panose="020B0604020202020204" pitchFamily="34" charset="0"/>
+                <a:cs typeface="Arial" panose="020B0604020202020204" pitchFamily="34" charset="0"/>
+              </a:rPr>
+              <a:t>C</a:t>
+            </a:r>
+            <a:r>
+              <a:rPr lang="en-US" sz="4000" dirty="0">
+                <a:latin typeface="Arial" panose="020B0604020202020204" pitchFamily="34" charset="0"/>
+                <a:cs typeface="Arial" panose="020B0604020202020204" pitchFamily="34" charset="0"/>
+              </a:rPr>
+              <a:t>) </a:t>
+            </a:r>
+            <a:r>
+              <a:rPr lang="en-US" sz="4000" i="1" dirty="0">
+                <a:latin typeface="Arial" panose="020B0604020202020204" pitchFamily="34" charset="0"/>
+                <a:cs typeface="Arial" panose="020B0604020202020204" pitchFamily="34" charset="0"/>
+              </a:rPr>
+              <a:t>E. faecalis </a:t>
+            </a:r>
+            <a:r>
+              <a:rPr lang="en-US" sz="4000" dirty="0">
+                <a:latin typeface="Arial" panose="020B0604020202020204" pitchFamily="34" charset="0"/>
+                <a:cs typeface="Arial" panose="020B0604020202020204" pitchFamily="34" charset="0"/>
+              </a:rPr>
+              <a:t>EF11</a:t>
+            </a:r>
+            <a:endParaRPr lang="en-US" sz="4000" b="1" dirty="0">
+              <a:latin typeface="Arial" panose="020B0604020202020204" pitchFamily="34" charset="0"/>
+              <a:cs typeface="Arial" panose="020B0604020202020204" pitchFamily="34" charset="0"/>
+            </a:endParaRPr>
+          </a:p>
+        </p:txBody>
+      </p:sp>
+      <p:pic>
+        <p:nvPicPr>
+          <p:cNvPr id="3074" name="Picture 2">
+            <a:extLst>
+              <a:ext uri="{FF2B5EF4-FFF2-40B4-BE49-F238E27FC236}">
+                <a16:creationId xmlns:a16="http://schemas.microsoft.com/office/drawing/2014/main" id="{B3CF8EA0-48B6-4879-A06C-FE0C57B63323}"/>
+              </a:ext>
+            </a:extLst>
+          </p:cNvPr>
+          <p:cNvPicPr>
+            <a:picLocks noChangeAspect="1" noChangeArrowheads="1"/>
+          </p:cNvPicPr>
+          <p:nvPr/>
+        </p:nvPicPr>
+        <p:blipFill>
+          <a:blip r:embed="rId2">
+            <a:extLst>
+              <a:ext uri="{28A0092B-C50C-407E-A947-70E740481C1C}">
+                <a14:useLocalDpi xmlns:a14="http://schemas.microsoft.com/office/drawing/2010/main" val="0"/>
+              </a:ext>
+            </a:extLst>
+          </a:blip>
+          <a:srcRect/>
+          <a:stretch>
+            <a:fillRect/>
+          </a:stretch>
+        </p:blipFill>
+        <p:spPr bwMode="auto">
+          <a:xfrm>
+            <a:off x="615634" y="1073741"/>
+            <a:ext cx="10563225" cy="4248150"/>
+          </a:xfrm>
+          <a:prstGeom prst="rect">
+            <a:avLst/>
+          </a:prstGeom>
+          <a:noFill/>
+          <a:extLst>
+            <a:ext uri="{909E8E84-426E-40DD-AFC4-6F175D3DCCD1}">
+              <a14:hiddenFill xmlns:a14="http://schemas.microsoft.com/office/drawing/2010/main">
+                <a:solidFill>
+                  <a:srgbClr val="FFFFFF"/>
+                </a:solidFill>
+              </a14:hiddenFill>
+            </a:ext>
+          </a:extLst>
+        </p:spPr>
+      </p:pic>
+      <p:pic>
+        <p:nvPicPr>
+          <p:cNvPr id="3076" name="Picture 4">
+            <a:extLst>
+              <a:ext uri="{FF2B5EF4-FFF2-40B4-BE49-F238E27FC236}">
+                <a16:creationId xmlns:a16="http://schemas.microsoft.com/office/drawing/2014/main" id="{DEB1BAE8-17C0-4A16-AAC9-D50A8C454B24}"/>
+              </a:ext>
+            </a:extLst>
+          </p:cNvPr>
+          <p:cNvPicPr>
+            <a:picLocks noChangeAspect="1" noChangeArrowheads="1"/>
+          </p:cNvPicPr>
+          <p:nvPr/>
+        </p:nvPicPr>
+        <p:blipFill>
+          <a:blip r:embed="rId3">
+            <a:extLst>
+              <a:ext uri="{28A0092B-C50C-407E-A947-70E740481C1C}">
+                <a14:useLocalDpi xmlns:a14="http://schemas.microsoft.com/office/drawing/2010/main" val="0"/>
+              </a:ext>
+            </a:extLst>
+          </a:blip>
+          <a:srcRect/>
+          <a:stretch>
+            <a:fillRect/>
+          </a:stretch>
+        </p:blipFill>
+        <p:spPr bwMode="auto">
+          <a:xfrm>
+            <a:off x="615634" y="6121865"/>
+            <a:ext cx="11839575" cy="4295775"/>
+          </a:xfrm>
+          <a:prstGeom prst="rect">
+            <a:avLst/>
+          </a:prstGeom>
+          <a:noFill/>
+          <a:extLst>
+            <a:ext uri="{909E8E84-426E-40DD-AFC4-6F175D3DCCD1}">
+              <a14:hiddenFill xmlns:a14="http://schemas.microsoft.com/office/drawing/2010/main">
+                <a:solidFill>
+                  <a:srgbClr val="FFFFFF"/>
+                </a:solidFill>
+              </a14:hiddenFill>
+            </a:ext>
+          </a:extLst>
+        </p:spPr>
+      </p:pic>
+      <p:pic>
+        <p:nvPicPr>
+          <p:cNvPr id="3078" name="Picture 6">
+            <a:extLst>
+              <a:ext uri="{FF2B5EF4-FFF2-40B4-BE49-F238E27FC236}">
+                <a16:creationId xmlns:a16="http://schemas.microsoft.com/office/drawing/2014/main" id="{5EF59F0C-200E-4D05-B4F7-80FAFAD73FD4}"/>
+              </a:ext>
+            </a:extLst>
+          </p:cNvPr>
+          <p:cNvPicPr>
+            <a:picLocks noChangeAspect="1" noChangeArrowheads="1"/>
+          </p:cNvPicPr>
+          <p:nvPr/>
+        </p:nvPicPr>
+        <p:blipFill>
+          <a:blip r:embed="rId4">
+            <a:extLst>
+              <a:ext uri="{28A0092B-C50C-407E-A947-70E740481C1C}">
+                <a14:useLocalDpi xmlns:a14="http://schemas.microsoft.com/office/drawing/2010/main" val="0"/>
+              </a:ext>
+            </a:extLst>
+          </a:blip>
+          <a:srcRect/>
+          <a:stretch>
+            <a:fillRect/>
+          </a:stretch>
+        </p:blipFill>
+        <p:spPr bwMode="auto">
+          <a:xfrm>
+            <a:off x="615634" y="10870011"/>
+            <a:ext cx="10144125" cy="4314825"/>
+          </a:xfrm>
+          <a:prstGeom prst="rect">
+            <a:avLst/>
+          </a:prstGeom>
+          <a:noFill/>
+          <a:extLst>
+            <a:ext uri="{909E8E84-426E-40DD-AFC4-6F175D3DCCD1}">
+              <a14:hiddenFill xmlns:a14="http://schemas.microsoft.com/office/drawing/2010/main">
+                <a:solidFill>
+                  <a:srgbClr val="FFFFFF"/>
+                </a:solidFill>
+              </a14:hiddenFill>
+            </a:ext>
+          </a:extLst>
+        </p:spPr>
+      </p:pic>
+      <p:pic>
+        <p:nvPicPr>
+          <p:cNvPr id="1026" name="Picture 2">
+            <a:extLst>
+              <a:ext uri="{FF2B5EF4-FFF2-40B4-BE49-F238E27FC236}">
+                <a16:creationId xmlns:a16="http://schemas.microsoft.com/office/drawing/2014/main" id="{D9D497AE-E1BE-4762-958D-BA617F7F7073}"/>
+              </a:ext>
+            </a:extLst>
+          </p:cNvPr>
+          <p:cNvPicPr>
+            <a:picLocks noChangeAspect="1" noChangeArrowheads="1"/>
+          </p:cNvPicPr>
+          <p:nvPr/>
+        </p:nvPicPr>
+        <p:blipFill>
+          <a:blip r:embed="rId5">
+            <a:extLst>
+              <a:ext uri="{28A0092B-C50C-407E-A947-70E740481C1C}">
+                <a14:useLocalDpi xmlns:a14="http://schemas.microsoft.com/office/drawing/2010/main" val="0"/>
+              </a:ext>
+            </a:extLst>
+          </a:blip>
+          <a:srcRect/>
+          <a:stretch>
+            <a:fillRect/>
+          </a:stretch>
+        </p:blipFill>
+        <p:spPr bwMode="auto">
+          <a:xfrm>
+            <a:off x="615634" y="15637207"/>
+            <a:ext cx="7229475" cy="4171950"/>
+          </a:xfrm>
+          <a:prstGeom prst="rect">
+            <a:avLst/>
+          </a:prstGeom>
+          <a:noFill/>
+          <a:extLst>
+            <a:ext uri="{909E8E84-426E-40DD-AFC4-6F175D3DCCD1}">
+              <a14:hiddenFill xmlns:a14="http://schemas.microsoft.com/office/drawing/2010/main">
+                <a:solidFill>
+                  <a:srgbClr val="FFFFFF"/>
+                </a:solidFill>
+              </a14:hiddenFill>
+            </a:ext>
+          </a:extLst>
+        </p:spPr>
+      </p:pic>
+      <p:sp>
+        <p:nvSpPr>
+          <p:cNvPr id="2" name="TextBox 1">
+            <a:extLst>
+              <a:ext uri="{FF2B5EF4-FFF2-40B4-BE49-F238E27FC236}">
+                <a16:creationId xmlns:a16="http://schemas.microsoft.com/office/drawing/2014/main" id="{18952644-4033-405D-AF02-3E56C82E47CC}"/>
+              </a:ext>
+            </a:extLst>
+          </p:cNvPr>
+          <p:cNvSpPr txBox="1"/>
+          <p:nvPr/>
+        </p:nvSpPr>
+        <p:spPr>
+          <a:xfrm>
+            <a:off x="423244" y="14929321"/>
             <a:ext cx="4865036" cy="707886"/>
           </a:xfrm>
           <a:prstGeom prst="rect">

--- a/figures/Figures.pptx
+++ b/figures/Figures.pptx
@@ -5,10 +5,14 @@
     <p:sldMasterId id="2147483672" r:id="rId1"/>
   </p:sldMasterIdLst>
   <p:sldIdLst>
-    <p:sldId id="256" r:id="rId2"/>
-    <p:sldId id="258" r:id="rId3"/>
-    <p:sldId id="259" r:id="rId4"/>
-    <p:sldId id="257" r:id="rId5"/>
+    <p:sldId id="261" r:id="rId2"/>
+    <p:sldId id="256" r:id="rId3"/>
+    <p:sldId id="258" r:id="rId4"/>
+    <p:sldId id="259" r:id="rId5"/>
+    <p:sldId id="257" r:id="rId6"/>
+    <p:sldId id="260" r:id="rId7"/>
+    <p:sldId id="262" r:id="rId8"/>
+    <p:sldId id="263" r:id="rId9"/>
   </p:sldIdLst>
   <p:sldSz cx="18562638" cy="22860000"/>
   <p:notesSz cx="6858000" cy="9144000"/>
@@ -246,7 +250,7 @@
           <a:p>
             <a:fld id="{AAEC4A40-A4AF-4D07-B5DE-5231CAC44A4C}" type="datetimeFigureOut">
               <a:rPr lang="en-US" smtClean="0"/>
-              <a:t>11/18/2020</a:t>
+              <a:t>4/28/2021</a:t>
             </a:fld>
             <a:endParaRPr lang="en-US"/>
           </a:p>
@@ -416,7 +420,7 @@
           <a:p>
             <a:fld id="{AAEC4A40-A4AF-4D07-B5DE-5231CAC44A4C}" type="datetimeFigureOut">
               <a:rPr lang="en-US" smtClean="0"/>
-              <a:t>11/18/2020</a:t>
+              <a:t>4/28/2021</a:t>
             </a:fld>
             <a:endParaRPr lang="en-US"/>
           </a:p>
@@ -596,7 +600,7 @@
           <a:p>
             <a:fld id="{AAEC4A40-A4AF-4D07-B5DE-5231CAC44A4C}" type="datetimeFigureOut">
               <a:rPr lang="en-US" smtClean="0"/>
-              <a:t>11/18/2020</a:t>
+              <a:t>4/28/2021</a:t>
             </a:fld>
             <a:endParaRPr lang="en-US"/>
           </a:p>
@@ -766,7 +770,7 @@
           <a:p>
             <a:fld id="{AAEC4A40-A4AF-4D07-B5DE-5231CAC44A4C}" type="datetimeFigureOut">
               <a:rPr lang="en-US" smtClean="0"/>
-              <a:t>11/18/2020</a:t>
+              <a:t>4/28/2021</a:t>
             </a:fld>
             <a:endParaRPr lang="en-US"/>
           </a:p>
@@ -1010,7 +1014,7 @@
           <a:p>
             <a:fld id="{AAEC4A40-A4AF-4D07-B5DE-5231CAC44A4C}" type="datetimeFigureOut">
               <a:rPr lang="en-US" smtClean="0"/>
-              <a:t>11/18/2020</a:t>
+              <a:t>4/28/2021</a:t>
             </a:fld>
             <a:endParaRPr lang="en-US"/>
           </a:p>
@@ -1242,7 +1246,7 @@
           <a:p>
             <a:fld id="{AAEC4A40-A4AF-4D07-B5DE-5231CAC44A4C}" type="datetimeFigureOut">
               <a:rPr lang="en-US" smtClean="0"/>
-              <a:t>11/18/2020</a:t>
+              <a:t>4/28/2021</a:t>
             </a:fld>
             <a:endParaRPr lang="en-US"/>
           </a:p>
@@ -1609,7 +1613,7 @@
           <a:p>
             <a:fld id="{AAEC4A40-A4AF-4D07-B5DE-5231CAC44A4C}" type="datetimeFigureOut">
               <a:rPr lang="en-US" smtClean="0"/>
-              <a:t>11/18/2020</a:t>
+              <a:t>4/28/2021</a:t>
             </a:fld>
             <a:endParaRPr lang="en-US"/>
           </a:p>
@@ -1727,7 +1731,7 @@
           <a:p>
             <a:fld id="{AAEC4A40-A4AF-4D07-B5DE-5231CAC44A4C}" type="datetimeFigureOut">
               <a:rPr lang="en-US" smtClean="0"/>
-              <a:t>11/18/2020</a:t>
+              <a:t>4/28/2021</a:t>
             </a:fld>
             <a:endParaRPr lang="en-US"/>
           </a:p>
@@ -1822,7 +1826,7 @@
           <a:p>
             <a:fld id="{AAEC4A40-A4AF-4D07-B5DE-5231CAC44A4C}" type="datetimeFigureOut">
               <a:rPr lang="en-US" smtClean="0"/>
-              <a:t>11/18/2020</a:t>
+              <a:t>4/28/2021</a:t>
             </a:fld>
             <a:endParaRPr lang="en-US"/>
           </a:p>
@@ -2099,7 +2103,7 @@
           <a:p>
             <a:fld id="{AAEC4A40-A4AF-4D07-B5DE-5231CAC44A4C}" type="datetimeFigureOut">
               <a:rPr lang="en-US" smtClean="0"/>
-              <a:t>11/18/2020</a:t>
+              <a:t>4/28/2021</a:t>
             </a:fld>
             <a:endParaRPr lang="en-US"/>
           </a:p>
@@ -2356,7 +2360,7 @@
           <a:p>
             <a:fld id="{AAEC4A40-A4AF-4D07-B5DE-5231CAC44A4C}" type="datetimeFigureOut">
               <a:rPr lang="en-US" smtClean="0"/>
-              <a:t>11/18/2020</a:t>
+              <a:t>4/28/2021</a:t>
             </a:fld>
             <a:endParaRPr lang="en-US"/>
           </a:p>
@@ -2569,7 +2573,7 @@
           <a:p>
             <a:fld id="{AAEC4A40-A4AF-4D07-B5DE-5231CAC44A4C}" type="datetimeFigureOut">
               <a:rPr lang="en-US" smtClean="0"/>
-              <a:t>11/18/2020</a:t>
+              <a:t>4/28/2021</a:t>
             </a:fld>
             <a:endParaRPr lang="en-US"/>
           </a:p>
@@ -2974,177 +2978,17 @@
           <a:chExt cx="0" cy="0"/>
         </a:xfrm>
       </p:grpSpPr>
-      <p:sp>
-        <p:nvSpPr>
-          <p:cNvPr id="4" name="TextBox 3">
-            <a:extLst>
-              <a:ext uri="{FF2B5EF4-FFF2-40B4-BE49-F238E27FC236}">
-                <a16:creationId xmlns:a16="http://schemas.microsoft.com/office/drawing/2014/main" id="{22DCDED8-84F8-4491-887A-E39D37BBD187}"/>
-              </a:ext>
-            </a:extLst>
-          </p:cNvPr>
-          <p:cNvSpPr txBox="1"/>
-          <p:nvPr/>
-        </p:nvSpPr>
-        <p:spPr>
-          <a:xfrm>
-            <a:off x="125667" y="2784388"/>
-            <a:ext cx="2265030" cy="861774"/>
-          </a:xfrm>
-          <a:prstGeom prst="rect">
-            <a:avLst/>
-          </a:prstGeom>
-          <a:noFill/>
-        </p:spPr>
-        <p:txBody>
-          <a:bodyPr wrap="square" rtlCol="0">
-            <a:spAutoFit/>
-          </a:bodyPr>
-          <a:lstStyle/>
-          <a:p>
-            <a:r>
-              <a:rPr lang="en-US" sz="5000" b="1" dirty="0"/>
-              <a:t>a</a:t>
-            </a:r>
-            <a:r>
-              <a:rPr lang="en-US" sz="5000" dirty="0"/>
-              <a:t>) YI6</a:t>
-            </a:r>
-            <a:endParaRPr lang="en-US" sz="5000" b="1" dirty="0"/>
-          </a:p>
-        </p:txBody>
-      </p:sp>
-      <p:sp>
-        <p:nvSpPr>
-          <p:cNvPr id="5" name="TextBox 4">
-            <a:extLst>
-              <a:ext uri="{FF2B5EF4-FFF2-40B4-BE49-F238E27FC236}">
-                <a16:creationId xmlns:a16="http://schemas.microsoft.com/office/drawing/2014/main" id="{1591C99F-AC65-4637-AAB2-F51D9B205E91}"/>
-              </a:ext>
-            </a:extLst>
-          </p:cNvPr>
-          <p:cNvSpPr txBox="1"/>
-          <p:nvPr/>
-        </p:nvSpPr>
-        <p:spPr>
-          <a:xfrm>
-            <a:off x="125668" y="8064504"/>
-            <a:ext cx="2307979" cy="861774"/>
-          </a:xfrm>
-          <a:prstGeom prst="rect">
-            <a:avLst/>
-          </a:prstGeom>
-          <a:noFill/>
-        </p:spPr>
-        <p:txBody>
-          <a:bodyPr wrap="square" rtlCol="0">
-            <a:spAutoFit/>
-          </a:bodyPr>
-          <a:lstStyle/>
-          <a:p>
-            <a:r>
-              <a:rPr lang="en-US" sz="5000" b="1" dirty="0"/>
-              <a:t>b</a:t>
-            </a:r>
-            <a:r>
-              <a:rPr lang="en-US" sz="5000" dirty="0"/>
-              <a:t>) EF06</a:t>
-            </a:r>
-            <a:endParaRPr lang="en-US" sz="5000" b="1" dirty="0"/>
-          </a:p>
-        </p:txBody>
-      </p:sp>
-      <p:sp>
-        <p:nvSpPr>
-          <p:cNvPr id="6" name="TextBox 5">
-            <a:extLst>
-              <a:ext uri="{FF2B5EF4-FFF2-40B4-BE49-F238E27FC236}">
-                <a16:creationId xmlns:a16="http://schemas.microsoft.com/office/drawing/2014/main" id="{996A034F-C276-4EE3-8D59-9C4BE6A54720}"/>
-              </a:ext>
-            </a:extLst>
-          </p:cNvPr>
-          <p:cNvSpPr txBox="1"/>
-          <p:nvPr/>
-        </p:nvSpPr>
-        <p:spPr>
-          <a:xfrm>
-            <a:off x="6510968" y="8064505"/>
-            <a:ext cx="2598742" cy="861774"/>
-          </a:xfrm>
-          <a:prstGeom prst="rect">
-            <a:avLst/>
-          </a:prstGeom>
-          <a:noFill/>
-        </p:spPr>
-        <p:txBody>
-          <a:bodyPr wrap="square" rtlCol="0">
-            <a:spAutoFit/>
-          </a:bodyPr>
-          <a:lstStyle/>
-          <a:p>
-            <a:r>
-              <a:rPr lang="en-US" sz="5000" b="1" dirty="0"/>
-              <a:t>c</a:t>
-            </a:r>
-            <a:r>
-              <a:rPr lang="en-US" sz="5000" dirty="0"/>
-              <a:t>) Ef11</a:t>
-            </a:r>
-            <a:endParaRPr lang="en-US" sz="5000" b="1" dirty="0"/>
-          </a:p>
-        </p:txBody>
-      </p:sp>
-      <p:sp>
-        <p:nvSpPr>
-          <p:cNvPr id="7" name="TextBox 6">
-            <a:extLst>
-              <a:ext uri="{FF2B5EF4-FFF2-40B4-BE49-F238E27FC236}">
-                <a16:creationId xmlns:a16="http://schemas.microsoft.com/office/drawing/2014/main" id="{AD26A57A-23F4-4300-B556-2F988922845A}"/>
-              </a:ext>
-            </a:extLst>
-          </p:cNvPr>
-          <p:cNvSpPr txBox="1"/>
-          <p:nvPr/>
-        </p:nvSpPr>
-        <p:spPr>
-          <a:xfrm>
-            <a:off x="12132328" y="8064504"/>
-            <a:ext cx="2307788" cy="861774"/>
-          </a:xfrm>
-          <a:prstGeom prst="rect">
-            <a:avLst/>
-          </a:prstGeom>
-          <a:noFill/>
-        </p:spPr>
-        <p:txBody>
-          <a:bodyPr wrap="square" rtlCol="0">
-            <a:spAutoFit/>
-          </a:bodyPr>
-          <a:lstStyle/>
-          <a:p>
-            <a:r>
-              <a:rPr lang="en-US" sz="5000" b="1" dirty="0"/>
-              <a:t>d</a:t>
-            </a:r>
-            <a:r>
-              <a:rPr lang="en-US" sz="5000" dirty="0"/>
-              <a:t>) V587</a:t>
-            </a:r>
-            <a:endParaRPr lang="en-US" sz="5000" b="1" dirty="0"/>
-          </a:p>
-        </p:txBody>
-      </p:sp>
       <p:pic>
         <p:nvPicPr>
-          <p:cNvPr id="1026" name="Picture 2">
-            <a:extLst>
-              <a:ext uri="{FF2B5EF4-FFF2-40B4-BE49-F238E27FC236}">
-                <a16:creationId xmlns:a16="http://schemas.microsoft.com/office/drawing/2014/main" id="{6203C510-BD56-46DF-A531-EA8606E09C3E}"/>
+          <p:cNvPr id="7" name="Picture 6" descr="Chart, line chart&#10;&#10;Description automatically generated">
+            <a:extLst>
+              <a:ext uri="{FF2B5EF4-FFF2-40B4-BE49-F238E27FC236}">
+                <a16:creationId xmlns:a16="http://schemas.microsoft.com/office/drawing/2014/main" id="{5FCABB89-B8A7-4AD7-8AAA-7FB3508BD36A}"/>
               </a:ext>
             </a:extLst>
           </p:cNvPr>
           <p:cNvPicPr>
-            <a:picLocks noChangeAspect="1" noChangeArrowheads="1"/>
+            <a:picLocks noChangeAspect="1"/>
           </p:cNvPicPr>
           <p:nvPr/>
         </p:nvPicPr>
@@ -3156,42 +3000,31 @@
               </a:ext>
             </a:extLst>
           </a:blip>
-          <a:srcRect/>
           <a:stretch>
             <a:fillRect/>
           </a:stretch>
         </p:blipFill>
-        <p:spPr bwMode="auto">
-          <a:xfrm>
-            <a:off x="460667" y="3787433"/>
-            <a:ext cx="10401300" cy="4314825"/>
-          </a:xfrm>
-          <a:prstGeom prst="rect">
-            <a:avLst/>
-          </a:prstGeom>
-          <a:noFill/>
-          <a:extLst>
-            <a:ext uri="{909E8E84-426E-40DD-AFC4-6F175D3DCCD1}">
-              <a14:hiddenFill xmlns:a14="http://schemas.microsoft.com/office/drawing/2010/main">
-                <a:solidFill>
-                  <a:srgbClr val="FFFFFF"/>
-                </a:solidFill>
-              </a14:hiddenFill>
-            </a:ext>
-          </a:extLst>
+        <p:spPr>
+          <a:xfrm>
+            <a:off x="2092984" y="5540418"/>
+            <a:ext cx="12334510" cy="5195484"/>
+          </a:xfrm>
+          <a:prstGeom prst="rect">
+            <a:avLst/>
+          </a:prstGeom>
         </p:spPr>
       </p:pic>
       <p:pic>
         <p:nvPicPr>
-          <p:cNvPr id="2" name="Picture 2">
-            <a:extLst>
-              <a:ext uri="{FF2B5EF4-FFF2-40B4-BE49-F238E27FC236}">
-                <a16:creationId xmlns:a16="http://schemas.microsoft.com/office/drawing/2014/main" id="{8CD723C9-BCC5-4410-B573-0CEDDAD7D44B}"/>
+          <p:cNvPr id="13" name="Picture 12" descr="Chart, line chart&#10;&#10;Description automatically generated">
+            <a:extLst>
+              <a:ext uri="{FF2B5EF4-FFF2-40B4-BE49-F238E27FC236}">
+                <a16:creationId xmlns:a16="http://schemas.microsoft.com/office/drawing/2014/main" id="{7646490E-4083-472D-8AAD-0722B57837A8}"/>
               </a:ext>
             </a:extLst>
           </p:cNvPr>
           <p:cNvPicPr>
-            <a:picLocks noChangeAspect="1" noChangeArrowheads="1"/>
+            <a:picLocks noChangeAspect="1"/>
           </p:cNvPicPr>
           <p:nvPr/>
         </p:nvPicPr>
@@ -3203,129 +3036,24 @@
               </a:ext>
             </a:extLst>
           </a:blip>
-          <a:srcRect/>
           <a:stretch>
             <a:fillRect/>
           </a:stretch>
         </p:blipFill>
-        <p:spPr bwMode="auto">
-          <a:xfrm>
-            <a:off x="460668" y="8926279"/>
-            <a:ext cx="5724525" cy="4295775"/>
-          </a:xfrm>
-          <a:prstGeom prst="rect">
-            <a:avLst/>
-          </a:prstGeom>
-          <a:noFill/>
-          <a:extLst>
-            <a:ext uri="{909E8E84-426E-40DD-AFC4-6F175D3DCCD1}">
-              <a14:hiddenFill xmlns:a14="http://schemas.microsoft.com/office/drawing/2010/main">
-                <a:solidFill>
-                  <a:srgbClr val="FFFFFF"/>
-                </a:solidFill>
-              </a14:hiddenFill>
-            </a:ext>
-          </a:extLst>
-        </p:spPr>
-      </p:pic>
-      <p:pic>
-        <p:nvPicPr>
-          <p:cNvPr id="3" name="Picture 4">
-            <a:extLst>
-              <a:ext uri="{FF2B5EF4-FFF2-40B4-BE49-F238E27FC236}">
-                <a16:creationId xmlns:a16="http://schemas.microsoft.com/office/drawing/2014/main" id="{08A9B009-68FC-4717-92A2-9DFB8460919B}"/>
-              </a:ext>
-            </a:extLst>
-          </p:cNvPr>
-          <p:cNvPicPr>
-            <a:picLocks noChangeAspect="1" noChangeArrowheads="1"/>
-          </p:cNvPicPr>
-          <p:nvPr/>
-        </p:nvPicPr>
-        <p:blipFill>
-          <a:blip r:embed="rId4">
-            <a:extLst>
-              <a:ext uri="{28A0092B-C50C-407E-A947-70E740481C1C}">
-                <a14:useLocalDpi xmlns:a14="http://schemas.microsoft.com/office/drawing/2010/main" val="0"/>
-              </a:ext>
-            </a:extLst>
-          </a:blip>
-          <a:srcRect/>
-          <a:stretch>
-            <a:fillRect/>
-          </a:stretch>
-        </p:blipFill>
-        <p:spPr bwMode="auto">
-          <a:xfrm>
-            <a:off x="6510968" y="9018367"/>
-            <a:ext cx="4876800" cy="4314825"/>
-          </a:xfrm>
-          <a:prstGeom prst="rect">
-            <a:avLst/>
-          </a:prstGeom>
-          <a:noFill/>
-          <a:extLst>
-            <a:ext uri="{909E8E84-426E-40DD-AFC4-6F175D3DCCD1}">
-              <a14:hiddenFill xmlns:a14="http://schemas.microsoft.com/office/drawing/2010/main">
-                <a:solidFill>
-                  <a:srgbClr val="FFFFFF"/>
-                </a:solidFill>
-              </a14:hiddenFill>
-            </a:ext>
-          </a:extLst>
-        </p:spPr>
-      </p:pic>
-      <p:pic>
-        <p:nvPicPr>
-          <p:cNvPr id="8" name="Picture 2">
-            <a:extLst>
-              <a:ext uri="{FF2B5EF4-FFF2-40B4-BE49-F238E27FC236}">
-                <a16:creationId xmlns:a16="http://schemas.microsoft.com/office/drawing/2014/main" id="{B79B846D-81BC-4FDC-98BC-75F828439618}"/>
-              </a:ext>
-            </a:extLst>
-          </p:cNvPr>
-          <p:cNvPicPr>
-            <a:picLocks noChangeAspect="1" noChangeArrowheads="1"/>
-          </p:cNvPicPr>
-          <p:nvPr/>
-        </p:nvPicPr>
-        <p:blipFill>
-          <a:blip r:embed="rId5">
-            <a:extLst>
-              <a:ext uri="{28A0092B-C50C-407E-A947-70E740481C1C}">
-                <a14:useLocalDpi xmlns:a14="http://schemas.microsoft.com/office/drawing/2010/main" val="0"/>
-              </a:ext>
-            </a:extLst>
-          </a:blip>
-          <a:srcRect/>
-          <a:stretch>
-            <a:fillRect/>
-          </a:stretch>
-        </p:blipFill>
-        <p:spPr bwMode="auto">
-          <a:xfrm>
-            <a:off x="12132330" y="8926278"/>
-            <a:ext cx="5381625" cy="4171950"/>
-          </a:xfrm>
-          <a:prstGeom prst="rect">
-            <a:avLst/>
-          </a:prstGeom>
-          <a:noFill/>
-          <a:extLst>
-            <a:ext uri="{909E8E84-426E-40DD-AFC4-6F175D3DCCD1}">
-              <a14:hiddenFill xmlns:a14="http://schemas.microsoft.com/office/drawing/2010/main">
-                <a:solidFill>
-                  <a:srgbClr val="FFFFFF"/>
-                </a:solidFill>
-              </a14:hiddenFill>
-            </a:ext>
-          </a:extLst>
+        <p:spPr>
+          <a:xfrm>
+            <a:off x="2428265" y="10912136"/>
+            <a:ext cx="4612616" cy="2423925"/>
+          </a:xfrm>
+          <a:prstGeom prst="rect">
+            <a:avLst/>
+          </a:prstGeom>
         </p:spPr>
       </p:pic>
     </p:spTree>
     <p:extLst>
       <p:ext uri="{BB962C8B-B14F-4D97-AF65-F5344CB8AC3E}">
-        <p14:creationId xmlns:p14="http://schemas.microsoft.com/office/powerpoint/2010/main" val="2462578060"/>
+        <p14:creationId xmlns:p14="http://schemas.microsoft.com/office/powerpoint/2010/main" val="959029875"/>
       </p:ext>
     </p:extLst>
   </p:cSld>
@@ -3354,62 +3082,10 @@
       </p:grpSpPr>
       <p:sp>
         <p:nvSpPr>
-          <p:cNvPr id="2" name="Rectangle 1">
-            <a:extLst>
-              <a:ext uri="{FF2B5EF4-FFF2-40B4-BE49-F238E27FC236}">
-                <a16:creationId xmlns:a16="http://schemas.microsoft.com/office/drawing/2014/main" id="{8DA4DBB0-0245-4960-BCB2-E112BF87B22C}"/>
-              </a:ext>
-            </a:extLst>
-          </p:cNvPr>
-          <p:cNvSpPr/>
-          <p:nvPr/>
-        </p:nvSpPr>
-        <p:spPr>
-          <a:xfrm>
-            <a:off x="125668" y="2529784"/>
-            <a:ext cx="17976302" cy="11303447"/>
-          </a:xfrm>
-          <a:prstGeom prst="rect">
-            <a:avLst/>
-          </a:prstGeom>
-          <a:solidFill>
-            <a:schemeClr val="bg1"/>
-          </a:solidFill>
-          <a:ln>
-            <a:noFill/>
-          </a:ln>
-        </p:spPr>
-        <p:style>
-          <a:lnRef idx="2">
-            <a:schemeClr val="accent1">
-              <a:shade val="50000"/>
-            </a:schemeClr>
-          </a:lnRef>
-          <a:fillRef idx="1">
-            <a:schemeClr val="accent1"/>
-          </a:fillRef>
-          <a:effectRef idx="0">
-            <a:schemeClr val="accent1"/>
-          </a:effectRef>
-          <a:fontRef idx="minor">
-            <a:schemeClr val="lt1"/>
-          </a:fontRef>
-        </p:style>
-        <p:txBody>
-          <a:bodyPr rtlCol="0" anchor="ctr"/>
-          <a:lstStyle/>
-          <a:p>
-            <a:pPr algn="ctr"/>
-            <a:endParaRPr lang="en-US"/>
-          </a:p>
-        </p:txBody>
-      </p:sp>
-      <p:sp>
-        <p:nvSpPr>
-          <p:cNvPr id="5" name="TextBox 4">
-            <a:extLst>
-              <a:ext uri="{FF2B5EF4-FFF2-40B4-BE49-F238E27FC236}">
-                <a16:creationId xmlns:a16="http://schemas.microsoft.com/office/drawing/2014/main" id="{D633D3B2-A014-406B-AE2A-70CF115301D0}"/>
+          <p:cNvPr id="4" name="TextBox 3">
+            <a:extLst>
+              <a:ext uri="{FF2B5EF4-FFF2-40B4-BE49-F238E27FC236}">
+                <a16:creationId xmlns:a16="http://schemas.microsoft.com/office/drawing/2014/main" id="{22DCDED8-84F8-4491-887A-E39D37BBD187}"/>
               </a:ext>
             </a:extLst>
           </p:cNvPr>
@@ -3418,8 +3094,8 @@
         </p:nvSpPr>
         <p:spPr>
           <a:xfrm>
-            <a:off x="125668" y="2529784"/>
-            <a:ext cx="7863301" cy="1015663"/>
+            <a:off x="125667" y="2784388"/>
+            <a:ext cx="2265030" cy="861774"/>
           </a:xfrm>
           <a:prstGeom prst="rect">
             <a:avLst/>
@@ -3433,69 +3109,143 @@
           <a:lstStyle/>
           <a:p>
             <a:r>
-              <a:rPr lang="en-US" sz="4000" b="1" dirty="0">
-                <a:latin typeface="Arial" panose="020B0604020202020204" pitchFamily="34" charset="0"/>
-                <a:cs typeface="Arial" panose="020B0604020202020204" pitchFamily="34" charset="0"/>
-              </a:rPr>
-              <a:t>A</a:t>
-            </a:r>
-            <a:r>
-              <a:rPr lang="en-US" sz="4000" dirty="0">
-                <a:latin typeface="Arial" panose="020B0604020202020204" pitchFamily="34" charset="0"/>
-                <a:cs typeface="Arial" panose="020B0604020202020204" pitchFamily="34" charset="0"/>
-              </a:rPr>
-              <a:t>) </a:t>
-            </a:r>
-            <a:r>
-              <a:rPr lang="en-US" sz="4000" i="1" dirty="0">
-                <a:latin typeface="Arial" panose="020B0604020202020204" pitchFamily="34" charset="0"/>
-                <a:cs typeface="Arial" panose="020B0604020202020204" pitchFamily="34" charset="0"/>
-              </a:rPr>
-              <a:t>E. faecalis </a:t>
-            </a:r>
-            <a:r>
-              <a:rPr lang="en-US" sz="4000" dirty="0">
-                <a:latin typeface="Arial" panose="020B0604020202020204" pitchFamily="34" charset="0"/>
-                <a:cs typeface="Arial" panose="020B0604020202020204" pitchFamily="34" charset="0"/>
-              </a:rPr>
-              <a:t>Yi6-1</a:t>
-            </a:r>
-          </a:p>
-          <a:p>
-            <a:r>
-              <a:rPr lang="en-US" sz="2000" dirty="0">
-                <a:latin typeface="Arial" panose="020B0604020202020204" pitchFamily="34" charset="0"/>
-                <a:cs typeface="Arial" panose="020B0604020202020204" pitchFamily="34" charset="0"/>
-              </a:rPr>
-              <a:t>	Individual phages </a:t>
-            </a:r>
-            <a:r>
-              <a:rPr lang="en-US" sz="2000" b="1" dirty="0">
-                <a:latin typeface="Arial" panose="020B0604020202020204" pitchFamily="34" charset="0"/>
-                <a:cs typeface="Arial" panose="020B0604020202020204" pitchFamily="34" charset="0"/>
-              </a:rPr>
-              <a:t>don’t</a:t>
-            </a:r>
-            <a:r>
-              <a:rPr lang="en-US" sz="2000" dirty="0">
-                <a:latin typeface="Arial" panose="020B0604020202020204" pitchFamily="34" charset="0"/>
-                <a:cs typeface="Arial" panose="020B0604020202020204" pitchFamily="34" charset="0"/>
-              </a:rPr>
-              <a:t> clear host</a:t>
-            </a:r>
-            <a:endParaRPr lang="en-US" sz="2000" b="1" dirty="0">
-              <a:latin typeface="Arial" panose="020B0604020202020204" pitchFamily="34" charset="0"/>
-              <a:cs typeface="Arial" panose="020B0604020202020204" pitchFamily="34" charset="0"/>
-            </a:endParaRPr>
+              <a:rPr lang="en-US" sz="5000" b="1" dirty="0"/>
+              <a:t>a</a:t>
+            </a:r>
+            <a:r>
+              <a:rPr lang="en-US" sz="5000" dirty="0"/>
+              <a:t>) YI6</a:t>
+            </a:r>
+            <a:endParaRPr lang="en-US" sz="5000" b="1" dirty="0"/>
+          </a:p>
+        </p:txBody>
+      </p:sp>
+      <p:sp>
+        <p:nvSpPr>
+          <p:cNvPr id="5" name="TextBox 4">
+            <a:extLst>
+              <a:ext uri="{FF2B5EF4-FFF2-40B4-BE49-F238E27FC236}">
+                <a16:creationId xmlns:a16="http://schemas.microsoft.com/office/drawing/2014/main" id="{1591C99F-AC65-4637-AAB2-F51D9B205E91}"/>
+              </a:ext>
+            </a:extLst>
+          </p:cNvPr>
+          <p:cNvSpPr txBox="1"/>
+          <p:nvPr/>
+        </p:nvSpPr>
+        <p:spPr>
+          <a:xfrm>
+            <a:off x="125668" y="8064504"/>
+            <a:ext cx="2307979" cy="861774"/>
+          </a:xfrm>
+          <a:prstGeom prst="rect">
+            <a:avLst/>
+          </a:prstGeom>
+          <a:noFill/>
+        </p:spPr>
+        <p:txBody>
+          <a:bodyPr wrap="square" rtlCol="0">
+            <a:spAutoFit/>
+          </a:bodyPr>
+          <a:lstStyle/>
+          <a:p>
+            <a:r>
+              <a:rPr lang="en-US" sz="5000" b="1" dirty="0"/>
+              <a:t>b</a:t>
+            </a:r>
+            <a:r>
+              <a:rPr lang="en-US" sz="5000" dirty="0"/>
+              <a:t>) EF06</a:t>
+            </a:r>
+            <a:endParaRPr lang="en-US" sz="5000" b="1" dirty="0"/>
+          </a:p>
+        </p:txBody>
+      </p:sp>
+      <p:sp>
+        <p:nvSpPr>
+          <p:cNvPr id="6" name="TextBox 5">
+            <a:extLst>
+              <a:ext uri="{FF2B5EF4-FFF2-40B4-BE49-F238E27FC236}">
+                <a16:creationId xmlns:a16="http://schemas.microsoft.com/office/drawing/2014/main" id="{996A034F-C276-4EE3-8D59-9C4BE6A54720}"/>
+              </a:ext>
+            </a:extLst>
+          </p:cNvPr>
+          <p:cNvSpPr txBox="1"/>
+          <p:nvPr/>
+        </p:nvSpPr>
+        <p:spPr>
+          <a:xfrm>
+            <a:off x="6510968" y="8064505"/>
+            <a:ext cx="2598742" cy="861774"/>
+          </a:xfrm>
+          <a:prstGeom prst="rect">
+            <a:avLst/>
+          </a:prstGeom>
+          <a:noFill/>
+        </p:spPr>
+        <p:txBody>
+          <a:bodyPr wrap="square" rtlCol="0">
+            <a:spAutoFit/>
+          </a:bodyPr>
+          <a:lstStyle/>
+          <a:p>
+            <a:r>
+              <a:rPr lang="en-US" sz="5000" b="1" dirty="0"/>
+              <a:t>c</a:t>
+            </a:r>
+            <a:r>
+              <a:rPr lang="en-US" sz="5000" dirty="0"/>
+              <a:t>) Ef11</a:t>
+            </a:r>
+            <a:endParaRPr lang="en-US" sz="5000" b="1" dirty="0"/>
+          </a:p>
+        </p:txBody>
+      </p:sp>
+      <p:sp>
+        <p:nvSpPr>
+          <p:cNvPr id="7" name="TextBox 6">
+            <a:extLst>
+              <a:ext uri="{FF2B5EF4-FFF2-40B4-BE49-F238E27FC236}">
+                <a16:creationId xmlns:a16="http://schemas.microsoft.com/office/drawing/2014/main" id="{AD26A57A-23F4-4300-B556-2F988922845A}"/>
+              </a:ext>
+            </a:extLst>
+          </p:cNvPr>
+          <p:cNvSpPr txBox="1"/>
+          <p:nvPr/>
+        </p:nvSpPr>
+        <p:spPr>
+          <a:xfrm>
+            <a:off x="12132328" y="8064504"/>
+            <a:ext cx="2307788" cy="861774"/>
+          </a:xfrm>
+          <a:prstGeom prst="rect">
+            <a:avLst/>
+          </a:prstGeom>
+          <a:noFill/>
+        </p:spPr>
+        <p:txBody>
+          <a:bodyPr wrap="square" rtlCol="0">
+            <a:spAutoFit/>
+          </a:bodyPr>
+          <a:lstStyle/>
+          <a:p>
+            <a:r>
+              <a:rPr lang="en-US" sz="5000" b="1" dirty="0"/>
+              <a:t>d</a:t>
+            </a:r>
+            <a:r>
+              <a:rPr lang="en-US" sz="5000" dirty="0"/>
+              <a:t>) V587</a:t>
+            </a:r>
+            <a:endParaRPr lang="en-US" sz="5000" b="1" dirty="0"/>
           </a:p>
         </p:txBody>
       </p:sp>
       <p:pic>
         <p:nvPicPr>
-          <p:cNvPr id="2054" name="Picture 6">
-            <a:extLst>
-              <a:ext uri="{FF2B5EF4-FFF2-40B4-BE49-F238E27FC236}">
-                <a16:creationId xmlns:a16="http://schemas.microsoft.com/office/drawing/2014/main" id="{BA113FB9-B345-453C-BC44-14FE3B507AEC}"/>
+          <p:cNvPr id="1026" name="Picture 2">
+            <a:extLst>
+              <a:ext uri="{FF2B5EF4-FFF2-40B4-BE49-F238E27FC236}">
+                <a16:creationId xmlns:a16="http://schemas.microsoft.com/office/drawing/2014/main" id="{6203C510-BD56-46DF-A531-EA8606E09C3E}"/>
               </a:ext>
             </a:extLst>
           </p:cNvPr>
@@ -3519,8 +3269,8 @@
         </p:blipFill>
         <p:spPr bwMode="auto">
           <a:xfrm>
-            <a:off x="348874" y="3660969"/>
-            <a:ext cx="6362700" cy="4295775"/>
+            <a:off x="460667" y="3787433"/>
+            <a:ext cx="10401300" cy="4314825"/>
           </a:xfrm>
           <a:prstGeom prst="rect">
             <a:avLst/>
@@ -3539,10 +3289,10 @@
       </p:pic>
       <p:pic>
         <p:nvPicPr>
-          <p:cNvPr id="2056" name="Picture 8">
-            <a:extLst>
-              <a:ext uri="{FF2B5EF4-FFF2-40B4-BE49-F238E27FC236}">
-                <a16:creationId xmlns:a16="http://schemas.microsoft.com/office/drawing/2014/main" id="{B18F29A3-3A38-4087-B698-108E99B1370D}"/>
+          <p:cNvPr id="2" name="Picture 2">
+            <a:extLst>
+              <a:ext uri="{FF2B5EF4-FFF2-40B4-BE49-F238E27FC236}">
+                <a16:creationId xmlns:a16="http://schemas.microsoft.com/office/drawing/2014/main" id="{8CD723C9-BCC5-4410-B573-0CEDDAD7D44B}"/>
               </a:ext>
             </a:extLst>
           </p:cNvPr>
@@ -3566,8 +3316,8 @@
         </p:blipFill>
         <p:spPr bwMode="auto">
           <a:xfrm>
-            <a:off x="7505065" y="3721102"/>
-            <a:ext cx="4876800" cy="4314825"/>
+            <a:off x="460668" y="8926279"/>
+            <a:ext cx="5724525" cy="4295775"/>
           </a:xfrm>
           <a:prstGeom prst="rect">
             <a:avLst/>
@@ -3584,194 +3334,12 @@
           </a:extLst>
         </p:spPr>
       </p:pic>
-      <p:sp>
-        <p:nvSpPr>
-          <p:cNvPr id="10" name="TextBox 9">
-            <a:extLst>
-              <a:ext uri="{FF2B5EF4-FFF2-40B4-BE49-F238E27FC236}">
-                <a16:creationId xmlns:a16="http://schemas.microsoft.com/office/drawing/2014/main" id="{CBEB159E-EA83-42E9-AB07-18EB16A1B7C3}"/>
-              </a:ext>
-            </a:extLst>
-          </p:cNvPr>
-          <p:cNvSpPr txBox="1"/>
-          <p:nvPr/>
-        </p:nvSpPr>
-        <p:spPr>
-          <a:xfrm>
-            <a:off x="125668" y="8296915"/>
-            <a:ext cx="5022570" cy="707886"/>
-          </a:xfrm>
-          <a:prstGeom prst="rect">
-            <a:avLst/>
-          </a:prstGeom>
-          <a:noFill/>
-        </p:spPr>
-        <p:txBody>
-          <a:bodyPr wrap="square" rtlCol="0">
-            <a:spAutoFit/>
-          </a:bodyPr>
-          <a:lstStyle/>
-          <a:p>
-            <a:r>
-              <a:rPr lang="en-US" sz="4000" b="1" dirty="0">
-                <a:latin typeface="Arial" panose="020B0604020202020204" pitchFamily="34" charset="0"/>
-                <a:cs typeface="Arial" panose="020B0604020202020204" pitchFamily="34" charset="0"/>
-              </a:rPr>
-              <a:t>C</a:t>
-            </a:r>
-            <a:r>
-              <a:rPr lang="en-US" sz="4000" dirty="0">
-                <a:latin typeface="Arial" panose="020B0604020202020204" pitchFamily="34" charset="0"/>
-                <a:cs typeface="Arial" panose="020B0604020202020204" pitchFamily="34" charset="0"/>
-              </a:rPr>
-              <a:t>) </a:t>
-            </a:r>
-            <a:r>
-              <a:rPr lang="en-US" sz="4000" i="1" dirty="0">
-                <a:latin typeface="Arial" panose="020B0604020202020204" pitchFamily="34" charset="0"/>
-                <a:cs typeface="Arial" panose="020B0604020202020204" pitchFamily="34" charset="0"/>
-              </a:rPr>
-              <a:t>E. faecalis </a:t>
-            </a:r>
-            <a:r>
-              <a:rPr lang="en-US" sz="4000" dirty="0">
-                <a:latin typeface="Arial" panose="020B0604020202020204" pitchFamily="34" charset="0"/>
-                <a:cs typeface="Arial" panose="020B0604020202020204" pitchFamily="34" charset="0"/>
-              </a:rPr>
-              <a:t>EF06</a:t>
-            </a:r>
-            <a:endParaRPr lang="en-US" sz="4000" b="1" dirty="0">
-              <a:latin typeface="Arial" panose="020B0604020202020204" pitchFamily="34" charset="0"/>
-              <a:cs typeface="Arial" panose="020B0604020202020204" pitchFamily="34" charset="0"/>
-            </a:endParaRPr>
-          </a:p>
-        </p:txBody>
-      </p:sp>
-      <p:sp>
-        <p:nvSpPr>
-          <p:cNvPr id="11" name="TextBox 10">
-            <a:extLst>
-              <a:ext uri="{FF2B5EF4-FFF2-40B4-BE49-F238E27FC236}">
-                <a16:creationId xmlns:a16="http://schemas.microsoft.com/office/drawing/2014/main" id="{39729911-74C7-475C-83F4-4674B0A05F6B}"/>
-              </a:ext>
-            </a:extLst>
-          </p:cNvPr>
-          <p:cNvSpPr txBox="1"/>
-          <p:nvPr/>
-        </p:nvSpPr>
-        <p:spPr>
-          <a:xfrm>
-            <a:off x="6560017" y="8296916"/>
-            <a:ext cx="4584407" cy="707886"/>
-          </a:xfrm>
-          <a:prstGeom prst="rect">
-            <a:avLst/>
-          </a:prstGeom>
-          <a:noFill/>
-        </p:spPr>
-        <p:txBody>
-          <a:bodyPr wrap="square" rtlCol="0">
-            <a:spAutoFit/>
-          </a:bodyPr>
-          <a:lstStyle/>
-          <a:p>
-            <a:r>
-              <a:rPr lang="en-US" sz="4000" dirty="0">
-                <a:latin typeface="Arial" panose="020B0604020202020204" pitchFamily="34" charset="0"/>
-                <a:cs typeface="Arial" panose="020B0604020202020204" pitchFamily="34" charset="0"/>
-              </a:rPr>
-              <a:t>D) </a:t>
-            </a:r>
-            <a:r>
-              <a:rPr lang="en-US" sz="4000" i="1" dirty="0">
-                <a:latin typeface="Arial" panose="020B0604020202020204" pitchFamily="34" charset="0"/>
-                <a:cs typeface="Arial" panose="020B0604020202020204" pitchFamily="34" charset="0"/>
-              </a:rPr>
-              <a:t>E. faecalis </a:t>
-            </a:r>
-            <a:r>
-              <a:rPr lang="en-US" sz="4000" dirty="0">
-                <a:latin typeface="Arial" panose="020B0604020202020204" pitchFamily="34" charset="0"/>
-                <a:cs typeface="Arial" panose="020B0604020202020204" pitchFamily="34" charset="0"/>
-              </a:rPr>
-              <a:t>Ef11</a:t>
-            </a:r>
-            <a:endParaRPr lang="en-US" sz="4000" b="1" dirty="0">
-              <a:latin typeface="Arial" panose="020B0604020202020204" pitchFamily="34" charset="0"/>
-              <a:cs typeface="Arial" panose="020B0604020202020204" pitchFamily="34" charset="0"/>
-            </a:endParaRPr>
-          </a:p>
-        </p:txBody>
-      </p:sp>
-      <p:sp>
-        <p:nvSpPr>
-          <p:cNvPr id="12" name="TextBox 11">
-            <a:extLst>
-              <a:ext uri="{FF2B5EF4-FFF2-40B4-BE49-F238E27FC236}">
-                <a16:creationId xmlns:a16="http://schemas.microsoft.com/office/drawing/2014/main" id="{F14D093C-BD00-4A85-AC88-01C4C31DD11B}"/>
-              </a:ext>
-            </a:extLst>
-          </p:cNvPr>
-          <p:cNvSpPr txBox="1"/>
-          <p:nvPr/>
-        </p:nvSpPr>
-        <p:spPr>
-          <a:xfrm>
-            <a:off x="12132328" y="8296916"/>
-            <a:ext cx="4584408" cy="707886"/>
-          </a:xfrm>
-          <a:prstGeom prst="rect">
-            <a:avLst/>
-          </a:prstGeom>
-          <a:noFill/>
-        </p:spPr>
-        <p:txBody>
-          <a:bodyPr wrap="square" rtlCol="0">
-            <a:spAutoFit/>
-          </a:bodyPr>
-          <a:lstStyle/>
-          <a:p>
-            <a:r>
-              <a:rPr lang="en-US" sz="4000" b="1" dirty="0">
-                <a:latin typeface="Arial" panose="020B0604020202020204" pitchFamily="34" charset="0"/>
-                <a:cs typeface="Arial" panose="020B0604020202020204" pitchFamily="34" charset="0"/>
-              </a:rPr>
-              <a:t>E</a:t>
-            </a:r>
-            <a:r>
-              <a:rPr lang="en-US" sz="4000" dirty="0">
-                <a:latin typeface="Arial" panose="020B0604020202020204" pitchFamily="34" charset="0"/>
-                <a:cs typeface="Arial" panose="020B0604020202020204" pitchFamily="34" charset="0"/>
-              </a:rPr>
-              <a:t>) </a:t>
-            </a:r>
-            <a:r>
-              <a:rPr lang="en-US" sz="4000" i="1" dirty="0">
-                <a:latin typeface="Arial" panose="020B0604020202020204" pitchFamily="34" charset="0"/>
-                <a:cs typeface="Arial" panose="020B0604020202020204" pitchFamily="34" charset="0"/>
-              </a:rPr>
-              <a:t>E. faecalis </a:t>
-            </a:r>
-            <a:r>
-              <a:rPr lang="en-US" sz="4000" dirty="0">
-                <a:latin typeface="Arial" panose="020B0604020202020204" pitchFamily="34" charset="0"/>
-                <a:cs typeface="Arial" panose="020B0604020202020204" pitchFamily="34" charset="0"/>
-              </a:rPr>
-              <a:t>V587</a:t>
-            </a:r>
-            <a:endParaRPr lang="en-US" sz="4000" b="1" dirty="0">
-              <a:latin typeface="Arial" panose="020B0604020202020204" pitchFamily="34" charset="0"/>
-              <a:cs typeface="Arial" panose="020B0604020202020204" pitchFamily="34" charset="0"/>
-            </a:endParaRPr>
-          </a:p>
-        </p:txBody>
-      </p:sp>
       <p:pic>
         <p:nvPicPr>
-          <p:cNvPr id="14" name="Picture 2">
-            <a:extLst>
-              <a:ext uri="{FF2B5EF4-FFF2-40B4-BE49-F238E27FC236}">
-                <a16:creationId xmlns:a16="http://schemas.microsoft.com/office/drawing/2014/main" id="{01B72A8F-3169-4D4F-A3EF-FE7D26318E5A}"/>
+          <p:cNvPr id="3" name="Picture 4">
+            <a:extLst>
+              <a:ext uri="{FF2B5EF4-FFF2-40B4-BE49-F238E27FC236}">
+                <a16:creationId xmlns:a16="http://schemas.microsoft.com/office/drawing/2014/main" id="{08A9B009-68FC-4717-92A2-9DFB8460919B}"/>
               </a:ext>
             </a:extLst>
           </p:cNvPr>
@@ -3795,8 +3363,8 @@
         </p:blipFill>
         <p:spPr bwMode="auto">
           <a:xfrm>
-            <a:off x="460668" y="9021529"/>
-            <a:ext cx="5724525" cy="4295775"/>
+            <a:off x="6510968" y="9018367"/>
+            <a:ext cx="4876800" cy="4314825"/>
           </a:xfrm>
           <a:prstGeom prst="rect">
             <a:avLst/>
@@ -3815,10 +3383,10 @@
       </p:pic>
       <p:pic>
         <p:nvPicPr>
-          <p:cNvPr id="17" name="Picture 4">
-            <a:extLst>
-              <a:ext uri="{FF2B5EF4-FFF2-40B4-BE49-F238E27FC236}">
-                <a16:creationId xmlns:a16="http://schemas.microsoft.com/office/drawing/2014/main" id="{A0B3F7BA-2A43-40B8-8A29-9F3C1905A589}"/>
+          <p:cNvPr id="8" name="Picture 2">
+            <a:extLst>
+              <a:ext uri="{FF2B5EF4-FFF2-40B4-BE49-F238E27FC236}">
+                <a16:creationId xmlns:a16="http://schemas.microsoft.com/office/drawing/2014/main" id="{B79B846D-81BC-4FDC-98BC-75F828439618}"/>
               </a:ext>
             </a:extLst>
           </p:cNvPr>
@@ -3842,8 +3410,8 @@
         </p:blipFill>
         <p:spPr bwMode="auto">
           <a:xfrm>
-            <a:off x="6510968" y="9113617"/>
-            <a:ext cx="4876800" cy="4314825"/>
+            <a:off x="12132330" y="8926278"/>
+            <a:ext cx="5381625" cy="4171950"/>
           </a:xfrm>
           <a:prstGeom prst="rect">
             <a:avLst/>
@@ -3860,143 +3428,10 @@
           </a:extLst>
         </p:spPr>
       </p:pic>
-      <p:pic>
-        <p:nvPicPr>
-          <p:cNvPr id="2050" name="Picture 2">
-            <a:extLst>
-              <a:ext uri="{FF2B5EF4-FFF2-40B4-BE49-F238E27FC236}">
-                <a16:creationId xmlns:a16="http://schemas.microsoft.com/office/drawing/2014/main" id="{199A1B3D-1EAE-41D9-B404-19CA8C889B60}"/>
-              </a:ext>
-            </a:extLst>
-          </p:cNvPr>
-          <p:cNvPicPr>
-            <a:picLocks noChangeAspect="1" noChangeArrowheads="1"/>
-          </p:cNvPicPr>
-          <p:nvPr/>
-        </p:nvPicPr>
-        <p:blipFill>
-          <a:blip r:embed="rId6">
-            <a:extLst>
-              <a:ext uri="{28A0092B-C50C-407E-A947-70E740481C1C}">
-                <a14:useLocalDpi xmlns:a14="http://schemas.microsoft.com/office/drawing/2010/main" val="0"/>
-              </a:ext>
-            </a:extLst>
-          </a:blip>
-          <a:srcRect/>
-          <a:stretch>
-            <a:fillRect/>
-          </a:stretch>
-        </p:blipFill>
-        <p:spPr bwMode="auto">
-          <a:xfrm>
-            <a:off x="12132330" y="9021528"/>
-            <a:ext cx="5381625" cy="4171950"/>
-          </a:xfrm>
-          <a:prstGeom prst="rect">
-            <a:avLst/>
-          </a:prstGeom>
-          <a:noFill/>
-          <a:extLst>
-            <a:ext uri="{909E8E84-426E-40DD-AFC4-6F175D3DCCD1}">
-              <a14:hiddenFill xmlns:a14="http://schemas.microsoft.com/office/drawing/2010/main">
-                <a:solidFill>
-                  <a:srgbClr val="FFFFFF"/>
-                </a:solidFill>
-              </a14:hiddenFill>
-            </a:ext>
-          </a:extLst>
-        </p:spPr>
-      </p:pic>
-      <p:sp>
-        <p:nvSpPr>
-          <p:cNvPr id="3" name="TextBox 2">
-            <a:extLst>
-              <a:ext uri="{FF2B5EF4-FFF2-40B4-BE49-F238E27FC236}">
-                <a16:creationId xmlns:a16="http://schemas.microsoft.com/office/drawing/2014/main" id="{BD07CFFF-0A63-4630-B0EB-1D9FF00B6764}"/>
-              </a:ext>
-            </a:extLst>
-          </p:cNvPr>
-          <p:cNvSpPr txBox="1"/>
-          <p:nvPr/>
-        </p:nvSpPr>
-        <p:spPr>
-          <a:xfrm>
-            <a:off x="7547610" y="2529871"/>
-            <a:ext cx="5314949" cy="1015663"/>
-          </a:xfrm>
-          <a:prstGeom prst="rect">
-            <a:avLst/>
-          </a:prstGeom>
-          <a:noFill/>
-        </p:spPr>
-        <p:txBody>
-          <a:bodyPr wrap="square" rtlCol="0">
-            <a:spAutoFit/>
-          </a:bodyPr>
-          <a:lstStyle/>
-          <a:p>
-            <a:r>
-              <a:rPr lang="en-US" sz="4000" b="1" dirty="0">
-                <a:latin typeface="Arial" panose="020B0604020202020204" pitchFamily="34" charset="0"/>
-                <a:cs typeface="Arial" panose="020B0604020202020204" pitchFamily="34" charset="0"/>
-              </a:rPr>
-              <a:t>B</a:t>
-            </a:r>
-            <a:r>
-              <a:rPr lang="en-US" sz="4000" dirty="0">
-                <a:latin typeface="Arial" panose="020B0604020202020204" pitchFamily="34" charset="0"/>
-                <a:cs typeface="Arial" panose="020B0604020202020204" pitchFamily="34" charset="0"/>
-              </a:rPr>
-              <a:t>) </a:t>
-            </a:r>
-            <a:r>
-              <a:rPr lang="en-US" sz="4000" i="1" dirty="0">
-                <a:latin typeface="Arial" panose="020B0604020202020204" pitchFamily="34" charset="0"/>
-                <a:cs typeface="Arial" panose="020B0604020202020204" pitchFamily="34" charset="0"/>
-              </a:rPr>
-              <a:t>E. faecalis </a:t>
-            </a:r>
-            <a:r>
-              <a:rPr lang="en-US" sz="4000" dirty="0">
-                <a:latin typeface="Arial" panose="020B0604020202020204" pitchFamily="34" charset="0"/>
-                <a:cs typeface="Arial" panose="020B0604020202020204" pitchFamily="34" charset="0"/>
-              </a:rPr>
-              <a:t>Yi6-1</a:t>
-            </a:r>
-          </a:p>
-          <a:p>
-            <a:r>
-              <a:rPr lang="en-US" sz="2000" dirty="0">
-                <a:latin typeface="Arial" panose="020B0604020202020204" pitchFamily="34" charset="0"/>
-                <a:cs typeface="Arial" panose="020B0604020202020204" pitchFamily="34" charset="0"/>
-              </a:rPr>
-              <a:t>	Individual phages </a:t>
-            </a:r>
-            <a:r>
-              <a:rPr lang="en-US" sz="2000" b="1" dirty="0">
-                <a:latin typeface="Arial" panose="020B0604020202020204" pitchFamily="34" charset="0"/>
-                <a:cs typeface="Arial" panose="020B0604020202020204" pitchFamily="34" charset="0"/>
-              </a:rPr>
-              <a:t>do</a:t>
-            </a:r>
-            <a:r>
-              <a:rPr lang="en-US" sz="2000" dirty="0">
-                <a:latin typeface="Arial" panose="020B0604020202020204" pitchFamily="34" charset="0"/>
-                <a:cs typeface="Arial" panose="020B0604020202020204" pitchFamily="34" charset="0"/>
-              </a:rPr>
-              <a:t> clear host</a:t>
-            </a:r>
-            <a:endParaRPr lang="en-US" sz="2000" b="1" dirty="0">
-              <a:latin typeface="Arial" panose="020B0604020202020204" pitchFamily="34" charset="0"/>
-              <a:cs typeface="Arial" panose="020B0604020202020204" pitchFamily="34" charset="0"/>
-            </a:endParaRPr>
-          </a:p>
-        </p:txBody>
-      </p:sp>
     </p:spTree>
     <p:extLst>
       <p:ext uri="{BB962C8B-B14F-4D97-AF65-F5344CB8AC3E}">
-        <p14:creationId xmlns:p14="http://schemas.microsoft.com/office/powerpoint/2010/main" val="1367113770"/>
+        <p14:creationId xmlns:p14="http://schemas.microsoft.com/office/powerpoint/2010/main" val="2462578060"/>
       </p:ext>
     </p:extLst>
   </p:cSld>
@@ -4025,10 +3460,10 @@
       </p:grpSpPr>
       <p:sp>
         <p:nvSpPr>
-          <p:cNvPr id="10" name="Rectangle 9">
-            <a:extLst>
-              <a:ext uri="{FF2B5EF4-FFF2-40B4-BE49-F238E27FC236}">
-                <a16:creationId xmlns:a16="http://schemas.microsoft.com/office/drawing/2014/main" id="{FAA3F314-F421-44D5-BD1E-86E0FF7BDBE3}"/>
+          <p:cNvPr id="2" name="Rectangle 1">
+            <a:extLst>
+              <a:ext uri="{FF2B5EF4-FFF2-40B4-BE49-F238E27FC236}">
+                <a16:creationId xmlns:a16="http://schemas.microsoft.com/office/drawing/2014/main" id="{8DA4DBB0-0245-4960-BCB2-E112BF87B22C}"/>
               </a:ext>
             </a:extLst>
           </p:cNvPr>
@@ -4037,8 +3472,8 @@
         </p:nvSpPr>
         <p:spPr>
           <a:xfrm>
-            <a:off x="686095" y="247313"/>
-            <a:ext cx="15684616" cy="16506855"/>
+            <a:off x="125668" y="2529784"/>
+            <a:ext cx="17976302" cy="11303447"/>
           </a:xfrm>
           <a:prstGeom prst="rect">
             <a:avLst/>
@@ -4075,12 +3510,98 @@
           </a:p>
         </p:txBody>
       </p:sp>
+      <p:sp>
+        <p:nvSpPr>
+          <p:cNvPr id="5" name="TextBox 4">
+            <a:extLst>
+              <a:ext uri="{FF2B5EF4-FFF2-40B4-BE49-F238E27FC236}">
+                <a16:creationId xmlns:a16="http://schemas.microsoft.com/office/drawing/2014/main" id="{D633D3B2-A014-406B-AE2A-70CF115301D0}"/>
+              </a:ext>
+            </a:extLst>
+          </p:cNvPr>
+          <p:cNvSpPr txBox="1"/>
+          <p:nvPr/>
+        </p:nvSpPr>
+        <p:spPr>
+          <a:xfrm>
+            <a:off x="125668" y="2529784"/>
+            <a:ext cx="7863301" cy="1015663"/>
+          </a:xfrm>
+          <a:prstGeom prst="rect">
+            <a:avLst/>
+          </a:prstGeom>
+          <a:noFill/>
+        </p:spPr>
+        <p:txBody>
+          <a:bodyPr wrap="square" rtlCol="0">
+            <a:spAutoFit/>
+          </a:bodyPr>
+          <a:lstStyle/>
+          <a:p>
+            <a:r>
+              <a:rPr lang="en-US" sz="4000" b="1" dirty="0">
+                <a:latin typeface="Arial" panose="020B0604020202020204" pitchFamily="34" charset="0"/>
+                <a:cs typeface="Arial" panose="020B0604020202020204" pitchFamily="34" charset="0"/>
+              </a:rPr>
+              <a:t>A</a:t>
+            </a:r>
+            <a:r>
+              <a:rPr lang="en-US" sz="4000" dirty="0">
+                <a:latin typeface="Arial" panose="020B0604020202020204" pitchFamily="34" charset="0"/>
+                <a:cs typeface="Arial" panose="020B0604020202020204" pitchFamily="34" charset="0"/>
+              </a:rPr>
+              <a:t>) </a:t>
+            </a:r>
+            <a:r>
+              <a:rPr lang="en-US" sz="4000" i="1" dirty="0">
+                <a:latin typeface="Arial" panose="020B0604020202020204" pitchFamily="34" charset="0"/>
+                <a:cs typeface="Arial" panose="020B0604020202020204" pitchFamily="34" charset="0"/>
+              </a:rPr>
+              <a:t>E. faecalis </a:t>
+            </a:r>
+            <a:r>
+              <a:rPr lang="en-US" sz="4000" dirty="0">
+                <a:latin typeface="Arial" panose="020B0604020202020204" pitchFamily="34" charset="0"/>
+                <a:cs typeface="Arial" panose="020B0604020202020204" pitchFamily="34" charset="0"/>
+              </a:rPr>
+              <a:t>Yi6-1</a:t>
+            </a:r>
+          </a:p>
+          <a:p>
+            <a:r>
+              <a:rPr lang="en-US" sz="2000" dirty="0">
+                <a:latin typeface="Arial" panose="020B0604020202020204" pitchFamily="34" charset="0"/>
+                <a:cs typeface="Arial" panose="020B0604020202020204" pitchFamily="34" charset="0"/>
+              </a:rPr>
+              <a:t>	Individual phages </a:t>
+            </a:r>
+            <a:r>
+              <a:rPr lang="en-US" sz="2000" b="1" dirty="0">
+                <a:latin typeface="Arial" panose="020B0604020202020204" pitchFamily="34" charset="0"/>
+                <a:cs typeface="Arial" panose="020B0604020202020204" pitchFamily="34" charset="0"/>
+              </a:rPr>
+              <a:t>don’t</a:t>
+            </a:r>
+            <a:r>
+              <a:rPr lang="en-US" sz="2000" dirty="0">
+                <a:latin typeface="Arial" panose="020B0604020202020204" pitchFamily="34" charset="0"/>
+                <a:cs typeface="Arial" panose="020B0604020202020204" pitchFamily="34" charset="0"/>
+              </a:rPr>
+              <a:t> clear host</a:t>
+            </a:r>
+            <a:endParaRPr lang="en-US" sz="2000" b="1" dirty="0">
+              <a:latin typeface="Arial" panose="020B0604020202020204" pitchFamily="34" charset="0"/>
+              <a:cs typeface="Arial" panose="020B0604020202020204" pitchFamily="34" charset="0"/>
+            </a:endParaRPr>
+          </a:p>
+        </p:txBody>
+      </p:sp>
       <p:pic>
         <p:nvPicPr>
-          <p:cNvPr id="1026" name="Picture 2">
-            <a:extLst>
-              <a:ext uri="{FF2B5EF4-FFF2-40B4-BE49-F238E27FC236}">
-                <a16:creationId xmlns:a16="http://schemas.microsoft.com/office/drawing/2014/main" id="{69EDA25D-891B-4308-9776-1EF3CF0F487C}"/>
+          <p:cNvPr id="2054" name="Picture 6">
+            <a:extLst>
+              <a:ext uri="{FF2B5EF4-FFF2-40B4-BE49-F238E27FC236}">
+                <a16:creationId xmlns:a16="http://schemas.microsoft.com/office/drawing/2014/main" id="{BA113FB9-B345-453C-BC44-14FE3B507AEC}"/>
               </a:ext>
             </a:extLst>
           </p:cNvPr>
@@ -4104,8 +3625,8 @@
         </p:blipFill>
         <p:spPr bwMode="auto">
           <a:xfrm>
-            <a:off x="917576" y="1362382"/>
-            <a:ext cx="4352925" cy="7143750"/>
+            <a:off x="348874" y="3660969"/>
+            <a:ext cx="6362700" cy="4295775"/>
           </a:xfrm>
           <a:prstGeom prst="rect">
             <a:avLst/>
@@ -4124,10 +3645,10 @@
       </p:pic>
       <p:pic>
         <p:nvPicPr>
-          <p:cNvPr id="1028" name="Picture 4">
-            <a:extLst>
-              <a:ext uri="{FF2B5EF4-FFF2-40B4-BE49-F238E27FC236}">
-                <a16:creationId xmlns:a16="http://schemas.microsoft.com/office/drawing/2014/main" id="{530E3B0C-1342-489C-8E6B-86B14358EA05}"/>
+          <p:cNvPr id="2056" name="Picture 8">
+            <a:extLst>
+              <a:ext uri="{FF2B5EF4-FFF2-40B4-BE49-F238E27FC236}">
+                <a16:creationId xmlns:a16="http://schemas.microsoft.com/office/drawing/2014/main" id="{B18F29A3-3A38-4087-B698-108E99B1370D}"/>
               </a:ext>
             </a:extLst>
           </p:cNvPr>
@@ -4151,8 +3672,8 @@
         </p:blipFill>
         <p:spPr bwMode="auto">
           <a:xfrm>
-            <a:off x="6128418" y="1362382"/>
-            <a:ext cx="4362450" cy="5695950"/>
+            <a:off x="7505065" y="3721102"/>
+            <a:ext cx="4876800" cy="4314825"/>
           </a:xfrm>
           <a:prstGeom prst="rect">
             <a:avLst/>
@@ -4169,12 +3690,194 @@
           </a:extLst>
         </p:spPr>
       </p:pic>
+      <p:sp>
+        <p:nvSpPr>
+          <p:cNvPr id="10" name="TextBox 9">
+            <a:extLst>
+              <a:ext uri="{FF2B5EF4-FFF2-40B4-BE49-F238E27FC236}">
+                <a16:creationId xmlns:a16="http://schemas.microsoft.com/office/drawing/2014/main" id="{CBEB159E-EA83-42E9-AB07-18EB16A1B7C3}"/>
+              </a:ext>
+            </a:extLst>
+          </p:cNvPr>
+          <p:cNvSpPr txBox="1"/>
+          <p:nvPr/>
+        </p:nvSpPr>
+        <p:spPr>
+          <a:xfrm>
+            <a:off x="125668" y="8296915"/>
+            <a:ext cx="5022570" cy="707886"/>
+          </a:xfrm>
+          <a:prstGeom prst="rect">
+            <a:avLst/>
+          </a:prstGeom>
+          <a:noFill/>
+        </p:spPr>
+        <p:txBody>
+          <a:bodyPr wrap="square" rtlCol="0">
+            <a:spAutoFit/>
+          </a:bodyPr>
+          <a:lstStyle/>
+          <a:p>
+            <a:r>
+              <a:rPr lang="en-US" sz="4000" b="1" dirty="0">
+                <a:latin typeface="Arial" panose="020B0604020202020204" pitchFamily="34" charset="0"/>
+                <a:cs typeface="Arial" panose="020B0604020202020204" pitchFamily="34" charset="0"/>
+              </a:rPr>
+              <a:t>C</a:t>
+            </a:r>
+            <a:r>
+              <a:rPr lang="en-US" sz="4000" dirty="0">
+                <a:latin typeface="Arial" panose="020B0604020202020204" pitchFamily="34" charset="0"/>
+                <a:cs typeface="Arial" panose="020B0604020202020204" pitchFamily="34" charset="0"/>
+              </a:rPr>
+              <a:t>) </a:t>
+            </a:r>
+            <a:r>
+              <a:rPr lang="en-US" sz="4000" i="1" dirty="0">
+                <a:latin typeface="Arial" panose="020B0604020202020204" pitchFamily="34" charset="0"/>
+                <a:cs typeface="Arial" panose="020B0604020202020204" pitchFamily="34" charset="0"/>
+              </a:rPr>
+              <a:t>E. faecalis </a:t>
+            </a:r>
+            <a:r>
+              <a:rPr lang="en-US" sz="4000" dirty="0">
+                <a:latin typeface="Arial" panose="020B0604020202020204" pitchFamily="34" charset="0"/>
+                <a:cs typeface="Arial" panose="020B0604020202020204" pitchFamily="34" charset="0"/>
+              </a:rPr>
+              <a:t>EF06</a:t>
+            </a:r>
+            <a:endParaRPr lang="en-US" sz="4000" b="1" dirty="0">
+              <a:latin typeface="Arial" panose="020B0604020202020204" pitchFamily="34" charset="0"/>
+              <a:cs typeface="Arial" panose="020B0604020202020204" pitchFamily="34" charset="0"/>
+            </a:endParaRPr>
+          </a:p>
+        </p:txBody>
+      </p:sp>
+      <p:sp>
+        <p:nvSpPr>
+          <p:cNvPr id="11" name="TextBox 10">
+            <a:extLst>
+              <a:ext uri="{FF2B5EF4-FFF2-40B4-BE49-F238E27FC236}">
+                <a16:creationId xmlns:a16="http://schemas.microsoft.com/office/drawing/2014/main" id="{39729911-74C7-475C-83F4-4674B0A05F6B}"/>
+              </a:ext>
+            </a:extLst>
+          </p:cNvPr>
+          <p:cNvSpPr txBox="1"/>
+          <p:nvPr/>
+        </p:nvSpPr>
+        <p:spPr>
+          <a:xfrm>
+            <a:off x="6560017" y="8296916"/>
+            <a:ext cx="4584407" cy="707886"/>
+          </a:xfrm>
+          <a:prstGeom prst="rect">
+            <a:avLst/>
+          </a:prstGeom>
+          <a:noFill/>
+        </p:spPr>
+        <p:txBody>
+          <a:bodyPr wrap="square" rtlCol="0">
+            <a:spAutoFit/>
+          </a:bodyPr>
+          <a:lstStyle/>
+          <a:p>
+            <a:r>
+              <a:rPr lang="en-US" sz="4000" dirty="0">
+                <a:latin typeface="Arial" panose="020B0604020202020204" pitchFamily="34" charset="0"/>
+                <a:cs typeface="Arial" panose="020B0604020202020204" pitchFamily="34" charset="0"/>
+              </a:rPr>
+              <a:t>D) </a:t>
+            </a:r>
+            <a:r>
+              <a:rPr lang="en-US" sz="4000" i="1" dirty="0">
+                <a:latin typeface="Arial" panose="020B0604020202020204" pitchFamily="34" charset="0"/>
+                <a:cs typeface="Arial" panose="020B0604020202020204" pitchFamily="34" charset="0"/>
+              </a:rPr>
+              <a:t>E. faecalis </a:t>
+            </a:r>
+            <a:r>
+              <a:rPr lang="en-US" sz="4000" dirty="0">
+                <a:latin typeface="Arial" panose="020B0604020202020204" pitchFamily="34" charset="0"/>
+                <a:cs typeface="Arial" panose="020B0604020202020204" pitchFamily="34" charset="0"/>
+              </a:rPr>
+              <a:t>Ef11</a:t>
+            </a:r>
+            <a:endParaRPr lang="en-US" sz="4000" b="1" dirty="0">
+              <a:latin typeface="Arial" panose="020B0604020202020204" pitchFamily="34" charset="0"/>
+              <a:cs typeface="Arial" panose="020B0604020202020204" pitchFamily="34" charset="0"/>
+            </a:endParaRPr>
+          </a:p>
+        </p:txBody>
+      </p:sp>
+      <p:sp>
+        <p:nvSpPr>
+          <p:cNvPr id="12" name="TextBox 11">
+            <a:extLst>
+              <a:ext uri="{FF2B5EF4-FFF2-40B4-BE49-F238E27FC236}">
+                <a16:creationId xmlns:a16="http://schemas.microsoft.com/office/drawing/2014/main" id="{F14D093C-BD00-4A85-AC88-01C4C31DD11B}"/>
+              </a:ext>
+            </a:extLst>
+          </p:cNvPr>
+          <p:cNvSpPr txBox="1"/>
+          <p:nvPr/>
+        </p:nvSpPr>
+        <p:spPr>
+          <a:xfrm>
+            <a:off x="12132328" y="8296916"/>
+            <a:ext cx="4584408" cy="707886"/>
+          </a:xfrm>
+          <a:prstGeom prst="rect">
+            <a:avLst/>
+          </a:prstGeom>
+          <a:noFill/>
+        </p:spPr>
+        <p:txBody>
+          <a:bodyPr wrap="square" rtlCol="0">
+            <a:spAutoFit/>
+          </a:bodyPr>
+          <a:lstStyle/>
+          <a:p>
+            <a:r>
+              <a:rPr lang="en-US" sz="4000" b="1" dirty="0">
+                <a:latin typeface="Arial" panose="020B0604020202020204" pitchFamily="34" charset="0"/>
+                <a:cs typeface="Arial" panose="020B0604020202020204" pitchFamily="34" charset="0"/>
+              </a:rPr>
+              <a:t>E</a:t>
+            </a:r>
+            <a:r>
+              <a:rPr lang="en-US" sz="4000" dirty="0">
+                <a:latin typeface="Arial" panose="020B0604020202020204" pitchFamily="34" charset="0"/>
+                <a:cs typeface="Arial" panose="020B0604020202020204" pitchFamily="34" charset="0"/>
+              </a:rPr>
+              <a:t>) </a:t>
+            </a:r>
+            <a:r>
+              <a:rPr lang="en-US" sz="4000" i="1" dirty="0">
+                <a:latin typeface="Arial" panose="020B0604020202020204" pitchFamily="34" charset="0"/>
+                <a:cs typeface="Arial" panose="020B0604020202020204" pitchFamily="34" charset="0"/>
+              </a:rPr>
+              <a:t>E. faecalis </a:t>
+            </a:r>
+            <a:r>
+              <a:rPr lang="en-US" sz="4000" dirty="0">
+                <a:latin typeface="Arial" panose="020B0604020202020204" pitchFamily="34" charset="0"/>
+                <a:cs typeface="Arial" panose="020B0604020202020204" pitchFamily="34" charset="0"/>
+              </a:rPr>
+              <a:t>V587</a:t>
+            </a:r>
+            <a:endParaRPr lang="en-US" sz="4000" b="1" dirty="0">
+              <a:latin typeface="Arial" panose="020B0604020202020204" pitchFamily="34" charset="0"/>
+              <a:cs typeface="Arial" panose="020B0604020202020204" pitchFamily="34" charset="0"/>
+            </a:endParaRPr>
+          </a:p>
+        </p:txBody>
+      </p:sp>
       <p:pic>
         <p:nvPicPr>
-          <p:cNvPr id="1030" name="Picture 6">
-            <a:extLst>
-              <a:ext uri="{FF2B5EF4-FFF2-40B4-BE49-F238E27FC236}">
-                <a16:creationId xmlns:a16="http://schemas.microsoft.com/office/drawing/2014/main" id="{CBB48845-AE4A-4CAA-8E18-09441447A585}"/>
+          <p:cNvPr id="14" name="Picture 2">
+            <a:extLst>
+              <a:ext uri="{FF2B5EF4-FFF2-40B4-BE49-F238E27FC236}">
+                <a16:creationId xmlns:a16="http://schemas.microsoft.com/office/drawing/2014/main" id="{01B72A8F-3169-4D4F-A3EF-FE7D26318E5A}"/>
               </a:ext>
             </a:extLst>
           </p:cNvPr>
@@ -4198,8 +3901,8 @@
         </p:blipFill>
         <p:spPr bwMode="auto">
           <a:xfrm>
-            <a:off x="11222205" y="1250921"/>
-            <a:ext cx="4343400" cy="6515100"/>
+            <a:off x="460668" y="9021529"/>
+            <a:ext cx="5724525" cy="4295775"/>
           </a:xfrm>
           <a:prstGeom prst="rect">
             <a:avLst/>
@@ -4218,10 +3921,10 @@
       </p:pic>
       <p:pic>
         <p:nvPicPr>
-          <p:cNvPr id="1032" name="Picture 8">
-            <a:extLst>
-              <a:ext uri="{FF2B5EF4-FFF2-40B4-BE49-F238E27FC236}">
-                <a16:creationId xmlns:a16="http://schemas.microsoft.com/office/drawing/2014/main" id="{532E1D51-1A2C-4EA9-B47B-7869663516CF}"/>
+          <p:cNvPr id="17" name="Picture 4">
+            <a:extLst>
+              <a:ext uri="{FF2B5EF4-FFF2-40B4-BE49-F238E27FC236}">
+                <a16:creationId xmlns:a16="http://schemas.microsoft.com/office/drawing/2014/main" id="{A0B3F7BA-2A43-40B8-8A29-9F3C1905A589}"/>
               </a:ext>
             </a:extLst>
           </p:cNvPr>
@@ -4245,8 +3948,8 @@
         </p:blipFill>
         <p:spPr bwMode="auto">
           <a:xfrm>
-            <a:off x="908051" y="10315576"/>
-            <a:ext cx="4362450" cy="5695950"/>
+            <a:off x="6510968" y="9113617"/>
+            <a:ext cx="4876800" cy="4314825"/>
           </a:xfrm>
           <a:prstGeom prst="rect">
             <a:avLst/>
@@ -4265,10 +3968,10 @@
       </p:pic>
       <p:pic>
         <p:nvPicPr>
-          <p:cNvPr id="1034" name="Picture 10">
-            <a:extLst>
-              <a:ext uri="{FF2B5EF4-FFF2-40B4-BE49-F238E27FC236}">
-                <a16:creationId xmlns:a16="http://schemas.microsoft.com/office/drawing/2014/main" id="{0FF213B1-B22F-4694-800F-0A3536A430CF}"/>
+          <p:cNvPr id="2050" name="Picture 2">
+            <a:extLst>
+              <a:ext uri="{FF2B5EF4-FFF2-40B4-BE49-F238E27FC236}">
+                <a16:creationId xmlns:a16="http://schemas.microsoft.com/office/drawing/2014/main" id="{199A1B3D-1EAE-41D9-B404-19CA8C889B60}"/>
               </a:ext>
             </a:extLst>
           </p:cNvPr>
@@ -4292,8 +3995,8 @@
         </p:blipFill>
         <p:spPr bwMode="auto">
           <a:xfrm>
-            <a:off x="6271293" y="10315576"/>
-            <a:ext cx="4219575" cy="6105525"/>
+            <a:off x="12132330" y="9021528"/>
+            <a:ext cx="5381625" cy="4171950"/>
           </a:xfrm>
           <a:prstGeom prst="rect">
             <a:avLst/>
@@ -4312,10 +4015,10 @@
       </p:pic>
       <p:sp>
         <p:nvSpPr>
-          <p:cNvPr id="4" name="TextBox 3">
-            <a:extLst>
-              <a:ext uri="{FF2B5EF4-FFF2-40B4-BE49-F238E27FC236}">
-                <a16:creationId xmlns:a16="http://schemas.microsoft.com/office/drawing/2014/main" id="{21222866-BF30-4EF8-9315-45462C6727FC}"/>
+          <p:cNvPr id="3" name="TextBox 2">
+            <a:extLst>
+              <a:ext uri="{FF2B5EF4-FFF2-40B4-BE49-F238E27FC236}">
+                <a16:creationId xmlns:a16="http://schemas.microsoft.com/office/drawing/2014/main" id="{BD07CFFF-0A63-4630-B0EB-1D9FF00B6764}"/>
               </a:ext>
             </a:extLst>
           </p:cNvPr>
@@ -4324,7 +4027,7 @@
         </p:nvSpPr>
         <p:spPr>
           <a:xfrm>
-            <a:off x="686094" y="247314"/>
+            <a:off x="7547610" y="2529871"/>
             <a:ext cx="5314949" cy="1015663"/>
           </a:xfrm>
           <a:prstGeom prst="rect">
@@ -4343,7 +4046,7 @@
                 <a:latin typeface="Arial" panose="020B0604020202020204" pitchFamily="34" charset="0"/>
                 <a:cs typeface="Arial" panose="020B0604020202020204" pitchFamily="34" charset="0"/>
               </a:rPr>
-              <a:t>A</a:t>
+              <a:t>B</a:t>
             </a:r>
             <a:r>
               <a:rPr lang="en-US" sz="4000" dirty="0">
@@ -4380,7 +4083,7 @@
                 <a:latin typeface="Arial" panose="020B0604020202020204" pitchFamily="34" charset="0"/>
                 <a:cs typeface="Arial" panose="020B0604020202020204" pitchFamily="34" charset="0"/>
               </a:rPr>
-              <a:t>don’t</a:t>
+              <a:t>do</a:t>
             </a:r>
             <a:r>
               <a:rPr lang="en-US" sz="2000" dirty="0">
@@ -4396,285 +4099,10 @@
           </a:p>
         </p:txBody>
       </p:sp>
-      <p:sp>
-        <p:nvSpPr>
-          <p:cNvPr id="5" name="TextBox 4">
-            <a:extLst>
-              <a:ext uri="{FF2B5EF4-FFF2-40B4-BE49-F238E27FC236}">
-                <a16:creationId xmlns:a16="http://schemas.microsoft.com/office/drawing/2014/main" id="{B4F2E14C-26CF-41D0-A3B8-C548A3DEAE0A}"/>
-              </a:ext>
-            </a:extLst>
-          </p:cNvPr>
-          <p:cNvSpPr txBox="1"/>
-          <p:nvPr/>
-        </p:nvSpPr>
-        <p:spPr>
-          <a:xfrm>
-            <a:off x="11711268" y="235258"/>
-            <a:ext cx="5022570" cy="707886"/>
-          </a:xfrm>
-          <a:prstGeom prst="rect">
-            <a:avLst/>
-          </a:prstGeom>
-          <a:noFill/>
-        </p:spPr>
-        <p:txBody>
-          <a:bodyPr wrap="square" rtlCol="0">
-            <a:spAutoFit/>
-          </a:bodyPr>
-          <a:lstStyle/>
-          <a:p>
-            <a:r>
-              <a:rPr lang="en-US" sz="4000" b="1" dirty="0">
-                <a:latin typeface="Arial" panose="020B0604020202020204" pitchFamily="34" charset="0"/>
-                <a:cs typeface="Arial" panose="020B0604020202020204" pitchFamily="34" charset="0"/>
-              </a:rPr>
-              <a:t>C</a:t>
-            </a:r>
-            <a:r>
-              <a:rPr lang="en-US" sz="4000" dirty="0">
-                <a:latin typeface="Arial" panose="020B0604020202020204" pitchFamily="34" charset="0"/>
-                <a:cs typeface="Arial" panose="020B0604020202020204" pitchFamily="34" charset="0"/>
-              </a:rPr>
-              <a:t>) </a:t>
-            </a:r>
-            <a:r>
-              <a:rPr lang="en-US" sz="4000" i="1" dirty="0">
-                <a:latin typeface="Arial" panose="020B0604020202020204" pitchFamily="34" charset="0"/>
-                <a:cs typeface="Arial" panose="020B0604020202020204" pitchFamily="34" charset="0"/>
-              </a:rPr>
-              <a:t>E. faecalis </a:t>
-            </a:r>
-            <a:r>
-              <a:rPr lang="en-US" sz="4000" dirty="0">
-                <a:latin typeface="Arial" panose="020B0604020202020204" pitchFamily="34" charset="0"/>
-                <a:cs typeface="Arial" panose="020B0604020202020204" pitchFamily="34" charset="0"/>
-              </a:rPr>
-              <a:t>EF06</a:t>
-            </a:r>
-            <a:endParaRPr lang="en-US" sz="4000" b="1" dirty="0">
-              <a:latin typeface="Arial" panose="020B0604020202020204" pitchFamily="34" charset="0"/>
-              <a:cs typeface="Arial" panose="020B0604020202020204" pitchFamily="34" charset="0"/>
-            </a:endParaRPr>
-          </a:p>
-        </p:txBody>
-      </p:sp>
-      <p:sp>
-        <p:nvSpPr>
-          <p:cNvPr id="6" name="TextBox 5">
-            <a:extLst>
-              <a:ext uri="{FF2B5EF4-FFF2-40B4-BE49-F238E27FC236}">
-                <a16:creationId xmlns:a16="http://schemas.microsoft.com/office/drawing/2014/main" id="{F3BD6282-AEB8-46DA-917E-496C3D63F179}"/>
-              </a:ext>
-            </a:extLst>
-          </p:cNvPr>
-          <p:cNvSpPr txBox="1"/>
-          <p:nvPr/>
-        </p:nvSpPr>
-        <p:spPr>
-          <a:xfrm>
-            <a:off x="686094" y="9401176"/>
-            <a:ext cx="4584407" cy="707886"/>
-          </a:xfrm>
-          <a:prstGeom prst="rect">
-            <a:avLst/>
-          </a:prstGeom>
-          <a:noFill/>
-        </p:spPr>
-        <p:txBody>
-          <a:bodyPr wrap="square" rtlCol="0">
-            <a:spAutoFit/>
-          </a:bodyPr>
-          <a:lstStyle/>
-          <a:p>
-            <a:r>
-              <a:rPr lang="en-US" sz="4000" b="1" dirty="0">
-                <a:latin typeface="Arial" panose="020B0604020202020204" pitchFamily="34" charset="0"/>
-                <a:cs typeface="Arial" panose="020B0604020202020204" pitchFamily="34" charset="0"/>
-              </a:rPr>
-              <a:t>D</a:t>
-            </a:r>
-            <a:r>
-              <a:rPr lang="en-US" sz="4000" dirty="0">
-                <a:latin typeface="Arial" panose="020B0604020202020204" pitchFamily="34" charset="0"/>
-                <a:cs typeface="Arial" panose="020B0604020202020204" pitchFamily="34" charset="0"/>
-              </a:rPr>
-              <a:t>) </a:t>
-            </a:r>
-            <a:r>
-              <a:rPr lang="en-US" sz="4000" i="1" dirty="0">
-                <a:latin typeface="Arial" panose="020B0604020202020204" pitchFamily="34" charset="0"/>
-                <a:cs typeface="Arial" panose="020B0604020202020204" pitchFamily="34" charset="0"/>
-              </a:rPr>
-              <a:t>E. faecalis </a:t>
-            </a:r>
-            <a:r>
-              <a:rPr lang="en-US" sz="4000" dirty="0">
-                <a:latin typeface="Arial" panose="020B0604020202020204" pitchFamily="34" charset="0"/>
-                <a:cs typeface="Arial" panose="020B0604020202020204" pitchFamily="34" charset="0"/>
-              </a:rPr>
-              <a:t>Ef11</a:t>
-            </a:r>
-            <a:endParaRPr lang="en-US" sz="4000" b="1" dirty="0">
-              <a:latin typeface="Arial" panose="020B0604020202020204" pitchFamily="34" charset="0"/>
-              <a:cs typeface="Arial" panose="020B0604020202020204" pitchFamily="34" charset="0"/>
-            </a:endParaRPr>
-          </a:p>
-        </p:txBody>
-      </p:sp>
-      <p:sp>
-        <p:nvSpPr>
-          <p:cNvPr id="7" name="TextBox 6">
-            <a:extLst>
-              <a:ext uri="{FF2B5EF4-FFF2-40B4-BE49-F238E27FC236}">
-                <a16:creationId xmlns:a16="http://schemas.microsoft.com/office/drawing/2014/main" id="{CA3DC903-3DAF-4FA7-B1DE-414956DB6228}"/>
-              </a:ext>
-            </a:extLst>
-          </p:cNvPr>
-          <p:cNvSpPr txBox="1"/>
-          <p:nvPr/>
-        </p:nvSpPr>
-        <p:spPr>
-          <a:xfrm>
-            <a:off x="6194745" y="9401176"/>
-            <a:ext cx="4584408" cy="707886"/>
-          </a:xfrm>
-          <a:prstGeom prst="rect">
-            <a:avLst/>
-          </a:prstGeom>
-          <a:noFill/>
-        </p:spPr>
-        <p:txBody>
-          <a:bodyPr wrap="square" rtlCol="0">
-            <a:spAutoFit/>
-          </a:bodyPr>
-          <a:lstStyle/>
-          <a:p>
-            <a:r>
-              <a:rPr lang="en-US" sz="4000" b="1" dirty="0">
-                <a:latin typeface="Arial" panose="020B0604020202020204" pitchFamily="34" charset="0"/>
-                <a:cs typeface="Arial" panose="020B0604020202020204" pitchFamily="34" charset="0"/>
-              </a:rPr>
-              <a:t>E</a:t>
-            </a:r>
-            <a:r>
-              <a:rPr lang="en-US" sz="4000" dirty="0">
-                <a:latin typeface="Arial" panose="020B0604020202020204" pitchFamily="34" charset="0"/>
-                <a:cs typeface="Arial" panose="020B0604020202020204" pitchFamily="34" charset="0"/>
-              </a:rPr>
-              <a:t>) </a:t>
-            </a:r>
-            <a:r>
-              <a:rPr lang="en-US" sz="4000" i="1" dirty="0">
-                <a:latin typeface="Arial" panose="020B0604020202020204" pitchFamily="34" charset="0"/>
-                <a:cs typeface="Arial" panose="020B0604020202020204" pitchFamily="34" charset="0"/>
-              </a:rPr>
-              <a:t>E. faecalis </a:t>
-            </a:r>
-            <a:r>
-              <a:rPr lang="en-US" sz="4000" dirty="0">
-                <a:latin typeface="Arial" panose="020B0604020202020204" pitchFamily="34" charset="0"/>
-                <a:cs typeface="Arial" panose="020B0604020202020204" pitchFamily="34" charset="0"/>
-              </a:rPr>
-              <a:t>V587</a:t>
-            </a:r>
-            <a:endParaRPr lang="en-US" sz="4000" b="1" dirty="0">
-              <a:latin typeface="Arial" panose="020B0604020202020204" pitchFamily="34" charset="0"/>
-              <a:cs typeface="Arial" panose="020B0604020202020204" pitchFamily="34" charset="0"/>
-            </a:endParaRPr>
-          </a:p>
-        </p:txBody>
-      </p:sp>
-      <p:sp>
-        <p:nvSpPr>
-          <p:cNvPr id="8" name="TextBox 7">
-            <a:extLst>
-              <a:ext uri="{FF2B5EF4-FFF2-40B4-BE49-F238E27FC236}">
-                <a16:creationId xmlns:a16="http://schemas.microsoft.com/office/drawing/2014/main" id="{40B3FAFD-EBEC-462C-BF0A-6D6C9E42A978}"/>
-              </a:ext>
-            </a:extLst>
-          </p:cNvPr>
-          <p:cNvSpPr txBox="1"/>
-          <p:nvPr/>
-        </p:nvSpPr>
-        <p:spPr>
-          <a:xfrm>
-            <a:off x="6194745" y="235258"/>
-            <a:ext cx="5314949" cy="1015663"/>
-          </a:xfrm>
-          <a:prstGeom prst="rect">
-            <a:avLst/>
-          </a:prstGeom>
-          <a:noFill/>
-        </p:spPr>
-        <p:txBody>
-          <a:bodyPr wrap="square" rtlCol="0">
-            <a:spAutoFit/>
-          </a:bodyPr>
-          <a:lstStyle/>
-          <a:p>
-            <a:r>
-              <a:rPr lang="en-US" sz="4000" b="1" dirty="0">
-                <a:latin typeface="Arial" panose="020B0604020202020204" pitchFamily="34" charset="0"/>
-                <a:cs typeface="Arial" panose="020B0604020202020204" pitchFamily="34" charset="0"/>
-              </a:rPr>
-              <a:t>B</a:t>
-            </a:r>
-            <a:r>
-              <a:rPr lang="en-US" sz="4000" dirty="0">
-                <a:latin typeface="Arial" panose="020B0604020202020204" pitchFamily="34" charset="0"/>
-                <a:cs typeface="Arial" panose="020B0604020202020204" pitchFamily="34" charset="0"/>
-              </a:rPr>
-              <a:t>) </a:t>
-            </a:r>
-            <a:r>
-              <a:rPr lang="en-US" sz="4000" i="1" dirty="0">
-                <a:latin typeface="Arial" panose="020B0604020202020204" pitchFamily="34" charset="0"/>
-                <a:cs typeface="Arial" panose="020B0604020202020204" pitchFamily="34" charset="0"/>
-              </a:rPr>
-              <a:t>E. faecalis </a:t>
-            </a:r>
-            <a:r>
-              <a:rPr lang="en-US" sz="4000" dirty="0">
-                <a:latin typeface="Arial" panose="020B0604020202020204" pitchFamily="34" charset="0"/>
-                <a:cs typeface="Arial" panose="020B0604020202020204" pitchFamily="34" charset="0"/>
-              </a:rPr>
-              <a:t>Yi6-1</a:t>
-            </a:r>
-          </a:p>
-          <a:p>
-            <a:r>
-              <a:rPr lang="en-US" sz="2000" dirty="0">
-                <a:latin typeface="Arial" panose="020B0604020202020204" pitchFamily="34" charset="0"/>
-                <a:cs typeface="Arial" panose="020B0604020202020204" pitchFamily="34" charset="0"/>
-              </a:rPr>
-              <a:t>	Individual phages </a:t>
-            </a:r>
-            <a:r>
-              <a:rPr lang="en-US" sz="2000" b="1" dirty="0">
-                <a:latin typeface="Arial" panose="020B0604020202020204" pitchFamily="34" charset="0"/>
-                <a:cs typeface="Arial" panose="020B0604020202020204" pitchFamily="34" charset="0"/>
-              </a:rPr>
-              <a:t>do</a:t>
-            </a:r>
-            <a:r>
-              <a:rPr lang="en-US" sz="2000" dirty="0">
-                <a:latin typeface="Arial" panose="020B0604020202020204" pitchFamily="34" charset="0"/>
-                <a:cs typeface="Arial" panose="020B0604020202020204" pitchFamily="34" charset="0"/>
-              </a:rPr>
-              <a:t> clear host</a:t>
-            </a:r>
-            <a:endParaRPr lang="en-US" sz="2000" b="1" dirty="0">
-              <a:latin typeface="Arial" panose="020B0604020202020204" pitchFamily="34" charset="0"/>
-              <a:cs typeface="Arial" panose="020B0604020202020204" pitchFamily="34" charset="0"/>
-            </a:endParaRPr>
-          </a:p>
-        </p:txBody>
-      </p:sp>
     </p:spTree>
     <p:extLst>
       <p:ext uri="{BB962C8B-B14F-4D97-AF65-F5344CB8AC3E}">
-        <p14:creationId xmlns:p14="http://schemas.microsoft.com/office/powerpoint/2010/main" val="529604342"/>
+        <p14:creationId xmlns:p14="http://schemas.microsoft.com/office/powerpoint/2010/main" val="1367113770"/>
       </p:ext>
     </p:extLst>
   </p:cSld>
@@ -4703,10 +4131,10 @@
       </p:grpSpPr>
       <p:sp>
         <p:nvSpPr>
-          <p:cNvPr id="3" name="Rectangle 2">
-            <a:extLst>
-              <a:ext uri="{FF2B5EF4-FFF2-40B4-BE49-F238E27FC236}">
-                <a16:creationId xmlns:a16="http://schemas.microsoft.com/office/drawing/2014/main" id="{70BD1B5C-79CB-4489-9126-B399682E77C9}"/>
+          <p:cNvPr id="10" name="Rectangle 9">
+            <a:extLst>
+              <a:ext uri="{FF2B5EF4-FFF2-40B4-BE49-F238E27FC236}">
+                <a16:creationId xmlns:a16="http://schemas.microsoft.com/office/drawing/2014/main" id="{FAA3F314-F421-44D5-BD1E-86E0FF7BDBE3}"/>
               </a:ext>
             </a:extLst>
           </p:cNvPr>
@@ -4715,8 +4143,8 @@
         </p:nvSpPr>
         <p:spPr>
           <a:xfrm>
-            <a:off x="0" y="322395"/>
-            <a:ext cx="12771120" cy="19486762"/>
+            <a:off x="686095" y="247313"/>
+            <a:ext cx="15684616" cy="16506855"/>
           </a:xfrm>
           <a:prstGeom prst="rect">
             <a:avLst/>
@@ -4753,201 +4181,12 @@
           </a:p>
         </p:txBody>
       </p:sp>
-      <p:sp>
-        <p:nvSpPr>
-          <p:cNvPr id="4" name="TextBox 3">
-            <a:extLst>
-              <a:ext uri="{FF2B5EF4-FFF2-40B4-BE49-F238E27FC236}">
-                <a16:creationId xmlns:a16="http://schemas.microsoft.com/office/drawing/2014/main" id="{1A0A423D-5221-41EC-982A-095F6F1B0BCA}"/>
-              </a:ext>
-            </a:extLst>
-          </p:cNvPr>
-          <p:cNvSpPr txBox="1"/>
-          <p:nvPr/>
-        </p:nvSpPr>
-        <p:spPr>
-          <a:xfrm>
-            <a:off x="423244" y="322395"/>
-            <a:ext cx="5078396" cy="707886"/>
-          </a:xfrm>
-          <a:prstGeom prst="rect">
-            <a:avLst/>
-          </a:prstGeom>
-          <a:noFill/>
-        </p:spPr>
-        <p:txBody>
-          <a:bodyPr wrap="square" rtlCol="0">
-            <a:spAutoFit/>
-          </a:bodyPr>
-          <a:lstStyle/>
-          <a:p>
-            <a:r>
-              <a:rPr lang="en-US" sz="4000" b="1" dirty="0">
-                <a:latin typeface="Arial" panose="020B0604020202020204" pitchFamily="34" charset="0"/>
-                <a:cs typeface="Arial" panose="020B0604020202020204" pitchFamily="34" charset="0"/>
-              </a:rPr>
-              <a:t>A</a:t>
-            </a:r>
-            <a:r>
-              <a:rPr lang="en-US" sz="4000" dirty="0">
-                <a:latin typeface="Arial" panose="020B0604020202020204" pitchFamily="34" charset="0"/>
-                <a:cs typeface="Arial" panose="020B0604020202020204" pitchFamily="34" charset="0"/>
-              </a:rPr>
-              <a:t>) </a:t>
-            </a:r>
-            <a:r>
-              <a:rPr lang="en-US" sz="4000" i="1" dirty="0">
-                <a:latin typeface="Arial" panose="020B0604020202020204" pitchFamily="34" charset="0"/>
-                <a:cs typeface="Arial" panose="020B0604020202020204" pitchFamily="34" charset="0"/>
-              </a:rPr>
-              <a:t>E. faecalis </a:t>
-            </a:r>
-            <a:r>
-              <a:rPr lang="en-US" sz="4000" dirty="0">
-                <a:latin typeface="Arial" panose="020B0604020202020204" pitchFamily="34" charset="0"/>
-                <a:cs typeface="Arial" panose="020B0604020202020204" pitchFamily="34" charset="0"/>
-              </a:rPr>
-              <a:t>Yi6-1</a:t>
-            </a:r>
-            <a:endParaRPr lang="en-US" sz="4000" b="1" dirty="0">
-              <a:latin typeface="Arial" panose="020B0604020202020204" pitchFamily="34" charset="0"/>
-              <a:cs typeface="Arial" panose="020B0604020202020204" pitchFamily="34" charset="0"/>
-            </a:endParaRPr>
-          </a:p>
-        </p:txBody>
-      </p:sp>
-      <p:sp>
-        <p:nvSpPr>
-          <p:cNvPr id="5" name="TextBox 4">
-            <a:extLst>
-              <a:ext uri="{FF2B5EF4-FFF2-40B4-BE49-F238E27FC236}">
-                <a16:creationId xmlns:a16="http://schemas.microsoft.com/office/drawing/2014/main" id="{11306143-D5BF-4A46-91BC-5133E33DBB2F}"/>
-              </a:ext>
-            </a:extLst>
-          </p:cNvPr>
-          <p:cNvSpPr txBox="1"/>
-          <p:nvPr/>
-        </p:nvSpPr>
-        <p:spPr>
-          <a:xfrm>
-            <a:off x="423244" y="5365351"/>
-            <a:ext cx="5709354" cy="707886"/>
-          </a:xfrm>
-          <a:prstGeom prst="rect">
-            <a:avLst/>
-          </a:prstGeom>
-          <a:noFill/>
-        </p:spPr>
-        <p:txBody>
-          <a:bodyPr wrap="square" rtlCol="0">
-            <a:spAutoFit/>
-          </a:bodyPr>
-          <a:lstStyle/>
-          <a:p>
-            <a:r>
-              <a:rPr lang="en-US" sz="4000" b="1" dirty="0">
-                <a:latin typeface="Arial" panose="020B0604020202020204" pitchFamily="34" charset="0"/>
-                <a:cs typeface="Arial" panose="020B0604020202020204" pitchFamily="34" charset="0"/>
-              </a:rPr>
-              <a:t>B</a:t>
-            </a:r>
-            <a:r>
-              <a:rPr lang="en-US" sz="4000" dirty="0">
-                <a:latin typeface="Arial" panose="020B0604020202020204" pitchFamily="34" charset="0"/>
-                <a:cs typeface="Arial" panose="020B0604020202020204" pitchFamily="34" charset="0"/>
-              </a:rPr>
-              <a:t>) </a:t>
-            </a:r>
-            <a:r>
-              <a:rPr lang="en-US" sz="4000" i="1" dirty="0">
-                <a:latin typeface="Arial" panose="020B0604020202020204" pitchFamily="34" charset="0"/>
-                <a:cs typeface="Arial" panose="020B0604020202020204" pitchFamily="34" charset="0"/>
-              </a:rPr>
-              <a:t>E. faecalis </a:t>
-            </a:r>
-            <a:r>
-              <a:rPr lang="en-US" sz="4000" dirty="0">
-                <a:latin typeface="Arial" panose="020B0604020202020204" pitchFamily="34" charset="0"/>
-                <a:cs typeface="Arial" panose="020B0604020202020204" pitchFamily="34" charset="0"/>
-              </a:rPr>
-              <a:t>EF06</a:t>
-            </a:r>
-            <a:endParaRPr lang="en-US" sz="4000" b="1" dirty="0">
-              <a:latin typeface="Arial" panose="020B0604020202020204" pitchFamily="34" charset="0"/>
-              <a:cs typeface="Arial" panose="020B0604020202020204" pitchFamily="34" charset="0"/>
-            </a:endParaRPr>
-          </a:p>
-        </p:txBody>
-      </p:sp>
-      <p:sp>
-        <p:nvSpPr>
-          <p:cNvPr id="6" name="TextBox 5">
-            <a:extLst>
-              <a:ext uri="{FF2B5EF4-FFF2-40B4-BE49-F238E27FC236}">
-                <a16:creationId xmlns:a16="http://schemas.microsoft.com/office/drawing/2014/main" id="{27604841-55A7-45C6-A64B-03FA0F2446B6}"/>
-              </a:ext>
-            </a:extLst>
-          </p:cNvPr>
-          <p:cNvSpPr txBox="1"/>
-          <p:nvPr/>
-        </p:nvSpPr>
-        <p:spPr>
-          <a:xfrm>
-            <a:off x="423244" y="10116081"/>
-            <a:ext cx="5078396" cy="707886"/>
-          </a:xfrm>
-          <a:prstGeom prst="rect">
-            <a:avLst/>
-          </a:prstGeom>
-          <a:noFill/>
-        </p:spPr>
-        <p:txBody>
-          <a:bodyPr wrap="square" rtlCol="0">
-            <a:spAutoFit/>
-          </a:bodyPr>
-          <a:lstStyle/>
-          <a:p>
-            <a:r>
-              <a:rPr lang="en-US" sz="4000" b="1" dirty="0">
-                <a:latin typeface="Arial" panose="020B0604020202020204" pitchFamily="34" charset="0"/>
-                <a:cs typeface="Arial" panose="020B0604020202020204" pitchFamily="34" charset="0"/>
-              </a:rPr>
-              <a:t>C</a:t>
-            </a:r>
-            <a:r>
-              <a:rPr lang="en-US" sz="4000" dirty="0">
-                <a:latin typeface="Arial" panose="020B0604020202020204" pitchFamily="34" charset="0"/>
-                <a:cs typeface="Arial" panose="020B0604020202020204" pitchFamily="34" charset="0"/>
-              </a:rPr>
-              <a:t>) </a:t>
-            </a:r>
-            <a:r>
-              <a:rPr lang="en-US" sz="4000" i="1" dirty="0">
-                <a:latin typeface="Arial" panose="020B0604020202020204" pitchFamily="34" charset="0"/>
-                <a:cs typeface="Arial" panose="020B0604020202020204" pitchFamily="34" charset="0"/>
-              </a:rPr>
-              <a:t>E. faecalis </a:t>
-            </a:r>
-            <a:r>
-              <a:rPr lang="en-US" sz="4000" dirty="0">
-                <a:latin typeface="Arial" panose="020B0604020202020204" pitchFamily="34" charset="0"/>
-                <a:cs typeface="Arial" panose="020B0604020202020204" pitchFamily="34" charset="0"/>
-              </a:rPr>
-              <a:t>EF11</a:t>
-            </a:r>
-            <a:endParaRPr lang="en-US" sz="4000" b="1" dirty="0">
-              <a:latin typeface="Arial" panose="020B0604020202020204" pitchFamily="34" charset="0"/>
-              <a:cs typeface="Arial" panose="020B0604020202020204" pitchFamily="34" charset="0"/>
-            </a:endParaRPr>
-          </a:p>
-        </p:txBody>
-      </p:sp>
       <p:pic>
         <p:nvPicPr>
-          <p:cNvPr id="3074" name="Picture 2">
-            <a:extLst>
-              <a:ext uri="{FF2B5EF4-FFF2-40B4-BE49-F238E27FC236}">
-                <a16:creationId xmlns:a16="http://schemas.microsoft.com/office/drawing/2014/main" id="{B3CF8EA0-48B6-4879-A06C-FE0C57B63323}"/>
+          <p:cNvPr id="1026" name="Picture 2">
+            <a:extLst>
+              <a:ext uri="{FF2B5EF4-FFF2-40B4-BE49-F238E27FC236}">
+                <a16:creationId xmlns:a16="http://schemas.microsoft.com/office/drawing/2014/main" id="{69EDA25D-891B-4308-9776-1EF3CF0F487C}"/>
               </a:ext>
             </a:extLst>
           </p:cNvPr>
@@ -4971,8 +4210,8 @@
         </p:blipFill>
         <p:spPr bwMode="auto">
           <a:xfrm>
-            <a:off x="615634" y="1073741"/>
-            <a:ext cx="10563225" cy="4248150"/>
+            <a:off x="917576" y="1362382"/>
+            <a:ext cx="4352925" cy="7143750"/>
           </a:xfrm>
           <a:prstGeom prst="rect">
             <a:avLst/>
@@ -4991,10 +4230,10 @@
       </p:pic>
       <p:pic>
         <p:nvPicPr>
-          <p:cNvPr id="3076" name="Picture 4">
-            <a:extLst>
-              <a:ext uri="{FF2B5EF4-FFF2-40B4-BE49-F238E27FC236}">
-                <a16:creationId xmlns:a16="http://schemas.microsoft.com/office/drawing/2014/main" id="{DEB1BAE8-17C0-4A16-AAC9-D50A8C454B24}"/>
+          <p:cNvPr id="1028" name="Picture 4">
+            <a:extLst>
+              <a:ext uri="{FF2B5EF4-FFF2-40B4-BE49-F238E27FC236}">
+                <a16:creationId xmlns:a16="http://schemas.microsoft.com/office/drawing/2014/main" id="{530E3B0C-1342-489C-8E6B-86B14358EA05}"/>
               </a:ext>
             </a:extLst>
           </p:cNvPr>
@@ -5018,8 +4257,8 @@
         </p:blipFill>
         <p:spPr bwMode="auto">
           <a:xfrm>
-            <a:off x="615634" y="6121865"/>
-            <a:ext cx="11839575" cy="4295775"/>
+            <a:off x="6128418" y="1362382"/>
+            <a:ext cx="4362450" cy="5695950"/>
           </a:xfrm>
           <a:prstGeom prst="rect">
             <a:avLst/>
@@ -5038,10 +4277,10 @@
       </p:pic>
       <p:pic>
         <p:nvPicPr>
-          <p:cNvPr id="3078" name="Picture 6">
-            <a:extLst>
-              <a:ext uri="{FF2B5EF4-FFF2-40B4-BE49-F238E27FC236}">
-                <a16:creationId xmlns:a16="http://schemas.microsoft.com/office/drawing/2014/main" id="{5EF59F0C-200E-4D05-B4F7-80FAFAD73FD4}"/>
+          <p:cNvPr id="1030" name="Picture 6">
+            <a:extLst>
+              <a:ext uri="{FF2B5EF4-FFF2-40B4-BE49-F238E27FC236}">
+                <a16:creationId xmlns:a16="http://schemas.microsoft.com/office/drawing/2014/main" id="{CBB48845-AE4A-4CAA-8E18-09441447A585}"/>
               </a:ext>
             </a:extLst>
           </p:cNvPr>
@@ -5065,8 +4304,8 @@
         </p:blipFill>
         <p:spPr bwMode="auto">
           <a:xfrm>
-            <a:off x="615634" y="10870011"/>
-            <a:ext cx="10144125" cy="4314825"/>
+            <a:off x="11222205" y="1250921"/>
+            <a:ext cx="4343400" cy="6515100"/>
           </a:xfrm>
           <a:prstGeom prst="rect">
             <a:avLst/>
@@ -5085,10 +4324,10 @@
       </p:pic>
       <p:pic>
         <p:nvPicPr>
-          <p:cNvPr id="1026" name="Picture 2">
-            <a:extLst>
-              <a:ext uri="{FF2B5EF4-FFF2-40B4-BE49-F238E27FC236}">
-                <a16:creationId xmlns:a16="http://schemas.microsoft.com/office/drawing/2014/main" id="{D9D497AE-E1BE-4762-958D-BA617F7F7073}"/>
+          <p:cNvPr id="1032" name="Picture 8">
+            <a:extLst>
+              <a:ext uri="{FF2B5EF4-FFF2-40B4-BE49-F238E27FC236}">
+                <a16:creationId xmlns:a16="http://schemas.microsoft.com/office/drawing/2014/main" id="{532E1D51-1A2C-4EA9-B47B-7869663516CF}"/>
               </a:ext>
             </a:extLst>
           </p:cNvPr>
@@ -5112,8 +4351,8 @@
         </p:blipFill>
         <p:spPr bwMode="auto">
           <a:xfrm>
-            <a:off x="615634" y="15637207"/>
-            <a:ext cx="7229475" cy="4171950"/>
+            <a:off x="908051" y="10315576"/>
+            <a:ext cx="4362450" cy="5695950"/>
           </a:xfrm>
           <a:prstGeom prst="rect">
             <a:avLst/>
@@ -5130,12 +4369,59 @@
           </a:extLst>
         </p:spPr>
       </p:pic>
-      <p:sp>
-        <p:nvSpPr>
-          <p:cNvPr id="2" name="TextBox 1">
-            <a:extLst>
-              <a:ext uri="{FF2B5EF4-FFF2-40B4-BE49-F238E27FC236}">
-                <a16:creationId xmlns:a16="http://schemas.microsoft.com/office/drawing/2014/main" id="{18952644-4033-405D-AF02-3E56C82E47CC}"/>
+      <p:pic>
+        <p:nvPicPr>
+          <p:cNvPr id="1034" name="Picture 10">
+            <a:extLst>
+              <a:ext uri="{FF2B5EF4-FFF2-40B4-BE49-F238E27FC236}">
+                <a16:creationId xmlns:a16="http://schemas.microsoft.com/office/drawing/2014/main" id="{0FF213B1-B22F-4694-800F-0A3536A430CF}"/>
+              </a:ext>
+            </a:extLst>
+          </p:cNvPr>
+          <p:cNvPicPr>
+            <a:picLocks noChangeAspect="1" noChangeArrowheads="1"/>
+          </p:cNvPicPr>
+          <p:nvPr/>
+        </p:nvPicPr>
+        <p:blipFill>
+          <a:blip r:embed="rId6">
+            <a:extLst>
+              <a:ext uri="{28A0092B-C50C-407E-A947-70E740481C1C}">
+                <a14:useLocalDpi xmlns:a14="http://schemas.microsoft.com/office/drawing/2010/main" val="0"/>
+              </a:ext>
+            </a:extLst>
+          </a:blip>
+          <a:srcRect/>
+          <a:stretch>
+            <a:fillRect/>
+          </a:stretch>
+        </p:blipFill>
+        <p:spPr bwMode="auto">
+          <a:xfrm>
+            <a:off x="6271293" y="10315576"/>
+            <a:ext cx="4219575" cy="6105525"/>
+          </a:xfrm>
+          <a:prstGeom prst="rect">
+            <a:avLst/>
+          </a:prstGeom>
+          <a:noFill/>
+          <a:extLst>
+            <a:ext uri="{909E8E84-426E-40DD-AFC4-6F175D3DCCD1}">
+              <a14:hiddenFill xmlns:a14="http://schemas.microsoft.com/office/drawing/2010/main">
+                <a:solidFill>
+                  <a:srgbClr val="FFFFFF"/>
+                </a:solidFill>
+              </a14:hiddenFill>
+            </a:ext>
+          </a:extLst>
+        </p:spPr>
+      </p:pic>
+      <p:sp>
+        <p:nvSpPr>
+          <p:cNvPr id="4" name="TextBox 3">
+            <a:extLst>
+              <a:ext uri="{FF2B5EF4-FFF2-40B4-BE49-F238E27FC236}">
+                <a16:creationId xmlns:a16="http://schemas.microsoft.com/office/drawing/2014/main" id="{21222866-BF30-4EF8-9315-45462C6727FC}"/>
               </a:ext>
             </a:extLst>
           </p:cNvPr>
@@ -5144,8 +4430,157 @@
         </p:nvSpPr>
         <p:spPr>
           <a:xfrm>
-            <a:off x="423244" y="14929321"/>
-            <a:ext cx="4865036" cy="707886"/>
+            <a:off x="686094" y="247314"/>
+            <a:ext cx="5314949" cy="1015663"/>
+          </a:xfrm>
+          <a:prstGeom prst="rect">
+            <a:avLst/>
+          </a:prstGeom>
+          <a:noFill/>
+        </p:spPr>
+        <p:txBody>
+          <a:bodyPr wrap="square" rtlCol="0">
+            <a:spAutoFit/>
+          </a:bodyPr>
+          <a:lstStyle/>
+          <a:p>
+            <a:r>
+              <a:rPr lang="en-US" sz="4000" b="1" dirty="0">
+                <a:latin typeface="Arial" panose="020B0604020202020204" pitchFamily="34" charset="0"/>
+                <a:cs typeface="Arial" panose="020B0604020202020204" pitchFamily="34" charset="0"/>
+              </a:rPr>
+              <a:t>A</a:t>
+            </a:r>
+            <a:r>
+              <a:rPr lang="en-US" sz="4000" dirty="0">
+                <a:latin typeface="Arial" panose="020B0604020202020204" pitchFamily="34" charset="0"/>
+                <a:cs typeface="Arial" panose="020B0604020202020204" pitchFamily="34" charset="0"/>
+              </a:rPr>
+              <a:t>) </a:t>
+            </a:r>
+            <a:r>
+              <a:rPr lang="en-US" sz="4000" i="1" dirty="0">
+                <a:latin typeface="Arial" panose="020B0604020202020204" pitchFamily="34" charset="0"/>
+                <a:cs typeface="Arial" panose="020B0604020202020204" pitchFamily="34" charset="0"/>
+              </a:rPr>
+              <a:t>E. faecalis </a:t>
+            </a:r>
+            <a:r>
+              <a:rPr lang="en-US" sz="4000" dirty="0">
+                <a:latin typeface="Arial" panose="020B0604020202020204" pitchFamily="34" charset="0"/>
+                <a:cs typeface="Arial" panose="020B0604020202020204" pitchFamily="34" charset="0"/>
+              </a:rPr>
+              <a:t>Yi6-1</a:t>
+            </a:r>
+          </a:p>
+          <a:p>
+            <a:r>
+              <a:rPr lang="en-US" sz="2000" dirty="0">
+                <a:latin typeface="Arial" panose="020B0604020202020204" pitchFamily="34" charset="0"/>
+                <a:cs typeface="Arial" panose="020B0604020202020204" pitchFamily="34" charset="0"/>
+              </a:rPr>
+              <a:t>	Individual phages </a:t>
+            </a:r>
+            <a:r>
+              <a:rPr lang="en-US" sz="2000" b="1" dirty="0">
+                <a:latin typeface="Arial" panose="020B0604020202020204" pitchFamily="34" charset="0"/>
+                <a:cs typeface="Arial" panose="020B0604020202020204" pitchFamily="34" charset="0"/>
+              </a:rPr>
+              <a:t>don’t</a:t>
+            </a:r>
+            <a:r>
+              <a:rPr lang="en-US" sz="2000" dirty="0">
+                <a:latin typeface="Arial" panose="020B0604020202020204" pitchFamily="34" charset="0"/>
+                <a:cs typeface="Arial" panose="020B0604020202020204" pitchFamily="34" charset="0"/>
+              </a:rPr>
+              <a:t> clear host</a:t>
+            </a:r>
+            <a:endParaRPr lang="en-US" sz="2000" b="1" dirty="0">
+              <a:latin typeface="Arial" panose="020B0604020202020204" pitchFamily="34" charset="0"/>
+              <a:cs typeface="Arial" panose="020B0604020202020204" pitchFamily="34" charset="0"/>
+            </a:endParaRPr>
+          </a:p>
+        </p:txBody>
+      </p:sp>
+      <p:sp>
+        <p:nvSpPr>
+          <p:cNvPr id="5" name="TextBox 4">
+            <a:extLst>
+              <a:ext uri="{FF2B5EF4-FFF2-40B4-BE49-F238E27FC236}">
+                <a16:creationId xmlns:a16="http://schemas.microsoft.com/office/drawing/2014/main" id="{B4F2E14C-26CF-41D0-A3B8-C548A3DEAE0A}"/>
+              </a:ext>
+            </a:extLst>
+          </p:cNvPr>
+          <p:cNvSpPr txBox="1"/>
+          <p:nvPr/>
+        </p:nvSpPr>
+        <p:spPr>
+          <a:xfrm>
+            <a:off x="11711268" y="235258"/>
+            <a:ext cx="5022570" cy="707886"/>
+          </a:xfrm>
+          <a:prstGeom prst="rect">
+            <a:avLst/>
+          </a:prstGeom>
+          <a:noFill/>
+        </p:spPr>
+        <p:txBody>
+          <a:bodyPr wrap="square" rtlCol="0">
+            <a:spAutoFit/>
+          </a:bodyPr>
+          <a:lstStyle/>
+          <a:p>
+            <a:r>
+              <a:rPr lang="en-US" sz="4000" b="1" dirty="0">
+                <a:latin typeface="Arial" panose="020B0604020202020204" pitchFamily="34" charset="0"/>
+                <a:cs typeface="Arial" panose="020B0604020202020204" pitchFamily="34" charset="0"/>
+              </a:rPr>
+              <a:t>C</a:t>
+            </a:r>
+            <a:r>
+              <a:rPr lang="en-US" sz="4000" dirty="0">
+                <a:latin typeface="Arial" panose="020B0604020202020204" pitchFamily="34" charset="0"/>
+                <a:cs typeface="Arial" panose="020B0604020202020204" pitchFamily="34" charset="0"/>
+              </a:rPr>
+              <a:t>) </a:t>
+            </a:r>
+            <a:r>
+              <a:rPr lang="en-US" sz="4000" i="1" dirty="0">
+                <a:latin typeface="Arial" panose="020B0604020202020204" pitchFamily="34" charset="0"/>
+                <a:cs typeface="Arial" panose="020B0604020202020204" pitchFamily="34" charset="0"/>
+              </a:rPr>
+              <a:t>E. faecalis </a:t>
+            </a:r>
+            <a:r>
+              <a:rPr lang="en-US" sz="4000" dirty="0">
+                <a:latin typeface="Arial" panose="020B0604020202020204" pitchFamily="34" charset="0"/>
+                <a:cs typeface="Arial" panose="020B0604020202020204" pitchFamily="34" charset="0"/>
+              </a:rPr>
+              <a:t>EF06</a:t>
+            </a:r>
+            <a:endParaRPr lang="en-US" sz="4000" b="1" dirty="0">
+              <a:latin typeface="Arial" panose="020B0604020202020204" pitchFamily="34" charset="0"/>
+              <a:cs typeface="Arial" panose="020B0604020202020204" pitchFamily="34" charset="0"/>
+            </a:endParaRPr>
+          </a:p>
+        </p:txBody>
+      </p:sp>
+      <p:sp>
+        <p:nvSpPr>
+          <p:cNvPr id="6" name="TextBox 5">
+            <a:extLst>
+              <a:ext uri="{FF2B5EF4-FFF2-40B4-BE49-F238E27FC236}">
+                <a16:creationId xmlns:a16="http://schemas.microsoft.com/office/drawing/2014/main" id="{F3BD6282-AEB8-46DA-917E-496C3D63F179}"/>
+              </a:ext>
+            </a:extLst>
+          </p:cNvPr>
+          <p:cNvSpPr txBox="1"/>
+          <p:nvPr/>
+        </p:nvSpPr>
+        <p:spPr>
+          <a:xfrm>
+            <a:off x="686094" y="9401176"/>
+            <a:ext cx="4584407" cy="707886"/>
           </a:xfrm>
           <a:prstGeom prst="rect">
             <a:avLst/>
@@ -5184,7 +4619,7 @@
                 <a:latin typeface="Arial" panose="020B0604020202020204" pitchFamily="34" charset="0"/>
                 <a:cs typeface="Arial" panose="020B0604020202020204" pitchFamily="34" charset="0"/>
               </a:rPr>
-              <a:t>V587</a:t>
+              <a:t>EF11</a:t>
             </a:r>
             <a:endParaRPr lang="en-US" sz="4000" b="1" dirty="0">
               <a:latin typeface="Arial" panose="020B0604020202020204" pitchFamily="34" charset="0"/>
@@ -5193,10 +4628,2611 @@
           </a:p>
         </p:txBody>
       </p:sp>
+      <p:sp>
+        <p:nvSpPr>
+          <p:cNvPr id="7" name="TextBox 6">
+            <a:extLst>
+              <a:ext uri="{FF2B5EF4-FFF2-40B4-BE49-F238E27FC236}">
+                <a16:creationId xmlns:a16="http://schemas.microsoft.com/office/drawing/2014/main" id="{CA3DC903-3DAF-4FA7-B1DE-414956DB6228}"/>
+              </a:ext>
+            </a:extLst>
+          </p:cNvPr>
+          <p:cNvSpPr txBox="1"/>
+          <p:nvPr/>
+        </p:nvSpPr>
+        <p:spPr>
+          <a:xfrm>
+            <a:off x="6194745" y="9401176"/>
+            <a:ext cx="4584408" cy="707886"/>
+          </a:xfrm>
+          <a:prstGeom prst="rect">
+            <a:avLst/>
+          </a:prstGeom>
+          <a:noFill/>
+        </p:spPr>
+        <p:txBody>
+          <a:bodyPr wrap="square" rtlCol="0">
+            <a:spAutoFit/>
+          </a:bodyPr>
+          <a:lstStyle/>
+          <a:p>
+            <a:r>
+              <a:rPr lang="en-US" sz="4000" b="1" dirty="0">
+                <a:latin typeface="Arial" panose="020B0604020202020204" pitchFamily="34" charset="0"/>
+                <a:cs typeface="Arial" panose="020B0604020202020204" pitchFamily="34" charset="0"/>
+              </a:rPr>
+              <a:t>E</a:t>
+            </a:r>
+            <a:r>
+              <a:rPr lang="en-US" sz="4000" dirty="0">
+                <a:latin typeface="Arial" panose="020B0604020202020204" pitchFamily="34" charset="0"/>
+                <a:cs typeface="Arial" panose="020B0604020202020204" pitchFamily="34" charset="0"/>
+              </a:rPr>
+              <a:t>) </a:t>
+            </a:r>
+            <a:r>
+              <a:rPr lang="en-US" sz="4000" i="1" dirty="0">
+                <a:latin typeface="Arial" panose="020B0604020202020204" pitchFamily="34" charset="0"/>
+                <a:cs typeface="Arial" panose="020B0604020202020204" pitchFamily="34" charset="0"/>
+              </a:rPr>
+              <a:t>E. faecalis </a:t>
+            </a:r>
+            <a:r>
+              <a:rPr lang="en-US" sz="4000" dirty="0">
+                <a:latin typeface="Arial" panose="020B0604020202020204" pitchFamily="34" charset="0"/>
+                <a:cs typeface="Arial" panose="020B0604020202020204" pitchFamily="34" charset="0"/>
+              </a:rPr>
+              <a:t>V587</a:t>
+            </a:r>
+            <a:endParaRPr lang="en-US" sz="4000" b="1" dirty="0">
+              <a:latin typeface="Arial" panose="020B0604020202020204" pitchFamily="34" charset="0"/>
+              <a:cs typeface="Arial" panose="020B0604020202020204" pitchFamily="34" charset="0"/>
+            </a:endParaRPr>
+          </a:p>
+        </p:txBody>
+      </p:sp>
+      <p:sp>
+        <p:nvSpPr>
+          <p:cNvPr id="8" name="TextBox 7">
+            <a:extLst>
+              <a:ext uri="{FF2B5EF4-FFF2-40B4-BE49-F238E27FC236}">
+                <a16:creationId xmlns:a16="http://schemas.microsoft.com/office/drawing/2014/main" id="{40B3FAFD-EBEC-462C-BF0A-6D6C9E42A978}"/>
+              </a:ext>
+            </a:extLst>
+          </p:cNvPr>
+          <p:cNvSpPr txBox="1"/>
+          <p:nvPr/>
+        </p:nvSpPr>
+        <p:spPr>
+          <a:xfrm>
+            <a:off x="6194745" y="235258"/>
+            <a:ext cx="5314949" cy="1015663"/>
+          </a:xfrm>
+          <a:prstGeom prst="rect">
+            <a:avLst/>
+          </a:prstGeom>
+          <a:noFill/>
+        </p:spPr>
+        <p:txBody>
+          <a:bodyPr wrap="square" rtlCol="0">
+            <a:spAutoFit/>
+          </a:bodyPr>
+          <a:lstStyle/>
+          <a:p>
+            <a:r>
+              <a:rPr lang="en-US" sz="4000" b="1" dirty="0">
+                <a:latin typeface="Arial" panose="020B0604020202020204" pitchFamily="34" charset="0"/>
+                <a:cs typeface="Arial" panose="020B0604020202020204" pitchFamily="34" charset="0"/>
+              </a:rPr>
+              <a:t>B</a:t>
+            </a:r>
+            <a:r>
+              <a:rPr lang="en-US" sz="4000" dirty="0">
+                <a:latin typeface="Arial" panose="020B0604020202020204" pitchFamily="34" charset="0"/>
+                <a:cs typeface="Arial" panose="020B0604020202020204" pitchFamily="34" charset="0"/>
+              </a:rPr>
+              <a:t>) </a:t>
+            </a:r>
+            <a:r>
+              <a:rPr lang="en-US" sz="4000" i="1" dirty="0">
+                <a:latin typeface="Arial" panose="020B0604020202020204" pitchFamily="34" charset="0"/>
+                <a:cs typeface="Arial" panose="020B0604020202020204" pitchFamily="34" charset="0"/>
+              </a:rPr>
+              <a:t>E. faecalis </a:t>
+            </a:r>
+            <a:r>
+              <a:rPr lang="en-US" sz="4000" dirty="0">
+                <a:latin typeface="Arial" panose="020B0604020202020204" pitchFamily="34" charset="0"/>
+                <a:cs typeface="Arial" panose="020B0604020202020204" pitchFamily="34" charset="0"/>
+              </a:rPr>
+              <a:t>Yi6-1</a:t>
+            </a:r>
+          </a:p>
+          <a:p>
+            <a:r>
+              <a:rPr lang="en-US" sz="2000" dirty="0">
+                <a:latin typeface="Arial" panose="020B0604020202020204" pitchFamily="34" charset="0"/>
+                <a:cs typeface="Arial" panose="020B0604020202020204" pitchFamily="34" charset="0"/>
+              </a:rPr>
+              <a:t>	Individual phages </a:t>
+            </a:r>
+            <a:r>
+              <a:rPr lang="en-US" sz="2000" b="1" dirty="0">
+                <a:latin typeface="Arial" panose="020B0604020202020204" pitchFamily="34" charset="0"/>
+                <a:cs typeface="Arial" panose="020B0604020202020204" pitchFamily="34" charset="0"/>
+              </a:rPr>
+              <a:t>do</a:t>
+            </a:r>
+            <a:r>
+              <a:rPr lang="en-US" sz="2000" dirty="0">
+                <a:latin typeface="Arial" panose="020B0604020202020204" pitchFamily="34" charset="0"/>
+                <a:cs typeface="Arial" panose="020B0604020202020204" pitchFamily="34" charset="0"/>
+              </a:rPr>
+              <a:t> clear host</a:t>
+            </a:r>
+            <a:endParaRPr lang="en-US" sz="2000" b="1" dirty="0">
+              <a:latin typeface="Arial" panose="020B0604020202020204" pitchFamily="34" charset="0"/>
+              <a:cs typeface="Arial" panose="020B0604020202020204" pitchFamily="34" charset="0"/>
+            </a:endParaRPr>
+          </a:p>
+        </p:txBody>
+      </p:sp>
+    </p:spTree>
+    <p:extLst>
+      <p:ext uri="{BB962C8B-B14F-4D97-AF65-F5344CB8AC3E}">
+        <p14:creationId xmlns:p14="http://schemas.microsoft.com/office/powerpoint/2010/main" val="529604342"/>
+      </p:ext>
+    </p:extLst>
+  </p:cSld>
+  <p:clrMapOvr>
+    <a:masterClrMapping/>
+  </p:clrMapOvr>
+</p:sld>
+</file>
+
+<file path=ppt/slides/slide5.xml><?xml version="1.0" encoding="utf-8"?>
+<p:sld xmlns:a="http://schemas.openxmlformats.org/drawingml/2006/main" xmlns:r="http://schemas.openxmlformats.org/officeDocument/2006/relationships" xmlns:p="http://schemas.openxmlformats.org/presentationml/2006/main">
+  <p:cSld>
+    <p:spTree>
+      <p:nvGrpSpPr>
+        <p:cNvPr id="1" name=""/>
+        <p:cNvGrpSpPr/>
+        <p:nvPr/>
+      </p:nvGrpSpPr>
+      <p:grpSpPr>
+        <a:xfrm>
+          <a:off x="0" y="0"/>
+          <a:ext cx="0" cy="0"/>
+          <a:chOff x="0" y="0"/>
+          <a:chExt cx="0" cy="0"/>
+        </a:xfrm>
+      </p:grpSpPr>
+      <p:sp>
+        <p:nvSpPr>
+          <p:cNvPr id="3" name="Rectangle 2">
+            <a:extLst>
+              <a:ext uri="{FF2B5EF4-FFF2-40B4-BE49-F238E27FC236}">
+                <a16:creationId xmlns:a16="http://schemas.microsoft.com/office/drawing/2014/main" id="{70BD1B5C-79CB-4489-9126-B399682E77C9}"/>
+              </a:ext>
+            </a:extLst>
+          </p:cNvPr>
+          <p:cNvSpPr/>
+          <p:nvPr/>
+        </p:nvSpPr>
+        <p:spPr>
+          <a:xfrm>
+            <a:off x="0" y="322395"/>
+            <a:ext cx="12771120" cy="19486762"/>
+          </a:xfrm>
+          <a:prstGeom prst="rect">
+            <a:avLst/>
+          </a:prstGeom>
+          <a:solidFill>
+            <a:schemeClr val="bg1"/>
+          </a:solidFill>
+          <a:ln>
+            <a:noFill/>
+          </a:ln>
+        </p:spPr>
+        <p:style>
+          <a:lnRef idx="2">
+            <a:schemeClr val="accent1">
+              <a:shade val="50000"/>
+            </a:schemeClr>
+          </a:lnRef>
+          <a:fillRef idx="1">
+            <a:schemeClr val="accent1"/>
+          </a:fillRef>
+          <a:effectRef idx="0">
+            <a:schemeClr val="accent1"/>
+          </a:effectRef>
+          <a:fontRef idx="minor">
+            <a:schemeClr val="lt1"/>
+          </a:fontRef>
+        </p:style>
+        <p:txBody>
+          <a:bodyPr rtlCol="0" anchor="ctr"/>
+          <a:lstStyle/>
+          <a:p>
+            <a:pPr algn="ctr"/>
+            <a:endParaRPr lang="en-US"/>
+          </a:p>
+        </p:txBody>
+      </p:sp>
+      <p:sp>
+        <p:nvSpPr>
+          <p:cNvPr id="4" name="TextBox 3">
+            <a:extLst>
+              <a:ext uri="{FF2B5EF4-FFF2-40B4-BE49-F238E27FC236}">
+                <a16:creationId xmlns:a16="http://schemas.microsoft.com/office/drawing/2014/main" id="{1A0A423D-5221-41EC-982A-095F6F1B0BCA}"/>
+              </a:ext>
+            </a:extLst>
+          </p:cNvPr>
+          <p:cNvSpPr txBox="1"/>
+          <p:nvPr/>
+        </p:nvSpPr>
+        <p:spPr>
+          <a:xfrm>
+            <a:off x="423244" y="322395"/>
+            <a:ext cx="5078396" cy="707886"/>
+          </a:xfrm>
+          <a:prstGeom prst="rect">
+            <a:avLst/>
+          </a:prstGeom>
+          <a:noFill/>
+        </p:spPr>
+        <p:txBody>
+          <a:bodyPr wrap="square" rtlCol="0">
+            <a:spAutoFit/>
+          </a:bodyPr>
+          <a:lstStyle/>
+          <a:p>
+            <a:r>
+              <a:rPr lang="en-US" sz="4000" b="1" dirty="0">
+                <a:latin typeface="Arial" panose="020B0604020202020204" pitchFamily="34" charset="0"/>
+                <a:cs typeface="Arial" panose="020B0604020202020204" pitchFamily="34" charset="0"/>
+              </a:rPr>
+              <a:t>A</a:t>
+            </a:r>
+            <a:r>
+              <a:rPr lang="en-US" sz="4000" dirty="0">
+                <a:latin typeface="Arial" panose="020B0604020202020204" pitchFamily="34" charset="0"/>
+                <a:cs typeface="Arial" panose="020B0604020202020204" pitchFamily="34" charset="0"/>
+              </a:rPr>
+              <a:t>) </a:t>
+            </a:r>
+            <a:r>
+              <a:rPr lang="en-US" sz="4000" i="1" dirty="0">
+                <a:latin typeface="Arial" panose="020B0604020202020204" pitchFamily="34" charset="0"/>
+                <a:cs typeface="Arial" panose="020B0604020202020204" pitchFamily="34" charset="0"/>
+              </a:rPr>
+              <a:t>E. faecalis </a:t>
+            </a:r>
+            <a:r>
+              <a:rPr lang="en-US" sz="4000" dirty="0">
+                <a:latin typeface="Arial" panose="020B0604020202020204" pitchFamily="34" charset="0"/>
+                <a:cs typeface="Arial" panose="020B0604020202020204" pitchFamily="34" charset="0"/>
+              </a:rPr>
+              <a:t>Yi6-1</a:t>
+            </a:r>
+            <a:endParaRPr lang="en-US" sz="4000" b="1" dirty="0">
+              <a:latin typeface="Arial" panose="020B0604020202020204" pitchFamily="34" charset="0"/>
+              <a:cs typeface="Arial" panose="020B0604020202020204" pitchFamily="34" charset="0"/>
+            </a:endParaRPr>
+          </a:p>
+        </p:txBody>
+      </p:sp>
+      <p:sp>
+        <p:nvSpPr>
+          <p:cNvPr id="5" name="TextBox 4">
+            <a:extLst>
+              <a:ext uri="{FF2B5EF4-FFF2-40B4-BE49-F238E27FC236}">
+                <a16:creationId xmlns:a16="http://schemas.microsoft.com/office/drawing/2014/main" id="{11306143-D5BF-4A46-91BC-5133E33DBB2F}"/>
+              </a:ext>
+            </a:extLst>
+          </p:cNvPr>
+          <p:cNvSpPr txBox="1"/>
+          <p:nvPr/>
+        </p:nvSpPr>
+        <p:spPr>
+          <a:xfrm>
+            <a:off x="423244" y="5365351"/>
+            <a:ext cx="5709354" cy="707886"/>
+          </a:xfrm>
+          <a:prstGeom prst="rect">
+            <a:avLst/>
+          </a:prstGeom>
+          <a:noFill/>
+        </p:spPr>
+        <p:txBody>
+          <a:bodyPr wrap="square" rtlCol="0">
+            <a:spAutoFit/>
+          </a:bodyPr>
+          <a:lstStyle/>
+          <a:p>
+            <a:r>
+              <a:rPr lang="en-US" sz="4000" b="1" dirty="0">
+                <a:latin typeface="Arial" panose="020B0604020202020204" pitchFamily="34" charset="0"/>
+                <a:cs typeface="Arial" panose="020B0604020202020204" pitchFamily="34" charset="0"/>
+              </a:rPr>
+              <a:t>B</a:t>
+            </a:r>
+            <a:r>
+              <a:rPr lang="en-US" sz="4000" dirty="0">
+                <a:latin typeface="Arial" panose="020B0604020202020204" pitchFamily="34" charset="0"/>
+                <a:cs typeface="Arial" panose="020B0604020202020204" pitchFamily="34" charset="0"/>
+              </a:rPr>
+              <a:t>) </a:t>
+            </a:r>
+            <a:r>
+              <a:rPr lang="en-US" sz="4000" i="1" dirty="0">
+                <a:latin typeface="Arial" panose="020B0604020202020204" pitchFamily="34" charset="0"/>
+                <a:cs typeface="Arial" panose="020B0604020202020204" pitchFamily="34" charset="0"/>
+              </a:rPr>
+              <a:t>E. faecalis </a:t>
+            </a:r>
+            <a:r>
+              <a:rPr lang="en-US" sz="4000" dirty="0">
+                <a:latin typeface="Arial" panose="020B0604020202020204" pitchFamily="34" charset="0"/>
+                <a:cs typeface="Arial" panose="020B0604020202020204" pitchFamily="34" charset="0"/>
+              </a:rPr>
+              <a:t>EF06</a:t>
+            </a:r>
+            <a:endParaRPr lang="en-US" sz="4000" b="1" dirty="0">
+              <a:latin typeface="Arial" panose="020B0604020202020204" pitchFamily="34" charset="0"/>
+              <a:cs typeface="Arial" panose="020B0604020202020204" pitchFamily="34" charset="0"/>
+            </a:endParaRPr>
+          </a:p>
+        </p:txBody>
+      </p:sp>
+      <p:sp>
+        <p:nvSpPr>
+          <p:cNvPr id="6" name="TextBox 5">
+            <a:extLst>
+              <a:ext uri="{FF2B5EF4-FFF2-40B4-BE49-F238E27FC236}">
+                <a16:creationId xmlns:a16="http://schemas.microsoft.com/office/drawing/2014/main" id="{27604841-55A7-45C6-A64B-03FA0F2446B6}"/>
+              </a:ext>
+            </a:extLst>
+          </p:cNvPr>
+          <p:cNvSpPr txBox="1"/>
+          <p:nvPr/>
+        </p:nvSpPr>
+        <p:spPr>
+          <a:xfrm>
+            <a:off x="423244" y="10116081"/>
+            <a:ext cx="5078396" cy="707886"/>
+          </a:xfrm>
+          <a:prstGeom prst="rect">
+            <a:avLst/>
+          </a:prstGeom>
+          <a:noFill/>
+        </p:spPr>
+        <p:txBody>
+          <a:bodyPr wrap="square" rtlCol="0">
+            <a:spAutoFit/>
+          </a:bodyPr>
+          <a:lstStyle/>
+          <a:p>
+            <a:r>
+              <a:rPr lang="en-US" sz="4000" b="1" dirty="0">
+                <a:latin typeface="Arial" panose="020B0604020202020204" pitchFamily="34" charset="0"/>
+                <a:cs typeface="Arial" panose="020B0604020202020204" pitchFamily="34" charset="0"/>
+              </a:rPr>
+              <a:t>C</a:t>
+            </a:r>
+            <a:r>
+              <a:rPr lang="en-US" sz="4000" dirty="0">
+                <a:latin typeface="Arial" panose="020B0604020202020204" pitchFamily="34" charset="0"/>
+                <a:cs typeface="Arial" panose="020B0604020202020204" pitchFamily="34" charset="0"/>
+              </a:rPr>
+              <a:t>) </a:t>
+            </a:r>
+            <a:r>
+              <a:rPr lang="en-US" sz="4000" i="1" dirty="0">
+                <a:latin typeface="Arial" panose="020B0604020202020204" pitchFamily="34" charset="0"/>
+                <a:cs typeface="Arial" panose="020B0604020202020204" pitchFamily="34" charset="0"/>
+              </a:rPr>
+              <a:t>E. faecalis </a:t>
+            </a:r>
+            <a:r>
+              <a:rPr lang="en-US" sz="4000" dirty="0">
+                <a:latin typeface="Arial" panose="020B0604020202020204" pitchFamily="34" charset="0"/>
+                <a:cs typeface="Arial" panose="020B0604020202020204" pitchFamily="34" charset="0"/>
+              </a:rPr>
+              <a:t>EF11</a:t>
+            </a:r>
+            <a:endParaRPr lang="en-US" sz="4000" b="1" dirty="0">
+              <a:latin typeface="Arial" panose="020B0604020202020204" pitchFamily="34" charset="0"/>
+              <a:cs typeface="Arial" panose="020B0604020202020204" pitchFamily="34" charset="0"/>
+            </a:endParaRPr>
+          </a:p>
+        </p:txBody>
+      </p:sp>
+      <p:pic>
+        <p:nvPicPr>
+          <p:cNvPr id="3074" name="Picture 2">
+            <a:extLst>
+              <a:ext uri="{FF2B5EF4-FFF2-40B4-BE49-F238E27FC236}">
+                <a16:creationId xmlns:a16="http://schemas.microsoft.com/office/drawing/2014/main" id="{B3CF8EA0-48B6-4879-A06C-FE0C57B63323}"/>
+              </a:ext>
+            </a:extLst>
+          </p:cNvPr>
+          <p:cNvPicPr>
+            <a:picLocks noChangeAspect="1" noChangeArrowheads="1"/>
+          </p:cNvPicPr>
+          <p:nvPr/>
+        </p:nvPicPr>
+        <p:blipFill>
+          <a:blip r:embed="rId2">
+            <a:extLst>
+              <a:ext uri="{28A0092B-C50C-407E-A947-70E740481C1C}">
+                <a14:useLocalDpi xmlns:a14="http://schemas.microsoft.com/office/drawing/2010/main" val="0"/>
+              </a:ext>
+            </a:extLst>
+          </a:blip>
+          <a:srcRect/>
+          <a:stretch>
+            <a:fillRect/>
+          </a:stretch>
+        </p:blipFill>
+        <p:spPr bwMode="auto">
+          <a:xfrm>
+            <a:off x="615634" y="1073741"/>
+            <a:ext cx="10563225" cy="4248150"/>
+          </a:xfrm>
+          <a:prstGeom prst="rect">
+            <a:avLst/>
+          </a:prstGeom>
+          <a:noFill/>
+          <a:extLst>
+            <a:ext uri="{909E8E84-426E-40DD-AFC4-6F175D3DCCD1}">
+              <a14:hiddenFill xmlns:a14="http://schemas.microsoft.com/office/drawing/2010/main">
+                <a:solidFill>
+                  <a:srgbClr val="FFFFFF"/>
+                </a:solidFill>
+              </a14:hiddenFill>
+            </a:ext>
+          </a:extLst>
+        </p:spPr>
+      </p:pic>
+      <p:pic>
+        <p:nvPicPr>
+          <p:cNvPr id="3076" name="Picture 4">
+            <a:extLst>
+              <a:ext uri="{FF2B5EF4-FFF2-40B4-BE49-F238E27FC236}">
+                <a16:creationId xmlns:a16="http://schemas.microsoft.com/office/drawing/2014/main" id="{DEB1BAE8-17C0-4A16-AAC9-D50A8C454B24}"/>
+              </a:ext>
+            </a:extLst>
+          </p:cNvPr>
+          <p:cNvPicPr>
+            <a:picLocks noChangeAspect="1" noChangeArrowheads="1"/>
+          </p:cNvPicPr>
+          <p:nvPr/>
+        </p:nvPicPr>
+        <p:blipFill>
+          <a:blip r:embed="rId3">
+            <a:extLst>
+              <a:ext uri="{28A0092B-C50C-407E-A947-70E740481C1C}">
+                <a14:useLocalDpi xmlns:a14="http://schemas.microsoft.com/office/drawing/2010/main" val="0"/>
+              </a:ext>
+            </a:extLst>
+          </a:blip>
+          <a:srcRect/>
+          <a:stretch>
+            <a:fillRect/>
+          </a:stretch>
+        </p:blipFill>
+        <p:spPr bwMode="auto">
+          <a:xfrm>
+            <a:off x="615634" y="6121865"/>
+            <a:ext cx="11839575" cy="4295775"/>
+          </a:xfrm>
+          <a:prstGeom prst="rect">
+            <a:avLst/>
+          </a:prstGeom>
+          <a:noFill/>
+          <a:extLst>
+            <a:ext uri="{909E8E84-426E-40DD-AFC4-6F175D3DCCD1}">
+              <a14:hiddenFill xmlns:a14="http://schemas.microsoft.com/office/drawing/2010/main">
+                <a:solidFill>
+                  <a:srgbClr val="FFFFFF"/>
+                </a:solidFill>
+              </a14:hiddenFill>
+            </a:ext>
+          </a:extLst>
+        </p:spPr>
+      </p:pic>
+      <p:pic>
+        <p:nvPicPr>
+          <p:cNvPr id="3078" name="Picture 6">
+            <a:extLst>
+              <a:ext uri="{FF2B5EF4-FFF2-40B4-BE49-F238E27FC236}">
+                <a16:creationId xmlns:a16="http://schemas.microsoft.com/office/drawing/2014/main" id="{5EF59F0C-200E-4D05-B4F7-80FAFAD73FD4}"/>
+              </a:ext>
+            </a:extLst>
+          </p:cNvPr>
+          <p:cNvPicPr>
+            <a:picLocks noChangeAspect="1" noChangeArrowheads="1"/>
+          </p:cNvPicPr>
+          <p:nvPr/>
+        </p:nvPicPr>
+        <p:blipFill>
+          <a:blip r:embed="rId4">
+            <a:extLst>
+              <a:ext uri="{28A0092B-C50C-407E-A947-70E740481C1C}">
+                <a14:useLocalDpi xmlns:a14="http://schemas.microsoft.com/office/drawing/2010/main" val="0"/>
+              </a:ext>
+            </a:extLst>
+          </a:blip>
+          <a:srcRect/>
+          <a:stretch>
+            <a:fillRect/>
+          </a:stretch>
+        </p:blipFill>
+        <p:spPr bwMode="auto">
+          <a:xfrm>
+            <a:off x="615634" y="10870011"/>
+            <a:ext cx="10144125" cy="4314825"/>
+          </a:xfrm>
+          <a:prstGeom prst="rect">
+            <a:avLst/>
+          </a:prstGeom>
+          <a:noFill/>
+          <a:extLst>
+            <a:ext uri="{909E8E84-426E-40DD-AFC4-6F175D3DCCD1}">
+              <a14:hiddenFill xmlns:a14="http://schemas.microsoft.com/office/drawing/2010/main">
+                <a:solidFill>
+                  <a:srgbClr val="FFFFFF"/>
+                </a:solidFill>
+              </a14:hiddenFill>
+            </a:ext>
+          </a:extLst>
+        </p:spPr>
+      </p:pic>
+      <p:pic>
+        <p:nvPicPr>
+          <p:cNvPr id="1026" name="Picture 2">
+            <a:extLst>
+              <a:ext uri="{FF2B5EF4-FFF2-40B4-BE49-F238E27FC236}">
+                <a16:creationId xmlns:a16="http://schemas.microsoft.com/office/drawing/2014/main" id="{D9D497AE-E1BE-4762-958D-BA617F7F7073}"/>
+              </a:ext>
+            </a:extLst>
+          </p:cNvPr>
+          <p:cNvPicPr>
+            <a:picLocks noChangeAspect="1" noChangeArrowheads="1"/>
+          </p:cNvPicPr>
+          <p:nvPr/>
+        </p:nvPicPr>
+        <p:blipFill>
+          <a:blip r:embed="rId5">
+            <a:extLst>
+              <a:ext uri="{28A0092B-C50C-407E-A947-70E740481C1C}">
+                <a14:useLocalDpi xmlns:a14="http://schemas.microsoft.com/office/drawing/2010/main" val="0"/>
+              </a:ext>
+            </a:extLst>
+          </a:blip>
+          <a:srcRect/>
+          <a:stretch>
+            <a:fillRect/>
+          </a:stretch>
+        </p:blipFill>
+        <p:spPr bwMode="auto">
+          <a:xfrm>
+            <a:off x="615634" y="15637207"/>
+            <a:ext cx="7229475" cy="4171950"/>
+          </a:xfrm>
+          <a:prstGeom prst="rect">
+            <a:avLst/>
+          </a:prstGeom>
+          <a:noFill/>
+          <a:extLst>
+            <a:ext uri="{909E8E84-426E-40DD-AFC4-6F175D3DCCD1}">
+              <a14:hiddenFill xmlns:a14="http://schemas.microsoft.com/office/drawing/2010/main">
+                <a:solidFill>
+                  <a:srgbClr val="FFFFFF"/>
+                </a:solidFill>
+              </a14:hiddenFill>
+            </a:ext>
+          </a:extLst>
+        </p:spPr>
+      </p:pic>
+      <p:sp>
+        <p:nvSpPr>
+          <p:cNvPr id="2" name="TextBox 1">
+            <a:extLst>
+              <a:ext uri="{FF2B5EF4-FFF2-40B4-BE49-F238E27FC236}">
+                <a16:creationId xmlns:a16="http://schemas.microsoft.com/office/drawing/2014/main" id="{18952644-4033-405D-AF02-3E56C82E47CC}"/>
+              </a:ext>
+            </a:extLst>
+          </p:cNvPr>
+          <p:cNvSpPr txBox="1"/>
+          <p:nvPr/>
+        </p:nvSpPr>
+        <p:spPr>
+          <a:xfrm>
+            <a:off x="423244" y="14929321"/>
+            <a:ext cx="4865036" cy="707886"/>
+          </a:xfrm>
+          <a:prstGeom prst="rect">
+            <a:avLst/>
+          </a:prstGeom>
+          <a:noFill/>
+        </p:spPr>
+        <p:txBody>
+          <a:bodyPr wrap="square" rtlCol="0">
+            <a:spAutoFit/>
+          </a:bodyPr>
+          <a:lstStyle/>
+          <a:p>
+            <a:r>
+              <a:rPr lang="en-US" sz="4000" b="1" dirty="0">
+                <a:latin typeface="Arial" panose="020B0604020202020204" pitchFamily="34" charset="0"/>
+                <a:cs typeface="Arial" panose="020B0604020202020204" pitchFamily="34" charset="0"/>
+              </a:rPr>
+              <a:t>D</a:t>
+            </a:r>
+            <a:r>
+              <a:rPr lang="en-US" sz="4000" dirty="0">
+                <a:latin typeface="Arial" panose="020B0604020202020204" pitchFamily="34" charset="0"/>
+                <a:cs typeface="Arial" panose="020B0604020202020204" pitchFamily="34" charset="0"/>
+              </a:rPr>
+              <a:t>) </a:t>
+            </a:r>
+            <a:r>
+              <a:rPr lang="en-US" sz="4000" i="1" dirty="0">
+                <a:latin typeface="Arial" panose="020B0604020202020204" pitchFamily="34" charset="0"/>
+                <a:cs typeface="Arial" panose="020B0604020202020204" pitchFamily="34" charset="0"/>
+              </a:rPr>
+              <a:t>E. faecalis </a:t>
+            </a:r>
+            <a:r>
+              <a:rPr lang="en-US" sz="4000" dirty="0">
+                <a:latin typeface="Arial" panose="020B0604020202020204" pitchFamily="34" charset="0"/>
+                <a:cs typeface="Arial" panose="020B0604020202020204" pitchFamily="34" charset="0"/>
+              </a:rPr>
+              <a:t>V587</a:t>
+            </a:r>
+            <a:endParaRPr lang="en-US" sz="4000" b="1" dirty="0">
+              <a:latin typeface="Arial" panose="020B0604020202020204" pitchFamily="34" charset="0"/>
+              <a:cs typeface="Arial" panose="020B0604020202020204" pitchFamily="34" charset="0"/>
+            </a:endParaRPr>
+          </a:p>
+        </p:txBody>
+      </p:sp>
     </p:spTree>
     <p:extLst>
       <p:ext uri="{BB962C8B-B14F-4D97-AF65-F5344CB8AC3E}">
         <p14:creationId xmlns:p14="http://schemas.microsoft.com/office/powerpoint/2010/main" val="157943308"/>
+      </p:ext>
+    </p:extLst>
+  </p:cSld>
+  <p:clrMapOvr>
+    <a:masterClrMapping/>
+  </p:clrMapOvr>
+</p:sld>
+</file>
+
+<file path=ppt/slides/slide6.xml><?xml version="1.0" encoding="utf-8"?>
+<p:sld xmlns:a="http://schemas.openxmlformats.org/drawingml/2006/main" xmlns:r="http://schemas.openxmlformats.org/officeDocument/2006/relationships" xmlns:p="http://schemas.openxmlformats.org/presentationml/2006/main">
+  <p:cSld>
+    <p:spTree>
+      <p:nvGrpSpPr>
+        <p:cNvPr id="1" name=""/>
+        <p:cNvGrpSpPr/>
+        <p:nvPr/>
+      </p:nvGrpSpPr>
+      <p:grpSpPr>
+        <a:xfrm>
+          <a:off x="0" y="0"/>
+          <a:ext cx="0" cy="0"/>
+          <a:chOff x="0" y="0"/>
+          <a:chExt cx="0" cy="0"/>
+        </a:xfrm>
+      </p:grpSpPr>
+      <p:pic>
+        <p:nvPicPr>
+          <p:cNvPr id="4" name="Picture 3" descr="Chart&#10;&#10;Description automatically generated">
+            <a:extLst>
+              <a:ext uri="{FF2B5EF4-FFF2-40B4-BE49-F238E27FC236}">
+                <a16:creationId xmlns:a16="http://schemas.microsoft.com/office/drawing/2014/main" id="{CDABEDDE-7B78-4EDC-A1B7-4B43AE3FDC52}"/>
+              </a:ext>
+            </a:extLst>
+          </p:cNvPr>
+          <p:cNvPicPr>
+            <a:picLocks noChangeAspect="1"/>
+          </p:cNvPicPr>
+          <p:nvPr/>
+        </p:nvPicPr>
+        <p:blipFill>
+          <a:blip r:embed="rId2">
+            <a:extLst>
+              <a:ext uri="{28A0092B-C50C-407E-A947-70E740481C1C}">
+                <a14:useLocalDpi xmlns:a14="http://schemas.microsoft.com/office/drawing/2010/main" val="0"/>
+              </a:ext>
+            </a:extLst>
+          </a:blip>
+          <a:stretch>
+            <a:fillRect/>
+          </a:stretch>
+        </p:blipFill>
+        <p:spPr>
+          <a:xfrm>
+            <a:off x="6336413" y="3641222"/>
+            <a:ext cx="3630175" cy="2679197"/>
+          </a:xfrm>
+          <a:prstGeom prst="rect">
+            <a:avLst/>
+          </a:prstGeom>
+        </p:spPr>
+      </p:pic>
+      <p:pic>
+        <p:nvPicPr>
+          <p:cNvPr id="5" name="Picture 4" descr="Chart, waterfall chart&#10;&#10;Description automatically generated">
+            <a:extLst>
+              <a:ext uri="{FF2B5EF4-FFF2-40B4-BE49-F238E27FC236}">
+                <a16:creationId xmlns:a16="http://schemas.microsoft.com/office/drawing/2014/main" id="{C7114943-1FA1-4300-B4D6-ED9E52325F78}"/>
+              </a:ext>
+            </a:extLst>
+          </p:cNvPr>
+          <p:cNvPicPr>
+            <a:picLocks noChangeAspect="1"/>
+          </p:cNvPicPr>
+          <p:nvPr/>
+        </p:nvPicPr>
+        <p:blipFill>
+          <a:blip r:embed="rId3">
+            <a:extLst>
+              <a:ext uri="{28A0092B-C50C-407E-A947-70E740481C1C}">
+                <a14:useLocalDpi xmlns:a14="http://schemas.microsoft.com/office/drawing/2010/main" val="0"/>
+              </a:ext>
+            </a:extLst>
+          </a:blip>
+          <a:stretch>
+            <a:fillRect/>
+          </a:stretch>
+        </p:blipFill>
+        <p:spPr>
+          <a:xfrm>
+            <a:off x="2377053" y="3644650"/>
+            <a:ext cx="3959360" cy="2679197"/>
+          </a:xfrm>
+          <a:prstGeom prst="rect">
+            <a:avLst/>
+          </a:prstGeom>
+        </p:spPr>
+      </p:pic>
+      <p:pic>
+        <p:nvPicPr>
+          <p:cNvPr id="6" name="Picture 5" descr="Chart, bar chart&#10;&#10;Description automatically generated">
+            <a:extLst>
+              <a:ext uri="{FF2B5EF4-FFF2-40B4-BE49-F238E27FC236}">
+                <a16:creationId xmlns:a16="http://schemas.microsoft.com/office/drawing/2014/main" id="{4C74E4BB-35D1-4A27-B5BD-CFEB5CB959A6}"/>
+              </a:ext>
+            </a:extLst>
+          </p:cNvPr>
+          <p:cNvPicPr>
+            <a:picLocks noChangeAspect="1"/>
+          </p:cNvPicPr>
+          <p:nvPr/>
+        </p:nvPicPr>
+        <p:blipFill>
+          <a:blip r:embed="rId4">
+            <a:extLst>
+              <a:ext uri="{28A0092B-C50C-407E-A947-70E740481C1C}">
+                <a14:useLocalDpi xmlns:a14="http://schemas.microsoft.com/office/drawing/2010/main" val="0"/>
+              </a:ext>
+            </a:extLst>
+          </a:blip>
+          <a:stretch>
+            <a:fillRect/>
+          </a:stretch>
+        </p:blipFill>
+        <p:spPr>
+          <a:xfrm>
+            <a:off x="2377053" y="534154"/>
+            <a:ext cx="5742443" cy="2679197"/>
+          </a:xfrm>
+          <a:prstGeom prst="rect">
+            <a:avLst/>
+          </a:prstGeom>
+        </p:spPr>
+      </p:pic>
+      <p:sp>
+        <p:nvSpPr>
+          <p:cNvPr id="7" name="TextBox 6">
+            <a:extLst>
+              <a:ext uri="{FF2B5EF4-FFF2-40B4-BE49-F238E27FC236}">
+                <a16:creationId xmlns:a16="http://schemas.microsoft.com/office/drawing/2014/main" id="{3F4ABEBF-BAE5-4792-91C5-EA470EA772AF}"/>
+              </a:ext>
+            </a:extLst>
+          </p:cNvPr>
+          <p:cNvSpPr txBox="1"/>
+          <p:nvPr/>
+        </p:nvSpPr>
+        <p:spPr>
+          <a:xfrm>
+            <a:off x="2188639" y="164822"/>
+            <a:ext cx="2403415" cy="400110"/>
+          </a:xfrm>
+          <a:prstGeom prst="rect">
+            <a:avLst/>
+          </a:prstGeom>
+          <a:noFill/>
+        </p:spPr>
+        <p:txBody>
+          <a:bodyPr wrap="none" rtlCol="0">
+            <a:spAutoFit/>
+          </a:bodyPr>
+          <a:lstStyle/>
+          <a:p>
+            <a:r>
+              <a:rPr lang="en-US" sz="2000" b="1" dirty="0">
+                <a:latin typeface="Arial" panose="020B0604020202020204" pitchFamily="34" charset="0"/>
+                <a:cs typeface="Arial" panose="020B0604020202020204" pitchFamily="34" charset="0"/>
+              </a:rPr>
+              <a:t>A) </a:t>
+            </a:r>
+            <a:r>
+              <a:rPr lang="en-US" sz="2000" i="1" dirty="0">
+                <a:latin typeface="Arial" panose="020B0604020202020204" pitchFamily="34" charset="0"/>
+                <a:cs typeface="Arial" panose="020B0604020202020204" pitchFamily="34" charset="0"/>
+              </a:rPr>
+              <a:t>E. faecalis</a:t>
+            </a:r>
+            <a:r>
+              <a:rPr lang="en-US" sz="2000" dirty="0">
+                <a:latin typeface="Arial" panose="020B0604020202020204" pitchFamily="34" charset="0"/>
+                <a:cs typeface="Arial" panose="020B0604020202020204" pitchFamily="34" charset="0"/>
+              </a:rPr>
+              <a:t> DP11</a:t>
+            </a:r>
+          </a:p>
+        </p:txBody>
+      </p:sp>
+      <p:sp>
+        <p:nvSpPr>
+          <p:cNvPr id="8" name="TextBox 7">
+            <a:extLst>
+              <a:ext uri="{FF2B5EF4-FFF2-40B4-BE49-F238E27FC236}">
+                <a16:creationId xmlns:a16="http://schemas.microsoft.com/office/drawing/2014/main" id="{06DAD0CD-7258-4A03-BD8D-1B610350C475}"/>
+              </a:ext>
+            </a:extLst>
+          </p:cNvPr>
+          <p:cNvSpPr txBox="1"/>
+          <p:nvPr/>
+        </p:nvSpPr>
+        <p:spPr>
+          <a:xfrm>
+            <a:off x="2188639" y="3273604"/>
+            <a:ext cx="2365071" cy="400110"/>
+          </a:xfrm>
+          <a:prstGeom prst="rect">
+            <a:avLst/>
+          </a:prstGeom>
+          <a:noFill/>
+        </p:spPr>
+        <p:txBody>
+          <a:bodyPr wrap="none" rtlCol="0">
+            <a:spAutoFit/>
+          </a:bodyPr>
+          <a:lstStyle/>
+          <a:p>
+            <a:r>
+              <a:rPr lang="en-US" sz="2000" b="1" dirty="0">
+                <a:latin typeface="Arial" panose="020B0604020202020204" pitchFamily="34" charset="0"/>
+                <a:cs typeface="Arial" panose="020B0604020202020204" pitchFamily="34" charset="0"/>
+              </a:rPr>
+              <a:t>B) </a:t>
+            </a:r>
+            <a:r>
+              <a:rPr lang="en-US" sz="2000" i="1" dirty="0">
+                <a:latin typeface="Arial" panose="020B0604020202020204" pitchFamily="34" charset="0"/>
+                <a:cs typeface="Arial" panose="020B0604020202020204" pitchFamily="34" charset="0"/>
+              </a:rPr>
+              <a:t>E. faecalis</a:t>
+            </a:r>
+            <a:r>
+              <a:rPr lang="en-US" sz="2000" dirty="0">
+                <a:latin typeface="Arial" panose="020B0604020202020204" pitchFamily="34" charset="0"/>
+                <a:cs typeface="Arial" panose="020B0604020202020204" pitchFamily="34" charset="0"/>
+              </a:rPr>
+              <a:t> Yi6-1</a:t>
+            </a:r>
+          </a:p>
+        </p:txBody>
+      </p:sp>
+      <p:sp>
+        <p:nvSpPr>
+          <p:cNvPr id="9" name="TextBox 8">
+            <a:extLst>
+              <a:ext uri="{FF2B5EF4-FFF2-40B4-BE49-F238E27FC236}">
+                <a16:creationId xmlns:a16="http://schemas.microsoft.com/office/drawing/2014/main" id="{B868FCC8-8B3E-44A1-BB08-93EF1FBE1AC3}"/>
+              </a:ext>
+            </a:extLst>
+          </p:cNvPr>
+          <p:cNvSpPr txBox="1"/>
+          <p:nvPr/>
+        </p:nvSpPr>
+        <p:spPr>
+          <a:xfrm>
+            <a:off x="6190575" y="3275318"/>
+            <a:ext cx="2379177" cy="400110"/>
+          </a:xfrm>
+          <a:prstGeom prst="rect">
+            <a:avLst/>
+          </a:prstGeom>
+          <a:noFill/>
+        </p:spPr>
+        <p:txBody>
+          <a:bodyPr wrap="none" rtlCol="0">
+            <a:spAutoFit/>
+          </a:bodyPr>
+          <a:lstStyle/>
+          <a:p>
+            <a:r>
+              <a:rPr lang="en-US" sz="2000" b="1" dirty="0">
+                <a:latin typeface="Arial" panose="020B0604020202020204" pitchFamily="34" charset="0"/>
+                <a:cs typeface="Arial" panose="020B0604020202020204" pitchFamily="34" charset="0"/>
+              </a:rPr>
+              <a:t>C) </a:t>
+            </a:r>
+            <a:r>
+              <a:rPr lang="en-US" sz="2000" i="1" dirty="0">
+                <a:latin typeface="Arial" panose="020B0604020202020204" pitchFamily="34" charset="0"/>
+                <a:cs typeface="Arial" panose="020B0604020202020204" pitchFamily="34" charset="0"/>
+              </a:rPr>
+              <a:t>E. faecalis</a:t>
+            </a:r>
+            <a:r>
+              <a:rPr lang="en-US" sz="2000" dirty="0">
+                <a:latin typeface="Arial" panose="020B0604020202020204" pitchFamily="34" charset="0"/>
+                <a:cs typeface="Arial" panose="020B0604020202020204" pitchFamily="34" charset="0"/>
+              </a:rPr>
+              <a:t> V587</a:t>
+            </a:r>
+          </a:p>
+        </p:txBody>
+      </p:sp>
+    </p:spTree>
+    <p:extLst>
+      <p:ext uri="{BB962C8B-B14F-4D97-AF65-F5344CB8AC3E}">
+        <p14:creationId xmlns:p14="http://schemas.microsoft.com/office/powerpoint/2010/main" val="2187600684"/>
+      </p:ext>
+    </p:extLst>
+  </p:cSld>
+  <p:clrMapOvr>
+    <a:masterClrMapping/>
+  </p:clrMapOvr>
+</p:sld>
+</file>
+
+<file path=ppt/slides/slide7.xml><?xml version="1.0" encoding="utf-8"?>
+<p:sld xmlns:a="http://schemas.openxmlformats.org/drawingml/2006/main" xmlns:r="http://schemas.openxmlformats.org/officeDocument/2006/relationships" xmlns:p="http://schemas.openxmlformats.org/presentationml/2006/main">
+  <p:cSld>
+    <p:spTree>
+      <p:nvGrpSpPr>
+        <p:cNvPr id="1" name=""/>
+        <p:cNvGrpSpPr/>
+        <p:nvPr/>
+      </p:nvGrpSpPr>
+      <p:grpSpPr>
+        <a:xfrm>
+          <a:off x="0" y="0"/>
+          <a:ext cx="0" cy="0"/>
+          <a:chOff x="0" y="0"/>
+          <a:chExt cx="0" cy="0"/>
+        </a:xfrm>
+      </p:grpSpPr>
+      <p:graphicFrame>
+        <p:nvGraphicFramePr>
+          <p:cNvPr id="4" name="Table 4">
+            <a:extLst>
+              <a:ext uri="{FF2B5EF4-FFF2-40B4-BE49-F238E27FC236}">
+                <a16:creationId xmlns:a16="http://schemas.microsoft.com/office/drawing/2014/main" id="{D2B6DB22-7426-437E-9B9E-6C953A757D9D}"/>
+              </a:ext>
+            </a:extLst>
+          </p:cNvPr>
+          <p:cNvGraphicFramePr>
+            <a:graphicFrameLocks noGrp="1"/>
+          </p:cNvGraphicFramePr>
+          <p:nvPr>
+            <p:extLst>
+              <p:ext uri="{D42A27DB-BD31-4B8C-83A1-F6EECF244321}">
+                <p14:modId xmlns:p14="http://schemas.microsoft.com/office/powerpoint/2010/main" val="2801796644"/>
+              </p:ext>
+            </p:extLst>
+          </p:nvPr>
+        </p:nvGraphicFramePr>
+        <p:xfrm>
+          <a:off x="2331773" y="1247069"/>
+          <a:ext cx="12375090" cy="2593340"/>
+        </p:xfrm>
+        <a:graphic>
+          <a:graphicData uri="http://schemas.openxmlformats.org/drawingml/2006/table">
+            <a:tbl>
+              <a:tblPr firstRow="1" bandRow="1">
+                <a:tableStyleId>{5C22544A-7EE6-4342-B048-85BDC9FD1C3A}</a:tableStyleId>
+              </a:tblPr>
+              <a:tblGrid>
+                <a:gridCol w="1375010">
+                  <a:extLst>
+                    <a:ext uri="{9D8B030D-6E8A-4147-A177-3AD203B41FA5}">
+                      <a16:colId xmlns:a16="http://schemas.microsoft.com/office/drawing/2014/main" val="2740596858"/>
+                    </a:ext>
+                  </a:extLst>
+                </a:gridCol>
+                <a:gridCol w="1375010">
+                  <a:extLst>
+                    <a:ext uri="{9D8B030D-6E8A-4147-A177-3AD203B41FA5}">
+                      <a16:colId xmlns:a16="http://schemas.microsoft.com/office/drawing/2014/main" val="3474025209"/>
+                    </a:ext>
+                  </a:extLst>
+                </a:gridCol>
+                <a:gridCol w="1375010">
+                  <a:extLst>
+                    <a:ext uri="{9D8B030D-6E8A-4147-A177-3AD203B41FA5}">
+                      <a16:colId xmlns:a16="http://schemas.microsoft.com/office/drawing/2014/main" val="2782824409"/>
+                    </a:ext>
+                  </a:extLst>
+                </a:gridCol>
+                <a:gridCol w="1375010">
+                  <a:extLst>
+                    <a:ext uri="{9D8B030D-6E8A-4147-A177-3AD203B41FA5}">
+                      <a16:colId xmlns:a16="http://schemas.microsoft.com/office/drawing/2014/main" val="3917825343"/>
+                    </a:ext>
+                  </a:extLst>
+                </a:gridCol>
+                <a:gridCol w="1375010">
+                  <a:extLst>
+                    <a:ext uri="{9D8B030D-6E8A-4147-A177-3AD203B41FA5}">
+                      <a16:colId xmlns:a16="http://schemas.microsoft.com/office/drawing/2014/main" val="465576723"/>
+                    </a:ext>
+                  </a:extLst>
+                </a:gridCol>
+                <a:gridCol w="1375010">
+                  <a:extLst>
+                    <a:ext uri="{9D8B030D-6E8A-4147-A177-3AD203B41FA5}">
+                      <a16:colId xmlns:a16="http://schemas.microsoft.com/office/drawing/2014/main" val="2756573120"/>
+                    </a:ext>
+                  </a:extLst>
+                </a:gridCol>
+                <a:gridCol w="1375010">
+                  <a:extLst>
+                    <a:ext uri="{9D8B030D-6E8A-4147-A177-3AD203B41FA5}">
+                      <a16:colId xmlns:a16="http://schemas.microsoft.com/office/drawing/2014/main" val="1899749468"/>
+                    </a:ext>
+                  </a:extLst>
+                </a:gridCol>
+                <a:gridCol w="1375010">
+                  <a:extLst>
+                    <a:ext uri="{9D8B030D-6E8A-4147-A177-3AD203B41FA5}">
+                      <a16:colId xmlns:a16="http://schemas.microsoft.com/office/drawing/2014/main" val="575449893"/>
+                    </a:ext>
+                  </a:extLst>
+                </a:gridCol>
+                <a:gridCol w="1375010">
+                  <a:extLst>
+                    <a:ext uri="{9D8B030D-6E8A-4147-A177-3AD203B41FA5}">
+                      <a16:colId xmlns:a16="http://schemas.microsoft.com/office/drawing/2014/main" val="1821268886"/>
+                    </a:ext>
+                  </a:extLst>
+                </a:gridCol>
+              </a:tblGrid>
+              <a:tr h="370840">
+                <a:tc>
+                  <a:txBody>
+                    <a:bodyPr/>
+                    <a:lstStyle/>
+                    <a:p>
+                      <a:endParaRPr lang="en-US"/>
+                    </a:p>
+                  </a:txBody>
+                  <a:tcPr/>
+                </a:tc>
+                <a:tc>
+                  <a:txBody>
+                    <a:bodyPr/>
+                    <a:lstStyle/>
+                    <a:p>
+                      <a:endParaRPr lang="en-US"/>
+                    </a:p>
+                  </a:txBody>
+                  <a:tcPr/>
+                </a:tc>
+                <a:tc>
+                  <a:txBody>
+                    <a:bodyPr/>
+                    <a:lstStyle/>
+                    <a:p>
+                      <a:endParaRPr lang="en-US"/>
+                    </a:p>
+                  </a:txBody>
+                  <a:tcPr/>
+                </a:tc>
+                <a:tc>
+                  <a:txBody>
+                    <a:bodyPr/>
+                    <a:lstStyle/>
+                    <a:p>
+                      <a:endParaRPr lang="en-US"/>
+                    </a:p>
+                  </a:txBody>
+                  <a:tcPr/>
+                </a:tc>
+                <a:tc>
+                  <a:txBody>
+                    <a:bodyPr/>
+                    <a:lstStyle/>
+                    <a:p>
+                      <a:endParaRPr lang="en-US"/>
+                    </a:p>
+                  </a:txBody>
+                  <a:tcPr/>
+                </a:tc>
+                <a:tc>
+                  <a:txBody>
+                    <a:bodyPr/>
+                    <a:lstStyle/>
+                    <a:p>
+                      <a:endParaRPr lang="en-US"/>
+                    </a:p>
+                  </a:txBody>
+                  <a:tcPr/>
+                </a:tc>
+                <a:tc>
+                  <a:txBody>
+                    <a:bodyPr/>
+                    <a:lstStyle/>
+                    <a:p>
+                      <a:endParaRPr lang="en-US"/>
+                    </a:p>
+                  </a:txBody>
+                  <a:tcPr/>
+                </a:tc>
+                <a:tc>
+                  <a:txBody>
+                    <a:bodyPr/>
+                    <a:lstStyle/>
+                    <a:p>
+                      <a:endParaRPr lang="en-US"/>
+                    </a:p>
+                  </a:txBody>
+                  <a:tcPr/>
+                </a:tc>
+                <a:tc>
+                  <a:txBody>
+                    <a:bodyPr/>
+                    <a:lstStyle/>
+                    <a:p>
+                      <a:endParaRPr lang="en-US"/>
+                    </a:p>
+                  </a:txBody>
+                  <a:tcPr/>
+                </a:tc>
+                <a:extLst>
+                  <a:ext uri="{0D108BD9-81ED-4DB2-BD59-A6C34878D82A}">
+                    <a16:rowId xmlns:a16="http://schemas.microsoft.com/office/drawing/2014/main" val="3518833314"/>
+                  </a:ext>
+                </a:extLst>
+              </a:tr>
+              <a:tr h="370840">
+                <a:tc>
+                  <a:txBody>
+                    <a:bodyPr/>
+                    <a:lstStyle/>
+                    <a:p>
+                      <a:endParaRPr lang="en-US"/>
+                    </a:p>
+                  </a:txBody>
+                  <a:tcPr/>
+                </a:tc>
+                <a:tc>
+                  <a:txBody>
+                    <a:bodyPr/>
+                    <a:lstStyle/>
+                    <a:p>
+                      <a:endParaRPr lang="en-US"/>
+                    </a:p>
+                  </a:txBody>
+                  <a:tcPr/>
+                </a:tc>
+                <a:tc>
+                  <a:txBody>
+                    <a:bodyPr/>
+                    <a:lstStyle/>
+                    <a:p>
+                      <a:endParaRPr lang="en-US"/>
+                    </a:p>
+                  </a:txBody>
+                  <a:tcPr/>
+                </a:tc>
+                <a:tc>
+                  <a:txBody>
+                    <a:bodyPr/>
+                    <a:lstStyle/>
+                    <a:p>
+                      <a:endParaRPr lang="en-US"/>
+                    </a:p>
+                  </a:txBody>
+                  <a:tcPr/>
+                </a:tc>
+                <a:tc>
+                  <a:txBody>
+                    <a:bodyPr/>
+                    <a:lstStyle/>
+                    <a:p>
+                      <a:endParaRPr lang="en-US"/>
+                    </a:p>
+                  </a:txBody>
+                  <a:tcPr/>
+                </a:tc>
+                <a:tc>
+                  <a:txBody>
+                    <a:bodyPr/>
+                    <a:lstStyle/>
+                    <a:p>
+                      <a:endParaRPr lang="en-US"/>
+                    </a:p>
+                  </a:txBody>
+                  <a:tcPr/>
+                </a:tc>
+                <a:tc>
+                  <a:txBody>
+                    <a:bodyPr/>
+                    <a:lstStyle/>
+                    <a:p>
+                      <a:endParaRPr lang="en-US"/>
+                    </a:p>
+                  </a:txBody>
+                  <a:tcPr/>
+                </a:tc>
+                <a:tc>
+                  <a:txBody>
+                    <a:bodyPr/>
+                    <a:lstStyle/>
+                    <a:p>
+                      <a:endParaRPr lang="en-US"/>
+                    </a:p>
+                  </a:txBody>
+                  <a:tcPr/>
+                </a:tc>
+                <a:tc>
+                  <a:txBody>
+                    <a:bodyPr/>
+                    <a:lstStyle/>
+                    <a:p>
+                      <a:endParaRPr lang="en-US"/>
+                    </a:p>
+                  </a:txBody>
+                  <a:tcPr/>
+                </a:tc>
+                <a:extLst>
+                  <a:ext uri="{0D108BD9-81ED-4DB2-BD59-A6C34878D82A}">
+                    <a16:rowId xmlns:a16="http://schemas.microsoft.com/office/drawing/2014/main" val="1208863785"/>
+                  </a:ext>
+                </a:extLst>
+              </a:tr>
+              <a:tr h="370840">
+                <a:tc>
+                  <a:txBody>
+                    <a:bodyPr/>
+                    <a:lstStyle/>
+                    <a:p>
+                      <a:endParaRPr lang="en-US"/>
+                    </a:p>
+                  </a:txBody>
+                  <a:tcPr/>
+                </a:tc>
+                <a:tc>
+                  <a:txBody>
+                    <a:bodyPr/>
+                    <a:lstStyle/>
+                    <a:p>
+                      <a:endParaRPr lang="en-US"/>
+                    </a:p>
+                  </a:txBody>
+                  <a:tcPr/>
+                </a:tc>
+                <a:tc>
+                  <a:txBody>
+                    <a:bodyPr/>
+                    <a:lstStyle/>
+                    <a:p>
+                      <a:endParaRPr lang="en-US"/>
+                    </a:p>
+                  </a:txBody>
+                  <a:tcPr/>
+                </a:tc>
+                <a:tc>
+                  <a:txBody>
+                    <a:bodyPr/>
+                    <a:lstStyle/>
+                    <a:p>
+                      <a:endParaRPr lang="en-US"/>
+                    </a:p>
+                  </a:txBody>
+                  <a:tcPr/>
+                </a:tc>
+                <a:tc>
+                  <a:txBody>
+                    <a:bodyPr/>
+                    <a:lstStyle/>
+                    <a:p>
+                      <a:endParaRPr lang="en-US"/>
+                    </a:p>
+                  </a:txBody>
+                  <a:tcPr/>
+                </a:tc>
+                <a:tc>
+                  <a:txBody>
+                    <a:bodyPr/>
+                    <a:lstStyle/>
+                    <a:p>
+                      <a:endParaRPr lang="en-US"/>
+                    </a:p>
+                  </a:txBody>
+                  <a:tcPr/>
+                </a:tc>
+                <a:tc>
+                  <a:txBody>
+                    <a:bodyPr/>
+                    <a:lstStyle/>
+                    <a:p>
+                      <a:endParaRPr lang="en-US"/>
+                    </a:p>
+                  </a:txBody>
+                  <a:tcPr/>
+                </a:tc>
+                <a:tc>
+                  <a:txBody>
+                    <a:bodyPr/>
+                    <a:lstStyle/>
+                    <a:p>
+                      <a:endParaRPr lang="en-US"/>
+                    </a:p>
+                  </a:txBody>
+                  <a:tcPr/>
+                </a:tc>
+                <a:tc>
+                  <a:txBody>
+                    <a:bodyPr/>
+                    <a:lstStyle/>
+                    <a:p>
+                      <a:endParaRPr lang="en-US"/>
+                    </a:p>
+                  </a:txBody>
+                  <a:tcPr/>
+                </a:tc>
+                <a:extLst>
+                  <a:ext uri="{0D108BD9-81ED-4DB2-BD59-A6C34878D82A}">
+                    <a16:rowId xmlns:a16="http://schemas.microsoft.com/office/drawing/2014/main" val="1594631282"/>
+                  </a:ext>
+                </a:extLst>
+              </a:tr>
+              <a:tr h="370840">
+                <a:tc>
+                  <a:txBody>
+                    <a:bodyPr/>
+                    <a:lstStyle/>
+                    <a:p>
+                      <a:endParaRPr lang="en-US"/>
+                    </a:p>
+                  </a:txBody>
+                  <a:tcPr/>
+                </a:tc>
+                <a:tc>
+                  <a:txBody>
+                    <a:bodyPr/>
+                    <a:lstStyle/>
+                    <a:p>
+                      <a:endParaRPr lang="en-US"/>
+                    </a:p>
+                  </a:txBody>
+                  <a:tcPr/>
+                </a:tc>
+                <a:tc>
+                  <a:txBody>
+                    <a:bodyPr/>
+                    <a:lstStyle/>
+                    <a:p>
+                      <a:endParaRPr lang="en-US"/>
+                    </a:p>
+                  </a:txBody>
+                  <a:tcPr/>
+                </a:tc>
+                <a:tc>
+                  <a:txBody>
+                    <a:bodyPr/>
+                    <a:lstStyle/>
+                    <a:p>
+                      <a:endParaRPr lang="en-US"/>
+                    </a:p>
+                  </a:txBody>
+                  <a:tcPr/>
+                </a:tc>
+                <a:tc>
+                  <a:txBody>
+                    <a:bodyPr/>
+                    <a:lstStyle/>
+                    <a:p>
+                      <a:endParaRPr lang="en-US"/>
+                    </a:p>
+                  </a:txBody>
+                  <a:tcPr/>
+                </a:tc>
+                <a:tc>
+                  <a:txBody>
+                    <a:bodyPr/>
+                    <a:lstStyle/>
+                    <a:p>
+                      <a:endParaRPr lang="en-US"/>
+                    </a:p>
+                  </a:txBody>
+                  <a:tcPr/>
+                </a:tc>
+                <a:tc>
+                  <a:txBody>
+                    <a:bodyPr/>
+                    <a:lstStyle/>
+                    <a:p>
+                      <a:endParaRPr lang="en-US"/>
+                    </a:p>
+                  </a:txBody>
+                  <a:tcPr/>
+                </a:tc>
+                <a:tc>
+                  <a:txBody>
+                    <a:bodyPr/>
+                    <a:lstStyle/>
+                    <a:p>
+                      <a:endParaRPr lang="en-US"/>
+                    </a:p>
+                  </a:txBody>
+                  <a:tcPr/>
+                </a:tc>
+                <a:tc>
+                  <a:txBody>
+                    <a:bodyPr/>
+                    <a:lstStyle/>
+                    <a:p>
+                      <a:endParaRPr lang="en-US" dirty="0"/>
+                    </a:p>
+                  </a:txBody>
+                  <a:tcPr/>
+                </a:tc>
+                <a:extLst>
+                  <a:ext uri="{0D108BD9-81ED-4DB2-BD59-A6C34878D82A}">
+                    <a16:rowId xmlns:a16="http://schemas.microsoft.com/office/drawing/2014/main" val="1809413736"/>
+                  </a:ext>
+                </a:extLst>
+              </a:tr>
+            </a:tbl>
+          </a:graphicData>
+        </a:graphic>
+      </p:graphicFrame>
+      <p:sp>
+        <p:nvSpPr>
+          <p:cNvPr id="5" name="TextBox 4">
+            <a:extLst>
+              <a:ext uri="{FF2B5EF4-FFF2-40B4-BE49-F238E27FC236}">
+                <a16:creationId xmlns:a16="http://schemas.microsoft.com/office/drawing/2014/main" id="{AE116B36-4596-48A1-89A0-DD2C46E5B762}"/>
+              </a:ext>
+            </a:extLst>
+          </p:cNvPr>
+          <p:cNvSpPr txBox="1"/>
+          <p:nvPr/>
+        </p:nvSpPr>
+        <p:spPr>
+          <a:xfrm>
+            <a:off x="1238250" y="539183"/>
+            <a:ext cx="636713" cy="707886"/>
+          </a:xfrm>
+          <a:prstGeom prst="rect">
+            <a:avLst/>
+          </a:prstGeom>
+          <a:noFill/>
+        </p:spPr>
+        <p:txBody>
+          <a:bodyPr wrap="none" rtlCol="0">
+            <a:spAutoFit/>
+          </a:bodyPr>
+          <a:lstStyle/>
+          <a:p>
+            <a:r>
+              <a:rPr lang="en-US" sz="4000" dirty="0"/>
+              <a:t>A)</a:t>
+            </a:r>
+          </a:p>
+        </p:txBody>
+      </p:sp>
+      <p:sp>
+        <p:nvSpPr>
+          <p:cNvPr id="6" name="TextBox 5">
+            <a:extLst>
+              <a:ext uri="{FF2B5EF4-FFF2-40B4-BE49-F238E27FC236}">
+                <a16:creationId xmlns:a16="http://schemas.microsoft.com/office/drawing/2014/main" id="{BC58F7B5-C3A3-494D-B601-84E7447C6E37}"/>
+              </a:ext>
+            </a:extLst>
+          </p:cNvPr>
+          <p:cNvSpPr txBox="1"/>
+          <p:nvPr/>
+        </p:nvSpPr>
+        <p:spPr>
+          <a:xfrm>
+            <a:off x="1238250" y="4387283"/>
+            <a:ext cx="619080" cy="707886"/>
+          </a:xfrm>
+          <a:prstGeom prst="rect">
+            <a:avLst/>
+          </a:prstGeom>
+          <a:noFill/>
+        </p:spPr>
+        <p:txBody>
+          <a:bodyPr wrap="none" rtlCol="0">
+            <a:spAutoFit/>
+          </a:bodyPr>
+          <a:lstStyle/>
+          <a:p>
+            <a:r>
+              <a:rPr lang="en-US" sz="4000" dirty="0"/>
+              <a:t>B)</a:t>
+            </a:r>
+          </a:p>
+        </p:txBody>
+      </p:sp>
+      <p:sp>
+        <p:nvSpPr>
+          <p:cNvPr id="7" name="TextBox 6">
+            <a:extLst>
+              <a:ext uri="{FF2B5EF4-FFF2-40B4-BE49-F238E27FC236}">
+                <a16:creationId xmlns:a16="http://schemas.microsoft.com/office/drawing/2014/main" id="{4256D121-5DDF-4C22-8693-015C7883F24D}"/>
+              </a:ext>
+            </a:extLst>
+          </p:cNvPr>
+          <p:cNvSpPr txBox="1"/>
+          <p:nvPr/>
+        </p:nvSpPr>
+        <p:spPr>
+          <a:xfrm>
+            <a:off x="1874963" y="4692895"/>
+            <a:ext cx="3378297" cy="461665"/>
+          </a:xfrm>
+          <a:prstGeom prst="rect">
+            <a:avLst/>
+          </a:prstGeom>
+          <a:noFill/>
+        </p:spPr>
+        <p:txBody>
+          <a:bodyPr wrap="none" rtlCol="0">
+            <a:spAutoFit/>
+          </a:bodyPr>
+          <a:lstStyle/>
+          <a:p>
+            <a:r>
+              <a:rPr lang="en-US" sz="2400" dirty="0" err="1"/>
+              <a:t>Brockvirinae</a:t>
+            </a:r>
+            <a:r>
+              <a:rPr lang="en-US" sz="2400" dirty="0"/>
+              <a:t> (</a:t>
+            </a:r>
+            <a:r>
+              <a:rPr lang="en-US" sz="2400" dirty="0" err="1"/>
+              <a:t>myoviridae</a:t>
+            </a:r>
+            <a:r>
+              <a:rPr lang="en-US" sz="2400" dirty="0"/>
+              <a:t>)</a:t>
+            </a:r>
+          </a:p>
+        </p:txBody>
+      </p:sp>
+      <p:sp>
+        <p:nvSpPr>
+          <p:cNvPr id="8" name="Rectangle 7">
+            <a:extLst>
+              <a:ext uri="{FF2B5EF4-FFF2-40B4-BE49-F238E27FC236}">
+                <a16:creationId xmlns:a16="http://schemas.microsoft.com/office/drawing/2014/main" id="{278C8C88-2016-4F46-ADCD-18AD44A51EC6}"/>
+              </a:ext>
+            </a:extLst>
+          </p:cNvPr>
+          <p:cNvSpPr/>
+          <p:nvPr/>
+        </p:nvSpPr>
+        <p:spPr>
+          <a:xfrm>
+            <a:off x="5774393" y="5717893"/>
+            <a:ext cx="3048000" cy="2577533"/>
+          </a:xfrm>
+          <a:prstGeom prst="rect">
+            <a:avLst/>
+          </a:prstGeom>
+          <a:noFill/>
+          <a:ln>
+            <a:solidFill>
+              <a:schemeClr val="tx1"/>
+            </a:solidFill>
+          </a:ln>
+        </p:spPr>
+        <p:style>
+          <a:lnRef idx="2">
+            <a:schemeClr val="accent1">
+              <a:shade val="50000"/>
+            </a:schemeClr>
+          </a:lnRef>
+          <a:fillRef idx="1">
+            <a:schemeClr val="accent1"/>
+          </a:fillRef>
+          <a:effectRef idx="0">
+            <a:schemeClr val="accent1"/>
+          </a:effectRef>
+          <a:fontRef idx="minor">
+            <a:schemeClr val="lt1"/>
+          </a:fontRef>
+        </p:style>
+        <p:txBody>
+          <a:bodyPr rtlCol="0" anchor="ctr"/>
+          <a:lstStyle/>
+          <a:p>
+            <a:pPr algn="ctr"/>
+            <a:endParaRPr lang="en-US"/>
+          </a:p>
+        </p:txBody>
+      </p:sp>
+      <p:sp>
+        <p:nvSpPr>
+          <p:cNvPr id="9" name="Arrow: Right 8">
+            <a:extLst>
+              <a:ext uri="{FF2B5EF4-FFF2-40B4-BE49-F238E27FC236}">
+                <a16:creationId xmlns:a16="http://schemas.microsoft.com/office/drawing/2014/main" id="{095C831A-7005-43BD-89D9-BA4EFB7F9848}"/>
+              </a:ext>
+            </a:extLst>
+          </p:cNvPr>
+          <p:cNvSpPr/>
+          <p:nvPr/>
+        </p:nvSpPr>
+        <p:spPr>
+          <a:xfrm>
+            <a:off x="1874963" y="8919341"/>
+            <a:ext cx="990600" cy="461665"/>
+          </a:xfrm>
+          <a:prstGeom prst="rightArrow">
+            <a:avLst/>
+          </a:prstGeom>
+        </p:spPr>
+        <p:style>
+          <a:lnRef idx="2">
+            <a:schemeClr val="accent1">
+              <a:shade val="50000"/>
+            </a:schemeClr>
+          </a:lnRef>
+          <a:fillRef idx="1">
+            <a:schemeClr val="accent1"/>
+          </a:fillRef>
+          <a:effectRef idx="0">
+            <a:schemeClr val="accent1"/>
+          </a:effectRef>
+          <a:fontRef idx="minor">
+            <a:schemeClr val="lt1"/>
+          </a:fontRef>
+        </p:style>
+        <p:txBody>
+          <a:bodyPr rtlCol="0" anchor="ctr"/>
+          <a:lstStyle/>
+          <a:p>
+            <a:pPr algn="ctr"/>
+            <a:endParaRPr lang="en-US"/>
+          </a:p>
+        </p:txBody>
+      </p:sp>
+      <p:sp>
+        <p:nvSpPr>
+          <p:cNvPr id="10" name="Arrow: Right 9">
+            <a:extLst>
+              <a:ext uri="{FF2B5EF4-FFF2-40B4-BE49-F238E27FC236}">
+                <a16:creationId xmlns:a16="http://schemas.microsoft.com/office/drawing/2014/main" id="{9B8559BB-FD44-48E1-9B6F-0970DC9FAA72}"/>
+              </a:ext>
+            </a:extLst>
+          </p:cNvPr>
+          <p:cNvSpPr/>
+          <p:nvPr/>
+        </p:nvSpPr>
+        <p:spPr>
+          <a:xfrm>
+            <a:off x="4062009" y="8940623"/>
+            <a:ext cx="990600" cy="461665"/>
+          </a:xfrm>
+          <a:prstGeom prst="rightArrow">
+            <a:avLst/>
+          </a:prstGeom>
+        </p:spPr>
+        <p:style>
+          <a:lnRef idx="2">
+            <a:schemeClr val="accent1">
+              <a:shade val="50000"/>
+            </a:schemeClr>
+          </a:lnRef>
+          <a:fillRef idx="1">
+            <a:schemeClr val="accent1"/>
+          </a:fillRef>
+          <a:effectRef idx="0">
+            <a:schemeClr val="accent1"/>
+          </a:effectRef>
+          <a:fontRef idx="minor">
+            <a:schemeClr val="lt1"/>
+          </a:fontRef>
+        </p:style>
+        <p:txBody>
+          <a:bodyPr rtlCol="0" anchor="ctr"/>
+          <a:lstStyle/>
+          <a:p>
+            <a:pPr algn="ctr"/>
+            <a:endParaRPr lang="en-US"/>
+          </a:p>
+        </p:txBody>
+      </p:sp>
+      <p:sp>
+        <p:nvSpPr>
+          <p:cNvPr id="11" name="Arrow: Right 10">
+            <a:extLst>
+              <a:ext uri="{FF2B5EF4-FFF2-40B4-BE49-F238E27FC236}">
+                <a16:creationId xmlns:a16="http://schemas.microsoft.com/office/drawing/2014/main" id="{31E0F409-3A5A-4D9F-A05E-20E6F0BA49C7}"/>
+              </a:ext>
+            </a:extLst>
+          </p:cNvPr>
+          <p:cNvSpPr/>
+          <p:nvPr/>
+        </p:nvSpPr>
+        <p:spPr>
+          <a:xfrm>
+            <a:off x="2865563" y="8940623"/>
+            <a:ext cx="990600" cy="461665"/>
+          </a:xfrm>
+          <a:prstGeom prst="rightArrow">
+            <a:avLst/>
+          </a:prstGeom>
+        </p:spPr>
+        <p:style>
+          <a:lnRef idx="2">
+            <a:schemeClr val="accent1">
+              <a:shade val="50000"/>
+            </a:schemeClr>
+          </a:lnRef>
+          <a:fillRef idx="1">
+            <a:schemeClr val="accent1"/>
+          </a:fillRef>
+          <a:effectRef idx="0">
+            <a:schemeClr val="accent1"/>
+          </a:effectRef>
+          <a:fontRef idx="minor">
+            <a:schemeClr val="lt1"/>
+          </a:fontRef>
+        </p:style>
+        <p:txBody>
+          <a:bodyPr rtlCol="0" anchor="ctr"/>
+          <a:lstStyle/>
+          <a:p>
+            <a:pPr algn="ctr"/>
+            <a:endParaRPr lang="en-US"/>
+          </a:p>
+        </p:txBody>
+      </p:sp>
+      <p:sp>
+        <p:nvSpPr>
+          <p:cNvPr id="12" name="Arrow: Right 11">
+            <a:extLst>
+              <a:ext uri="{FF2B5EF4-FFF2-40B4-BE49-F238E27FC236}">
+                <a16:creationId xmlns:a16="http://schemas.microsoft.com/office/drawing/2014/main" id="{C7E7F137-FE2F-4494-8606-0B14C7517824}"/>
+              </a:ext>
+            </a:extLst>
+          </p:cNvPr>
+          <p:cNvSpPr/>
+          <p:nvPr/>
+        </p:nvSpPr>
+        <p:spPr>
+          <a:xfrm>
+            <a:off x="5217249" y="8948653"/>
+            <a:ext cx="990600" cy="461665"/>
+          </a:xfrm>
+          <a:prstGeom prst="rightArrow">
+            <a:avLst/>
+          </a:prstGeom>
+        </p:spPr>
+        <p:style>
+          <a:lnRef idx="2">
+            <a:schemeClr val="accent1">
+              <a:shade val="50000"/>
+            </a:schemeClr>
+          </a:lnRef>
+          <a:fillRef idx="1">
+            <a:schemeClr val="accent1"/>
+          </a:fillRef>
+          <a:effectRef idx="0">
+            <a:schemeClr val="accent1"/>
+          </a:effectRef>
+          <a:fontRef idx="minor">
+            <a:schemeClr val="lt1"/>
+          </a:fontRef>
+        </p:style>
+        <p:txBody>
+          <a:bodyPr rtlCol="0" anchor="ctr"/>
+          <a:lstStyle/>
+          <a:p>
+            <a:pPr algn="ctr"/>
+            <a:endParaRPr lang="en-US"/>
+          </a:p>
+        </p:txBody>
+      </p:sp>
+      <p:sp>
+        <p:nvSpPr>
+          <p:cNvPr id="13" name="Arrow: Right 12">
+            <a:extLst>
+              <a:ext uri="{FF2B5EF4-FFF2-40B4-BE49-F238E27FC236}">
+                <a16:creationId xmlns:a16="http://schemas.microsoft.com/office/drawing/2014/main" id="{D9D40463-B237-47F2-BFB8-046E7388EE64}"/>
+              </a:ext>
+            </a:extLst>
+          </p:cNvPr>
+          <p:cNvSpPr/>
+          <p:nvPr/>
+        </p:nvSpPr>
+        <p:spPr>
+          <a:xfrm>
+            <a:off x="6372489" y="8950885"/>
+            <a:ext cx="990600" cy="461665"/>
+          </a:xfrm>
+          <a:prstGeom prst="rightArrow">
+            <a:avLst/>
+          </a:prstGeom>
+        </p:spPr>
+        <p:style>
+          <a:lnRef idx="2">
+            <a:schemeClr val="accent1">
+              <a:shade val="50000"/>
+            </a:schemeClr>
+          </a:lnRef>
+          <a:fillRef idx="1">
+            <a:schemeClr val="accent1"/>
+          </a:fillRef>
+          <a:effectRef idx="0">
+            <a:schemeClr val="accent1"/>
+          </a:effectRef>
+          <a:fontRef idx="minor">
+            <a:schemeClr val="lt1"/>
+          </a:fontRef>
+        </p:style>
+        <p:txBody>
+          <a:bodyPr rtlCol="0" anchor="ctr"/>
+          <a:lstStyle/>
+          <a:p>
+            <a:pPr algn="ctr"/>
+            <a:endParaRPr lang="en-US"/>
+          </a:p>
+        </p:txBody>
+      </p:sp>
+      <p:sp>
+        <p:nvSpPr>
+          <p:cNvPr id="15" name="TextBox 14">
+            <a:extLst>
+              <a:ext uri="{FF2B5EF4-FFF2-40B4-BE49-F238E27FC236}">
+                <a16:creationId xmlns:a16="http://schemas.microsoft.com/office/drawing/2014/main" id="{7BF02485-4DB3-4759-B2AB-41DCD45736EB}"/>
+              </a:ext>
+            </a:extLst>
+          </p:cNvPr>
+          <p:cNvSpPr txBox="1"/>
+          <p:nvPr/>
+        </p:nvSpPr>
+        <p:spPr>
+          <a:xfrm>
+            <a:off x="6360725" y="6903362"/>
+            <a:ext cx="1605183" cy="461665"/>
+          </a:xfrm>
+          <a:prstGeom prst="rect">
+            <a:avLst/>
+          </a:prstGeom>
+          <a:noFill/>
+        </p:spPr>
+        <p:txBody>
+          <a:bodyPr wrap="none" rtlCol="0">
+            <a:spAutoFit/>
+          </a:bodyPr>
+          <a:lstStyle/>
+          <a:p>
+            <a:r>
+              <a:rPr lang="en-US" sz="2400" dirty="0"/>
+              <a:t>Pct Identity</a:t>
+            </a:r>
+          </a:p>
+        </p:txBody>
+      </p:sp>
+      <p:sp>
+        <p:nvSpPr>
+          <p:cNvPr id="16" name="TextBox 15">
+            <a:extLst>
+              <a:ext uri="{FF2B5EF4-FFF2-40B4-BE49-F238E27FC236}">
+                <a16:creationId xmlns:a16="http://schemas.microsoft.com/office/drawing/2014/main" id="{3513B780-0849-4BDE-ADC9-A089FEF7615D}"/>
+              </a:ext>
+            </a:extLst>
+          </p:cNvPr>
+          <p:cNvSpPr txBox="1"/>
+          <p:nvPr/>
+        </p:nvSpPr>
+        <p:spPr>
+          <a:xfrm>
+            <a:off x="1047750" y="6478042"/>
+            <a:ext cx="1714500" cy="923330"/>
+          </a:xfrm>
+          <a:prstGeom prst="rect">
+            <a:avLst/>
+          </a:prstGeom>
+          <a:noFill/>
+          <a:ln>
+            <a:solidFill>
+              <a:schemeClr val="tx1"/>
+            </a:solidFill>
+          </a:ln>
+        </p:spPr>
+        <p:txBody>
+          <a:bodyPr wrap="square" rtlCol="0">
+            <a:spAutoFit/>
+          </a:bodyPr>
+          <a:lstStyle/>
+          <a:p>
+            <a:r>
+              <a:rPr lang="en-US" dirty="0"/>
+              <a:t>Core vs Accessory Genome</a:t>
+            </a:r>
+          </a:p>
+        </p:txBody>
+      </p:sp>
+      <p:sp>
+        <p:nvSpPr>
+          <p:cNvPr id="17" name="TextBox 16">
+            <a:extLst>
+              <a:ext uri="{FF2B5EF4-FFF2-40B4-BE49-F238E27FC236}">
+                <a16:creationId xmlns:a16="http://schemas.microsoft.com/office/drawing/2014/main" id="{46CBDE78-DCD1-4EE9-BE8B-B95225CD2588}"/>
+              </a:ext>
+            </a:extLst>
+          </p:cNvPr>
+          <p:cNvSpPr txBox="1"/>
+          <p:nvPr/>
+        </p:nvSpPr>
+        <p:spPr>
+          <a:xfrm>
+            <a:off x="4989639" y="6903362"/>
+            <a:ext cx="990600" cy="369332"/>
+          </a:xfrm>
+          <a:prstGeom prst="rect">
+            <a:avLst/>
+          </a:prstGeom>
+          <a:noFill/>
+        </p:spPr>
+        <p:txBody>
+          <a:bodyPr wrap="square" rtlCol="0">
+            <a:spAutoFit/>
+          </a:bodyPr>
+          <a:lstStyle/>
+          <a:p>
+            <a:r>
+              <a:rPr lang="en-US" dirty="0"/>
+              <a:t>Tree</a:t>
+            </a:r>
+          </a:p>
+        </p:txBody>
+      </p:sp>
+    </p:spTree>
+    <p:extLst>
+      <p:ext uri="{BB962C8B-B14F-4D97-AF65-F5344CB8AC3E}">
+        <p14:creationId xmlns:p14="http://schemas.microsoft.com/office/powerpoint/2010/main" val="71295949"/>
+      </p:ext>
+    </p:extLst>
+  </p:cSld>
+  <p:clrMapOvr>
+    <a:masterClrMapping/>
+  </p:clrMapOvr>
+</p:sld>
+</file>
+
+<file path=ppt/slides/slide8.xml><?xml version="1.0" encoding="utf-8"?>
+<p:sld xmlns:a="http://schemas.openxmlformats.org/drawingml/2006/main" xmlns:r="http://schemas.openxmlformats.org/officeDocument/2006/relationships" xmlns:p="http://schemas.openxmlformats.org/presentationml/2006/main">
+  <p:cSld>
+    <p:spTree>
+      <p:nvGrpSpPr>
+        <p:cNvPr id="1" name=""/>
+        <p:cNvGrpSpPr/>
+        <p:nvPr/>
+      </p:nvGrpSpPr>
+      <p:grpSpPr>
+        <a:xfrm>
+          <a:off x="0" y="0"/>
+          <a:ext cx="0" cy="0"/>
+          <a:chOff x="0" y="0"/>
+          <a:chExt cx="0" cy="0"/>
+        </a:xfrm>
+      </p:grpSpPr>
+      <p:pic>
+        <p:nvPicPr>
+          <p:cNvPr id="10" name="image2.png">
+            <a:extLst>
+              <a:ext uri="{FF2B5EF4-FFF2-40B4-BE49-F238E27FC236}">
+                <a16:creationId xmlns:a16="http://schemas.microsoft.com/office/drawing/2014/main" id="{F0AB2B24-E637-487B-A7C0-4E36B6BDC448}"/>
+              </a:ext>
+            </a:extLst>
+          </p:cNvPr>
+          <p:cNvPicPr/>
+          <p:nvPr/>
+        </p:nvPicPr>
+        <p:blipFill>
+          <a:blip r:embed="rId2"/>
+          <a:srcRect/>
+          <a:stretch>
+            <a:fillRect/>
+          </a:stretch>
+        </p:blipFill>
+        <p:spPr>
+          <a:xfrm>
+            <a:off x="3005252" y="253447"/>
+            <a:ext cx="8465979" cy="3742886"/>
+          </a:xfrm>
+          <a:prstGeom prst="rect">
+            <a:avLst/>
+          </a:prstGeom>
+          <a:ln/>
+        </p:spPr>
+      </p:pic>
+      <p:pic>
+        <p:nvPicPr>
+          <p:cNvPr id="16" name="Picture 15">
+            <a:extLst>
+              <a:ext uri="{FF2B5EF4-FFF2-40B4-BE49-F238E27FC236}">
+                <a16:creationId xmlns:a16="http://schemas.microsoft.com/office/drawing/2014/main" id="{8FDC3EE2-21B4-4F79-9C7C-909890FD0084}"/>
+              </a:ext>
+            </a:extLst>
+          </p:cNvPr>
+          <p:cNvPicPr>
+            <a:picLocks noChangeAspect="1"/>
+          </p:cNvPicPr>
+          <p:nvPr/>
+        </p:nvPicPr>
+        <p:blipFill>
+          <a:blip r:embed="rId3"/>
+          <a:stretch>
+            <a:fillRect/>
+          </a:stretch>
+        </p:blipFill>
+        <p:spPr>
+          <a:xfrm>
+            <a:off x="954428" y="5370367"/>
+            <a:ext cx="4128079" cy="3168648"/>
+          </a:xfrm>
+          <a:prstGeom prst="rect">
+            <a:avLst/>
+          </a:prstGeom>
+        </p:spPr>
+      </p:pic>
+      <p:pic>
+        <p:nvPicPr>
+          <p:cNvPr id="18" name="Picture 17">
+            <a:extLst>
+              <a:ext uri="{FF2B5EF4-FFF2-40B4-BE49-F238E27FC236}">
+                <a16:creationId xmlns:a16="http://schemas.microsoft.com/office/drawing/2014/main" id="{E97D03DE-3D28-46E7-9C81-1245DB6A6B61}"/>
+              </a:ext>
+            </a:extLst>
+          </p:cNvPr>
+          <p:cNvPicPr>
+            <a:picLocks noChangeAspect="1"/>
+          </p:cNvPicPr>
+          <p:nvPr/>
+        </p:nvPicPr>
+        <p:blipFill>
+          <a:blip r:embed="rId4"/>
+          <a:stretch>
+            <a:fillRect/>
+          </a:stretch>
+        </p:blipFill>
+        <p:spPr>
+          <a:xfrm>
+            <a:off x="897796" y="10592048"/>
+            <a:ext cx="4241344" cy="3184231"/>
+          </a:xfrm>
+          <a:prstGeom prst="rect">
+            <a:avLst/>
+          </a:prstGeom>
+        </p:spPr>
+      </p:pic>
+      <p:pic>
+        <p:nvPicPr>
+          <p:cNvPr id="24" name="Picture 23">
+            <a:extLst>
+              <a:ext uri="{FF2B5EF4-FFF2-40B4-BE49-F238E27FC236}">
+                <a16:creationId xmlns:a16="http://schemas.microsoft.com/office/drawing/2014/main" id="{9AEE1539-40FE-467D-9006-FA01A61F638D}"/>
+              </a:ext>
+            </a:extLst>
+          </p:cNvPr>
+          <p:cNvPicPr>
+            <a:picLocks noChangeAspect="1"/>
+          </p:cNvPicPr>
+          <p:nvPr/>
+        </p:nvPicPr>
+        <p:blipFill>
+          <a:blip r:embed="rId5"/>
+          <a:stretch>
+            <a:fillRect/>
+          </a:stretch>
+        </p:blipFill>
+        <p:spPr>
+          <a:xfrm>
+            <a:off x="374272" y="14353526"/>
+            <a:ext cx="12660492" cy="1371791"/>
+          </a:xfrm>
+          <a:prstGeom prst="rect">
+            <a:avLst/>
+          </a:prstGeom>
+        </p:spPr>
+      </p:pic>
+      <p:pic>
+        <p:nvPicPr>
+          <p:cNvPr id="26" name="Picture 25">
+            <a:extLst>
+              <a:ext uri="{FF2B5EF4-FFF2-40B4-BE49-F238E27FC236}">
+                <a16:creationId xmlns:a16="http://schemas.microsoft.com/office/drawing/2014/main" id="{1E5ABDEF-9482-46C4-A31B-3B8B9A2F00AF}"/>
+              </a:ext>
+            </a:extLst>
+          </p:cNvPr>
+          <p:cNvPicPr>
+            <a:picLocks noChangeAspect="1"/>
+          </p:cNvPicPr>
+          <p:nvPr/>
+        </p:nvPicPr>
+        <p:blipFill>
+          <a:blip r:embed="rId6"/>
+          <a:stretch>
+            <a:fillRect/>
+          </a:stretch>
+        </p:blipFill>
+        <p:spPr>
+          <a:xfrm>
+            <a:off x="218033" y="15687152"/>
+            <a:ext cx="12698597" cy="1105054"/>
+          </a:xfrm>
+          <a:prstGeom prst="rect">
+            <a:avLst/>
+          </a:prstGeom>
+        </p:spPr>
+      </p:pic>
+      <p:pic>
+        <p:nvPicPr>
+          <p:cNvPr id="28" name="Picture 27">
+            <a:extLst>
+              <a:ext uri="{FF2B5EF4-FFF2-40B4-BE49-F238E27FC236}">
+                <a16:creationId xmlns:a16="http://schemas.microsoft.com/office/drawing/2014/main" id="{8BC91B40-9384-4BBF-AD3C-2A571636BBBF}"/>
+              </a:ext>
+            </a:extLst>
+          </p:cNvPr>
+          <p:cNvPicPr>
+            <a:picLocks noChangeAspect="1"/>
+          </p:cNvPicPr>
+          <p:nvPr/>
+        </p:nvPicPr>
+        <p:blipFill>
+          <a:blip r:embed="rId7"/>
+          <a:stretch>
+            <a:fillRect/>
+          </a:stretch>
+        </p:blipFill>
+        <p:spPr>
+          <a:xfrm>
+            <a:off x="363531" y="8953590"/>
+            <a:ext cx="11107700" cy="1257475"/>
+          </a:xfrm>
+          <a:prstGeom prst="rect">
+            <a:avLst/>
+          </a:prstGeom>
+        </p:spPr>
+      </p:pic>
+      <p:pic>
+        <p:nvPicPr>
+          <p:cNvPr id="36" name="Picture 35">
+            <a:extLst>
+              <a:ext uri="{FF2B5EF4-FFF2-40B4-BE49-F238E27FC236}">
+                <a16:creationId xmlns:a16="http://schemas.microsoft.com/office/drawing/2014/main" id="{73E0D3CA-3581-4B8E-A5B7-4B2D5F367590}"/>
+              </a:ext>
+            </a:extLst>
+          </p:cNvPr>
+          <p:cNvPicPr>
+            <a:picLocks noChangeAspect="1"/>
+          </p:cNvPicPr>
+          <p:nvPr/>
+        </p:nvPicPr>
+        <p:blipFill>
+          <a:blip r:embed="rId8"/>
+          <a:stretch>
+            <a:fillRect/>
+          </a:stretch>
+        </p:blipFill>
+        <p:spPr>
+          <a:xfrm>
+            <a:off x="5887060" y="5832494"/>
+            <a:ext cx="5001498" cy="1763613"/>
+          </a:xfrm>
+          <a:prstGeom prst="rect">
+            <a:avLst/>
+          </a:prstGeom>
+        </p:spPr>
+      </p:pic>
+      <p:pic>
+        <p:nvPicPr>
+          <p:cNvPr id="38" name="Picture 37">
+            <a:extLst>
+              <a:ext uri="{FF2B5EF4-FFF2-40B4-BE49-F238E27FC236}">
+                <a16:creationId xmlns:a16="http://schemas.microsoft.com/office/drawing/2014/main" id="{FB6201AC-E004-4144-AE45-0FC04769D472}"/>
+              </a:ext>
+            </a:extLst>
+          </p:cNvPr>
+          <p:cNvPicPr>
+            <a:picLocks noChangeAspect="1"/>
+          </p:cNvPicPr>
+          <p:nvPr/>
+        </p:nvPicPr>
+        <p:blipFill>
+          <a:blip r:embed="rId9"/>
+          <a:stretch>
+            <a:fillRect/>
+          </a:stretch>
+        </p:blipFill>
+        <p:spPr>
+          <a:xfrm>
+            <a:off x="5887060" y="11196142"/>
+            <a:ext cx="4670763" cy="1706879"/>
+          </a:xfrm>
+          <a:prstGeom prst="rect">
+            <a:avLst/>
+          </a:prstGeom>
+        </p:spPr>
+      </p:pic>
+      <p:sp>
+        <p:nvSpPr>
+          <p:cNvPr id="40" name="TextBox 39">
+            <a:extLst>
+              <a:ext uri="{FF2B5EF4-FFF2-40B4-BE49-F238E27FC236}">
+                <a16:creationId xmlns:a16="http://schemas.microsoft.com/office/drawing/2014/main" id="{ACE27B27-DE1F-46E8-9CBB-B5FBA1C5B3AB}"/>
+              </a:ext>
+            </a:extLst>
+          </p:cNvPr>
+          <p:cNvSpPr txBox="1"/>
+          <p:nvPr/>
+        </p:nvSpPr>
+        <p:spPr>
+          <a:xfrm>
+            <a:off x="270719" y="5446070"/>
+            <a:ext cx="502061" cy="523220"/>
+          </a:xfrm>
+          <a:prstGeom prst="rect">
+            <a:avLst/>
+          </a:prstGeom>
+          <a:noFill/>
+        </p:spPr>
+        <p:txBody>
+          <a:bodyPr wrap="none" rtlCol="0">
+            <a:spAutoFit/>
+          </a:bodyPr>
+          <a:lstStyle/>
+          <a:p>
+            <a:r>
+              <a:rPr lang="en-US" sz="2800" dirty="0"/>
+              <a:t>A)</a:t>
+            </a:r>
+          </a:p>
+        </p:txBody>
+      </p:sp>
+      <p:sp>
+        <p:nvSpPr>
+          <p:cNvPr id="41" name="TextBox 40">
+            <a:extLst>
+              <a:ext uri="{FF2B5EF4-FFF2-40B4-BE49-F238E27FC236}">
+                <a16:creationId xmlns:a16="http://schemas.microsoft.com/office/drawing/2014/main" id="{11AFFADB-4EBF-4154-B9B0-33D4B9859809}"/>
+              </a:ext>
+            </a:extLst>
+          </p:cNvPr>
+          <p:cNvSpPr txBox="1"/>
+          <p:nvPr/>
+        </p:nvSpPr>
+        <p:spPr>
+          <a:xfrm>
+            <a:off x="5070754" y="5393843"/>
+            <a:ext cx="489236" cy="523220"/>
+          </a:xfrm>
+          <a:prstGeom prst="rect">
+            <a:avLst/>
+          </a:prstGeom>
+          <a:noFill/>
+        </p:spPr>
+        <p:txBody>
+          <a:bodyPr wrap="none" rtlCol="0">
+            <a:spAutoFit/>
+          </a:bodyPr>
+          <a:lstStyle/>
+          <a:p>
+            <a:r>
+              <a:rPr lang="en-US" sz="2800" dirty="0"/>
+              <a:t>B)</a:t>
+            </a:r>
+          </a:p>
+        </p:txBody>
+      </p:sp>
+      <p:sp>
+        <p:nvSpPr>
+          <p:cNvPr id="42" name="TextBox 41">
+            <a:extLst>
+              <a:ext uri="{FF2B5EF4-FFF2-40B4-BE49-F238E27FC236}">
+                <a16:creationId xmlns:a16="http://schemas.microsoft.com/office/drawing/2014/main" id="{78782575-CFE9-4926-8E2A-2EDDB968B304}"/>
+              </a:ext>
+            </a:extLst>
+          </p:cNvPr>
+          <p:cNvSpPr txBox="1"/>
+          <p:nvPr/>
+        </p:nvSpPr>
+        <p:spPr>
+          <a:xfrm>
+            <a:off x="232439" y="8400699"/>
+            <a:ext cx="484428" cy="523220"/>
+          </a:xfrm>
+          <a:prstGeom prst="rect">
+            <a:avLst/>
+          </a:prstGeom>
+          <a:noFill/>
+        </p:spPr>
+        <p:txBody>
+          <a:bodyPr wrap="none" rtlCol="0">
+            <a:spAutoFit/>
+          </a:bodyPr>
+          <a:lstStyle/>
+          <a:p>
+            <a:r>
+              <a:rPr lang="en-US" sz="2800" dirty="0"/>
+              <a:t>C)</a:t>
+            </a:r>
+          </a:p>
+        </p:txBody>
+      </p:sp>
+      <p:sp>
+        <p:nvSpPr>
+          <p:cNvPr id="43" name="TextBox 42">
+            <a:extLst>
+              <a:ext uri="{FF2B5EF4-FFF2-40B4-BE49-F238E27FC236}">
+                <a16:creationId xmlns:a16="http://schemas.microsoft.com/office/drawing/2014/main" id="{892B121B-B0C8-4FAC-8F4A-964E38C512E3}"/>
+              </a:ext>
+            </a:extLst>
+          </p:cNvPr>
+          <p:cNvSpPr txBox="1"/>
+          <p:nvPr/>
+        </p:nvSpPr>
+        <p:spPr>
+          <a:xfrm>
+            <a:off x="218033" y="10677621"/>
+            <a:ext cx="514885" cy="523220"/>
+          </a:xfrm>
+          <a:prstGeom prst="rect">
+            <a:avLst/>
+          </a:prstGeom>
+          <a:noFill/>
+        </p:spPr>
+        <p:txBody>
+          <a:bodyPr wrap="none" rtlCol="0">
+            <a:spAutoFit/>
+          </a:bodyPr>
+          <a:lstStyle/>
+          <a:p>
+            <a:r>
+              <a:rPr lang="en-US" sz="2800" dirty="0"/>
+              <a:t>D)</a:t>
+            </a:r>
+          </a:p>
+        </p:txBody>
+      </p:sp>
+      <p:sp>
+        <p:nvSpPr>
+          <p:cNvPr id="44" name="TextBox 43">
+            <a:extLst>
+              <a:ext uri="{FF2B5EF4-FFF2-40B4-BE49-F238E27FC236}">
+                <a16:creationId xmlns:a16="http://schemas.microsoft.com/office/drawing/2014/main" id="{FF4FDDBE-C7EE-4802-8CF6-DF56F042FF20}"/>
+              </a:ext>
+            </a:extLst>
+          </p:cNvPr>
+          <p:cNvSpPr txBox="1"/>
+          <p:nvPr/>
+        </p:nvSpPr>
+        <p:spPr>
+          <a:xfrm>
+            <a:off x="5070754" y="10677621"/>
+            <a:ext cx="468398" cy="523220"/>
+          </a:xfrm>
+          <a:prstGeom prst="rect">
+            <a:avLst/>
+          </a:prstGeom>
+          <a:noFill/>
+        </p:spPr>
+        <p:txBody>
+          <a:bodyPr wrap="none" rtlCol="0">
+            <a:spAutoFit/>
+          </a:bodyPr>
+          <a:lstStyle/>
+          <a:p>
+            <a:r>
+              <a:rPr lang="en-US" sz="2800" dirty="0"/>
+              <a:t>E)</a:t>
+            </a:r>
+          </a:p>
+        </p:txBody>
+      </p:sp>
+      <p:sp>
+        <p:nvSpPr>
+          <p:cNvPr id="45" name="TextBox 44">
+            <a:extLst>
+              <a:ext uri="{FF2B5EF4-FFF2-40B4-BE49-F238E27FC236}">
+                <a16:creationId xmlns:a16="http://schemas.microsoft.com/office/drawing/2014/main" id="{5746EB30-1F52-4598-B5AD-3F04F66EB3D2}"/>
+              </a:ext>
+            </a:extLst>
+          </p:cNvPr>
+          <p:cNvSpPr txBox="1"/>
+          <p:nvPr/>
+        </p:nvSpPr>
+        <p:spPr>
+          <a:xfrm>
+            <a:off x="218033" y="13643353"/>
+            <a:ext cx="458780" cy="523220"/>
+          </a:xfrm>
+          <a:prstGeom prst="rect">
+            <a:avLst/>
+          </a:prstGeom>
+          <a:noFill/>
+        </p:spPr>
+        <p:txBody>
+          <a:bodyPr wrap="none" rtlCol="0">
+            <a:spAutoFit/>
+          </a:bodyPr>
+          <a:lstStyle/>
+          <a:p>
+            <a:r>
+              <a:rPr lang="en-US" sz="2800" dirty="0"/>
+              <a:t>F)</a:t>
+            </a:r>
+          </a:p>
+        </p:txBody>
+      </p:sp>
+      <p:sp>
+        <p:nvSpPr>
+          <p:cNvPr id="46" name="TextBox 45">
+            <a:extLst>
+              <a:ext uri="{FF2B5EF4-FFF2-40B4-BE49-F238E27FC236}">
+                <a16:creationId xmlns:a16="http://schemas.microsoft.com/office/drawing/2014/main" id="{CBB5F290-4A66-419D-99F5-8C66D23337FF}"/>
+              </a:ext>
+            </a:extLst>
+          </p:cNvPr>
+          <p:cNvSpPr txBox="1"/>
+          <p:nvPr/>
+        </p:nvSpPr>
+        <p:spPr>
+          <a:xfrm>
+            <a:off x="8067253" y="8569932"/>
+            <a:ext cx="3458058" cy="369332"/>
+          </a:xfrm>
+          <a:prstGeom prst="rect">
+            <a:avLst/>
+          </a:prstGeom>
+          <a:noFill/>
+        </p:spPr>
+        <p:txBody>
+          <a:bodyPr wrap="square" rtlCol="0">
+            <a:spAutoFit/>
+          </a:bodyPr>
+          <a:lstStyle/>
+          <a:p>
+            <a:r>
+              <a:rPr lang="en-US" dirty="0"/>
+              <a:t>Number of phages containing gene</a:t>
+            </a:r>
+          </a:p>
+        </p:txBody>
+      </p:sp>
+      <p:pic>
+        <p:nvPicPr>
+          <p:cNvPr id="48" name="Picture 47">
+            <a:extLst>
+              <a:ext uri="{FF2B5EF4-FFF2-40B4-BE49-F238E27FC236}">
+                <a16:creationId xmlns:a16="http://schemas.microsoft.com/office/drawing/2014/main" id="{7D9DE76C-5013-4767-BC30-9C408952A271}"/>
+              </a:ext>
+            </a:extLst>
+          </p:cNvPr>
+          <p:cNvPicPr>
+            <a:picLocks noChangeAspect="1"/>
+          </p:cNvPicPr>
+          <p:nvPr/>
+        </p:nvPicPr>
+        <p:blipFill>
+          <a:blip r:embed="rId10"/>
+          <a:stretch>
+            <a:fillRect/>
+          </a:stretch>
+        </p:blipFill>
+        <p:spPr>
+          <a:xfrm>
+            <a:off x="8067253" y="8914306"/>
+            <a:ext cx="3315163" cy="457264"/>
+          </a:xfrm>
+          <a:prstGeom prst="rect">
+            <a:avLst/>
+          </a:prstGeom>
+        </p:spPr>
+      </p:pic>
+      <p:sp>
+        <p:nvSpPr>
+          <p:cNvPr id="49" name="TextBox 48">
+            <a:extLst>
+              <a:ext uri="{FF2B5EF4-FFF2-40B4-BE49-F238E27FC236}">
+                <a16:creationId xmlns:a16="http://schemas.microsoft.com/office/drawing/2014/main" id="{FA574521-CC4B-444A-95BD-93BE1C85FD0F}"/>
+              </a:ext>
+            </a:extLst>
+          </p:cNvPr>
+          <p:cNvSpPr txBox="1"/>
+          <p:nvPr/>
+        </p:nvSpPr>
+        <p:spPr>
+          <a:xfrm>
+            <a:off x="9601467" y="13458687"/>
+            <a:ext cx="3458058" cy="369332"/>
+          </a:xfrm>
+          <a:prstGeom prst="rect">
+            <a:avLst/>
+          </a:prstGeom>
+          <a:noFill/>
+        </p:spPr>
+        <p:txBody>
+          <a:bodyPr wrap="square" rtlCol="0">
+            <a:spAutoFit/>
+          </a:bodyPr>
+          <a:lstStyle/>
+          <a:p>
+            <a:r>
+              <a:rPr lang="en-US" dirty="0"/>
+              <a:t>Number of phages containing gene</a:t>
+            </a:r>
+          </a:p>
+        </p:txBody>
+      </p:sp>
+      <p:pic>
+        <p:nvPicPr>
+          <p:cNvPr id="50" name="Picture 49">
+            <a:extLst>
+              <a:ext uri="{FF2B5EF4-FFF2-40B4-BE49-F238E27FC236}">
+                <a16:creationId xmlns:a16="http://schemas.microsoft.com/office/drawing/2014/main" id="{C1DA15E4-635E-438E-B2AA-AED73CC10D7D}"/>
+              </a:ext>
+            </a:extLst>
+          </p:cNvPr>
+          <p:cNvPicPr>
+            <a:picLocks noChangeAspect="1"/>
+          </p:cNvPicPr>
+          <p:nvPr/>
+        </p:nvPicPr>
+        <p:blipFill>
+          <a:blip r:embed="rId10"/>
+          <a:stretch>
+            <a:fillRect/>
+          </a:stretch>
+        </p:blipFill>
+        <p:spPr>
+          <a:xfrm>
+            <a:off x="9601467" y="13803061"/>
+            <a:ext cx="3315163" cy="457264"/>
+          </a:xfrm>
+          <a:prstGeom prst="rect">
+            <a:avLst/>
+          </a:prstGeom>
+        </p:spPr>
+      </p:pic>
+    </p:spTree>
+    <p:extLst>
+      <p:ext uri="{BB962C8B-B14F-4D97-AF65-F5344CB8AC3E}">
+        <p14:creationId xmlns:p14="http://schemas.microsoft.com/office/powerpoint/2010/main" val="1515243344"/>
       </p:ext>
     </p:extLst>
   </p:cSld>

--- a/figures/Figures.pptx
+++ b/figures/Figures.pptx
@@ -5,14 +5,25 @@
     <p:sldMasterId id="2147483672" r:id="rId1"/>
   </p:sldMasterIdLst>
   <p:sldIdLst>
-    <p:sldId id="261" r:id="rId2"/>
-    <p:sldId id="256" r:id="rId3"/>
-    <p:sldId id="258" r:id="rId4"/>
-    <p:sldId id="259" r:id="rId5"/>
-    <p:sldId id="257" r:id="rId6"/>
-    <p:sldId id="260" r:id="rId7"/>
-    <p:sldId id="262" r:id="rId8"/>
-    <p:sldId id="263" r:id="rId9"/>
+    <p:sldId id="272" r:id="rId2"/>
+    <p:sldId id="273" r:id="rId3"/>
+    <p:sldId id="261" r:id="rId4"/>
+    <p:sldId id="265" r:id="rId5"/>
+    <p:sldId id="270" r:id="rId6"/>
+    <p:sldId id="269" r:id="rId7"/>
+    <p:sldId id="271" r:id="rId8"/>
+    <p:sldId id="256" r:id="rId9"/>
+    <p:sldId id="258" r:id="rId10"/>
+    <p:sldId id="259" r:id="rId11"/>
+    <p:sldId id="264" r:id="rId12"/>
+    <p:sldId id="266" r:id="rId13"/>
+    <p:sldId id="267" r:id="rId14"/>
+    <p:sldId id="268" r:id="rId15"/>
+    <p:sldId id="257" r:id="rId16"/>
+    <p:sldId id="260" r:id="rId17"/>
+    <p:sldId id="262" r:id="rId18"/>
+    <p:sldId id="263" r:id="rId19"/>
+    <p:sldId id="274" r:id="rId20"/>
   </p:sldIdLst>
   <p:sldSz cx="18562638" cy="22860000"/>
   <p:notesSz cx="6858000" cy="9144000"/>
@@ -250,7 +261,7 @@
           <a:p>
             <a:fld id="{AAEC4A40-A4AF-4D07-B5DE-5231CAC44A4C}" type="datetimeFigureOut">
               <a:rPr lang="en-US" smtClean="0"/>
-              <a:t>4/28/2021</a:t>
+              <a:t>3/18/2022</a:t>
             </a:fld>
             <a:endParaRPr lang="en-US"/>
           </a:p>
@@ -420,7 +431,7 @@
           <a:p>
             <a:fld id="{AAEC4A40-A4AF-4D07-B5DE-5231CAC44A4C}" type="datetimeFigureOut">
               <a:rPr lang="en-US" smtClean="0"/>
-              <a:t>4/28/2021</a:t>
+              <a:t>3/18/2022</a:t>
             </a:fld>
             <a:endParaRPr lang="en-US"/>
           </a:p>
@@ -600,7 +611,7 @@
           <a:p>
             <a:fld id="{AAEC4A40-A4AF-4D07-B5DE-5231CAC44A4C}" type="datetimeFigureOut">
               <a:rPr lang="en-US" smtClean="0"/>
-              <a:t>4/28/2021</a:t>
+              <a:t>3/18/2022</a:t>
             </a:fld>
             <a:endParaRPr lang="en-US"/>
           </a:p>
@@ -770,7 +781,7 @@
           <a:p>
             <a:fld id="{AAEC4A40-A4AF-4D07-B5DE-5231CAC44A4C}" type="datetimeFigureOut">
               <a:rPr lang="en-US" smtClean="0"/>
-              <a:t>4/28/2021</a:t>
+              <a:t>3/18/2022</a:t>
             </a:fld>
             <a:endParaRPr lang="en-US"/>
           </a:p>
@@ -1014,7 +1025,7 @@
           <a:p>
             <a:fld id="{AAEC4A40-A4AF-4D07-B5DE-5231CAC44A4C}" type="datetimeFigureOut">
               <a:rPr lang="en-US" smtClean="0"/>
-              <a:t>4/28/2021</a:t>
+              <a:t>3/18/2022</a:t>
             </a:fld>
             <a:endParaRPr lang="en-US"/>
           </a:p>
@@ -1246,7 +1257,7 @@
           <a:p>
             <a:fld id="{AAEC4A40-A4AF-4D07-B5DE-5231CAC44A4C}" type="datetimeFigureOut">
               <a:rPr lang="en-US" smtClean="0"/>
-              <a:t>4/28/2021</a:t>
+              <a:t>3/18/2022</a:t>
             </a:fld>
             <a:endParaRPr lang="en-US"/>
           </a:p>
@@ -1613,7 +1624,7 @@
           <a:p>
             <a:fld id="{AAEC4A40-A4AF-4D07-B5DE-5231CAC44A4C}" type="datetimeFigureOut">
               <a:rPr lang="en-US" smtClean="0"/>
-              <a:t>4/28/2021</a:t>
+              <a:t>3/18/2022</a:t>
             </a:fld>
             <a:endParaRPr lang="en-US"/>
           </a:p>
@@ -1731,7 +1742,7 @@
           <a:p>
             <a:fld id="{AAEC4A40-A4AF-4D07-B5DE-5231CAC44A4C}" type="datetimeFigureOut">
               <a:rPr lang="en-US" smtClean="0"/>
-              <a:t>4/28/2021</a:t>
+              <a:t>3/18/2022</a:t>
             </a:fld>
             <a:endParaRPr lang="en-US"/>
           </a:p>
@@ -1826,7 +1837,7 @@
           <a:p>
             <a:fld id="{AAEC4A40-A4AF-4D07-B5DE-5231CAC44A4C}" type="datetimeFigureOut">
               <a:rPr lang="en-US" smtClean="0"/>
-              <a:t>4/28/2021</a:t>
+              <a:t>3/18/2022</a:t>
             </a:fld>
             <a:endParaRPr lang="en-US"/>
           </a:p>
@@ -2103,7 +2114,7 @@
           <a:p>
             <a:fld id="{AAEC4A40-A4AF-4D07-B5DE-5231CAC44A4C}" type="datetimeFigureOut">
               <a:rPr lang="en-US" smtClean="0"/>
-              <a:t>4/28/2021</a:t>
+              <a:t>3/18/2022</a:t>
             </a:fld>
             <a:endParaRPr lang="en-US"/>
           </a:p>
@@ -2360,7 +2371,7 @@
           <a:p>
             <a:fld id="{AAEC4A40-A4AF-4D07-B5DE-5231CAC44A4C}" type="datetimeFigureOut">
               <a:rPr lang="en-US" smtClean="0"/>
-              <a:t>4/28/2021</a:t>
+              <a:t>3/18/2022</a:t>
             </a:fld>
             <a:endParaRPr lang="en-US"/>
           </a:p>
@@ -2573,7 +2584,7 @@
           <a:p>
             <a:fld id="{AAEC4A40-A4AF-4D07-B5DE-5231CAC44A4C}" type="datetimeFigureOut">
               <a:rPr lang="en-US" smtClean="0"/>
-              <a:t>4/28/2021</a:t>
+              <a:t>3/18/2022</a:t>
             </a:fld>
             <a:endParaRPr lang="en-US"/>
           </a:p>
@@ -2980,10 +2991,10 @@
       </p:grpSpPr>
       <p:pic>
         <p:nvPicPr>
-          <p:cNvPr id="7" name="Picture 6" descr="Chart, line chart&#10;&#10;Description automatically generated">
-            <a:extLst>
-              <a:ext uri="{FF2B5EF4-FFF2-40B4-BE49-F238E27FC236}">
-                <a16:creationId xmlns:a16="http://schemas.microsoft.com/office/drawing/2014/main" id="{5FCABB89-B8A7-4AD7-8AAA-7FB3508BD36A}"/>
+          <p:cNvPr id="5" name="Picture 4" descr="A picture containing window, silhouette&#10;&#10;Description automatically generated">
+            <a:extLst>
+              <a:ext uri="{FF2B5EF4-FFF2-40B4-BE49-F238E27FC236}">
+                <a16:creationId xmlns:a16="http://schemas.microsoft.com/office/drawing/2014/main" id="{A3EA70EA-842D-4D0F-9EEF-76974BBCE42B}"/>
               </a:ext>
             </a:extLst>
           </p:cNvPr>
@@ -3006,8 +3017,8 @@
         </p:blipFill>
         <p:spPr>
           <a:xfrm>
-            <a:off x="2092984" y="5540418"/>
-            <a:ext cx="12334510" cy="5195484"/>
+            <a:off x="2164868" y="8257995"/>
+            <a:ext cx="10057142" cy="7288889"/>
           </a:xfrm>
           <a:prstGeom prst="rect">
             <a:avLst/>
@@ -3016,10 +3027,10 @@
       </p:pic>
       <p:pic>
         <p:nvPicPr>
-          <p:cNvPr id="13" name="Picture 12" descr="Chart, line chart&#10;&#10;Description automatically generated">
-            <a:extLst>
-              <a:ext uri="{FF2B5EF4-FFF2-40B4-BE49-F238E27FC236}">
-                <a16:creationId xmlns:a16="http://schemas.microsoft.com/office/drawing/2014/main" id="{7646490E-4083-472D-8AAD-0722B57837A8}"/>
+          <p:cNvPr id="13" name="Picture 12" descr="Chart&#10;&#10;Description automatically generated">
+            <a:extLst>
+              <a:ext uri="{FF2B5EF4-FFF2-40B4-BE49-F238E27FC236}">
+                <a16:creationId xmlns:a16="http://schemas.microsoft.com/office/drawing/2014/main" id="{D39F326C-211A-4745-81F9-310152206C8C}"/>
               </a:ext>
             </a:extLst>
           </p:cNvPr>
@@ -3042,8 +3053,8 @@
         </p:blipFill>
         <p:spPr>
           <a:xfrm>
-            <a:off x="2428265" y="10912136"/>
-            <a:ext cx="4612616" cy="2423925"/>
+            <a:off x="2721980" y="5496502"/>
+            <a:ext cx="4242824" cy="2761493"/>
           </a:xfrm>
           <a:prstGeom prst="rect">
             <a:avLst/>
@@ -3053,7 +3064,7 @@
     </p:spTree>
     <p:extLst>
       <p:ext uri="{BB962C8B-B14F-4D97-AF65-F5344CB8AC3E}">
-        <p14:creationId xmlns:p14="http://schemas.microsoft.com/office/powerpoint/2010/main" val="959029875"/>
+        <p14:creationId xmlns:p14="http://schemas.microsoft.com/office/powerpoint/2010/main" val="3657226380"/>
       </p:ext>
     </p:extLst>
   </p:cSld>
@@ -3063,7 +3074,7 @@
 </p:sld>
 </file>
 
-<file path=ppt/slides/slide2.xml><?xml version="1.0" encoding="utf-8"?>
+<file path=ppt/slides/slide10.xml><?xml version="1.0" encoding="utf-8"?>
 <p:sld xmlns:a="http://schemas.openxmlformats.org/drawingml/2006/main" xmlns:r="http://schemas.openxmlformats.org/officeDocument/2006/relationships" xmlns:p="http://schemas.openxmlformats.org/presentationml/2006/main">
   <p:cSld>
     <p:spTree>
@@ -3082,161 +3093,53 @@
       </p:grpSpPr>
       <p:sp>
         <p:nvSpPr>
-          <p:cNvPr id="4" name="TextBox 3">
-            <a:extLst>
-              <a:ext uri="{FF2B5EF4-FFF2-40B4-BE49-F238E27FC236}">
-                <a16:creationId xmlns:a16="http://schemas.microsoft.com/office/drawing/2014/main" id="{22DCDED8-84F8-4491-887A-E39D37BBD187}"/>
-              </a:ext>
-            </a:extLst>
-          </p:cNvPr>
-          <p:cNvSpPr txBox="1"/>
-          <p:nvPr/>
-        </p:nvSpPr>
-        <p:spPr>
-          <a:xfrm>
-            <a:off x="125667" y="2784388"/>
-            <a:ext cx="2265030" cy="861774"/>
-          </a:xfrm>
-          <a:prstGeom prst="rect">
-            <a:avLst/>
-          </a:prstGeom>
-          <a:noFill/>
-        </p:spPr>
-        <p:txBody>
-          <a:bodyPr wrap="square" rtlCol="0">
-            <a:spAutoFit/>
-          </a:bodyPr>
-          <a:lstStyle/>
-          <a:p>
-            <a:r>
-              <a:rPr lang="en-US" sz="5000" b="1" dirty="0"/>
-              <a:t>a</a:t>
-            </a:r>
-            <a:r>
-              <a:rPr lang="en-US" sz="5000" dirty="0"/>
-              <a:t>) YI6</a:t>
-            </a:r>
-            <a:endParaRPr lang="en-US" sz="5000" b="1" dirty="0"/>
-          </a:p>
-        </p:txBody>
-      </p:sp>
-      <p:sp>
-        <p:nvSpPr>
-          <p:cNvPr id="5" name="TextBox 4">
-            <a:extLst>
-              <a:ext uri="{FF2B5EF4-FFF2-40B4-BE49-F238E27FC236}">
-                <a16:creationId xmlns:a16="http://schemas.microsoft.com/office/drawing/2014/main" id="{1591C99F-AC65-4637-AAB2-F51D9B205E91}"/>
-              </a:ext>
-            </a:extLst>
-          </p:cNvPr>
-          <p:cNvSpPr txBox="1"/>
-          <p:nvPr/>
-        </p:nvSpPr>
-        <p:spPr>
-          <a:xfrm>
-            <a:off x="125668" y="8064504"/>
-            <a:ext cx="2307979" cy="861774"/>
-          </a:xfrm>
-          <a:prstGeom prst="rect">
-            <a:avLst/>
-          </a:prstGeom>
-          <a:noFill/>
-        </p:spPr>
-        <p:txBody>
-          <a:bodyPr wrap="square" rtlCol="0">
-            <a:spAutoFit/>
-          </a:bodyPr>
-          <a:lstStyle/>
-          <a:p>
-            <a:r>
-              <a:rPr lang="en-US" sz="5000" b="1" dirty="0"/>
-              <a:t>b</a:t>
-            </a:r>
-            <a:r>
-              <a:rPr lang="en-US" sz="5000" dirty="0"/>
-              <a:t>) EF06</a:t>
-            </a:r>
-            <a:endParaRPr lang="en-US" sz="5000" b="1" dirty="0"/>
-          </a:p>
-        </p:txBody>
-      </p:sp>
-      <p:sp>
-        <p:nvSpPr>
-          <p:cNvPr id="6" name="TextBox 5">
-            <a:extLst>
-              <a:ext uri="{FF2B5EF4-FFF2-40B4-BE49-F238E27FC236}">
-                <a16:creationId xmlns:a16="http://schemas.microsoft.com/office/drawing/2014/main" id="{996A034F-C276-4EE3-8D59-9C4BE6A54720}"/>
-              </a:ext>
-            </a:extLst>
-          </p:cNvPr>
-          <p:cNvSpPr txBox="1"/>
-          <p:nvPr/>
-        </p:nvSpPr>
-        <p:spPr>
-          <a:xfrm>
-            <a:off x="6510968" y="8064505"/>
-            <a:ext cx="2598742" cy="861774"/>
-          </a:xfrm>
-          <a:prstGeom prst="rect">
-            <a:avLst/>
-          </a:prstGeom>
-          <a:noFill/>
-        </p:spPr>
-        <p:txBody>
-          <a:bodyPr wrap="square" rtlCol="0">
-            <a:spAutoFit/>
-          </a:bodyPr>
-          <a:lstStyle/>
-          <a:p>
-            <a:r>
-              <a:rPr lang="en-US" sz="5000" b="1" dirty="0"/>
-              <a:t>c</a:t>
-            </a:r>
-            <a:r>
-              <a:rPr lang="en-US" sz="5000" dirty="0"/>
-              <a:t>) Ef11</a:t>
-            </a:r>
-            <a:endParaRPr lang="en-US" sz="5000" b="1" dirty="0"/>
-          </a:p>
-        </p:txBody>
-      </p:sp>
-      <p:sp>
-        <p:nvSpPr>
-          <p:cNvPr id="7" name="TextBox 6">
-            <a:extLst>
-              <a:ext uri="{FF2B5EF4-FFF2-40B4-BE49-F238E27FC236}">
-                <a16:creationId xmlns:a16="http://schemas.microsoft.com/office/drawing/2014/main" id="{AD26A57A-23F4-4300-B556-2F988922845A}"/>
-              </a:ext>
-            </a:extLst>
-          </p:cNvPr>
-          <p:cNvSpPr txBox="1"/>
-          <p:nvPr/>
-        </p:nvSpPr>
-        <p:spPr>
-          <a:xfrm>
-            <a:off x="12132328" y="8064504"/>
-            <a:ext cx="2307788" cy="861774"/>
-          </a:xfrm>
-          <a:prstGeom prst="rect">
-            <a:avLst/>
-          </a:prstGeom>
-          <a:noFill/>
-        </p:spPr>
-        <p:txBody>
-          <a:bodyPr wrap="square" rtlCol="0">
-            <a:spAutoFit/>
-          </a:bodyPr>
-          <a:lstStyle/>
-          <a:p>
-            <a:r>
-              <a:rPr lang="en-US" sz="5000" b="1" dirty="0"/>
-              <a:t>d</a:t>
-            </a:r>
-            <a:r>
-              <a:rPr lang="en-US" sz="5000" dirty="0"/>
-              <a:t>) V587</a:t>
-            </a:r>
-            <a:endParaRPr lang="en-US" sz="5000" b="1" dirty="0"/>
+          <p:cNvPr id="10" name="Rectangle 9">
+            <a:extLst>
+              <a:ext uri="{FF2B5EF4-FFF2-40B4-BE49-F238E27FC236}">
+                <a16:creationId xmlns:a16="http://schemas.microsoft.com/office/drawing/2014/main" id="{FAA3F314-F421-44D5-BD1E-86E0FF7BDBE3}"/>
+              </a:ext>
+            </a:extLst>
+          </p:cNvPr>
+          <p:cNvSpPr/>
+          <p:nvPr/>
+        </p:nvSpPr>
+        <p:spPr>
+          <a:xfrm>
+            <a:off x="686095" y="247313"/>
+            <a:ext cx="15684616" cy="16506855"/>
+          </a:xfrm>
+          <a:prstGeom prst="rect">
+            <a:avLst/>
+          </a:prstGeom>
+          <a:solidFill>
+            <a:schemeClr val="bg1"/>
+          </a:solidFill>
+          <a:ln>
+            <a:noFill/>
+          </a:ln>
+        </p:spPr>
+        <p:style>
+          <a:lnRef idx="2">
+            <a:schemeClr val="accent1">
+              <a:shade val="50000"/>
+            </a:schemeClr>
+          </a:lnRef>
+          <a:fillRef idx="1">
+            <a:schemeClr val="accent1"/>
+          </a:fillRef>
+          <a:effectRef idx="0">
+            <a:schemeClr val="accent1"/>
+          </a:effectRef>
+          <a:fontRef idx="minor">
+            <a:schemeClr val="lt1"/>
+          </a:fontRef>
+        </p:style>
+        <p:txBody>
+          <a:bodyPr rtlCol="0" anchor="ctr"/>
+          <a:lstStyle/>
+          <a:p>
+            <a:pPr algn="ctr"/>
+            <a:endParaRPr lang="en-US"/>
           </a:p>
         </p:txBody>
       </p:sp>
@@ -3245,7 +3148,7 @@
           <p:cNvPr id="1026" name="Picture 2">
             <a:extLst>
               <a:ext uri="{FF2B5EF4-FFF2-40B4-BE49-F238E27FC236}">
-                <a16:creationId xmlns:a16="http://schemas.microsoft.com/office/drawing/2014/main" id="{6203C510-BD56-46DF-A531-EA8606E09C3E}"/>
+                <a16:creationId xmlns:a16="http://schemas.microsoft.com/office/drawing/2014/main" id="{69EDA25D-891B-4308-9776-1EF3CF0F487C}"/>
               </a:ext>
             </a:extLst>
           </p:cNvPr>
@@ -3269,8 +3172,8 @@
         </p:blipFill>
         <p:spPr bwMode="auto">
           <a:xfrm>
-            <a:off x="460667" y="3787433"/>
-            <a:ext cx="10401300" cy="4314825"/>
+            <a:off x="917576" y="1362382"/>
+            <a:ext cx="4352925" cy="7143750"/>
           </a:xfrm>
           <a:prstGeom prst="rect">
             <a:avLst/>
@@ -3289,10 +3192,10 @@
       </p:pic>
       <p:pic>
         <p:nvPicPr>
-          <p:cNvPr id="2" name="Picture 2">
-            <a:extLst>
-              <a:ext uri="{FF2B5EF4-FFF2-40B4-BE49-F238E27FC236}">
-                <a16:creationId xmlns:a16="http://schemas.microsoft.com/office/drawing/2014/main" id="{8CD723C9-BCC5-4410-B573-0CEDDAD7D44B}"/>
+          <p:cNvPr id="1028" name="Picture 4">
+            <a:extLst>
+              <a:ext uri="{FF2B5EF4-FFF2-40B4-BE49-F238E27FC236}">
+                <a16:creationId xmlns:a16="http://schemas.microsoft.com/office/drawing/2014/main" id="{530E3B0C-1342-489C-8E6B-86B14358EA05}"/>
               </a:ext>
             </a:extLst>
           </p:cNvPr>
@@ -3316,8 +3219,8 @@
         </p:blipFill>
         <p:spPr bwMode="auto">
           <a:xfrm>
-            <a:off x="460668" y="8926279"/>
-            <a:ext cx="5724525" cy="4295775"/>
+            <a:off x="6128418" y="1362382"/>
+            <a:ext cx="4362450" cy="5695950"/>
           </a:xfrm>
           <a:prstGeom prst="rect">
             <a:avLst/>
@@ -3336,10 +3239,10 @@
       </p:pic>
       <p:pic>
         <p:nvPicPr>
-          <p:cNvPr id="3" name="Picture 4">
-            <a:extLst>
-              <a:ext uri="{FF2B5EF4-FFF2-40B4-BE49-F238E27FC236}">
-                <a16:creationId xmlns:a16="http://schemas.microsoft.com/office/drawing/2014/main" id="{08A9B009-68FC-4717-92A2-9DFB8460919B}"/>
+          <p:cNvPr id="1030" name="Picture 6">
+            <a:extLst>
+              <a:ext uri="{FF2B5EF4-FFF2-40B4-BE49-F238E27FC236}">
+                <a16:creationId xmlns:a16="http://schemas.microsoft.com/office/drawing/2014/main" id="{CBB48845-AE4A-4CAA-8E18-09441447A585}"/>
               </a:ext>
             </a:extLst>
           </p:cNvPr>
@@ -3363,8 +3266,8 @@
         </p:blipFill>
         <p:spPr bwMode="auto">
           <a:xfrm>
-            <a:off x="6510968" y="9018367"/>
-            <a:ext cx="4876800" cy="4314825"/>
+            <a:off x="11222205" y="1250921"/>
+            <a:ext cx="4343400" cy="6515100"/>
           </a:xfrm>
           <a:prstGeom prst="rect">
             <a:avLst/>
@@ -3383,10 +3286,10 @@
       </p:pic>
       <p:pic>
         <p:nvPicPr>
-          <p:cNvPr id="8" name="Picture 2">
-            <a:extLst>
-              <a:ext uri="{FF2B5EF4-FFF2-40B4-BE49-F238E27FC236}">
-                <a16:creationId xmlns:a16="http://schemas.microsoft.com/office/drawing/2014/main" id="{B79B846D-81BC-4FDC-98BC-75F828439618}"/>
+          <p:cNvPr id="1032" name="Picture 8">
+            <a:extLst>
+              <a:ext uri="{FF2B5EF4-FFF2-40B4-BE49-F238E27FC236}">
+                <a16:creationId xmlns:a16="http://schemas.microsoft.com/office/drawing/2014/main" id="{532E1D51-1A2C-4EA9-B47B-7869663516CF}"/>
               </a:ext>
             </a:extLst>
           </p:cNvPr>
@@ -3410,8 +3313,8 @@
         </p:blipFill>
         <p:spPr bwMode="auto">
           <a:xfrm>
-            <a:off x="12132330" y="8926278"/>
-            <a:ext cx="5381625" cy="4171950"/>
+            <a:off x="908051" y="10315576"/>
+            <a:ext cx="4362450" cy="5695950"/>
           </a:xfrm>
           <a:prstGeom prst="rect">
             <a:avLst/>
@@ -3428,10 +3331,418 @@
           </a:extLst>
         </p:spPr>
       </p:pic>
+      <p:pic>
+        <p:nvPicPr>
+          <p:cNvPr id="1034" name="Picture 10">
+            <a:extLst>
+              <a:ext uri="{FF2B5EF4-FFF2-40B4-BE49-F238E27FC236}">
+                <a16:creationId xmlns:a16="http://schemas.microsoft.com/office/drawing/2014/main" id="{0FF213B1-B22F-4694-800F-0A3536A430CF}"/>
+              </a:ext>
+            </a:extLst>
+          </p:cNvPr>
+          <p:cNvPicPr>
+            <a:picLocks noChangeAspect="1" noChangeArrowheads="1"/>
+          </p:cNvPicPr>
+          <p:nvPr/>
+        </p:nvPicPr>
+        <p:blipFill>
+          <a:blip r:embed="rId6">
+            <a:extLst>
+              <a:ext uri="{28A0092B-C50C-407E-A947-70E740481C1C}">
+                <a14:useLocalDpi xmlns:a14="http://schemas.microsoft.com/office/drawing/2010/main" val="0"/>
+              </a:ext>
+            </a:extLst>
+          </a:blip>
+          <a:srcRect/>
+          <a:stretch>
+            <a:fillRect/>
+          </a:stretch>
+        </p:blipFill>
+        <p:spPr bwMode="auto">
+          <a:xfrm>
+            <a:off x="6271293" y="10315576"/>
+            <a:ext cx="4219575" cy="6105525"/>
+          </a:xfrm>
+          <a:prstGeom prst="rect">
+            <a:avLst/>
+          </a:prstGeom>
+          <a:noFill/>
+          <a:extLst>
+            <a:ext uri="{909E8E84-426E-40DD-AFC4-6F175D3DCCD1}">
+              <a14:hiddenFill xmlns:a14="http://schemas.microsoft.com/office/drawing/2010/main">
+                <a:solidFill>
+                  <a:srgbClr val="FFFFFF"/>
+                </a:solidFill>
+              </a14:hiddenFill>
+            </a:ext>
+          </a:extLst>
+        </p:spPr>
+      </p:pic>
+      <p:sp>
+        <p:nvSpPr>
+          <p:cNvPr id="4" name="TextBox 3">
+            <a:extLst>
+              <a:ext uri="{FF2B5EF4-FFF2-40B4-BE49-F238E27FC236}">
+                <a16:creationId xmlns:a16="http://schemas.microsoft.com/office/drawing/2014/main" id="{21222866-BF30-4EF8-9315-45462C6727FC}"/>
+              </a:ext>
+            </a:extLst>
+          </p:cNvPr>
+          <p:cNvSpPr txBox="1"/>
+          <p:nvPr/>
+        </p:nvSpPr>
+        <p:spPr>
+          <a:xfrm>
+            <a:off x="686094" y="247314"/>
+            <a:ext cx="5314949" cy="1015663"/>
+          </a:xfrm>
+          <a:prstGeom prst="rect">
+            <a:avLst/>
+          </a:prstGeom>
+          <a:noFill/>
+        </p:spPr>
+        <p:txBody>
+          <a:bodyPr wrap="square" rtlCol="0">
+            <a:spAutoFit/>
+          </a:bodyPr>
+          <a:lstStyle/>
+          <a:p>
+            <a:r>
+              <a:rPr lang="en-US" sz="4000" b="1" dirty="0">
+                <a:latin typeface="Arial" panose="020B0604020202020204" pitchFamily="34" charset="0"/>
+                <a:cs typeface="Arial" panose="020B0604020202020204" pitchFamily="34" charset="0"/>
+              </a:rPr>
+              <a:t>A</a:t>
+            </a:r>
+            <a:r>
+              <a:rPr lang="en-US" sz="4000" dirty="0">
+                <a:latin typeface="Arial" panose="020B0604020202020204" pitchFamily="34" charset="0"/>
+                <a:cs typeface="Arial" panose="020B0604020202020204" pitchFamily="34" charset="0"/>
+              </a:rPr>
+              <a:t>) </a:t>
+            </a:r>
+            <a:r>
+              <a:rPr lang="en-US" sz="4000" i="1" dirty="0">
+                <a:latin typeface="Arial" panose="020B0604020202020204" pitchFamily="34" charset="0"/>
+                <a:cs typeface="Arial" panose="020B0604020202020204" pitchFamily="34" charset="0"/>
+              </a:rPr>
+              <a:t>E. faecalis </a:t>
+            </a:r>
+            <a:r>
+              <a:rPr lang="en-US" sz="4000" dirty="0">
+                <a:latin typeface="Arial" panose="020B0604020202020204" pitchFamily="34" charset="0"/>
+                <a:cs typeface="Arial" panose="020B0604020202020204" pitchFamily="34" charset="0"/>
+              </a:rPr>
+              <a:t>Yi6-1</a:t>
+            </a:r>
+          </a:p>
+          <a:p>
+            <a:r>
+              <a:rPr lang="en-US" sz="2000" dirty="0">
+                <a:latin typeface="Arial" panose="020B0604020202020204" pitchFamily="34" charset="0"/>
+                <a:cs typeface="Arial" panose="020B0604020202020204" pitchFamily="34" charset="0"/>
+              </a:rPr>
+              <a:t>	Individual phages </a:t>
+            </a:r>
+            <a:r>
+              <a:rPr lang="en-US" sz="2000" b="1" dirty="0">
+                <a:latin typeface="Arial" panose="020B0604020202020204" pitchFamily="34" charset="0"/>
+                <a:cs typeface="Arial" panose="020B0604020202020204" pitchFamily="34" charset="0"/>
+              </a:rPr>
+              <a:t>don’t</a:t>
+            </a:r>
+            <a:r>
+              <a:rPr lang="en-US" sz="2000" dirty="0">
+                <a:latin typeface="Arial" panose="020B0604020202020204" pitchFamily="34" charset="0"/>
+                <a:cs typeface="Arial" panose="020B0604020202020204" pitchFamily="34" charset="0"/>
+              </a:rPr>
+              <a:t> clear host</a:t>
+            </a:r>
+            <a:endParaRPr lang="en-US" sz="2000" b="1" dirty="0">
+              <a:latin typeface="Arial" panose="020B0604020202020204" pitchFamily="34" charset="0"/>
+              <a:cs typeface="Arial" panose="020B0604020202020204" pitchFamily="34" charset="0"/>
+            </a:endParaRPr>
+          </a:p>
+        </p:txBody>
+      </p:sp>
+      <p:sp>
+        <p:nvSpPr>
+          <p:cNvPr id="5" name="TextBox 4">
+            <a:extLst>
+              <a:ext uri="{FF2B5EF4-FFF2-40B4-BE49-F238E27FC236}">
+                <a16:creationId xmlns:a16="http://schemas.microsoft.com/office/drawing/2014/main" id="{B4F2E14C-26CF-41D0-A3B8-C548A3DEAE0A}"/>
+              </a:ext>
+            </a:extLst>
+          </p:cNvPr>
+          <p:cNvSpPr txBox="1"/>
+          <p:nvPr/>
+        </p:nvSpPr>
+        <p:spPr>
+          <a:xfrm>
+            <a:off x="11711268" y="235258"/>
+            <a:ext cx="5022570" cy="707886"/>
+          </a:xfrm>
+          <a:prstGeom prst="rect">
+            <a:avLst/>
+          </a:prstGeom>
+          <a:noFill/>
+        </p:spPr>
+        <p:txBody>
+          <a:bodyPr wrap="square" rtlCol="0">
+            <a:spAutoFit/>
+          </a:bodyPr>
+          <a:lstStyle/>
+          <a:p>
+            <a:r>
+              <a:rPr lang="en-US" sz="4000" b="1" dirty="0">
+                <a:latin typeface="Arial" panose="020B0604020202020204" pitchFamily="34" charset="0"/>
+                <a:cs typeface="Arial" panose="020B0604020202020204" pitchFamily="34" charset="0"/>
+              </a:rPr>
+              <a:t>C</a:t>
+            </a:r>
+            <a:r>
+              <a:rPr lang="en-US" sz="4000" dirty="0">
+                <a:latin typeface="Arial" panose="020B0604020202020204" pitchFamily="34" charset="0"/>
+                <a:cs typeface="Arial" panose="020B0604020202020204" pitchFamily="34" charset="0"/>
+              </a:rPr>
+              <a:t>) </a:t>
+            </a:r>
+            <a:r>
+              <a:rPr lang="en-US" sz="4000" i="1" dirty="0">
+                <a:latin typeface="Arial" panose="020B0604020202020204" pitchFamily="34" charset="0"/>
+                <a:cs typeface="Arial" panose="020B0604020202020204" pitchFamily="34" charset="0"/>
+              </a:rPr>
+              <a:t>E. faecalis </a:t>
+            </a:r>
+            <a:r>
+              <a:rPr lang="en-US" sz="4000" dirty="0">
+                <a:latin typeface="Arial" panose="020B0604020202020204" pitchFamily="34" charset="0"/>
+                <a:cs typeface="Arial" panose="020B0604020202020204" pitchFamily="34" charset="0"/>
+              </a:rPr>
+              <a:t>EF06</a:t>
+            </a:r>
+            <a:endParaRPr lang="en-US" sz="4000" b="1" dirty="0">
+              <a:latin typeface="Arial" panose="020B0604020202020204" pitchFamily="34" charset="0"/>
+              <a:cs typeface="Arial" panose="020B0604020202020204" pitchFamily="34" charset="0"/>
+            </a:endParaRPr>
+          </a:p>
+        </p:txBody>
+      </p:sp>
+      <p:sp>
+        <p:nvSpPr>
+          <p:cNvPr id="6" name="TextBox 5">
+            <a:extLst>
+              <a:ext uri="{FF2B5EF4-FFF2-40B4-BE49-F238E27FC236}">
+                <a16:creationId xmlns:a16="http://schemas.microsoft.com/office/drawing/2014/main" id="{F3BD6282-AEB8-46DA-917E-496C3D63F179}"/>
+              </a:ext>
+            </a:extLst>
+          </p:cNvPr>
+          <p:cNvSpPr txBox="1"/>
+          <p:nvPr/>
+        </p:nvSpPr>
+        <p:spPr>
+          <a:xfrm>
+            <a:off x="686094" y="9401176"/>
+            <a:ext cx="4584407" cy="707886"/>
+          </a:xfrm>
+          <a:prstGeom prst="rect">
+            <a:avLst/>
+          </a:prstGeom>
+          <a:noFill/>
+        </p:spPr>
+        <p:txBody>
+          <a:bodyPr wrap="square" rtlCol="0">
+            <a:spAutoFit/>
+          </a:bodyPr>
+          <a:lstStyle/>
+          <a:p>
+            <a:r>
+              <a:rPr lang="en-US" sz="4000" b="1" dirty="0">
+                <a:latin typeface="Arial" panose="020B0604020202020204" pitchFamily="34" charset="0"/>
+                <a:cs typeface="Arial" panose="020B0604020202020204" pitchFamily="34" charset="0"/>
+              </a:rPr>
+              <a:t>D</a:t>
+            </a:r>
+            <a:r>
+              <a:rPr lang="en-US" sz="4000" dirty="0">
+                <a:latin typeface="Arial" panose="020B0604020202020204" pitchFamily="34" charset="0"/>
+                <a:cs typeface="Arial" panose="020B0604020202020204" pitchFamily="34" charset="0"/>
+              </a:rPr>
+              <a:t>) </a:t>
+            </a:r>
+            <a:r>
+              <a:rPr lang="en-US" sz="4000" i="1" dirty="0">
+                <a:latin typeface="Arial" panose="020B0604020202020204" pitchFamily="34" charset="0"/>
+                <a:cs typeface="Arial" panose="020B0604020202020204" pitchFamily="34" charset="0"/>
+              </a:rPr>
+              <a:t>E. faecalis </a:t>
+            </a:r>
+            <a:r>
+              <a:rPr lang="en-US" sz="4000" dirty="0">
+                <a:latin typeface="Arial" panose="020B0604020202020204" pitchFamily="34" charset="0"/>
+                <a:cs typeface="Arial" panose="020B0604020202020204" pitchFamily="34" charset="0"/>
+              </a:rPr>
+              <a:t>EF11</a:t>
+            </a:r>
+            <a:endParaRPr lang="en-US" sz="4000" b="1" dirty="0">
+              <a:latin typeface="Arial" panose="020B0604020202020204" pitchFamily="34" charset="0"/>
+              <a:cs typeface="Arial" panose="020B0604020202020204" pitchFamily="34" charset="0"/>
+            </a:endParaRPr>
+          </a:p>
+        </p:txBody>
+      </p:sp>
+      <p:sp>
+        <p:nvSpPr>
+          <p:cNvPr id="7" name="TextBox 6">
+            <a:extLst>
+              <a:ext uri="{FF2B5EF4-FFF2-40B4-BE49-F238E27FC236}">
+                <a16:creationId xmlns:a16="http://schemas.microsoft.com/office/drawing/2014/main" id="{CA3DC903-3DAF-4FA7-B1DE-414956DB6228}"/>
+              </a:ext>
+            </a:extLst>
+          </p:cNvPr>
+          <p:cNvSpPr txBox="1"/>
+          <p:nvPr/>
+        </p:nvSpPr>
+        <p:spPr>
+          <a:xfrm>
+            <a:off x="6194745" y="9401176"/>
+            <a:ext cx="4584408" cy="707886"/>
+          </a:xfrm>
+          <a:prstGeom prst="rect">
+            <a:avLst/>
+          </a:prstGeom>
+          <a:noFill/>
+        </p:spPr>
+        <p:txBody>
+          <a:bodyPr wrap="square" rtlCol="0">
+            <a:spAutoFit/>
+          </a:bodyPr>
+          <a:lstStyle/>
+          <a:p>
+            <a:r>
+              <a:rPr lang="en-US" sz="4000" b="1" dirty="0">
+                <a:latin typeface="Arial" panose="020B0604020202020204" pitchFamily="34" charset="0"/>
+                <a:cs typeface="Arial" panose="020B0604020202020204" pitchFamily="34" charset="0"/>
+              </a:rPr>
+              <a:t>E</a:t>
+            </a:r>
+            <a:r>
+              <a:rPr lang="en-US" sz="4000" dirty="0">
+                <a:latin typeface="Arial" panose="020B0604020202020204" pitchFamily="34" charset="0"/>
+                <a:cs typeface="Arial" panose="020B0604020202020204" pitchFamily="34" charset="0"/>
+              </a:rPr>
+              <a:t>) </a:t>
+            </a:r>
+            <a:r>
+              <a:rPr lang="en-US" sz="4000" i="1" dirty="0">
+                <a:latin typeface="Arial" panose="020B0604020202020204" pitchFamily="34" charset="0"/>
+                <a:cs typeface="Arial" panose="020B0604020202020204" pitchFamily="34" charset="0"/>
+              </a:rPr>
+              <a:t>E. faecalis </a:t>
+            </a:r>
+            <a:r>
+              <a:rPr lang="en-US" sz="4000" dirty="0">
+                <a:latin typeface="Arial" panose="020B0604020202020204" pitchFamily="34" charset="0"/>
+                <a:cs typeface="Arial" panose="020B0604020202020204" pitchFamily="34" charset="0"/>
+              </a:rPr>
+              <a:t>V587</a:t>
+            </a:r>
+            <a:endParaRPr lang="en-US" sz="4000" b="1" dirty="0">
+              <a:latin typeface="Arial" panose="020B0604020202020204" pitchFamily="34" charset="0"/>
+              <a:cs typeface="Arial" panose="020B0604020202020204" pitchFamily="34" charset="0"/>
+            </a:endParaRPr>
+          </a:p>
+        </p:txBody>
+      </p:sp>
+      <p:sp>
+        <p:nvSpPr>
+          <p:cNvPr id="8" name="TextBox 7">
+            <a:extLst>
+              <a:ext uri="{FF2B5EF4-FFF2-40B4-BE49-F238E27FC236}">
+                <a16:creationId xmlns:a16="http://schemas.microsoft.com/office/drawing/2014/main" id="{40B3FAFD-EBEC-462C-BF0A-6D6C9E42A978}"/>
+              </a:ext>
+            </a:extLst>
+          </p:cNvPr>
+          <p:cNvSpPr txBox="1"/>
+          <p:nvPr/>
+        </p:nvSpPr>
+        <p:spPr>
+          <a:xfrm>
+            <a:off x="6194745" y="235258"/>
+            <a:ext cx="5314949" cy="1015663"/>
+          </a:xfrm>
+          <a:prstGeom prst="rect">
+            <a:avLst/>
+          </a:prstGeom>
+          <a:noFill/>
+        </p:spPr>
+        <p:txBody>
+          <a:bodyPr wrap="square" rtlCol="0">
+            <a:spAutoFit/>
+          </a:bodyPr>
+          <a:lstStyle/>
+          <a:p>
+            <a:r>
+              <a:rPr lang="en-US" sz="4000" b="1" dirty="0">
+                <a:latin typeface="Arial" panose="020B0604020202020204" pitchFamily="34" charset="0"/>
+                <a:cs typeface="Arial" panose="020B0604020202020204" pitchFamily="34" charset="0"/>
+              </a:rPr>
+              <a:t>B</a:t>
+            </a:r>
+            <a:r>
+              <a:rPr lang="en-US" sz="4000" dirty="0">
+                <a:latin typeface="Arial" panose="020B0604020202020204" pitchFamily="34" charset="0"/>
+                <a:cs typeface="Arial" panose="020B0604020202020204" pitchFamily="34" charset="0"/>
+              </a:rPr>
+              <a:t>) </a:t>
+            </a:r>
+            <a:r>
+              <a:rPr lang="en-US" sz="4000" i="1" dirty="0">
+                <a:latin typeface="Arial" panose="020B0604020202020204" pitchFamily="34" charset="0"/>
+                <a:cs typeface="Arial" panose="020B0604020202020204" pitchFamily="34" charset="0"/>
+              </a:rPr>
+              <a:t>E. faecalis </a:t>
+            </a:r>
+            <a:r>
+              <a:rPr lang="en-US" sz="4000" dirty="0">
+                <a:latin typeface="Arial" panose="020B0604020202020204" pitchFamily="34" charset="0"/>
+                <a:cs typeface="Arial" panose="020B0604020202020204" pitchFamily="34" charset="0"/>
+              </a:rPr>
+              <a:t>Yi6-1</a:t>
+            </a:r>
+          </a:p>
+          <a:p>
+            <a:r>
+              <a:rPr lang="en-US" sz="2000" dirty="0">
+                <a:latin typeface="Arial" panose="020B0604020202020204" pitchFamily="34" charset="0"/>
+                <a:cs typeface="Arial" panose="020B0604020202020204" pitchFamily="34" charset="0"/>
+              </a:rPr>
+              <a:t>	Individual phages </a:t>
+            </a:r>
+            <a:r>
+              <a:rPr lang="en-US" sz="2000" b="1" dirty="0">
+                <a:latin typeface="Arial" panose="020B0604020202020204" pitchFamily="34" charset="0"/>
+                <a:cs typeface="Arial" panose="020B0604020202020204" pitchFamily="34" charset="0"/>
+              </a:rPr>
+              <a:t>do</a:t>
+            </a:r>
+            <a:r>
+              <a:rPr lang="en-US" sz="2000" dirty="0">
+                <a:latin typeface="Arial" panose="020B0604020202020204" pitchFamily="34" charset="0"/>
+                <a:cs typeface="Arial" panose="020B0604020202020204" pitchFamily="34" charset="0"/>
+              </a:rPr>
+              <a:t> clear host</a:t>
+            </a:r>
+            <a:endParaRPr lang="en-US" sz="2000" b="1" dirty="0">
+              <a:latin typeface="Arial" panose="020B0604020202020204" pitchFamily="34" charset="0"/>
+              <a:cs typeface="Arial" panose="020B0604020202020204" pitchFamily="34" charset="0"/>
+            </a:endParaRPr>
+          </a:p>
+        </p:txBody>
+      </p:sp>
     </p:spTree>
     <p:extLst>
       <p:ext uri="{BB962C8B-B14F-4D97-AF65-F5344CB8AC3E}">
-        <p14:creationId xmlns:p14="http://schemas.microsoft.com/office/powerpoint/2010/main" val="2462578060"/>
+        <p14:creationId xmlns:p14="http://schemas.microsoft.com/office/powerpoint/2010/main" val="529604342"/>
       </p:ext>
     </p:extLst>
   </p:cSld>
@@ -3441,7 +3752,7 @@
 </p:sld>
 </file>
 
-<file path=ppt/slides/slide3.xml><?xml version="1.0" encoding="utf-8"?>
+<file path=ppt/slides/slide11.xml><?xml version="1.0" encoding="utf-8"?>
 <p:sld xmlns:a="http://schemas.openxmlformats.org/drawingml/2006/main" xmlns:r="http://schemas.openxmlformats.org/officeDocument/2006/relationships" xmlns:p="http://schemas.openxmlformats.org/presentationml/2006/main">
   <p:cSld>
     <p:spTree>
@@ -3460,10 +3771,10 @@
       </p:grpSpPr>
       <p:sp>
         <p:nvSpPr>
-          <p:cNvPr id="2" name="Rectangle 1">
-            <a:extLst>
-              <a:ext uri="{FF2B5EF4-FFF2-40B4-BE49-F238E27FC236}">
-                <a16:creationId xmlns:a16="http://schemas.microsoft.com/office/drawing/2014/main" id="{8DA4DBB0-0245-4960-BCB2-E112BF87B22C}"/>
+          <p:cNvPr id="10" name="Rectangle 9">
+            <a:extLst>
+              <a:ext uri="{FF2B5EF4-FFF2-40B4-BE49-F238E27FC236}">
+                <a16:creationId xmlns:a16="http://schemas.microsoft.com/office/drawing/2014/main" id="{FAA3F314-F421-44D5-BD1E-86E0FF7BDBE3}"/>
               </a:ext>
             </a:extLst>
           </p:cNvPr>
@@ -3472,8 +3783,8 @@
         </p:nvSpPr>
         <p:spPr>
           <a:xfrm>
-            <a:off x="125668" y="2529784"/>
-            <a:ext cx="17976302" cy="11303447"/>
+            <a:off x="686095" y="247313"/>
+            <a:ext cx="12439970" cy="10813977"/>
           </a:xfrm>
           <a:prstGeom prst="rect">
             <a:avLst/>
@@ -3512,10 +3823,10 @@
       </p:sp>
       <p:sp>
         <p:nvSpPr>
-          <p:cNvPr id="5" name="TextBox 4">
-            <a:extLst>
-              <a:ext uri="{FF2B5EF4-FFF2-40B4-BE49-F238E27FC236}">
-                <a16:creationId xmlns:a16="http://schemas.microsoft.com/office/drawing/2014/main" id="{D633D3B2-A014-406B-AE2A-70CF115301D0}"/>
+          <p:cNvPr id="4" name="TextBox 3">
+            <a:extLst>
+              <a:ext uri="{FF2B5EF4-FFF2-40B4-BE49-F238E27FC236}">
+                <a16:creationId xmlns:a16="http://schemas.microsoft.com/office/drawing/2014/main" id="{21222866-BF30-4EF8-9315-45462C6727FC}"/>
               </a:ext>
             </a:extLst>
           </p:cNvPr>
@@ -3524,8 +3835,8 @@
         </p:nvSpPr>
         <p:spPr>
           <a:xfrm>
-            <a:off x="125668" y="2529784"/>
-            <a:ext cx="7863301" cy="1015663"/>
+            <a:off x="686095" y="555091"/>
+            <a:ext cx="5314949" cy="707886"/>
           </a:xfrm>
           <a:prstGeom prst="rect">
             <a:avLst/>
@@ -3567,29 +3878,65 @@
               <a:t>Yi6-1</a:t>
             </a:r>
           </a:p>
-          <a:p>
-            <a:r>
-              <a:rPr lang="en-US" sz="2000" dirty="0">
-                <a:latin typeface="Arial" panose="020B0604020202020204" pitchFamily="34" charset="0"/>
-                <a:cs typeface="Arial" panose="020B0604020202020204" pitchFamily="34" charset="0"/>
-              </a:rPr>
-              <a:t>	Individual phages </a:t>
-            </a:r>
-            <a:r>
-              <a:rPr lang="en-US" sz="2000" b="1" dirty="0">
-                <a:latin typeface="Arial" panose="020B0604020202020204" pitchFamily="34" charset="0"/>
-                <a:cs typeface="Arial" panose="020B0604020202020204" pitchFamily="34" charset="0"/>
-              </a:rPr>
-              <a:t>don’t</a:t>
-            </a:r>
-            <a:r>
-              <a:rPr lang="en-US" sz="2000" dirty="0">
-                <a:latin typeface="Arial" panose="020B0604020202020204" pitchFamily="34" charset="0"/>
-                <a:cs typeface="Arial" panose="020B0604020202020204" pitchFamily="34" charset="0"/>
-              </a:rPr>
-              <a:t> clear host</a:t>
-            </a:r>
-            <a:endParaRPr lang="en-US" sz="2000" b="1" dirty="0">
+        </p:txBody>
+      </p:sp>
+      <p:sp>
+        <p:nvSpPr>
+          <p:cNvPr id="7" name="TextBox 6">
+            <a:extLst>
+              <a:ext uri="{FF2B5EF4-FFF2-40B4-BE49-F238E27FC236}">
+                <a16:creationId xmlns:a16="http://schemas.microsoft.com/office/drawing/2014/main" id="{CA3DC903-3DAF-4FA7-B1DE-414956DB6228}"/>
+              </a:ext>
+            </a:extLst>
+          </p:cNvPr>
+          <p:cNvSpPr txBox="1"/>
+          <p:nvPr/>
+        </p:nvSpPr>
+        <p:spPr>
+          <a:xfrm>
+            <a:off x="7400124" y="555091"/>
+            <a:ext cx="5350567" cy="707886"/>
+          </a:xfrm>
+          <a:prstGeom prst="rect">
+            <a:avLst/>
+          </a:prstGeom>
+          <a:noFill/>
+        </p:spPr>
+        <p:txBody>
+          <a:bodyPr wrap="square" rtlCol="0">
+            <a:spAutoFit/>
+          </a:bodyPr>
+          <a:lstStyle/>
+          <a:p>
+            <a:r>
+              <a:rPr lang="en-US" sz="4000" b="1" dirty="0">
+                <a:latin typeface="Arial" panose="020B0604020202020204" pitchFamily="34" charset="0"/>
+                <a:cs typeface="Arial" panose="020B0604020202020204" pitchFamily="34" charset="0"/>
+              </a:rPr>
+              <a:t>B</a:t>
+            </a:r>
+            <a:r>
+              <a:rPr lang="en-US" sz="4000" dirty="0">
+                <a:latin typeface="Arial" panose="020B0604020202020204" pitchFamily="34" charset="0"/>
+                <a:cs typeface="Arial" panose="020B0604020202020204" pitchFamily="34" charset="0"/>
+              </a:rPr>
+              <a:t>) </a:t>
+            </a:r>
+            <a:r>
+              <a:rPr lang="en-US" sz="4000" i="1" dirty="0">
+                <a:latin typeface="Arial" panose="020B0604020202020204" pitchFamily="34" charset="0"/>
+                <a:cs typeface="Arial" panose="020B0604020202020204" pitchFamily="34" charset="0"/>
+              </a:rPr>
+              <a:t>E. faecalis </a:t>
+            </a:r>
+            <a:r>
+              <a:rPr lang="en-US" sz="4000" dirty="0">
+                <a:latin typeface="Arial" panose="020B0604020202020204" pitchFamily="34" charset="0"/>
+                <a:cs typeface="Arial" panose="020B0604020202020204" pitchFamily="34" charset="0"/>
+              </a:rPr>
+              <a:t>V587</a:t>
+            </a:r>
+            <a:endParaRPr lang="en-US" sz="4000" b="1" dirty="0">
               <a:latin typeface="Arial" panose="020B0604020202020204" pitchFamily="34" charset="0"/>
               <a:cs typeface="Arial" panose="020B0604020202020204" pitchFamily="34" charset="0"/>
             </a:endParaRPr>
@@ -3598,511 +3945,68 @@
       </p:sp>
       <p:pic>
         <p:nvPicPr>
-          <p:cNvPr id="2054" name="Picture 6">
-            <a:extLst>
-              <a:ext uri="{FF2B5EF4-FFF2-40B4-BE49-F238E27FC236}">
-                <a16:creationId xmlns:a16="http://schemas.microsoft.com/office/drawing/2014/main" id="{BA113FB9-B345-453C-BC44-14FE3B507AEC}"/>
+          <p:cNvPr id="3" name="Picture 2">
+            <a:extLst>
+              <a:ext uri="{FF2B5EF4-FFF2-40B4-BE49-F238E27FC236}">
+                <a16:creationId xmlns:a16="http://schemas.microsoft.com/office/drawing/2014/main" id="{687939BF-E30A-4E3E-B9C8-401D9B1DD553}"/>
               </a:ext>
             </a:extLst>
           </p:cNvPr>
           <p:cNvPicPr>
-            <a:picLocks noChangeAspect="1" noChangeArrowheads="1"/>
+            <a:picLocks noChangeAspect="1"/>
           </p:cNvPicPr>
           <p:nvPr/>
         </p:nvPicPr>
         <p:blipFill>
-          <a:blip r:embed="rId2">
-            <a:extLst>
-              <a:ext uri="{28A0092B-C50C-407E-A947-70E740481C1C}">
-                <a14:useLocalDpi xmlns:a14="http://schemas.microsoft.com/office/drawing/2010/main" val="0"/>
-              </a:ext>
-            </a:extLst>
-          </a:blip>
-          <a:srcRect/>
+          <a:blip r:embed="rId2"/>
           <a:stretch>
             <a:fillRect/>
           </a:stretch>
         </p:blipFill>
-        <p:spPr bwMode="auto">
-          <a:xfrm>
-            <a:off x="348874" y="3660969"/>
-            <a:ext cx="6362700" cy="4295775"/>
-          </a:xfrm>
-          <a:prstGeom prst="rect">
-            <a:avLst/>
-          </a:prstGeom>
-          <a:noFill/>
-          <a:extLst>
-            <a:ext uri="{909E8E84-426E-40DD-AFC4-6F175D3DCCD1}">
-              <a14:hiddenFill xmlns:a14="http://schemas.microsoft.com/office/drawing/2010/main">
-                <a:solidFill>
-                  <a:srgbClr val="FFFFFF"/>
-                </a:solidFill>
-              </a14:hiddenFill>
-            </a:ext>
-          </a:extLst>
+        <p:spPr>
+          <a:xfrm>
+            <a:off x="362953" y="1394518"/>
+            <a:ext cx="6358047" cy="9430213"/>
+          </a:xfrm>
+          <a:prstGeom prst="rect">
+            <a:avLst/>
+          </a:prstGeom>
         </p:spPr>
       </p:pic>
       <p:pic>
         <p:nvPicPr>
-          <p:cNvPr id="2056" name="Picture 8">
-            <a:extLst>
-              <a:ext uri="{FF2B5EF4-FFF2-40B4-BE49-F238E27FC236}">
-                <a16:creationId xmlns:a16="http://schemas.microsoft.com/office/drawing/2014/main" id="{B18F29A3-3A38-4087-B698-108E99B1370D}"/>
+          <p:cNvPr id="19" name="Picture 18">
+            <a:extLst>
+              <a:ext uri="{FF2B5EF4-FFF2-40B4-BE49-F238E27FC236}">
+                <a16:creationId xmlns:a16="http://schemas.microsoft.com/office/drawing/2014/main" id="{343050BE-1577-43D7-B2EA-8604DCB32BAA}"/>
               </a:ext>
             </a:extLst>
           </p:cNvPr>
           <p:cNvPicPr>
-            <a:picLocks noChangeAspect="1" noChangeArrowheads="1"/>
+            <a:picLocks noChangeAspect="1"/>
           </p:cNvPicPr>
           <p:nvPr/>
         </p:nvPicPr>
         <p:blipFill>
-          <a:blip r:embed="rId3">
-            <a:extLst>
-              <a:ext uri="{28A0092B-C50C-407E-A947-70E740481C1C}">
-                <a14:useLocalDpi xmlns:a14="http://schemas.microsoft.com/office/drawing/2010/main" val="0"/>
-              </a:ext>
-            </a:extLst>
-          </a:blip>
-          <a:srcRect/>
+          <a:blip r:embed="rId3"/>
           <a:stretch>
             <a:fillRect/>
           </a:stretch>
         </p:blipFill>
-        <p:spPr bwMode="auto">
-          <a:xfrm>
-            <a:off x="7505065" y="3721102"/>
-            <a:ext cx="4876800" cy="4314825"/>
-          </a:xfrm>
-          <a:prstGeom prst="rect">
-            <a:avLst/>
-          </a:prstGeom>
-          <a:noFill/>
-          <a:extLst>
-            <a:ext uri="{909E8E84-426E-40DD-AFC4-6F175D3DCCD1}">
-              <a14:hiddenFill xmlns:a14="http://schemas.microsoft.com/office/drawing/2010/main">
-                <a:solidFill>
-                  <a:srgbClr val="FFFFFF"/>
-                </a:solidFill>
-              </a14:hiddenFill>
-            </a:ext>
-          </a:extLst>
+        <p:spPr>
+          <a:xfrm>
+            <a:off x="7389130" y="1488507"/>
+            <a:ext cx="5372556" cy="7012233"/>
+          </a:xfrm>
+          <a:prstGeom prst="rect">
+            <a:avLst/>
+          </a:prstGeom>
         </p:spPr>
       </p:pic>
-      <p:sp>
-        <p:nvSpPr>
-          <p:cNvPr id="10" name="TextBox 9">
-            <a:extLst>
-              <a:ext uri="{FF2B5EF4-FFF2-40B4-BE49-F238E27FC236}">
-                <a16:creationId xmlns:a16="http://schemas.microsoft.com/office/drawing/2014/main" id="{CBEB159E-EA83-42E9-AB07-18EB16A1B7C3}"/>
-              </a:ext>
-            </a:extLst>
-          </p:cNvPr>
-          <p:cNvSpPr txBox="1"/>
-          <p:nvPr/>
-        </p:nvSpPr>
-        <p:spPr>
-          <a:xfrm>
-            <a:off x="125668" y="8296915"/>
-            <a:ext cx="5022570" cy="707886"/>
-          </a:xfrm>
-          <a:prstGeom prst="rect">
-            <a:avLst/>
-          </a:prstGeom>
-          <a:noFill/>
-        </p:spPr>
-        <p:txBody>
-          <a:bodyPr wrap="square" rtlCol="0">
-            <a:spAutoFit/>
-          </a:bodyPr>
-          <a:lstStyle/>
-          <a:p>
-            <a:r>
-              <a:rPr lang="en-US" sz="4000" b="1" dirty="0">
-                <a:latin typeface="Arial" panose="020B0604020202020204" pitchFamily="34" charset="0"/>
-                <a:cs typeface="Arial" panose="020B0604020202020204" pitchFamily="34" charset="0"/>
-              </a:rPr>
-              <a:t>C</a:t>
-            </a:r>
-            <a:r>
-              <a:rPr lang="en-US" sz="4000" dirty="0">
-                <a:latin typeface="Arial" panose="020B0604020202020204" pitchFamily="34" charset="0"/>
-                <a:cs typeface="Arial" panose="020B0604020202020204" pitchFamily="34" charset="0"/>
-              </a:rPr>
-              <a:t>) </a:t>
-            </a:r>
-            <a:r>
-              <a:rPr lang="en-US" sz="4000" i="1" dirty="0">
-                <a:latin typeface="Arial" panose="020B0604020202020204" pitchFamily="34" charset="0"/>
-                <a:cs typeface="Arial" panose="020B0604020202020204" pitchFamily="34" charset="0"/>
-              </a:rPr>
-              <a:t>E. faecalis </a:t>
-            </a:r>
-            <a:r>
-              <a:rPr lang="en-US" sz="4000" dirty="0">
-                <a:latin typeface="Arial" panose="020B0604020202020204" pitchFamily="34" charset="0"/>
-                <a:cs typeface="Arial" panose="020B0604020202020204" pitchFamily="34" charset="0"/>
-              </a:rPr>
-              <a:t>EF06</a:t>
-            </a:r>
-            <a:endParaRPr lang="en-US" sz="4000" b="1" dirty="0">
-              <a:latin typeface="Arial" panose="020B0604020202020204" pitchFamily="34" charset="0"/>
-              <a:cs typeface="Arial" panose="020B0604020202020204" pitchFamily="34" charset="0"/>
-            </a:endParaRPr>
-          </a:p>
-        </p:txBody>
-      </p:sp>
-      <p:sp>
-        <p:nvSpPr>
-          <p:cNvPr id="11" name="TextBox 10">
-            <a:extLst>
-              <a:ext uri="{FF2B5EF4-FFF2-40B4-BE49-F238E27FC236}">
-                <a16:creationId xmlns:a16="http://schemas.microsoft.com/office/drawing/2014/main" id="{39729911-74C7-475C-83F4-4674B0A05F6B}"/>
-              </a:ext>
-            </a:extLst>
-          </p:cNvPr>
-          <p:cNvSpPr txBox="1"/>
-          <p:nvPr/>
-        </p:nvSpPr>
-        <p:spPr>
-          <a:xfrm>
-            <a:off x="6560017" y="8296916"/>
-            <a:ext cx="4584407" cy="707886"/>
-          </a:xfrm>
-          <a:prstGeom prst="rect">
-            <a:avLst/>
-          </a:prstGeom>
-          <a:noFill/>
-        </p:spPr>
-        <p:txBody>
-          <a:bodyPr wrap="square" rtlCol="0">
-            <a:spAutoFit/>
-          </a:bodyPr>
-          <a:lstStyle/>
-          <a:p>
-            <a:r>
-              <a:rPr lang="en-US" sz="4000" dirty="0">
-                <a:latin typeface="Arial" panose="020B0604020202020204" pitchFamily="34" charset="0"/>
-                <a:cs typeface="Arial" panose="020B0604020202020204" pitchFamily="34" charset="0"/>
-              </a:rPr>
-              <a:t>D) </a:t>
-            </a:r>
-            <a:r>
-              <a:rPr lang="en-US" sz="4000" i="1" dirty="0">
-                <a:latin typeface="Arial" panose="020B0604020202020204" pitchFamily="34" charset="0"/>
-                <a:cs typeface="Arial" panose="020B0604020202020204" pitchFamily="34" charset="0"/>
-              </a:rPr>
-              <a:t>E. faecalis </a:t>
-            </a:r>
-            <a:r>
-              <a:rPr lang="en-US" sz="4000" dirty="0">
-                <a:latin typeface="Arial" panose="020B0604020202020204" pitchFamily="34" charset="0"/>
-                <a:cs typeface="Arial" panose="020B0604020202020204" pitchFamily="34" charset="0"/>
-              </a:rPr>
-              <a:t>Ef11</a:t>
-            </a:r>
-            <a:endParaRPr lang="en-US" sz="4000" b="1" dirty="0">
-              <a:latin typeface="Arial" panose="020B0604020202020204" pitchFamily="34" charset="0"/>
-              <a:cs typeface="Arial" panose="020B0604020202020204" pitchFamily="34" charset="0"/>
-            </a:endParaRPr>
-          </a:p>
-        </p:txBody>
-      </p:sp>
-      <p:sp>
-        <p:nvSpPr>
-          <p:cNvPr id="12" name="TextBox 11">
-            <a:extLst>
-              <a:ext uri="{FF2B5EF4-FFF2-40B4-BE49-F238E27FC236}">
-                <a16:creationId xmlns:a16="http://schemas.microsoft.com/office/drawing/2014/main" id="{F14D093C-BD00-4A85-AC88-01C4C31DD11B}"/>
-              </a:ext>
-            </a:extLst>
-          </p:cNvPr>
-          <p:cNvSpPr txBox="1"/>
-          <p:nvPr/>
-        </p:nvSpPr>
-        <p:spPr>
-          <a:xfrm>
-            <a:off x="12132328" y="8296916"/>
-            <a:ext cx="4584408" cy="707886"/>
-          </a:xfrm>
-          <a:prstGeom prst="rect">
-            <a:avLst/>
-          </a:prstGeom>
-          <a:noFill/>
-        </p:spPr>
-        <p:txBody>
-          <a:bodyPr wrap="square" rtlCol="0">
-            <a:spAutoFit/>
-          </a:bodyPr>
-          <a:lstStyle/>
-          <a:p>
-            <a:r>
-              <a:rPr lang="en-US" sz="4000" b="1" dirty="0">
-                <a:latin typeface="Arial" panose="020B0604020202020204" pitchFamily="34" charset="0"/>
-                <a:cs typeface="Arial" panose="020B0604020202020204" pitchFamily="34" charset="0"/>
-              </a:rPr>
-              <a:t>E</a:t>
-            </a:r>
-            <a:r>
-              <a:rPr lang="en-US" sz="4000" dirty="0">
-                <a:latin typeface="Arial" panose="020B0604020202020204" pitchFamily="34" charset="0"/>
-                <a:cs typeface="Arial" panose="020B0604020202020204" pitchFamily="34" charset="0"/>
-              </a:rPr>
-              <a:t>) </a:t>
-            </a:r>
-            <a:r>
-              <a:rPr lang="en-US" sz="4000" i="1" dirty="0">
-                <a:latin typeface="Arial" panose="020B0604020202020204" pitchFamily="34" charset="0"/>
-                <a:cs typeface="Arial" panose="020B0604020202020204" pitchFamily="34" charset="0"/>
-              </a:rPr>
-              <a:t>E. faecalis </a:t>
-            </a:r>
-            <a:r>
-              <a:rPr lang="en-US" sz="4000" dirty="0">
-                <a:latin typeface="Arial" panose="020B0604020202020204" pitchFamily="34" charset="0"/>
-                <a:cs typeface="Arial" panose="020B0604020202020204" pitchFamily="34" charset="0"/>
-              </a:rPr>
-              <a:t>V587</a:t>
-            </a:r>
-            <a:endParaRPr lang="en-US" sz="4000" b="1" dirty="0">
-              <a:latin typeface="Arial" panose="020B0604020202020204" pitchFamily="34" charset="0"/>
-              <a:cs typeface="Arial" panose="020B0604020202020204" pitchFamily="34" charset="0"/>
-            </a:endParaRPr>
-          </a:p>
-        </p:txBody>
-      </p:sp>
-      <p:pic>
-        <p:nvPicPr>
-          <p:cNvPr id="14" name="Picture 2">
-            <a:extLst>
-              <a:ext uri="{FF2B5EF4-FFF2-40B4-BE49-F238E27FC236}">
-                <a16:creationId xmlns:a16="http://schemas.microsoft.com/office/drawing/2014/main" id="{01B72A8F-3169-4D4F-A3EF-FE7D26318E5A}"/>
-              </a:ext>
-            </a:extLst>
-          </p:cNvPr>
-          <p:cNvPicPr>
-            <a:picLocks noChangeAspect="1" noChangeArrowheads="1"/>
-          </p:cNvPicPr>
-          <p:nvPr/>
-        </p:nvPicPr>
-        <p:blipFill>
-          <a:blip r:embed="rId4">
-            <a:extLst>
-              <a:ext uri="{28A0092B-C50C-407E-A947-70E740481C1C}">
-                <a14:useLocalDpi xmlns:a14="http://schemas.microsoft.com/office/drawing/2010/main" val="0"/>
-              </a:ext>
-            </a:extLst>
-          </a:blip>
-          <a:srcRect/>
-          <a:stretch>
-            <a:fillRect/>
-          </a:stretch>
-        </p:blipFill>
-        <p:spPr bwMode="auto">
-          <a:xfrm>
-            <a:off x="460668" y="9021529"/>
-            <a:ext cx="5724525" cy="4295775"/>
-          </a:xfrm>
-          <a:prstGeom prst="rect">
-            <a:avLst/>
-          </a:prstGeom>
-          <a:noFill/>
-          <a:extLst>
-            <a:ext uri="{909E8E84-426E-40DD-AFC4-6F175D3DCCD1}">
-              <a14:hiddenFill xmlns:a14="http://schemas.microsoft.com/office/drawing/2010/main">
-                <a:solidFill>
-                  <a:srgbClr val="FFFFFF"/>
-                </a:solidFill>
-              </a14:hiddenFill>
-            </a:ext>
-          </a:extLst>
-        </p:spPr>
-      </p:pic>
-      <p:pic>
-        <p:nvPicPr>
-          <p:cNvPr id="17" name="Picture 4">
-            <a:extLst>
-              <a:ext uri="{FF2B5EF4-FFF2-40B4-BE49-F238E27FC236}">
-                <a16:creationId xmlns:a16="http://schemas.microsoft.com/office/drawing/2014/main" id="{A0B3F7BA-2A43-40B8-8A29-9F3C1905A589}"/>
-              </a:ext>
-            </a:extLst>
-          </p:cNvPr>
-          <p:cNvPicPr>
-            <a:picLocks noChangeAspect="1" noChangeArrowheads="1"/>
-          </p:cNvPicPr>
-          <p:nvPr/>
-        </p:nvPicPr>
-        <p:blipFill>
-          <a:blip r:embed="rId5">
-            <a:extLst>
-              <a:ext uri="{28A0092B-C50C-407E-A947-70E740481C1C}">
-                <a14:useLocalDpi xmlns:a14="http://schemas.microsoft.com/office/drawing/2010/main" val="0"/>
-              </a:ext>
-            </a:extLst>
-          </a:blip>
-          <a:srcRect/>
-          <a:stretch>
-            <a:fillRect/>
-          </a:stretch>
-        </p:blipFill>
-        <p:spPr bwMode="auto">
-          <a:xfrm>
-            <a:off x="6510968" y="9113617"/>
-            <a:ext cx="4876800" cy="4314825"/>
-          </a:xfrm>
-          <a:prstGeom prst="rect">
-            <a:avLst/>
-          </a:prstGeom>
-          <a:noFill/>
-          <a:extLst>
-            <a:ext uri="{909E8E84-426E-40DD-AFC4-6F175D3DCCD1}">
-              <a14:hiddenFill xmlns:a14="http://schemas.microsoft.com/office/drawing/2010/main">
-                <a:solidFill>
-                  <a:srgbClr val="FFFFFF"/>
-                </a:solidFill>
-              </a14:hiddenFill>
-            </a:ext>
-          </a:extLst>
-        </p:spPr>
-      </p:pic>
-      <p:pic>
-        <p:nvPicPr>
-          <p:cNvPr id="2050" name="Picture 2">
-            <a:extLst>
-              <a:ext uri="{FF2B5EF4-FFF2-40B4-BE49-F238E27FC236}">
-                <a16:creationId xmlns:a16="http://schemas.microsoft.com/office/drawing/2014/main" id="{199A1B3D-1EAE-41D9-B404-19CA8C889B60}"/>
-              </a:ext>
-            </a:extLst>
-          </p:cNvPr>
-          <p:cNvPicPr>
-            <a:picLocks noChangeAspect="1" noChangeArrowheads="1"/>
-          </p:cNvPicPr>
-          <p:nvPr/>
-        </p:nvPicPr>
-        <p:blipFill>
-          <a:blip r:embed="rId6">
-            <a:extLst>
-              <a:ext uri="{28A0092B-C50C-407E-A947-70E740481C1C}">
-                <a14:useLocalDpi xmlns:a14="http://schemas.microsoft.com/office/drawing/2010/main" val="0"/>
-              </a:ext>
-            </a:extLst>
-          </a:blip>
-          <a:srcRect/>
-          <a:stretch>
-            <a:fillRect/>
-          </a:stretch>
-        </p:blipFill>
-        <p:spPr bwMode="auto">
-          <a:xfrm>
-            <a:off x="12132330" y="9021528"/>
-            <a:ext cx="5381625" cy="4171950"/>
-          </a:xfrm>
-          <a:prstGeom prst="rect">
-            <a:avLst/>
-          </a:prstGeom>
-          <a:noFill/>
-          <a:extLst>
-            <a:ext uri="{909E8E84-426E-40DD-AFC4-6F175D3DCCD1}">
-              <a14:hiddenFill xmlns:a14="http://schemas.microsoft.com/office/drawing/2010/main">
-                <a:solidFill>
-                  <a:srgbClr val="FFFFFF"/>
-                </a:solidFill>
-              </a14:hiddenFill>
-            </a:ext>
-          </a:extLst>
-        </p:spPr>
-      </p:pic>
-      <p:sp>
-        <p:nvSpPr>
-          <p:cNvPr id="3" name="TextBox 2">
-            <a:extLst>
-              <a:ext uri="{FF2B5EF4-FFF2-40B4-BE49-F238E27FC236}">
-                <a16:creationId xmlns:a16="http://schemas.microsoft.com/office/drawing/2014/main" id="{BD07CFFF-0A63-4630-B0EB-1D9FF00B6764}"/>
-              </a:ext>
-            </a:extLst>
-          </p:cNvPr>
-          <p:cNvSpPr txBox="1"/>
-          <p:nvPr/>
-        </p:nvSpPr>
-        <p:spPr>
-          <a:xfrm>
-            <a:off x="7547610" y="2529871"/>
-            <a:ext cx="5314949" cy="1015663"/>
-          </a:xfrm>
-          <a:prstGeom prst="rect">
-            <a:avLst/>
-          </a:prstGeom>
-          <a:noFill/>
-        </p:spPr>
-        <p:txBody>
-          <a:bodyPr wrap="square" rtlCol="0">
-            <a:spAutoFit/>
-          </a:bodyPr>
-          <a:lstStyle/>
-          <a:p>
-            <a:r>
-              <a:rPr lang="en-US" sz="4000" b="1" dirty="0">
-                <a:latin typeface="Arial" panose="020B0604020202020204" pitchFamily="34" charset="0"/>
-                <a:cs typeface="Arial" panose="020B0604020202020204" pitchFamily="34" charset="0"/>
-              </a:rPr>
-              <a:t>B</a:t>
-            </a:r>
-            <a:r>
-              <a:rPr lang="en-US" sz="4000" dirty="0">
-                <a:latin typeface="Arial" panose="020B0604020202020204" pitchFamily="34" charset="0"/>
-                <a:cs typeface="Arial" panose="020B0604020202020204" pitchFamily="34" charset="0"/>
-              </a:rPr>
-              <a:t>) </a:t>
-            </a:r>
-            <a:r>
-              <a:rPr lang="en-US" sz="4000" i="1" dirty="0">
-                <a:latin typeface="Arial" panose="020B0604020202020204" pitchFamily="34" charset="0"/>
-                <a:cs typeface="Arial" panose="020B0604020202020204" pitchFamily="34" charset="0"/>
-              </a:rPr>
-              <a:t>E. faecalis </a:t>
-            </a:r>
-            <a:r>
-              <a:rPr lang="en-US" sz="4000" dirty="0">
-                <a:latin typeface="Arial" panose="020B0604020202020204" pitchFamily="34" charset="0"/>
-                <a:cs typeface="Arial" panose="020B0604020202020204" pitchFamily="34" charset="0"/>
-              </a:rPr>
-              <a:t>Yi6-1</a:t>
-            </a:r>
-          </a:p>
-          <a:p>
-            <a:r>
-              <a:rPr lang="en-US" sz="2000" dirty="0">
-                <a:latin typeface="Arial" panose="020B0604020202020204" pitchFamily="34" charset="0"/>
-                <a:cs typeface="Arial" panose="020B0604020202020204" pitchFamily="34" charset="0"/>
-              </a:rPr>
-              <a:t>	Individual phages </a:t>
-            </a:r>
-            <a:r>
-              <a:rPr lang="en-US" sz="2000" b="1" dirty="0">
-                <a:latin typeface="Arial" panose="020B0604020202020204" pitchFamily="34" charset="0"/>
-                <a:cs typeface="Arial" panose="020B0604020202020204" pitchFamily="34" charset="0"/>
-              </a:rPr>
-              <a:t>do</a:t>
-            </a:r>
-            <a:r>
-              <a:rPr lang="en-US" sz="2000" dirty="0">
-                <a:latin typeface="Arial" panose="020B0604020202020204" pitchFamily="34" charset="0"/>
-                <a:cs typeface="Arial" panose="020B0604020202020204" pitchFamily="34" charset="0"/>
-              </a:rPr>
-              <a:t> clear host</a:t>
-            </a:r>
-            <a:endParaRPr lang="en-US" sz="2000" b="1" dirty="0">
-              <a:latin typeface="Arial" panose="020B0604020202020204" pitchFamily="34" charset="0"/>
-              <a:cs typeface="Arial" panose="020B0604020202020204" pitchFamily="34" charset="0"/>
-            </a:endParaRPr>
-          </a:p>
-        </p:txBody>
-      </p:sp>
     </p:spTree>
     <p:extLst>
       <p:ext uri="{BB962C8B-B14F-4D97-AF65-F5344CB8AC3E}">
-        <p14:creationId xmlns:p14="http://schemas.microsoft.com/office/powerpoint/2010/main" val="1367113770"/>
+        <p14:creationId xmlns:p14="http://schemas.microsoft.com/office/powerpoint/2010/main" val="894034742"/>
       </p:ext>
     </p:extLst>
   </p:cSld>
@@ -4112,7 +4016,7 @@
 </p:sld>
 </file>
 
-<file path=ppt/slides/slide4.xml><?xml version="1.0" encoding="utf-8"?>
+<file path=ppt/slides/slide12.xml><?xml version="1.0" encoding="utf-8"?>
 <p:sld xmlns:a="http://schemas.openxmlformats.org/drawingml/2006/main" xmlns:r="http://schemas.openxmlformats.org/officeDocument/2006/relationships" xmlns:p="http://schemas.openxmlformats.org/presentationml/2006/main">
   <p:cSld>
     <p:spTree>
@@ -4181,606 +4085,521 @@
           </a:p>
         </p:txBody>
       </p:sp>
+      <p:sp>
+        <p:nvSpPr>
+          <p:cNvPr id="4" name="TextBox 3">
+            <a:extLst>
+              <a:ext uri="{FF2B5EF4-FFF2-40B4-BE49-F238E27FC236}">
+                <a16:creationId xmlns:a16="http://schemas.microsoft.com/office/drawing/2014/main" id="{21222866-BF30-4EF8-9315-45462C6727FC}"/>
+              </a:ext>
+            </a:extLst>
+          </p:cNvPr>
+          <p:cNvSpPr txBox="1"/>
+          <p:nvPr/>
+        </p:nvSpPr>
+        <p:spPr>
+          <a:xfrm>
+            <a:off x="686094" y="247314"/>
+            <a:ext cx="5314949" cy="1015663"/>
+          </a:xfrm>
+          <a:prstGeom prst="rect">
+            <a:avLst/>
+          </a:prstGeom>
+          <a:noFill/>
+        </p:spPr>
+        <p:txBody>
+          <a:bodyPr wrap="square" rtlCol="0">
+            <a:spAutoFit/>
+          </a:bodyPr>
+          <a:lstStyle/>
+          <a:p>
+            <a:r>
+              <a:rPr lang="en-US" sz="4000" b="1" dirty="0">
+                <a:latin typeface="Arial" panose="020B0604020202020204" pitchFamily="34" charset="0"/>
+                <a:cs typeface="Arial" panose="020B0604020202020204" pitchFamily="34" charset="0"/>
+              </a:rPr>
+              <a:t>A</a:t>
+            </a:r>
+            <a:r>
+              <a:rPr lang="en-US" sz="4000" dirty="0">
+                <a:latin typeface="Arial" panose="020B0604020202020204" pitchFamily="34" charset="0"/>
+                <a:cs typeface="Arial" panose="020B0604020202020204" pitchFamily="34" charset="0"/>
+              </a:rPr>
+              <a:t>) </a:t>
+            </a:r>
+            <a:r>
+              <a:rPr lang="en-US" sz="4000" i="1" dirty="0">
+                <a:latin typeface="Arial" panose="020B0604020202020204" pitchFamily="34" charset="0"/>
+                <a:cs typeface="Arial" panose="020B0604020202020204" pitchFamily="34" charset="0"/>
+              </a:rPr>
+              <a:t>E. faecalis </a:t>
+            </a:r>
+            <a:r>
+              <a:rPr lang="en-US" sz="4000" dirty="0">
+                <a:latin typeface="Arial" panose="020B0604020202020204" pitchFamily="34" charset="0"/>
+                <a:cs typeface="Arial" panose="020B0604020202020204" pitchFamily="34" charset="0"/>
+              </a:rPr>
+              <a:t>Yi6-1</a:t>
+            </a:r>
+          </a:p>
+          <a:p>
+            <a:r>
+              <a:rPr lang="en-US" sz="2000" dirty="0">
+                <a:latin typeface="Arial" panose="020B0604020202020204" pitchFamily="34" charset="0"/>
+                <a:cs typeface="Arial" panose="020B0604020202020204" pitchFamily="34" charset="0"/>
+              </a:rPr>
+              <a:t>	Individual phages </a:t>
+            </a:r>
+            <a:r>
+              <a:rPr lang="en-US" sz="2000" b="1" dirty="0">
+                <a:latin typeface="Arial" panose="020B0604020202020204" pitchFamily="34" charset="0"/>
+                <a:cs typeface="Arial" panose="020B0604020202020204" pitchFamily="34" charset="0"/>
+              </a:rPr>
+              <a:t>don’t</a:t>
+            </a:r>
+            <a:r>
+              <a:rPr lang="en-US" sz="2000" dirty="0">
+                <a:latin typeface="Arial" panose="020B0604020202020204" pitchFamily="34" charset="0"/>
+                <a:cs typeface="Arial" panose="020B0604020202020204" pitchFamily="34" charset="0"/>
+              </a:rPr>
+              <a:t> clear host</a:t>
+            </a:r>
+            <a:endParaRPr lang="en-US" sz="2000" b="1" dirty="0">
+              <a:latin typeface="Arial" panose="020B0604020202020204" pitchFamily="34" charset="0"/>
+              <a:cs typeface="Arial" panose="020B0604020202020204" pitchFamily="34" charset="0"/>
+            </a:endParaRPr>
+          </a:p>
+        </p:txBody>
+      </p:sp>
+      <p:sp>
+        <p:nvSpPr>
+          <p:cNvPr id="5" name="TextBox 4">
+            <a:extLst>
+              <a:ext uri="{FF2B5EF4-FFF2-40B4-BE49-F238E27FC236}">
+                <a16:creationId xmlns:a16="http://schemas.microsoft.com/office/drawing/2014/main" id="{B4F2E14C-26CF-41D0-A3B8-C548A3DEAE0A}"/>
+              </a:ext>
+            </a:extLst>
+          </p:cNvPr>
+          <p:cNvSpPr txBox="1"/>
+          <p:nvPr/>
+        </p:nvSpPr>
+        <p:spPr>
+          <a:xfrm>
+            <a:off x="11711268" y="235258"/>
+            <a:ext cx="5022570" cy="707886"/>
+          </a:xfrm>
+          <a:prstGeom prst="rect">
+            <a:avLst/>
+          </a:prstGeom>
+          <a:noFill/>
+        </p:spPr>
+        <p:txBody>
+          <a:bodyPr wrap="square" rtlCol="0">
+            <a:spAutoFit/>
+          </a:bodyPr>
+          <a:lstStyle/>
+          <a:p>
+            <a:r>
+              <a:rPr lang="en-US" sz="4000" b="1" dirty="0">
+                <a:latin typeface="Arial" panose="020B0604020202020204" pitchFamily="34" charset="0"/>
+                <a:cs typeface="Arial" panose="020B0604020202020204" pitchFamily="34" charset="0"/>
+              </a:rPr>
+              <a:t>C</a:t>
+            </a:r>
+            <a:r>
+              <a:rPr lang="en-US" sz="4000" dirty="0">
+                <a:latin typeface="Arial" panose="020B0604020202020204" pitchFamily="34" charset="0"/>
+                <a:cs typeface="Arial" panose="020B0604020202020204" pitchFamily="34" charset="0"/>
+              </a:rPr>
+              <a:t>) </a:t>
+            </a:r>
+            <a:r>
+              <a:rPr lang="en-US" sz="4000" i="1" dirty="0">
+                <a:latin typeface="Arial" panose="020B0604020202020204" pitchFamily="34" charset="0"/>
+                <a:cs typeface="Arial" panose="020B0604020202020204" pitchFamily="34" charset="0"/>
+              </a:rPr>
+              <a:t>E. faecalis </a:t>
+            </a:r>
+            <a:r>
+              <a:rPr lang="en-US" sz="4000" dirty="0">
+                <a:latin typeface="Arial" panose="020B0604020202020204" pitchFamily="34" charset="0"/>
+                <a:cs typeface="Arial" panose="020B0604020202020204" pitchFamily="34" charset="0"/>
+              </a:rPr>
+              <a:t>EF06</a:t>
+            </a:r>
+            <a:endParaRPr lang="en-US" sz="4000" b="1" dirty="0">
+              <a:latin typeface="Arial" panose="020B0604020202020204" pitchFamily="34" charset="0"/>
+              <a:cs typeface="Arial" panose="020B0604020202020204" pitchFamily="34" charset="0"/>
+            </a:endParaRPr>
+          </a:p>
+        </p:txBody>
+      </p:sp>
+      <p:sp>
+        <p:nvSpPr>
+          <p:cNvPr id="6" name="TextBox 5">
+            <a:extLst>
+              <a:ext uri="{FF2B5EF4-FFF2-40B4-BE49-F238E27FC236}">
+                <a16:creationId xmlns:a16="http://schemas.microsoft.com/office/drawing/2014/main" id="{F3BD6282-AEB8-46DA-917E-496C3D63F179}"/>
+              </a:ext>
+            </a:extLst>
+          </p:cNvPr>
+          <p:cNvSpPr txBox="1"/>
+          <p:nvPr/>
+        </p:nvSpPr>
+        <p:spPr>
+          <a:xfrm>
+            <a:off x="686094" y="9401176"/>
+            <a:ext cx="4584407" cy="707886"/>
+          </a:xfrm>
+          <a:prstGeom prst="rect">
+            <a:avLst/>
+          </a:prstGeom>
+          <a:noFill/>
+        </p:spPr>
+        <p:txBody>
+          <a:bodyPr wrap="square" rtlCol="0">
+            <a:spAutoFit/>
+          </a:bodyPr>
+          <a:lstStyle/>
+          <a:p>
+            <a:r>
+              <a:rPr lang="en-US" sz="4000" b="1" dirty="0">
+                <a:latin typeface="Arial" panose="020B0604020202020204" pitchFamily="34" charset="0"/>
+                <a:cs typeface="Arial" panose="020B0604020202020204" pitchFamily="34" charset="0"/>
+              </a:rPr>
+              <a:t>D</a:t>
+            </a:r>
+            <a:r>
+              <a:rPr lang="en-US" sz="4000" dirty="0">
+                <a:latin typeface="Arial" panose="020B0604020202020204" pitchFamily="34" charset="0"/>
+                <a:cs typeface="Arial" panose="020B0604020202020204" pitchFamily="34" charset="0"/>
+              </a:rPr>
+              <a:t>) </a:t>
+            </a:r>
+            <a:r>
+              <a:rPr lang="en-US" sz="4000" i="1" dirty="0">
+                <a:latin typeface="Arial" panose="020B0604020202020204" pitchFamily="34" charset="0"/>
+                <a:cs typeface="Arial" panose="020B0604020202020204" pitchFamily="34" charset="0"/>
+              </a:rPr>
+              <a:t>E. faecalis </a:t>
+            </a:r>
+            <a:r>
+              <a:rPr lang="en-US" sz="4000" dirty="0">
+                <a:latin typeface="Arial" panose="020B0604020202020204" pitchFamily="34" charset="0"/>
+                <a:cs typeface="Arial" panose="020B0604020202020204" pitchFamily="34" charset="0"/>
+              </a:rPr>
+              <a:t>EF11</a:t>
+            </a:r>
+            <a:endParaRPr lang="en-US" sz="4000" b="1" dirty="0">
+              <a:latin typeface="Arial" panose="020B0604020202020204" pitchFamily="34" charset="0"/>
+              <a:cs typeface="Arial" panose="020B0604020202020204" pitchFamily="34" charset="0"/>
+            </a:endParaRPr>
+          </a:p>
+        </p:txBody>
+      </p:sp>
+      <p:sp>
+        <p:nvSpPr>
+          <p:cNvPr id="7" name="TextBox 6">
+            <a:extLst>
+              <a:ext uri="{FF2B5EF4-FFF2-40B4-BE49-F238E27FC236}">
+                <a16:creationId xmlns:a16="http://schemas.microsoft.com/office/drawing/2014/main" id="{CA3DC903-3DAF-4FA7-B1DE-414956DB6228}"/>
+              </a:ext>
+            </a:extLst>
+          </p:cNvPr>
+          <p:cNvSpPr txBox="1"/>
+          <p:nvPr/>
+        </p:nvSpPr>
+        <p:spPr>
+          <a:xfrm>
+            <a:off x="6194745" y="9401176"/>
+            <a:ext cx="4584408" cy="707886"/>
+          </a:xfrm>
+          <a:prstGeom prst="rect">
+            <a:avLst/>
+          </a:prstGeom>
+          <a:noFill/>
+        </p:spPr>
+        <p:txBody>
+          <a:bodyPr wrap="square" rtlCol="0">
+            <a:spAutoFit/>
+          </a:bodyPr>
+          <a:lstStyle/>
+          <a:p>
+            <a:r>
+              <a:rPr lang="en-US" sz="4000" b="1" dirty="0">
+                <a:latin typeface="Arial" panose="020B0604020202020204" pitchFamily="34" charset="0"/>
+                <a:cs typeface="Arial" panose="020B0604020202020204" pitchFamily="34" charset="0"/>
+              </a:rPr>
+              <a:t>E</a:t>
+            </a:r>
+            <a:r>
+              <a:rPr lang="en-US" sz="4000" dirty="0">
+                <a:latin typeface="Arial" panose="020B0604020202020204" pitchFamily="34" charset="0"/>
+                <a:cs typeface="Arial" panose="020B0604020202020204" pitchFamily="34" charset="0"/>
+              </a:rPr>
+              <a:t>) </a:t>
+            </a:r>
+            <a:r>
+              <a:rPr lang="en-US" sz="4000" i="1" dirty="0">
+                <a:latin typeface="Arial" panose="020B0604020202020204" pitchFamily="34" charset="0"/>
+                <a:cs typeface="Arial" panose="020B0604020202020204" pitchFamily="34" charset="0"/>
+              </a:rPr>
+              <a:t>E. faecalis </a:t>
+            </a:r>
+            <a:r>
+              <a:rPr lang="en-US" sz="4000" dirty="0">
+                <a:latin typeface="Arial" panose="020B0604020202020204" pitchFamily="34" charset="0"/>
+                <a:cs typeface="Arial" panose="020B0604020202020204" pitchFamily="34" charset="0"/>
+              </a:rPr>
+              <a:t>V587</a:t>
+            </a:r>
+            <a:endParaRPr lang="en-US" sz="4000" b="1" dirty="0">
+              <a:latin typeface="Arial" panose="020B0604020202020204" pitchFamily="34" charset="0"/>
+              <a:cs typeface="Arial" panose="020B0604020202020204" pitchFamily="34" charset="0"/>
+            </a:endParaRPr>
+          </a:p>
+        </p:txBody>
+      </p:sp>
+      <p:sp>
+        <p:nvSpPr>
+          <p:cNvPr id="8" name="TextBox 7">
+            <a:extLst>
+              <a:ext uri="{FF2B5EF4-FFF2-40B4-BE49-F238E27FC236}">
+                <a16:creationId xmlns:a16="http://schemas.microsoft.com/office/drawing/2014/main" id="{40B3FAFD-EBEC-462C-BF0A-6D6C9E42A978}"/>
+              </a:ext>
+            </a:extLst>
+          </p:cNvPr>
+          <p:cNvSpPr txBox="1"/>
+          <p:nvPr/>
+        </p:nvSpPr>
+        <p:spPr>
+          <a:xfrm>
+            <a:off x="6194745" y="235258"/>
+            <a:ext cx="5314949" cy="1015663"/>
+          </a:xfrm>
+          <a:prstGeom prst="rect">
+            <a:avLst/>
+          </a:prstGeom>
+          <a:noFill/>
+        </p:spPr>
+        <p:txBody>
+          <a:bodyPr wrap="square" rtlCol="0">
+            <a:spAutoFit/>
+          </a:bodyPr>
+          <a:lstStyle/>
+          <a:p>
+            <a:r>
+              <a:rPr lang="en-US" sz="4000" b="1" dirty="0">
+                <a:latin typeface="Arial" panose="020B0604020202020204" pitchFamily="34" charset="0"/>
+                <a:cs typeface="Arial" panose="020B0604020202020204" pitchFamily="34" charset="0"/>
+              </a:rPr>
+              <a:t>B</a:t>
+            </a:r>
+            <a:r>
+              <a:rPr lang="en-US" sz="4000" dirty="0">
+                <a:latin typeface="Arial" panose="020B0604020202020204" pitchFamily="34" charset="0"/>
+                <a:cs typeface="Arial" panose="020B0604020202020204" pitchFamily="34" charset="0"/>
+              </a:rPr>
+              <a:t>) </a:t>
+            </a:r>
+            <a:r>
+              <a:rPr lang="en-US" sz="4000" i="1" dirty="0">
+                <a:latin typeface="Arial" panose="020B0604020202020204" pitchFamily="34" charset="0"/>
+                <a:cs typeface="Arial" panose="020B0604020202020204" pitchFamily="34" charset="0"/>
+              </a:rPr>
+              <a:t>E. faecalis </a:t>
+            </a:r>
+            <a:r>
+              <a:rPr lang="en-US" sz="4000" dirty="0">
+                <a:latin typeface="Arial" panose="020B0604020202020204" pitchFamily="34" charset="0"/>
+                <a:cs typeface="Arial" panose="020B0604020202020204" pitchFamily="34" charset="0"/>
+              </a:rPr>
+              <a:t>Yi6-1</a:t>
+            </a:r>
+          </a:p>
+          <a:p>
+            <a:r>
+              <a:rPr lang="en-US" sz="2000" dirty="0">
+                <a:latin typeface="Arial" panose="020B0604020202020204" pitchFamily="34" charset="0"/>
+                <a:cs typeface="Arial" panose="020B0604020202020204" pitchFamily="34" charset="0"/>
+              </a:rPr>
+              <a:t>	Individual phages </a:t>
+            </a:r>
+            <a:r>
+              <a:rPr lang="en-US" sz="2000" b="1" dirty="0">
+                <a:latin typeface="Arial" panose="020B0604020202020204" pitchFamily="34" charset="0"/>
+                <a:cs typeface="Arial" panose="020B0604020202020204" pitchFamily="34" charset="0"/>
+              </a:rPr>
+              <a:t>do</a:t>
+            </a:r>
+            <a:r>
+              <a:rPr lang="en-US" sz="2000" dirty="0">
+                <a:latin typeface="Arial" panose="020B0604020202020204" pitchFamily="34" charset="0"/>
+                <a:cs typeface="Arial" panose="020B0604020202020204" pitchFamily="34" charset="0"/>
+              </a:rPr>
+              <a:t> clear host</a:t>
+            </a:r>
+            <a:endParaRPr lang="en-US" sz="2000" b="1" dirty="0">
+              <a:latin typeface="Arial" panose="020B0604020202020204" pitchFamily="34" charset="0"/>
+              <a:cs typeface="Arial" panose="020B0604020202020204" pitchFamily="34" charset="0"/>
+            </a:endParaRPr>
+          </a:p>
+        </p:txBody>
+      </p:sp>
       <p:pic>
         <p:nvPicPr>
-          <p:cNvPr id="1026" name="Picture 2">
-            <a:extLst>
-              <a:ext uri="{FF2B5EF4-FFF2-40B4-BE49-F238E27FC236}">
-                <a16:creationId xmlns:a16="http://schemas.microsoft.com/office/drawing/2014/main" id="{69EDA25D-891B-4308-9776-1EF3CF0F487C}"/>
+          <p:cNvPr id="3" name="Picture 2">
+            <a:extLst>
+              <a:ext uri="{FF2B5EF4-FFF2-40B4-BE49-F238E27FC236}">
+                <a16:creationId xmlns:a16="http://schemas.microsoft.com/office/drawing/2014/main" id="{687939BF-E30A-4E3E-B9C8-401D9B1DD553}"/>
               </a:ext>
             </a:extLst>
           </p:cNvPr>
           <p:cNvPicPr>
-            <a:picLocks noChangeAspect="1" noChangeArrowheads="1"/>
+            <a:picLocks noChangeAspect="1"/>
           </p:cNvPicPr>
           <p:nvPr/>
         </p:nvPicPr>
         <p:blipFill>
-          <a:blip r:embed="rId2">
-            <a:extLst>
-              <a:ext uri="{28A0092B-C50C-407E-A947-70E740481C1C}">
-                <a14:useLocalDpi xmlns:a14="http://schemas.microsoft.com/office/drawing/2010/main" val="0"/>
-              </a:ext>
-            </a:extLst>
-          </a:blip>
-          <a:srcRect/>
+          <a:blip r:embed="rId2"/>
           <a:stretch>
             <a:fillRect/>
           </a:stretch>
         </p:blipFill>
-        <p:spPr bwMode="auto">
-          <a:xfrm>
-            <a:off x="917576" y="1362382"/>
-            <a:ext cx="4352925" cy="7143750"/>
-          </a:xfrm>
-          <a:prstGeom prst="rect">
-            <a:avLst/>
-          </a:prstGeom>
-          <a:noFill/>
-          <a:extLst>
-            <a:ext uri="{909E8E84-426E-40DD-AFC4-6F175D3DCCD1}">
-              <a14:hiddenFill xmlns:a14="http://schemas.microsoft.com/office/drawing/2010/main">
-                <a:solidFill>
-                  <a:srgbClr val="FFFFFF"/>
-                </a:solidFill>
-              </a14:hiddenFill>
-            </a:ext>
-          </a:extLst>
+        <p:spPr>
+          <a:xfrm>
+            <a:off x="217811" y="1469491"/>
+            <a:ext cx="5208472" cy="7725171"/>
+          </a:xfrm>
+          <a:prstGeom prst="rect">
+            <a:avLst/>
+          </a:prstGeom>
         </p:spPr>
       </p:pic>
       <p:pic>
         <p:nvPicPr>
-          <p:cNvPr id="1028" name="Picture 4">
-            <a:extLst>
-              <a:ext uri="{FF2B5EF4-FFF2-40B4-BE49-F238E27FC236}">
-                <a16:creationId xmlns:a16="http://schemas.microsoft.com/office/drawing/2014/main" id="{530E3B0C-1342-489C-8E6B-86B14358EA05}"/>
+          <p:cNvPr id="11" name="Picture 10">
+            <a:extLst>
+              <a:ext uri="{FF2B5EF4-FFF2-40B4-BE49-F238E27FC236}">
+                <a16:creationId xmlns:a16="http://schemas.microsoft.com/office/drawing/2014/main" id="{6E653ED3-3433-4F85-97B7-A08B36AF70AC}"/>
               </a:ext>
             </a:extLst>
           </p:cNvPr>
           <p:cNvPicPr>
-            <a:picLocks noChangeAspect="1" noChangeArrowheads="1"/>
+            <a:picLocks noChangeAspect="1"/>
           </p:cNvPicPr>
           <p:nvPr/>
         </p:nvPicPr>
         <p:blipFill>
-          <a:blip r:embed="rId3">
-            <a:extLst>
-              <a:ext uri="{28A0092B-C50C-407E-A947-70E740481C1C}">
-                <a14:useLocalDpi xmlns:a14="http://schemas.microsoft.com/office/drawing/2010/main" val="0"/>
-              </a:ext>
-            </a:extLst>
-          </a:blip>
-          <a:srcRect/>
+          <a:blip r:embed="rId3"/>
           <a:stretch>
             <a:fillRect/>
           </a:stretch>
         </p:blipFill>
-        <p:spPr bwMode="auto">
-          <a:xfrm>
-            <a:off x="6128418" y="1362382"/>
-            <a:ext cx="4362450" cy="5695950"/>
-          </a:xfrm>
-          <a:prstGeom prst="rect">
-            <a:avLst/>
-          </a:prstGeom>
-          <a:noFill/>
-          <a:extLst>
-            <a:ext uri="{909E8E84-426E-40DD-AFC4-6F175D3DCCD1}">
-              <a14:hiddenFill xmlns:a14="http://schemas.microsoft.com/office/drawing/2010/main">
-                <a:solidFill>
-                  <a:srgbClr val="FFFFFF"/>
-                </a:solidFill>
-              </a14:hiddenFill>
-            </a:ext>
-          </a:extLst>
+        <p:spPr>
+          <a:xfrm>
+            <a:off x="5670937" y="1579588"/>
+            <a:ext cx="4976508" cy="5857765"/>
+          </a:xfrm>
+          <a:prstGeom prst="rect">
+            <a:avLst/>
+          </a:prstGeom>
         </p:spPr>
       </p:pic>
       <p:pic>
         <p:nvPicPr>
-          <p:cNvPr id="1030" name="Picture 6">
-            <a:extLst>
-              <a:ext uri="{FF2B5EF4-FFF2-40B4-BE49-F238E27FC236}">
-                <a16:creationId xmlns:a16="http://schemas.microsoft.com/office/drawing/2014/main" id="{CBB48845-AE4A-4CAA-8E18-09441447A585}"/>
+          <p:cNvPr id="13" name="Picture 12">
+            <a:extLst>
+              <a:ext uri="{FF2B5EF4-FFF2-40B4-BE49-F238E27FC236}">
+                <a16:creationId xmlns:a16="http://schemas.microsoft.com/office/drawing/2014/main" id="{BCC8D140-D7B2-4DB8-9FB7-0FDE585D7F2B}"/>
               </a:ext>
             </a:extLst>
           </p:cNvPr>
           <p:cNvPicPr>
-            <a:picLocks noChangeAspect="1" noChangeArrowheads="1"/>
+            <a:picLocks noChangeAspect="1"/>
           </p:cNvPicPr>
           <p:nvPr/>
         </p:nvPicPr>
         <p:blipFill>
-          <a:blip r:embed="rId4">
-            <a:extLst>
-              <a:ext uri="{28A0092B-C50C-407E-A947-70E740481C1C}">
-                <a14:useLocalDpi xmlns:a14="http://schemas.microsoft.com/office/drawing/2010/main" val="0"/>
-              </a:ext>
-            </a:extLst>
-          </a:blip>
-          <a:srcRect/>
+          <a:blip r:embed="rId4"/>
           <a:stretch>
             <a:fillRect/>
           </a:stretch>
         </p:blipFill>
-        <p:spPr bwMode="auto">
-          <a:xfrm>
-            <a:off x="11222205" y="1250921"/>
-            <a:ext cx="4343400" cy="6515100"/>
-          </a:xfrm>
-          <a:prstGeom prst="rect">
-            <a:avLst/>
-          </a:prstGeom>
-          <a:noFill/>
-          <a:extLst>
-            <a:ext uri="{909E8E84-426E-40DD-AFC4-6F175D3DCCD1}">
-              <a14:hiddenFill xmlns:a14="http://schemas.microsoft.com/office/drawing/2010/main">
-                <a:solidFill>
-                  <a:srgbClr val="FFFFFF"/>
-                </a:solidFill>
-              </a14:hiddenFill>
-            </a:ext>
-          </a:extLst>
+        <p:spPr>
+          <a:xfrm>
+            <a:off x="11509694" y="1321449"/>
+            <a:ext cx="4563112" cy="6115904"/>
+          </a:xfrm>
+          <a:prstGeom prst="rect">
+            <a:avLst/>
+          </a:prstGeom>
         </p:spPr>
       </p:pic>
       <p:pic>
         <p:nvPicPr>
-          <p:cNvPr id="1032" name="Picture 8">
-            <a:extLst>
-              <a:ext uri="{FF2B5EF4-FFF2-40B4-BE49-F238E27FC236}">
-                <a16:creationId xmlns:a16="http://schemas.microsoft.com/office/drawing/2014/main" id="{532E1D51-1A2C-4EA9-B47B-7869663516CF}"/>
+          <p:cNvPr id="15" name="Picture 14">
+            <a:extLst>
+              <a:ext uri="{FF2B5EF4-FFF2-40B4-BE49-F238E27FC236}">
+                <a16:creationId xmlns:a16="http://schemas.microsoft.com/office/drawing/2014/main" id="{F2166F57-7517-432F-9F60-0413A87C30A8}"/>
               </a:ext>
             </a:extLst>
           </p:cNvPr>
           <p:cNvPicPr>
-            <a:picLocks noChangeAspect="1" noChangeArrowheads="1"/>
+            <a:picLocks noChangeAspect="1"/>
           </p:cNvPicPr>
           <p:nvPr/>
         </p:nvPicPr>
         <p:blipFill>
-          <a:blip r:embed="rId5">
-            <a:extLst>
-              <a:ext uri="{28A0092B-C50C-407E-A947-70E740481C1C}">
-                <a14:useLocalDpi xmlns:a14="http://schemas.microsoft.com/office/drawing/2010/main" val="0"/>
-              </a:ext>
-            </a:extLst>
-          </a:blip>
-          <a:srcRect/>
+          <a:blip r:embed="rId5"/>
           <a:stretch>
             <a:fillRect/>
           </a:stretch>
         </p:blipFill>
-        <p:spPr bwMode="auto">
-          <a:xfrm>
-            <a:off x="908051" y="10315576"/>
-            <a:ext cx="4362450" cy="5695950"/>
-          </a:xfrm>
-          <a:prstGeom prst="rect">
-            <a:avLst/>
-          </a:prstGeom>
-          <a:noFill/>
-          <a:extLst>
-            <a:ext uri="{909E8E84-426E-40DD-AFC4-6F175D3DCCD1}">
-              <a14:hiddenFill xmlns:a14="http://schemas.microsoft.com/office/drawing/2010/main">
-                <a:solidFill>
-                  <a:srgbClr val="FFFFFF"/>
-                </a:solidFill>
-              </a14:hiddenFill>
-            </a:ext>
-          </a:extLst>
+        <p:spPr>
+          <a:xfrm>
+            <a:off x="217811" y="10416840"/>
+            <a:ext cx="4582164" cy="5391902"/>
+          </a:xfrm>
+          <a:prstGeom prst="rect">
+            <a:avLst/>
+          </a:prstGeom>
         </p:spPr>
       </p:pic>
       <p:pic>
         <p:nvPicPr>
-          <p:cNvPr id="1034" name="Picture 10">
-            <a:extLst>
-              <a:ext uri="{FF2B5EF4-FFF2-40B4-BE49-F238E27FC236}">
-                <a16:creationId xmlns:a16="http://schemas.microsoft.com/office/drawing/2014/main" id="{0FF213B1-B22F-4694-800F-0A3536A430CF}"/>
+          <p:cNvPr id="19" name="Picture 18">
+            <a:extLst>
+              <a:ext uri="{FF2B5EF4-FFF2-40B4-BE49-F238E27FC236}">
+                <a16:creationId xmlns:a16="http://schemas.microsoft.com/office/drawing/2014/main" id="{343050BE-1577-43D7-B2EA-8604DCB32BAA}"/>
               </a:ext>
             </a:extLst>
           </p:cNvPr>
           <p:cNvPicPr>
-            <a:picLocks noChangeAspect="1" noChangeArrowheads="1"/>
+            <a:picLocks noChangeAspect="1"/>
           </p:cNvPicPr>
           <p:nvPr/>
         </p:nvPicPr>
         <p:blipFill>
-          <a:blip r:embed="rId6">
-            <a:extLst>
-              <a:ext uri="{28A0092B-C50C-407E-A947-70E740481C1C}">
-                <a14:useLocalDpi xmlns:a14="http://schemas.microsoft.com/office/drawing/2010/main" val="0"/>
-              </a:ext>
-            </a:extLst>
-          </a:blip>
-          <a:srcRect/>
+          <a:blip r:embed="rId6"/>
           <a:stretch>
             <a:fillRect/>
           </a:stretch>
         </p:blipFill>
-        <p:spPr bwMode="auto">
-          <a:xfrm>
-            <a:off x="6271293" y="10315576"/>
-            <a:ext cx="4219575" cy="6105525"/>
-          </a:xfrm>
-          <a:prstGeom prst="rect">
-            <a:avLst/>
-          </a:prstGeom>
-          <a:noFill/>
-          <a:extLst>
-            <a:ext uri="{909E8E84-426E-40DD-AFC4-6F175D3DCCD1}">
-              <a14:hiddenFill xmlns:a14="http://schemas.microsoft.com/office/drawing/2010/main">
-                <a:solidFill>
-                  <a:srgbClr val="FFFFFF"/>
-                </a:solidFill>
-              </a14:hiddenFill>
-            </a:ext>
-          </a:extLst>
+        <p:spPr>
+          <a:xfrm>
+            <a:off x="5670937" y="10240602"/>
+            <a:ext cx="4401164" cy="5744377"/>
+          </a:xfrm>
+          <a:prstGeom prst="rect">
+            <a:avLst/>
+          </a:prstGeom>
         </p:spPr>
       </p:pic>
-      <p:sp>
-        <p:nvSpPr>
-          <p:cNvPr id="4" name="TextBox 3">
-            <a:extLst>
-              <a:ext uri="{FF2B5EF4-FFF2-40B4-BE49-F238E27FC236}">
-                <a16:creationId xmlns:a16="http://schemas.microsoft.com/office/drawing/2014/main" id="{21222866-BF30-4EF8-9315-45462C6727FC}"/>
-              </a:ext>
-            </a:extLst>
-          </p:cNvPr>
-          <p:cNvSpPr txBox="1"/>
-          <p:nvPr/>
-        </p:nvSpPr>
-        <p:spPr>
-          <a:xfrm>
-            <a:off x="686094" y="247314"/>
-            <a:ext cx="5314949" cy="1015663"/>
-          </a:xfrm>
-          <a:prstGeom prst="rect">
-            <a:avLst/>
-          </a:prstGeom>
-          <a:noFill/>
-        </p:spPr>
-        <p:txBody>
-          <a:bodyPr wrap="square" rtlCol="0">
-            <a:spAutoFit/>
-          </a:bodyPr>
-          <a:lstStyle/>
-          <a:p>
-            <a:r>
-              <a:rPr lang="en-US" sz="4000" b="1" dirty="0">
-                <a:latin typeface="Arial" panose="020B0604020202020204" pitchFamily="34" charset="0"/>
-                <a:cs typeface="Arial" panose="020B0604020202020204" pitchFamily="34" charset="0"/>
-              </a:rPr>
-              <a:t>A</a:t>
-            </a:r>
-            <a:r>
-              <a:rPr lang="en-US" sz="4000" dirty="0">
-                <a:latin typeface="Arial" panose="020B0604020202020204" pitchFamily="34" charset="0"/>
-                <a:cs typeface="Arial" panose="020B0604020202020204" pitchFamily="34" charset="0"/>
-              </a:rPr>
-              <a:t>) </a:t>
-            </a:r>
-            <a:r>
-              <a:rPr lang="en-US" sz="4000" i="1" dirty="0">
-                <a:latin typeface="Arial" panose="020B0604020202020204" pitchFamily="34" charset="0"/>
-                <a:cs typeface="Arial" panose="020B0604020202020204" pitchFamily="34" charset="0"/>
-              </a:rPr>
-              <a:t>E. faecalis </a:t>
-            </a:r>
-            <a:r>
-              <a:rPr lang="en-US" sz="4000" dirty="0">
-                <a:latin typeface="Arial" panose="020B0604020202020204" pitchFamily="34" charset="0"/>
-                <a:cs typeface="Arial" panose="020B0604020202020204" pitchFamily="34" charset="0"/>
-              </a:rPr>
-              <a:t>Yi6-1</a:t>
-            </a:r>
-          </a:p>
-          <a:p>
-            <a:r>
-              <a:rPr lang="en-US" sz="2000" dirty="0">
-                <a:latin typeface="Arial" panose="020B0604020202020204" pitchFamily="34" charset="0"/>
-                <a:cs typeface="Arial" panose="020B0604020202020204" pitchFamily="34" charset="0"/>
-              </a:rPr>
-              <a:t>	Individual phages </a:t>
-            </a:r>
-            <a:r>
-              <a:rPr lang="en-US" sz="2000" b="1" dirty="0">
-                <a:latin typeface="Arial" panose="020B0604020202020204" pitchFamily="34" charset="0"/>
-                <a:cs typeface="Arial" panose="020B0604020202020204" pitchFamily="34" charset="0"/>
-              </a:rPr>
-              <a:t>don’t</a:t>
-            </a:r>
-            <a:r>
-              <a:rPr lang="en-US" sz="2000" dirty="0">
-                <a:latin typeface="Arial" panose="020B0604020202020204" pitchFamily="34" charset="0"/>
-                <a:cs typeface="Arial" panose="020B0604020202020204" pitchFamily="34" charset="0"/>
-              </a:rPr>
-              <a:t> clear host</a:t>
-            </a:r>
-            <a:endParaRPr lang="en-US" sz="2000" b="1" dirty="0">
-              <a:latin typeface="Arial" panose="020B0604020202020204" pitchFamily="34" charset="0"/>
-              <a:cs typeface="Arial" panose="020B0604020202020204" pitchFamily="34" charset="0"/>
-            </a:endParaRPr>
-          </a:p>
-        </p:txBody>
-      </p:sp>
-      <p:sp>
-        <p:nvSpPr>
-          <p:cNvPr id="5" name="TextBox 4">
-            <a:extLst>
-              <a:ext uri="{FF2B5EF4-FFF2-40B4-BE49-F238E27FC236}">
-                <a16:creationId xmlns:a16="http://schemas.microsoft.com/office/drawing/2014/main" id="{B4F2E14C-26CF-41D0-A3B8-C548A3DEAE0A}"/>
-              </a:ext>
-            </a:extLst>
-          </p:cNvPr>
-          <p:cNvSpPr txBox="1"/>
-          <p:nvPr/>
-        </p:nvSpPr>
-        <p:spPr>
-          <a:xfrm>
-            <a:off x="11711268" y="235258"/>
-            <a:ext cx="5022570" cy="707886"/>
-          </a:xfrm>
-          <a:prstGeom prst="rect">
-            <a:avLst/>
-          </a:prstGeom>
-          <a:noFill/>
-        </p:spPr>
-        <p:txBody>
-          <a:bodyPr wrap="square" rtlCol="0">
-            <a:spAutoFit/>
-          </a:bodyPr>
-          <a:lstStyle/>
-          <a:p>
-            <a:r>
-              <a:rPr lang="en-US" sz="4000" b="1" dirty="0">
-                <a:latin typeface="Arial" panose="020B0604020202020204" pitchFamily="34" charset="0"/>
-                <a:cs typeface="Arial" panose="020B0604020202020204" pitchFamily="34" charset="0"/>
-              </a:rPr>
-              <a:t>C</a:t>
-            </a:r>
-            <a:r>
-              <a:rPr lang="en-US" sz="4000" dirty="0">
-                <a:latin typeface="Arial" panose="020B0604020202020204" pitchFamily="34" charset="0"/>
-                <a:cs typeface="Arial" panose="020B0604020202020204" pitchFamily="34" charset="0"/>
-              </a:rPr>
-              <a:t>) </a:t>
-            </a:r>
-            <a:r>
-              <a:rPr lang="en-US" sz="4000" i="1" dirty="0">
-                <a:latin typeface="Arial" panose="020B0604020202020204" pitchFamily="34" charset="0"/>
-                <a:cs typeface="Arial" panose="020B0604020202020204" pitchFamily="34" charset="0"/>
-              </a:rPr>
-              <a:t>E. faecalis </a:t>
-            </a:r>
-            <a:r>
-              <a:rPr lang="en-US" sz="4000" dirty="0">
-                <a:latin typeface="Arial" panose="020B0604020202020204" pitchFamily="34" charset="0"/>
-                <a:cs typeface="Arial" panose="020B0604020202020204" pitchFamily="34" charset="0"/>
-              </a:rPr>
-              <a:t>EF06</a:t>
-            </a:r>
-            <a:endParaRPr lang="en-US" sz="4000" b="1" dirty="0">
-              <a:latin typeface="Arial" panose="020B0604020202020204" pitchFamily="34" charset="0"/>
-              <a:cs typeface="Arial" panose="020B0604020202020204" pitchFamily="34" charset="0"/>
-            </a:endParaRPr>
-          </a:p>
-        </p:txBody>
-      </p:sp>
-      <p:sp>
-        <p:nvSpPr>
-          <p:cNvPr id="6" name="TextBox 5">
-            <a:extLst>
-              <a:ext uri="{FF2B5EF4-FFF2-40B4-BE49-F238E27FC236}">
-                <a16:creationId xmlns:a16="http://schemas.microsoft.com/office/drawing/2014/main" id="{F3BD6282-AEB8-46DA-917E-496C3D63F179}"/>
-              </a:ext>
-            </a:extLst>
-          </p:cNvPr>
-          <p:cNvSpPr txBox="1"/>
-          <p:nvPr/>
-        </p:nvSpPr>
-        <p:spPr>
-          <a:xfrm>
-            <a:off x="686094" y="9401176"/>
-            <a:ext cx="4584407" cy="707886"/>
-          </a:xfrm>
-          <a:prstGeom prst="rect">
-            <a:avLst/>
-          </a:prstGeom>
-          <a:noFill/>
-        </p:spPr>
-        <p:txBody>
-          <a:bodyPr wrap="square" rtlCol="0">
-            <a:spAutoFit/>
-          </a:bodyPr>
-          <a:lstStyle/>
-          <a:p>
-            <a:r>
-              <a:rPr lang="en-US" sz="4000" b="1" dirty="0">
-                <a:latin typeface="Arial" panose="020B0604020202020204" pitchFamily="34" charset="0"/>
-                <a:cs typeface="Arial" panose="020B0604020202020204" pitchFamily="34" charset="0"/>
-              </a:rPr>
-              <a:t>D</a:t>
-            </a:r>
-            <a:r>
-              <a:rPr lang="en-US" sz="4000" dirty="0">
-                <a:latin typeface="Arial" panose="020B0604020202020204" pitchFamily="34" charset="0"/>
-                <a:cs typeface="Arial" panose="020B0604020202020204" pitchFamily="34" charset="0"/>
-              </a:rPr>
-              <a:t>) </a:t>
-            </a:r>
-            <a:r>
-              <a:rPr lang="en-US" sz="4000" i="1" dirty="0">
-                <a:latin typeface="Arial" panose="020B0604020202020204" pitchFamily="34" charset="0"/>
-                <a:cs typeface="Arial" panose="020B0604020202020204" pitchFamily="34" charset="0"/>
-              </a:rPr>
-              <a:t>E. faecalis </a:t>
-            </a:r>
-            <a:r>
-              <a:rPr lang="en-US" sz="4000" dirty="0">
-                <a:latin typeface="Arial" panose="020B0604020202020204" pitchFamily="34" charset="0"/>
-                <a:cs typeface="Arial" panose="020B0604020202020204" pitchFamily="34" charset="0"/>
-              </a:rPr>
-              <a:t>EF11</a:t>
-            </a:r>
-            <a:endParaRPr lang="en-US" sz="4000" b="1" dirty="0">
-              <a:latin typeface="Arial" panose="020B0604020202020204" pitchFamily="34" charset="0"/>
-              <a:cs typeface="Arial" panose="020B0604020202020204" pitchFamily="34" charset="0"/>
-            </a:endParaRPr>
-          </a:p>
-        </p:txBody>
-      </p:sp>
-      <p:sp>
-        <p:nvSpPr>
-          <p:cNvPr id="7" name="TextBox 6">
-            <a:extLst>
-              <a:ext uri="{FF2B5EF4-FFF2-40B4-BE49-F238E27FC236}">
-                <a16:creationId xmlns:a16="http://schemas.microsoft.com/office/drawing/2014/main" id="{CA3DC903-3DAF-4FA7-B1DE-414956DB6228}"/>
-              </a:ext>
-            </a:extLst>
-          </p:cNvPr>
-          <p:cNvSpPr txBox="1"/>
-          <p:nvPr/>
-        </p:nvSpPr>
-        <p:spPr>
-          <a:xfrm>
-            <a:off x="6194745" y="9401176"/>
-            <a:ext cx="4584408" cy="707886"/>
-          </a:xfrm>
-          <a:prstGeom prst="rect">
-            <a:avLst/>
-          </a:prstGeom>
-          <a:noFill/>
-        </p:spPr>
-        <p:txBody>
-          <a:bodyPr wrap="square" rtlCol="0">
-            <a:spAutoFit/>
-          </a:bodyPr>
-          <a:lstStyle/>
-          <a:p>
-            <a:r>
-              <a:rPr lang="en-US" sz="4000" b="1" dirty="0">
-                <a:latin typeface="Arial" panose="020B0604020202020204" pitchFamily="34" charset="0"/>
-                <a:cs typeface="Arial" panose="020B0604020202020204" pitchFamily="34" charset="0"/>
-              </a:rPr>
-              <a:t>E</a:t>
-            </a:r>
-            <a:r>
-              <a:rPr lang="en-US" sz="4000" dirty="0">
-                <a:latin typeface="Arial" panose="020B0604020202020204" pitchFamily="34" charset="0"/>
-                <a:cs typeface="Arial" panose="020B0604020202020204" pitchFamily="34" charset="0"/>
-              </a:rPr>
-              <a:t>) </a:t>
-            </a:r>
-            <a:r>
-              <a:rPr lang="en-US" sz="4000" i="1" dirty="0">
-                <a:latin typeface="Arial" panose="020B0604020202020204" pitchFamily="34" charset="0"/>
-                <a:cs typeface="Arial" panose="020B0604020202020204" pitchFamily="34" charset="0"/>
-              </a:rPr>
-              <a:t>E. faecalis </a:t>
-            </a:r>
-            <a:r>
-              <a:rPr lang="en-US" sz="4000" dirty="0">
-                <a:latin typeface="Arial" panose="020B0604020202020204" pitchFamily="34" charset="0"/>
-                <a:cs typeface="Arial" panose="020B0604020202020204" pitchFamily="34" charset="0"/>
-              </a:rPr>
-              <a:t>V587</a:t>
-            </a:r>
-            <a:endParaRPr lang="en-US" sz="4000" b="1" dirty="0">
-              <a:latin typeface="Arial" panose="020B0604020202020204" pitchFamily="34" charset="0"/>
-              <a:cs typeface="Arial" panose="020B0604020202020204" pitchFamily="34" charset="0"/>
-            </a:endParaRPr>
-          </a:p>
-        </p:txBody>
-      </p:sp>
-      <p:sp>
-        <p:nvSpPr>
-          <p:cNvPr id="8" name="TextBox 7">
-            <a:extLst>
-              <a:ext uri="{FF2B5EF4-FFF2-40B4-BE49-F238E27FC236}">
-                <a16:creationId xmlns:a16="http://schemas.microsoft.com/office/drawing/2014/main" id="{40B3FAFD-EBEC-462C-BF0A-6D6C9E42A978}"/>
-              </a:ext>
-            </a:extLst>
-          </p:cNvPr>
-          <p:cNvSpPr txBox="1"/>
-          <p:nvPr/>
-        </p:nvSpPr>
-        <p:spPr>
-          <a:xfrm>
-            <a:off x="6194745" y="235258"/>
-            <a:ext cx="5314949" cy="1015663"/>
-          </a:xfrm>
-          <a:prstGeom prst="rect">
-            <a:avLst/>
-          </a:prstGeom>
-          <a:noFill/>
-        </p:spPr>
-        <p:txBody>
-          <a:bodyPr wrap="square" rtlCol="0">
-            <a:spAutoFit/>
-          </a:bodyPr>
-          <a:lstStyle/>
-          <a:p>
-            <a:r>
-              <a:rPr lang="en-US" sz="4000" b="1" dirty="0">
-                <a:latin typeface="Arial" panose="020B0604020202020204" pitchFamily="34" charset="0"/>
-                <a:cs typeface="Arial" panose="020B0604020202020204" pitchFamily="34" charset="0"/>
-              </a:rPr>
-              <a:t>B</a:t>
-            </a:r>
-            <a:r>
-              <a:rPr lang="en-US" sz="4000" dirty="0">
-                <a:latin typeface="Arial" panose="020B0604020202020204" pitchFamily="34" charset="0"/>
-                <a:cs typeface="Arial" panose="020B0604020202020204" pitchFamily="34" charset="0"/>
-              </a:rPr>
-              <a:t>) </a:t>
-            </a:r>
-            <a:r>
-              <a:rPr lang="en-US" sz="4000" i="1" dirty="0">
-                <a:latin typeface="Arial" panose="020B0604020202020204" pitchFamily="34" charset="0"/>
-                <a:cs typeface="Arial" panose="020B0604020202020204" pitchFamily="34" charset="0"/>
-              </a:rPr>
-              <a:t>E. faecalis </a:t>
-            </a:r>
-            <a:r>
-              <a:rPr lang="en-US" sz="4000" dirty="0">
-                <a:latin typeface="Arial" panose="020B0604020202020204" pitchFamily="34" charset="0"/>
-                <a:cs typeface="Arial" panose="020B0604020202020204" pitchFamily="34" charset="0"/>
-              </a:rPr>
-              <a:t>Yi6-1</a:t>
-            </a:r>
-          </a:p>
-          <a:p>
-            <a:r>
-              <a:rPr lang="en-US" sz="2000" dirty="0">
-                <a:latin typeface="Arial" panose="020B0604020202020204" pitchFamily="34" charset="0"/>
-                <a:cs typeface="Arial" panose="020B0604020202020204" pitchFamily="34" charset="0"/>
-              </a:rPr>
-              <a:t>	Individual phages </a:t>
-            </a:r>
-            <a:r>
-              <a:rPr lang="en-US" sz="2000" b="1" dirty="0">
-                <a:latin typeface="Arial" panose="020B0604020202020204" pitchFamily="34" charset="0"/>
-                <a:cs typeface="Arial" panose="020B0604020202020204" pitchFamily="34" charset="0"/>
-              </a:rPr>
-              <a:t>do</a:t>
-            </a:r>
-            <a:r>
-              <a:rPr lang="en-US" sz="2000" dirty="0">
-                <a:latin typeface="Arial" panose="020B0604020202020204" pitchFamily="34" charset="0"/>
-                <a:cs typeface="Arial" panose="020B0604020202020204" pitchFamily="34" charset="0"/>
-              </a:rPr>
-              <a:t> clear host</a:t>
-            </a:r>
-            <a:endParaRPr lang="en-US" sz="2000" b="1" dirty="0">
-              <a:latin typeface="Arial" panose="020B0604020202020204" pitchFamily="34" charset="0"/>
-              <a:cs typeface="Arial" panose="020B0604020202020204" pitchFamily="34" charset="0"/>
-            </a:endParaRPr>
-          </a:p>
-        </p:txBody>
-      </p:sp>
     </p:spTree>
     <p:extLst>
       <p:ext uri="{BB962C8B-B14F-4D97-AF65-F5344CB8AC3E}">
-        <p14:creationId xmlns:p14="http://schemas.microsoft.com/office/powerpoint/2010/main" val="529604342"/>
+        <p14:creationId xmlns:p14="http://schemas.microsoft.com/office/powerpoint/2010/main" val="1156175814"/>
       </p:ext>
     </p:extLst>
   </p:cSld>
@@ -4790,7 +4609,7 @@
 </p:sld>
 </file>
 
-<file path=ppt/slides/slide5.xml><?xml version="1.0" encoding="utf-8"?>
+<file path=ppt/slides/slide13.xml><?xml version="1.0" encoding="utf-8"?>
 <p:sld xmlns:a="http://schemas.openxmlformats.org/drawingml/2006/main" xmlns:r="http://schemas.openxmlformats.org/officeDocument/2006/relationships" xmlns:p="http://schemas.openxmlformats.org/presentationml/2006/main">
   <p:cSld>
     <p:spTree>
@@ -4809,6 +4628,430 @@
       </p:grpSpPr>
       <p:sp>
         <p:nvSpPr>
+          <p:cNvPr id="6" name="TextBox 5">
+            <a:extLst>
+              <a:ext uri="{FF2B5EF4-FFF2-40B4-BE49-F238E27FC236}">
+                <a16:creationId xmlns:a16="http://schemas.microsoft.com/office/drawing/2014/main" id="{DE82C92E-2832-407A-A796-FD4042B12369}"/>
+              </a:ext>
+            </a:extLst>
+          </p:cNvPr>
+          <p:cNvSpPr txBox="1"/>
+          <p:nvPr/>
+        </p:nvSpPr>
+        <p:spPr>
+          <a:xfrm>
+            <a:off x="686095" y="555091"/>
+            <a:ext cx="5314949" cy="707886"/>
+          </a:xfrm>
+          <a:prstGeom prst="rect">
+            <a:avLst/>
+          </a:prstGeom>
+          <a:noFill/>
+        </p:spPr>
+        <p:txBody>
+          <a:bodyPr wrap="square" rtlCol="0">
+            <a:spAutoFit/>
+          </a:bodyPr>
+          <a:lstStyle/>
+          <a:p>
+            <a:r>
+              <a:rPr lang="en-US" sz="4000" b="1" dirty="0">
+                <a:latin typeface="Arial" panose="020B0604020202020204" pitchFamily="34" charset="0"/>
+                <a:cs typeface="Arial" panose="020B0604020202020204" pitchFamily="34" charset="0"/>
+              </a:rPr>
+              <a:t>A</a:t>
+            </a:r>
+            <a:r>
+              <a:rPr lang="en-US" sz="4000" dirty="0">
+                <a:latin typeface="Arial" panose="020B0604020202020204" pitchFamily="34" charset="0"/>
+                <a:cs typeface="Arial" panose="020B0604020202020204" pitchFamily="34" charset="0"/>
+              </a:rPr>
+              <a:t>) </a:t>
+            </a:r>
+            <a:r>
+              <a:rPr lang="en-US" sz="4000" i="1" dirty="0">
+                <a:latin typeface="Arial" panose="020B0604020202020204" pitchFamily="34" charset="0"/>
+                <a:cs typeface="Arial" panose="020B0604020202020204" pitchFamily="34" charset="0"/>
+              </a:rPr>
+              <a:t>E. faecalis </a:t>
+            </a:r>
+            <a:r>
+              <a:rPr lang="en-US" sz="4000" dirty="0">
+                <a:latin typeface="Arial" panose="020B0604020202020204" pitchFamily="34" charset="0"/>
+                <a:cs typeface="Arial" panose="020B0604020202020204" pitchFamily="34" charset="0"/>
+              </a:rPr>
+              <a:t>Yi6-1</a:t>
+            </a:r>
+          </a:p>
+        </p:txBody>
+      </p:sp>
+      <p:sp>
+        <p:nvSpPr>
+          <p:cNvPr id="7" name="TextBox 6">
+            <a:extLst>
+              <a:ext uri="{FF2B5EF4-FFF2-40B4-BE49-F238E27FC236}">
+                <a16:creationId xmlns:a16="http://schemas.microsoft.com/office/drawing/2014/main" id="{0F11DB35-2804-49B9-BAB7-544C8007FBDF}"/>
+              </a:ext>
+            </a:extLst>
+          </p:cNvPr>
+          <p:cNvSpPr txBox="1"/>
+          <p:nvPr/>
+        </p:nvSpPr>
+        <p:spPr>
+          <a:xfrm>
+            <a:off x="7400124" y="555091"/>
+            <a:ext cx="5350567" cy="707886"/>
+          </a:xfrm>
+          <a:prstGeom prst="rect">
+            <a:avLst/>
+          </a:prstGeom>
+          <a:noFill/>
+        </p:spPr>
+        <p:txBody>
+          <a:bodyPr wrap="square" rtlCol="0">
+            <a:spAutoFit/>
+          </a:bodyPr>
+          <a:lstStyle/>
+          <a:p>
+            <a:r>
+              <a:rPr lang="en-US" sz="4000" b="1" dirty="0">
+                <a:latin typeface="Arial" panose="020B0604020202020204" pitchFamily="34" charset="0"/>
+                <a:cs typeface="Arial" panose="020B0604020202020204" pitchFamily="34" charset="0"/>
+              </a:rPr>
+              <a:t>B</a:t>
+            </a:r>
+            <a:r>
+              <a:rPr lang="en-US" sz="4000" dirty="0">
+                <a:latin typeface="Arial" panose="020B0604020202020204" pitchFamily="34" charset="0"/>
+                <a:cs typeface="Arial" panose="020B0604020202020204" pitchFamily="34" charset="0"/>
+              </a:rPr>
+              <a:t>) </a:t>
+            </a:r>
+            <a:r>
+              <a:rPr lang="en-US" sz="4000" i="1" dirty="0">
+                <a:latin typeface="Arial" panose="020B0604020202020204" pitchFamily="34" charset="0"/>
+                <a:cs typeface="Arial" panose="020B0604020202020204" pitchFamily="34" charset="0"/>
+              </a:rPr>
+              <a:t>E. faecalis </a:t>
+            </a:r>
+            <a:r>
+              <a:rPr lang="en-US" sz="4000" dirty="0">
+                <a:latin typeface="Arial" panose="020B0604020202020204" pitchFamily="34" charset="0"/>
+                <a:cs typeface="Arial" panose="020B0604020202020204" pitchFamily="34" charset="0"/>
+              </a:rPr>
+              <a:t>V587</a:t>
+            </a:r>
+            <a:endParaRPr lang="en-US" sz="4000" b="1" dirty="0">
+              <a:latin typeface="Arial" panose="020B0604020202020204" pitchFamily="34" charset="0"/>
+              <a:cs typeface="Arial" panose="020B0604020202020204" pitchFamily="34" charset="0"/>
+            </a:endParaRPr>
+          </a:p>
+        </p:txBody>
+      </p:sp>
+      <p:pic>
+        <p:nvPicPr>
+          <p:cNvPr id="12" name="Picture 11">
+            <a:extLst>
+              <a:ext uri="{FF2B5EF4-FFF2-40B4-BE49-F238E27FC236}">
+                <a16:creationId xmlns:a16="http://schemas.microsoft.com/office/drawing/2014/main" id="{1959F2F4-06F3-4763-BB1F-635CAAB4C816}"/>
+              </a:ext>
+            </a:extLst>
+          </p:cNvPr>
+          <p:cNvPicPr>
+            <a:picLocks noChangeAspect="1"/>
+          </p:cNvPicPr>
+          <p:nvPr/>
+        </p:nvPicPr>
+        <p:blipFill>
+          <a:blip r:embed="rId2"/>
+          <a:stretch>
+            <a:fillRect/>
+          </a:stretch>
+        </p:blipFill>
+        <p:spPr>
+          <a:xfrm>
+            <a:off x="686095" y="1488507"/>
+            <a:ext cx="5139236" cy="11823301"/>
+          </a:xfrm>
+          <a:prstGeom prst="rect">
+            <a:avLst/>
+          </a:prstGeom>
+        </p:spPr>
+      </p:pic>
+      <p:pic>
+        <p:nvPicPr>
+          <p:cNvPr id="14" name="Picture 13">
+            <a:extLst>
+              <a:ext uri="{FF2B5EF4-FFF2-40B4-BE49-F238E27FC236}">
+                <a16:creationId xmlns:a16="http://schemas.microsoft.com/office/drawing/2014/main" id="{F41D4624-7D0B-4CD5-9CE7-17F1E19ABA27}"/>
+              </a:ext>
+            </a:extLst>
+          </p:cNvPr>
+          <p:cNvPicPr>
+            <a:picLocks noChangeAspect="1"/>
+          </p:cNvPicPr>
+          <p:nvPr/>
+        </p:nvPicPr>
+        <p:blipFill>
+          <a:blip r:embed="rId3"/>
+          <a:stretch>
+            <a:fillRect/>
+          </a:stretch>
+        </p:blipFill>
+        <p:spPr>
+          <a:xfrm>
+            <a:off x="6773798" y="1488507"/>
+            <a:ext cx="5433283" cy="7224310"/>
+          </a:xfrm>
+          <a:prstGeom prst="rect">
+            <a:avLst/>
+          </a:prstGeom>
+        </p:spPr>
+      </p:pic>
+    </p:spTree>
+    <p:extLst>
+      <p:ext uri="{BB962C8B-B14F-4D97-AF65-F5344CB8AC3E}">
+        <p14:creationId xmlns:p14="http://schemas.microsoft.com/office/powerpoint/2010/main" val="2934697831"/>
+      </p:ext>
+    </p:extLst>
+  </p:cSld>
+  <p:clrMapOvr>
+    <a:masterClrMapping/>
+  </p:clrMapOvr>
+</p:sld>
+</file>
+
+<file path=ppt/slides/slide14.xml><?xml version="1.0" encoding="utf-8"?>
+<p:sld xmlns:a="http://schemas.openxmlformats.org/drawingml/2006/main" xmlns:r="http://schemas.openxmlformats.org/officeDocument/2006/relationships" xmlns:p="http://schemas.openxmlformats.org/presentationml/2006/main">
+  <p:cSld>
+    <p:spTree>
+      <p:nvGrpSpPr>
+        <p:cNvPr id="1" name=""/>
+        <p:cNvGrpSpPr/>
+        <p:nvPr/>
+      </p:nvGrpSpPr>
+      <p:grpSpPr>
+        <a:xfrm>
+          <a:off x="0" y="0"/>
+          <a:ext cx="0" cy="0"/>
+          <a:chOff x="0" y="0"/>
+          <a:chExt cx="0" cy="0"/>
+        </a:xfrm>
+      </p:grpSpPr>
+      <p:pic>
+        <p:nvPicPr>
+          <p:cNvPr id="5" name="Picture 4">
+            <a:extLst>
+              <a:ext uri="{FF2B5EF4-FFF2-40B4-BE49-F238E27FC236}">
+                <a16:creationId xmlns:a16="http://schemas.microsoft.com/office/drawing/2014/main" id="{D774D4D4-B89C-4C9D-82B5-D63D658C0CE2}"/>
+              </a:ext>
+            </a:extLst>
+          </p:cNvPr>
+          <p:cNvPicPr>
+            <a:picLocks noChangeAspect="1"/>
+          </p:cNvPicPr>
+          <p:nvPr/>
+        </p:nvPicPr>
+        <p:blipFill>
+          <a:blip r:embed="rId2"/>
+          <a:stretch>
+            <a:fillRect/>
+          </a:stretch>
+        </p:blipFill>
+        <p:spPr>
+          <a:xfrm>
+            <a:off x="346618" y="1461744"/>
+            <a:ext cx="5080655" cy="6985900"/>
+          </a:xfrm>
+          <a:prstGeom prst="rect">
+            <a:avLst/>
+          </a:prstGeom>
+        </p:spPr>
+      </p:pic>
+      <p:pic>
+        <p:nvPicPr>
+          <p:cNvPr id="7" name="Picture 6">
+            <a:extLst>
+              <a:ext uri="{FF2B5EF4-FFF2-40B4-BE49-F238E27FC236}">
+                <a16:creationId xmlns:a16="http://schemas.microsoft.com/office/drawing/2014/main" id="{8480CC25-DC25-4CE1-8EFB-AED3162E3FE5}"/>
+              </a:ext>
+            </a:extLst>
+          </p:cNvPr>
+          <p:cNvPicPr>
+            <a:picLocks noChangeAspect="1"/>
+          </p:cNvPicPr>
+          <p:nvPr/>
+        </p:nvPicPr>
+        <p:blipFill>
+          <a:blip r:embed="rId3"/>
+          <a:stretch>
+            <a:fillRect/>
+          </a:stretch>
+        </p:blipFill>
+        <p:spPr>
+          <a:xfrm>
+            <a:off x="6109006" y="1461744"/>
+            <a:ext cx="4959044" cy="6080571"/>
+          </a:xfrm>
+          <a:prstGeom prst="rect">
+            <a:avLst/>
+          </a:prstGeom>
+        </p:spPr>
+      </p:pic>
+      <p:sp>
+        <p:nvSpPr>
+          <p:cNvPr id="8" name="TextBox 7">
+            <a:extLst>
+              <a:ext uri="{FF2B5EF4-FFF2-40B4-BE49-F238E27FC236}">
+                <a16:creationId xmlns:a16="http://schemas.microsoft.com/office/drawing/2014/main" id="{4B9F05F3-94FD-4121-B981-9FC0883BBDBE}"/>
+              </a:ext>
+            </a:extLst>
+          </p:cNvPr>
+          <p:cNvSpPr txBox="1"/>
+          <p:nvPr/>
+        </p:nvSpPr>
+        <p:spPr>
+          <a:xfrm>
+            <a:off x="686095" y="555091"/>
+            <a:ext cx="5314949" cy="707886"/>
+          </a:xfrm>
+          <a:prstGeom prst="rect">
+            <a:avLst/>
+          </a:prstGeom>
+          <a:noFill/>
+        </p:spPr>
+        <p:txBody>
+          <a:bodyPr wrap="square" rtlCol="0">
+            <a:spAutoFit/>
+          </a:bodyPr>
+          <a:lstStyle/>
+          <a:p>
+            <a:r>
+              <a:rPr lang="en-US" sz="4000" b="1" dirty="0">
+                <a:latin typeface="Arial" panose="020B0604020202020204" pitchFamily="34" charset="0"/>
+                <a:cs typeface="Arial" panose="020B0604020202020204" pitchFamily="34" charset="0"/>
+              </a:rPr>
+              <a:t>A</a:t>
+            </a:r>
+            <a:r>
+              <a:rPr lang="en-US" sz="4000" dirty="0">
+                <a:latin typeface="Arial" panose="020B0604020202020204" pitchFamily="34" charset="0"/>
+                <a:cs typeface="Arial" panose="020B0604020202020204" pitchFamily="34" charset="0"/>
+              </a:rPr>
+              <a:t>) </a:t>
+            </a:r>
+            <a:r>
+              <a:rPr lang="en-US" sz="4000" i="1" dirty="0">
+                <a:latin typeface="Arial" panose="020B0604020202020204" pitchFamily="34" charset="0"/>
+                <a:cs typeface="Arial" panose="020B0604020202020204" pitchFamily="34" charset="0"/>
+              </a:rPr>
+              <a:t>E. faecalis </a:t>
+            </a:r>
+            <a:r>
+              <a:rPr lang="en-US" sz="4000" dirty="0">
+                <a:latin typeface="Arial" panose="020B0604020202020204" pitchFamily="34" charset="0"/>
+                <a:cs typeface="Arial" panose="020B0604020202020204" pitchFamily="34" charset="0"/>
+              </a:rPr>
+              <a:t>EF06</a:t>
+            </a:r>
+          </a:p>
+        </p:txBody>
+      </p:sp>
+      <p:sp>
+        <p:nvSpPr>
+          <p:cNvPr id="9" name="TextBox 8">
+            <a:extLst>
+              <a:ext uri="{FF2B5EF4-FFF2-40B4-BE49-F238E27FC236}">
+                <a16:creationId xmlns:a16="http://schemas.microsoft.com/office/drawing/2014/main" id="{6BF2E03D-7354-453E-A272-E04CA66D4FBB}"/>
+              </a:ext>
+            </a:extLst>
+          </p:cNvPr>
+          <p:cNvSpPr txBox="1"/>
+          <p:nvPr/>
+        </p:nvSpPr>
+        <p:spPr>
+          <a:xfrm>
+            <a:off x="7400124" y="555091"/>
+            <a:ext cx="5350567" cy="707886"/>
+          </a:xfrm>
+          <a:prstGeom prst="rect">
+            <a:avLst/>
+          </a:prstGeom>
+          <a:noFill/>
+        </p:spPr>
+        <p:txBody>
+          <a:bodyPr wrap="square" rtlCol="0">
+            <a:spAutoFit/>
+          </a:bodyPr>
+          <a:lstStyle/>
+          <a:p>
+            <a:r>
+              <a:rPr lang="en-US" sz="4000" b="1" dirty="0">
+                <a:latin typeface="Arial" panose="020B0604020202020204" pitchFamily="34" charset="0"/>
+                <a:cs typeface="Arial" panose="020B0604020202020204" pitchFamily="34" charset="0"/>
+              </a:rPr>
+              <a:t>B</a:t>
+            </a:r>
+            <a:r>
+              <a:rPr lang="en-US" sz="4000" dirty="0">
+                <a:latin typeface="Arial" panose="020B0604020202020204" pitchFamily="34" charset="0"/>
+                <a:cs typeface="Arial" panose="020B0604020202020204" pitchFamily="34" charset="0"/>
+              </a:rPr>
+              <a:t>) </a:t>
+            </a:r>
+            <a:r>
+              <a:rPr lang="en-US" sz="4000" i="1" dirty="0">
+                <a:latin typeface="Arial" panose="020B0604020202020204" pitchFamily="34" charset="0"/>
+                <a:cs typeface="Arial" panose="020B0604020202020204" pitchFamily="34" charset="0"/>
+              </a:rPr>
+              <a:t>E. faecalis </a:t>
+            </a:r>
+            <a:r>
+              <a:rPr lang="en-US" sz="4000" dirty="0">
+                <a:latin typeface="Arial" panose="020B0604020202020204" pitchFamily="34" charset="0"/>
+                <a:cs typeface="Arial" panose="020B0604020202020204" pitchFamily="34" charset="0"/>
+              </a:rPr>
+              <a:t>EF11</a:t>
+            </a:r>
+            <a:endParaRPr lang="en-US" sz="4000" b="1" dirty="0">
+              <a:latin typeface="Arial" panose="020B0604020202020204" pitchFamily="34" charset="0"/>
+              <a:cs typeface="Arial" panose="020B0604020202020204" pitchFamily="34" charset="0"/>
+            </a:endParaRPr>
+          </a:p>
+        </p:txBody>
+      </p:sp>
+    </p:spTree>
+    <p:extLst>
+      <p:ext uri="{BB962C8B-B14F-4D97-AF65-F5344CB8AC3E}">
+        <p14:creationId xmlns:p14="http://schemas.microsoft.com/office/powerpoint/2010/main" val="2558587353"/>
+      </p:ext>
+    </p:extLst>
+  </p:cSld>
+  <p:clrMapOvr>
+    <a:masterClrMapping/>
+  </p:clrMapOvr>
+</p:sld>
+</file>
+
+<file path=ppt/slides/slide15.xml><?xml version="1.0" encoding="utf-8"?>
+<p:sld xmlns:a="http://schemas.openxmlformats.org/drawingml/2006/main" xmlns:r="http://schemas.openxmlformats.org/officeDocument/2006/relationships" xmlns:p="http://schemas.openxmlformats.org/presentationml/2006/main">
+  <p:cSld>
+    <p:spTree>
+      <p:nvGrpSpPr>
+        <p:cNvPr id="1" name=""/>
+        <p:cNvGrpSpPr/>
+        <p:nvPr/>
+      </p:nvGrpSpPr>
+      <p:grpSpPr>
+        <a:xfrm>
+          <a:off x="0" y="0"/>
+          <a:ext cx="0" cy="0"/>
+          <a:chOff x="0" y="0"/>
+          <a:chExt cx="0" cy="0"/>
+        </a:xfrm>
+      </p:grpSpPr>
+      <p:sp>
+        <p:nvSpPr>
           <p:cNvPr id="3" name="Rectangle 2">
             <a:extLst>
               <a:ext uri="{FF2B5EF4-FFF2-40B4-BE49-F238E27FC236}">
@@ -5312,7 +5555,7 @@
 </p:sld>
 </file>
 
-<file path=ppt/slides/slide6.xml><?xml version="1.0" encoding="utf-8"?>
+<file path=ppt/slides/slide16.xml><?xml version="1.0" encoding="utf-8"?>
 <p:sld xmlns:a="http://schemas.openxmlformats.org/drawingml/2006/main" xmlns:r="http://schemas.openxmlformats.org/officeDocument/2006/relationships" xmlns:p="http://schemas.openxmlformats.org/presentationml/2006/main">
   <p:cSld>
     <p:spTree>
@@ -5606,7 +5849,7 @@
 </p:sld>
 </file>
 
-<file path=ppt/slides/slide7.xml><?xml version="1.0" encoding="utf-8"?>
+<file path=ppt/slides/slide17.xml><?xml version="1.0" encoding="utf-8"?>
 <p:sld xmlns:a="http://schemas.openxmlformats.org/drawingml/2006/main" xmlns:r="http://schemas.openxmlformats.org/officeDocument/2006/relationships" xmlns:p="http://schemas.openxmlformats.org/presentationml/2006/main">
   <p:cSld>
     <p:spTree>
@@ -6632,7 +6875,7 @@
 </p:sld>
 </file>
 
-<file path=ppt/slides/slide8.xml><?xml version="1.0" encoding="utf-8"?>
+<file path=ppt/slides/slide18.xml><?xml version="1.0" encoding="utf-8"?>
 <p:sld xmlns:a="http://schemas.openxmlformats.org/drawingml/2006/main" xmlns:r="http://schemas.openxmlformats.org/officeDocument/2006/relationships" xmlns:p="http://schemas.openxmlformats.org/presentationml/2006/main">
   <p:cSld>
     <p:spTree>
@@ -7233,6 +7476,3191 @@
     <p:extLst>
       <p:ext uri="{BB962C8B-B14F-4D97-AF65-F5344CB8AC3E}">
         <p14:creationId xmlns:p14="http://schemas.microsoft.com/office/powerpoint/2010/main" val="1515243344"/>
+      </p:ext>
+    </p:extLst>
+  </p:cSld>
+  <p:clrMapOvr>
+    <a:masterClrMapping/>
+  </p:clrMapOvr>
+</p:sld>
+</file>
+
+<file path=ppt/slides/slide19.xml><?xml version="1.0" encoding="utf-8"?>
+<p:sld xmlns:a="http://schemas.openxmlformats.org/drawingml/2006/main" xmlns:r="http://schemas.openxmlformats.org/officeDocument/2006/relationships" xmlns:p="http://schemas.openxmlformats.org/presentationml/2006/main">
+  <p:cSld>
+    <p:spTree>
+      <p:nvGrpSpPr>
+        <p:cNvPr id="1" name=""/>
+        <p:cNvGrpSpPr/>
+        <p:nvPr/>
+      </p:nvGrpSpPr>
+      <p:grpSpPr>
+        <a:xfrm>
+          <a:off x="0" y="0"/>
+          <a:ext cx="0" cy="0"/>
+          <a:chOff x="0" y="0"/>
+          <a:chExt cx="0" cy="0"/>
+        </a:xfrm>
+      </p:grpSpPr>
+      <p:pic>
+        <p:nvPicPr>
+          <p:cNvPr id="17" name="Picture 16" descr="Graphical user interface, text&#10;&#10;Description automatically generated">
+            <a:extLst>
+              <a:ext uri="{FF2B5EF4-FFF2-40B4-BE49-F238E27FC236}">
+                <a16:creationId xmlns:a16="http://schemas.microsoft.com/office/drawing/2014/main" id="{C8D4E473-6E26-483A-8FB2-D115B563B94A}"/>
+              </a:ext>
+            </a:extLst>
+          </p:cNvPr>
+          <p:cNvPicPr>
+            <a:picLocks noChangeAspect="1"/>
+          </p:cNvPicPr>
+          <p:nvPr/>
+        </p:nvPicPr>
+        <p:blipFill rotWithShape="1">
+          <a:blip r:embed="rId2">
+            <a:extLst>
+              <a:ext uri="{28A0092B-C50C-407E-A947-70E740481C1C}">
+                <a14:useLocalDpi xmlns:a14="http://schemas.microsoft.com/office/drawing/2010/main" val="0"/>
+              </a:ext>
+            </a:extLst>
+          </a:blip>
+          <a:srcRect t="50683" b="-1"/>
+          <a:stretch/>
+        </p:blipFill>
+        <p:spPr>
+          <a:xfrm>
+            <a:off x="-1019089" y="8829565"/>
+            <a:ext cx="15921155" cy="1570368"/>
+          </a:xfrm>
+          <a:prstGeom prst="rect">
+            <a:avLst/>
+          </a:prstGeom>
+        </p:spPr>
+      </p:pic>
+      <p:pic>
+        <p:nvPicPr>
+          <p:cNvPr id="14" name="Picture 13" descr="Text&#10;&#10;Description automatically generated">
+            <a:extLst>
+              <a:ext uri="{FF2B5EF4-FFF2-40B4-BE49-F238E27FC236}">
+                <a16:creationId xmlns:a16="http://schemas.microsoft.com/office/drawing/2014/main" id="{D0D3DE05-6B80-43FB-B7E2-D5FEA95C4AD7}"/>
+              </a:ext>
+            </a:extLst>
+          </p:cNvPr>
+          <p:cNvPicPr>
+            <a:picLocks noChangeAspect="1"/>
+          </p:cNvPicPr>
+          <p:nvPr/>
+        </p:nvPicPr>
+        <p:blipFill rotWithShape="1">
+          <a:blip r:embed="rId3">
+            <a:extLst>
+              <a:ext uri="{28A0092B-C50C-407E-A947-70E740481C1C}">
+                <a14:useLocalDpi xmlns:a14="http://schemas.microsoft.com/office/drawing/2010/main" val="0"/>
+              </a:ext>
+            </a:extLst>
+          </a:blip>
+          <a:srcRect t="29064"/>
+          <a:stretch/>
+        </p:blipFill>
+        <p:spPr>
+          <a:xfrm>
+            <a:off x="-2062780" y="13888886"/>
+            <a:ext cx="18008535" cy="2554902"/>
+          </a:xfrm>
+          <a:prstGeom prst="rect">
+            <a:avLst/>
+          </a:prstGeom>
+        </p:spPr>
+      </p:pic>
+      <p:pic>
+        <p:nvPicPr>
+          <p:cNvPr id="10" name="image2.png">
+            <a:extLst>
+              <a:ext uri="{FF2B5EF4-FFF2-40B4-BE49-F238E27FC236}">
+                <a16:creationId xmlns:a16="http://schemas.microsoft.com/office/drawing/2014/main" id="{F0AB2B24-E637-487B-A7C0-4E36B6BDC448}"/>
+              </a:ext>
+            </a:extLst>
+          </p:cNvPr>
+          <p:cNvPicPr/>
+          <p:nvPr/>
+        </p:nvPicPr>
+        <p:blipFill>
+          <a:blip r:embed="rId4"/>
+          <a:srcRect/>
+          <a:stretch>
+            <a:fillRect/>
+          </a:stretch>
+        </p:blipFill>
+        <p:spPr>
+          <a:xfrm>
+            <a:off x="3005252" y="253447"/>
+            <a:ext cx="8465979" cy="3742886"/>
+          </a:xfrm>
+          <a:prstGeom prst="rect">
+            <a:avLst/>
+          </a:prstGeom>
+          <a:ln/>
+        </p:spPr>
+      </p:pic>
+      <p:sp>
+        <p:nvSpPr>
+          <p:cNvPr id="40" name="TextBox 39">
+            <a:extLst>
+              <a:ext uri="{FF2B5EF4-FFF2-40B4-BE49-F238E27FC236}">
+                <a16:creationId xmlns:a16="http://schemas.microsoft.com/office/drawing/2014/main" id="{ACE27B27-DE1F-46E8-9CBB-B5FBA1C5B3AB}"/>
+              </a:ext>
+            </a:extLst>
+          </p:cNvPr>
+          <p:cNvSpPr txBox="1"/>
+          <p:nvPr/>
+        </p:nvSpPr>
+        <p:spPr>
+          <a:xfrm>
+            <a:off x="270719" y="5446070"/>
+            <a:ext cx="502061" cy="523220"/>
+          </a:xfrm>
+          <a:prstGeom prst="rect">
+            <a:avLst/>
+          </a:prstGeom>
+          <a:noFill/>
+        </p:spPr>
+        <p:txBody>
+          <a:bodyPr wrap="none" rtlCol="0">
+            <a:spAutoFit/>
+          </a:bodyPr>
+          <a:lstStyle/>
+          <a:p>
+            <a:r>
+              <a:rPr lang="en-US" sz="2800" dirty="0"/>
+              <a:t>A)</a:t>
+            </a:r>
+          </a:p>
+        </p:txBody>
+      </p:sp>
+      <p:sp>
+        <p:nvSpPr>
+          <p:cNvPr id="41" name="TextBox 40">
+            <a:extLst>
+              <a:ext uri="{FF2B5EF4-FFF2-40B4-BE49-F238E27FC236}">
+                <a16:creationId xmlns:a16="http://schemas.microsoft.com/office/drawing/2014/main" id="{11AFFADB-4EBF-4154-B9B0-33D4B9859809}"/>
+              </a:ext>
+            </a:extLst>
+          </p:cNvPr>
+          <p:cNvSpPr txBox="1"/>
+          <p:nvPr/>
+        </p:nvSpPr>
+        <p:spPr>
+          <a:xfrm>
+            <a:off x="5070754" y="5393843"/>
+            <a:ext cx="489236" cy="523220"/>
+          </a:xfrm>
+          <a:prstGeom prst="rect">
+            <a:avLst/>
+          </a:prstGeom>
+          <a:noFill/>
+        </p:spPr>
+        <p:txBody>
+          <a:bodyPr wrap="none" rtlCol="0">
+            <a:spAutoFit/>
+          </a:bodyPr>
+          <a:lstStyle/>
+          <a:p>
+            <a:r>
+              <a:rPr lang="en-US" sz="2800" dirty="0"/>
+              <a:t>B)</a:t>
+            </a:r>
+          </a:p>
+        </p:txBody>
+      </p:sp>
+      <p:sp>
+        <p:nvSpPr>
+          <p:cNvPr id="42" name="TextBox 41">
+            <a:extLst>
+              <a:ext uri="{FF2B5EF4-FFF2-40B4-BE49-F238E27FC236}">
+                <a16:creationId xmlns:a16="http://schemas.microsoft.com/office/drawing/2014/main" id="{78782575-CFE9-4926-8E2A-2EDDB968B304}"/>
+              </a:ext>
+            </a:extLst>
+          </p:cNvPr>
+          <p:cNvSpPr txBox="1"/>
+          <p:nvPr/>
+        </p:nvSpPr>
+        <p:spPr>
+          <a:xfrm>
+            <a:off x="232439" y="8400699"/>
+            <a:ext cx="484428" cy="523220"/>
+          </a:xfrm>
+          <a:prstGeom prst="rect">
+            <a:avLst/>
+          </a:prstGeom>
+          <a:noFill/>
+        </p:spPr>
+        <p:txBody>
+          <a:bodyPr wrap="none" rtlCol="0">
+            <a:spAutoFit/>
+          </a:bodyPr>
+          <a:lstStyle/>
+          <a:p>
+            <a:r>
+              <a:rPr lang="en-US" sz="2800" dirty="0"/>
+              <a:t>C)</a:t>
+            </a:r>
+          </a:p>
+        </p:txBody>
+      </p:sp>
+      <p:sp>
+        <p:nvSpPr>
+          <p:cNvPr id="43" name="TextBox 42">
+            <a:extLst>
+              <a:ext uri="{FF2B5EF4-FFF2-40B4-BE49-F238E27FC236}">
+                <a16:creationId xmlns:a16="http://schemas.microsoft.com/office/drawing/2014/main" id="{892B121B-B0C8-4FAC-8F4A-964E38C512E3}"/>
+              </a:ext>
+            </a:extLst>
+          </p:cNvPr>
+          <p:cNvSpPr txBox="1"/>
+          <p:nvPr/>
+        </p:nvSpPr>
+        <p:spPr>
+          <a:xfrm>
+            <a:off x="218033" y="10677621"/>
+            <a:ext cx="514885" cy="523220"/>
+          </a:xfrm>
+          <a:prstGeom prst="rect">
+            <a:avLst/>
+          </a:prstGeom>
+          <a:noFill/>
+        </p:spPr>
+        <p:txBody>
+          <a:bodyPr wrap="none" rtlCol="0">
+            <a:spAutoFit/>
+          </a:bodyPr>
+          <a:lstStyle/>
+          <a:p>
+            <a:r>
+              <a:rPr lang="en-US" sz="2800" dirty="0"/>
+              <a:t>D)</a:t>
+            </a:r>
+          </a:p>
+        </p:txBody>
+      </p:sp>
+      <p:sp>
+        <p:nvSpPr>
+          <p:cNvPr id="44" name="TextBox 43">
+            <a:extLst>
+              <a:ext uri="{FF2B5EF4-FFF2-40B4-BE49-F238E27FC236}">
+                <a16:creationId xmlns:a16="http://schemas.microsoft.com/office/drawing/2014/main" id="{FF4FDDBE-C7EE-4802-8CF6-DF56F042FF20}"/>
+              </a:ext>
+            </a:extLst>
+          </p:cNvPr>
+          <p:cNvSpPr txBox="1"/>
+          <p:nvPr/>
+        </p:nvSpPr>
+        <p:spPr>
+          <a:xfrm>
+            <a:off x="5070754" y="10677621"/>
+            <a:ext cx="468398" cy="523220"/>
+          </a:xfrm>
+          <a:prstGeom prst="rect">
+            <a:avLst/>
+          </a:prstGeom>
+          <a:noFill/>
+        </p:spPr>
+        <p:txBody>
+          <a:bodyPr wrap="none" rtlCol="0">
+            <a:spAutoFit/>
+          </a:bodyPr>
+          <a:lstStyle/>
+          <a:p>
+            <a:r>
+              <a:rPr lang="en-US" sz="2800" dirty="0"/>
+              <a:t>E)</a:t>
+            </a:r>
+          </a:p>
+        </p:txBody>
+      </p:sp>
+      <p:sp>
+        <p:nvSpPr>
+          <p:cNvPr id="45" name="TextBox 44">
+            <a:extLst>
+              <a:ext uri="{FF2B5EF4-FFF2-40B4-BE49-F238E27FC236}">
+                <a16:creationId xmlns:a16="http://schemas.microsoft.com/office/drawing/2014/main" id="{5746EB30-1F52-4598-B5AD-3F04F66EB3D2}"/>
+              </a:ext>
+            </a:extLst>
+          </p:cNvPr>
+          <p:cNvSpPr txBox="1"/>
+          <p:nvPr/>
+        </p:nvSpPr>
+        <p:spPr>
+          <a:xfrm>
+            <a:off x="218033" y="13643353"/>
+            <a:ext cx="458780" cy="523220"/>
+          </a:xfrm>
+          <a:prstGeom prst="rect">
+            <a:avLst/>
+          </a:prstGeom>
+          <a:noFill/>
+        </p:spPr>
+        <p:txBody>
+          <a:bodyPr wrap="none" rtlCol="0">
+            <a:spAutoFit/>
+          </a:bodyPr>
+          <a:lstStyle/>
+          <a:p>
+            <a:r>
+              <a:rPr lang="en-US" sz="2800" dirty="0"/>
+              <a:t>F)</a:t>
+            </a:r>
+          </a:p>
+        </p:txBody>
+      </p:sp>
+      <p:sp>
+        <p:nvSpPr>
+          <p:cNvPr id="46" name="TextBox 45">
+            <a:extLst>
+              <a:ext uri="{FF2B5EF4-FFF2-40B4-BE49-F238E27FC236}">
+                <a16:creationId xmlns:a16="http://schemas.microsoft.com/office/drawing/2014/main" id="{CBB5F290-4A66-419D-99F5-8C66D23337FF}"/>
+              </a:ext>
+            </a:extLst>
+          </p:cNvPr>
+          <p:cNvSpPr txBox="1"/>
+          <p:nvPr/>
+        </p:nvSpPr>
+        <p:spPr>
+          <a:xfrm>
+            <a:off x="8301922" y="8242712"/>
+            <a:ext cx="4024441" cy="400110"/>
+          </a:xfrm>
+          <a:prstGeom prst="rect">
+            <a:avLst/>
+          </a:prstGeom>
+          <a:noFill/>
+        </p:spPr>
+        <p:txBody>
+          <a:bodyPr wrap="square" rtlCol="0">
+            <a:spAutoFit/>
+          </a:bodyPr>
+          <a:lstStyle/>
+          <a:p>
+            <a:r>
+              <a:rPr lang="en-US" sz="2000" dirty="0"/>
+              <a:t>Number of phages containing gene</a:t>
+            </a:r>
+          </a:p>
+        </p:txBody>
+      </p:sp>
+      <p:pic>
+        <p:nvPicPr>
+          <p:cNvPr id="5" name="Picture 4">
+            <a:extLst>
+              <a:ext uri="{FF2B5EF4-FFF2-40B4-BE49-F238E27FC236}">
+                <a16:creationId xmlns:a16="http://schemas.microsoft.com/office/drawing/2014/main" id="{BB1E90C5-B52B-4E0B-8C6F-79BFA15B679A}"/>
+              </a:ext>
+            </a:extLst>
+          </p:cNvPr>
+          <p:cNvPicPr>
+            <a:picLocks noChangeAspect="1"/>
+          </p:cNvPicPr>
+          <p:nvPr/>
+        </p:nvPicPr>
+        <p:blipFill>
+          <a:blip r:embed="rId5"/>
+          <a:stretch>
+            <a:fillRect/>
+          </a:stretch>
+        </p:blipFill>
+        <p:spPr>
+          <a:xfrm>
+            <a:off x="8111820" y="8657381"/>
+            <a:ext cx="4334480" cy="600159"/>
+          </a:xfrm>
+          <a:prstGeom prst="rect">
+            <a:avLst/>
+          </a:prstGeom>
+        </p:spPr>
+      </p:pic>
+      <p:sp>
+        <p:nvSpPr>
+          <p:cNvPr id="30" name="TextBox 29">
+            <a:extLst>
+              <a:ext uri="{FF2B5EF4-FFF2-40B4-BE49-F238E27FC236}">
+                <a16:creationId xmlns:a16="http://schemas.microsoft.com/office/drawing/2014/main" id="{C2665227-2107-45D1-B06F-9D47C65E427C}"/>
+              </a:ext>
+            </a:extLst>
+          </p:cNvPr>
+          <p:cNvSpPr txBox="1"/>
+          <p:nvPr/>
+        </p:nvSpPr>
+        <p:spPr>
+          <a:xfrm>
+            <a:off x="9314204" y="13474217"/>
+            <a:ext cx="4024441" cy="400110"/>
+          </a:xfrm>
+          <a:prstGeom prst="rect">
+            <a:avLst/>
+          </a:prstGeom>
+          <a:noFill/>
+        </p:spPr>
+        <p:txBody>
+          <a:bodyPr wrap="square" rtlCol="0">
+            <a:spAutoFit/>
+          </a:bodyPr>
+          <a:lstStyle/>
+          <a:p>
+            <a:r>
+              <a:rPr lang="en-US" sz="2000" dirty="0"/>
+              <a:t>Number of phages containing gene</a:t>
+            </a:r>
+          </a:p>
+        </p:txBody>
+      </p:sp>
+      <p:pic>
+        <p:nvPicPr>
+          <p:cNvPr id="31" name="Picture 30">
+            <a:extLst>
+              <a:ext uri="{FF2B5EF4-FFF2-40B4-BE49-F238E27FC236}">
+                <a16:creationId xmlns:a16="http://schemas.microsoft.com/office/drawing/2014/main" id="{1EEE4F53-F9C1-487D-A117-D57A93441782}"/>
+              </a:ext>
+            </a:extLst>
+          </p:cNvPr>
+          <p:cNvPicPr>
+            <a:picLocks noChangeAspect="1"/>
+          </p:cNvPicPr>
+          <p:nvPr/>
+        </p:nvPicPr>
+        <p:blipFill>
+          <a:blip r:embed="rId5"/>
+          <a:stretch>
+            <a:fillRect/>
+          </a:stretch>
+        </p:blipFill>
+        <p:spPr>
+          <a:xfrm>
+            <a:off x="9124102" y="13888886"/>
+            <a:ext cx="4334480" cy="600159"/>
+          </a:xfrm>
+          <a:prstGeom prst="rect">
+            <a:avLst/>
+          </a:prstGeom>
+        </p:spPr>
+      </p:pic>
+      <p:pic>
+        <p:nvPicPr>
+          <p:cNvPr id="22" name="Picture 21">
+            <a:extLst>
+              <a:ext uri="{FF2B5EF4-FFF2-40B4-BE49-F238E27FC236}">
+                <a16:creationId xmlns:a16="http://schemas.microsoft.com/office/drawing/2014/main" id="{75254A65-6066-430F-8179-6257ED6934C4}"/>
+              </a:ext>
+            </a:extLst>
+          </p:cNvPr>
+          <p:cNvPicPr>
+            <a:picLocks noChangeAspect="1"/>
+          </p:cNvPicPr>
+          <p:nvPr/>
+        </p:nvPicPr>
+        <p:blipFill>
+          <a:blip r:embed="rId6"/>
+          <a:stretch>
+            <a:fillRect/>
+          </a:stretch>
+        </p:blipFill>
+        <p:spPr>
+          <a:xfrm>
+            <a:off x="784351" y="5503858"/>
+            <a:ext cx="4163006" cy="3172268"/>
+          </a:xfrm>
+          <a:prstGeom prst="rect">
+            <a:avLst/>
+          </a:prstGeom>
+        </p:spPr>
+      </p:pic>
+      <p:pic>
+        <p:nvPicPr>
+          <p:cNvPr id="25" name="Picture 24">
+            <a:extLst>
+              <a:ext uri="{FF2B5EF4-FFF2-40B4-BE49-F238E27FC236}">
+                <a16:creationId xmlns:a16="http://schemas.microsoft.com/office/drawing/2014/main" id="{383D91B2-B9DD-4633-8102-9F278886CDF9}"/>
+              </a:ext>
+            </a:extLst>
+          </p:cNvPr>
+          <p:cNvPicPr>
+            <a:picLocks noChangeAspect="1"/>
+          </p:cNvPicPr>
+          <p:nvPr/>
+        </p:nvPicPr>
+        <p:blipFill>
+          <a:blip r:embed="rId7"/>
+          <a:stretch>
+            <a:fillRect/>
+          </a:stretch>
+        </p:blipFill>
+        <p:spPr>
+          <a:xfrm>
+            <a:off x="798640" y="10621985"/>
+            <a:ext cx="4134427" cy="3191320"/>
+          </a:xfrm>
+          <a:prstGeom prst="rect">
+            <a:avLst/>
+          </a:prstGeom>
+        </p:spPr>
+      </p:pic>
+      <p:pic>
+        <p:nvPicPr>
+          <p:cNvPr id="33" name="Picture 32">
+            <a:extLst>
+              <a:ext uri="{FF2B5EF4-FFF2-40B4-BE49-F238E27FC236}">
+                <a16:creationId xmlns:a16="http://schemas.microsoft.com/office/drawing/2014/main" id="{EEC58B6B-5803-4B57-BF29-ECD1219D9E69}"/>
+              </a:ext>
+            </a:extLst>
+          </p:cNvPr>
+          <p:cNvPicPr>
+            <a:picLocks noChangeAspect="1"/>
+          </p:cNvPicPr>
+          <p:nvPr/>
+        </p:nvPicPr>
+        <p:blipFill>
+          <a:blip r:embed="rId8"/>
+          <a:stretch>
+            <a:fillRect/>
+          </a:stretch>
+        </p:blipFill>
+        <p:spPr>
+          <a:xfrm>
+            <a:off x="5775597" y="10875518"/>
+            <a:ext cx="5515745" cy="1971950"/>
+          </a:xfrm>
+          <a:prstGeom prst="rect">
+            <a:avLst/>
+          </a:prstGeom>
+        </p:spPr>
+      </p:pic>
+      <p:pic>
+        <p:nvPicPr>
+          <p:cNvPr id="35" name="Picture 34">
+            <a:extLst>
+              <a:ext uri="{FF2B5EF4-FFF2-40B4-BE49-F238E27FC236}">
+                <a16:creationId xmlns:a16="http://schemas.microsoft.com/office/drawing/2014/main" id="{6E281412-0481-47E8-A923-C04AA97387BA}"/>
+              </a:ext>
+            </a:extLst>
+          </p:cNvPr>
+          <p:cNvPicPr>
+            <a:picLocks noChangeAspect="1"/>
+          </p:cNvPicPr>
+          <p:nvPr/>
+        </p:nvPicPr>
+        <p:blipFill>
+          <a:blip r:embed="rId9"/>
+          <a:stretch>
+            <a:fillRect/>
+          </a:stretch>
+        </p:blipFill>
+        <p:spPr>
+          <a:xfrm>
+            <a:off x="5683387" y="5642636"/>
+            <a:ext cx="5632631" cy="1877544"/>
+          </a:xfrm>
+          <a:prstGeom prst="rect">
+            <a:avLst/>
+          </a:prstGeom>
+        </p:spPr>
+      </p:pic>
+    </p:spTree>
+    <p:extLst>
+      <p:ext uri="{BB962C8B-B14F-4D97-AF65-F5344CB8AC3E}">
+        <p14:creationId xmlns:p14="http://schemas.microsoft.com/office/powerpoint/2010/main" val="2882875523"/>
+      </p:ext>
+    </p:extLst>
+  </p:cSld>
+  <p:clrMapOvr>
+    <a:masterClrMapping/>
+  </p:clrMapOvr>
+</p:sld>
+</file>
+
+<file path=ppt/slides/slide2.xml><?xml version="1.0" encoding="utf-8"?>
+<p:sld xmlns:a="http://schemas.openxmlformats.org/drawingml/2006/main" xmlns:r="http://schemas.openxmlformats.org/officeDocument/2006/relationships" xmlns:p="http://schemas.openxmlformats.org/presentationml/2006/main">
+  <p:cSld>
+    <p:spTree>
+      <p:nvGrpSpPr>
+        <p:cNvPr id="1" name=""/>
+        <p:cNvGrpSpPr/>
+        <p:nvPr/>
+      </p:nvGrpSpPr>
+      <p:grpSpPr>
+        <a:xfrm>
+          <a:off x="0" y="0"/>
+          <a:ext cx="0" cy="0"/>
+          <a:chOff x="0" y="0"/>
+          <a:chExt cx="0" cy="0"/>
+        </a:xfrm>
+      </p:grpSpPr>
+      <p:pic>
+        <p:nvPicPr>
+          <p:cNvPr id="3" name="Picture 2">
+            <a:extLst>
+              <a:ext uri="{FF2B5EF4-FFF2-40B4-BE49-F238E27FC236}">
+                <a16:creationId xmlns:a16="http://schemas.microsoft.com/office/drawing/2014/main" id="{554D304C-56CE-4B25-A900-8818AFE7821B}"/>
+              </a:ext>
+            </a:extLst>
+          </p:cNvPr>
+          <p:cNvPicPr>
+            <a:picLocks noChangeAspect="1"/>
+          </p:cNvPicPr>
+          <p:nvPr/>
+        </p:nvPicPr>
+        <p:blipFill>
+          <a:blip r:embed="rId2">
+            <a:extLst>
+              <a:ext uri="{28A0092B-C50C-407E-A947-70E740481C1C}">
+                <a14:useLocalDpi xmlns:a14="http://schemas.microsoft.com/office/drawing/2010/main" val="0"/>
+              </a:ext>
+            </a:extLst>
+          </a:blip>
+          <a:stretch>
+            <a:fillRect/>
+          </a:stretch>
+        </p:blipFill>
+        <p:spPr>
+          <a:xfrm>
+            <a:off x="1158450" y="8679916"/>
+            <a:ext cx="4358455" cy="2836753"/>
+          </a:xfrm>
+          <a:prstGeom prst="rect">
+            <a:avLst/>
+          </a:prstGeom>
+        </p:spPr>
+      </p:pic>
+      <p:grpSp>
+        <p:nvGrpSpPr>
+          <p:cNvPr id="23" name="Group 22">
+            <a:extLst>
+              <a:ext uri="{FF2B5EF4-FFF2-40B4-BE49-F238E27FC236}">
+                <a16:creationId xmlns:a16="http://schemas.microsoft.com/office/drawing/2014/main" id="{D76E515E-E073-4834-B87C-7225E6A3F242}"/>
+              </a:ext>
+            </a:extLst>
+          </p:cNvPr>
+          <p:cNvGrpSpPr/>
+          <p:nvPr/>
+        </p:nvGrpSpPr>
+        <p:grpSpPr>
+          <a:xfrm>
+            <a:off x="9453920" y="8540635"/>
+            <a:ext cx="1960407" cy="2822577"/>
+            <a:chOff x="10690722" y="7125261"/>
+            <a:chExt cx="1960407" cy="2822577"/>
+          </a:xfrm>
+        </p:grpSpPr>
+        <p:pic>
+          <p:nvPicPr>
+            <p:cNvPr id="8" name="Picture 7">
+              <a:extLst>
+                <a:ext uri="{FF2B5EF4-FFF2-40B4-BE49-F238E27FC236}">
+                  <a16:creationId xmlns:a16="http://schemas.microsoft.com/office/drawing/2014/main" id="{A761CCEB-F166-4D0E-97F6-A0240DA1A91B}"/>
+                </a:ext>
+              </a:extLst>
+            </p:cNvPr>
+            <p:cNvPicPr>
+              <a:picLocks noChangeAspect="1"/>
+            </p:cNvPicPr>
+            <p:nvPr/>
+          </p:nvPicPr>
+          <p:blipFill rotWithShape="1">
+            <a:blip r:embed="rId3"/>
+            <a:srcRect b="27075"/>
+            <a:stretch/>
+          </p:blipFill>
+          <p:spPr>
+            <a:xfrm>
+              <a:off x="10690722" y="7125261"/>
+              <a:ext cx="1960407" cy="2087880"/>
+            </a:xfrm>
+            <a:prstGeom prst="rect">
+              <a:avLst/>
+            </a:prstGeom>
+          </p:spPr>
+        </p:pic>
+        <p:pic>
+          <p:nvPicPr>
+            <p:cNvPr id="10" name="Picture 9">
+              <a:extLst>
+                <a:ext uri="{FF2B5EF4-FFF2-40B4-BE49-F238E27FC236}">
+                  <a16:creationId xmlns:a16="http://schemas.microsoft.com/office/drawing/2014/main" id="{ED0AEBB5-68F8-4678-8553-1DE041CC78FB}"/>
+                </a:ext>
+              </a:extLst>
+            </p:cNvPr>
+            <p:cNvPicPr>
+              <a:picLocks noChangeAspect="1"/>
+            </p:cNvPicPr>
+            <p:nvPr/>
+          </p:nvPicPr>
+          <p:blipFill rotWithShape="1">
+            <a:blip r:embed="rId3"/>
+            <a:srcRect t="71861"/>
+            <a:stretch/>
+          </p:blipFill>
+          <p:spPr>
+            <a:xfrm>
+              <a:off x="10690722" y="9142198"/>
+              <a:ext cx="1960407" cy="805640"/>
+            </a:xfrm>
+            <a:prstGeom prst="rect">
+              <a:avLst/>
+            </a:prstGeom>
+          </p:spPr>
+        </p:pic>
+      </p:grpSp>
+      <p:pic>
+        <p:nvPicPr>
+          <p:cNvPr id="20" name="Picture 19" descr="A picture containing text, building, window&#10;&#10;Description automatically generated">
+            <a:extLst>
+              <a:ext uri="{FF2B5EF4-FFF2-40B4-BE49-F238E27FC236}">
+                <a16:creationId xmlns:a16="http://schemas.microsoft.com/office/drawing/2014/main" id="{1A5E20A4-B710-481B-9515-6FF5658FA9CE}"/>
+              </a:ext>
+            </a:extLst>
+          </p:cNvPr>
+          <p:cNvPicPr>
+            <a:picLocks noChangeAspect="1"/>
+          </p:cNvPicPr>
+          <p:nvPr/>
+        </p:nvPicPr>
+        <p:blipFill rotWithShape="1">
+          <a:blip r:embed="rId4">
+            <a:extLst>
+              <a:ext uri="{28A0092B-C50C-407E-A947-70E740481C1C}">
+                <a14:useLocalDpi xmlns:a14="http://schemas.microsoft.com/office/drawing/2010/main" val="0"/>
+              </a:ext>
+            </a:extLst>
+          </a:blip>
+          <a:srcRect r="16245"/>
+          <a:stretch/>
+        </p:blipFill>
+        <p:spPr>
+          <a:xfrm>
+            <a:off x="923792" y="11560945"/>
+            <a:ext cx="10199479" cy="5231746"/>
+          </a:xfrm>
+          <a:prstGeom prst="rect">
+            <a:avLst/>
+          </a:prstGeom>
+        </p:spPr>
+      </p:pic>
+      <p:pic>
+        <p:nvPicPr>
+          <p:cNvPr id="26" name="Picture 25">
+            <a:extLst>
+              <a:ext uri="{FF2B5EF4-FFF2-40B4-BE49-F238E27FC236}">
+                <a16:creationId xmlns:a16="http://schemas.microsoft.com/office/drawing/2014/main" id="{13F81C4A-095B-4F7D-AEF8-9A1CA5C0D005}"/>
+              </a:ext>
+            </a:extLst>
+          </p:cNvPr>
+          <p:cNvPicPr>
+            <a:picLocks noChangeAspect="1"/>
+          </p:cNvPicPr>
+          <p:nvPr/>
+        </p:nvPicPr>
+        <p:blipFill>
+          <a:blip r:embed="rId5"/>
+          <a:stretch>
+            <a:fillRect/>
+          </a:stretch>
+        </p:blipFill>
+        <p:spPr>
+          <a:xfrm>
+            <a:off x="1089984" y="8540635"/>
+            <a:ext cx="432732" cy="362937"/>
+          </a:xfrm>
+          <a:prstGeom prst="rect">
+            <a:avLst/>
+          </a:prstGeom>
+        </p:spPr>
+      </p:pic>
+      <p:pic>
+        <p:nvPicPr>
+          <p:cNvPr id="30" name="Picture 29" descr="Graphical user interface&#10;&#10;Description automatically generated">
+            <a:extLst>
+              <a:ext uri="{FF2B5EF4-FFF2-40B4-BE49-F238E27FC236}">
+                <a16:creationId xmlns:a16="http://schemas.microsoft.com/office/drawing/2014/main" id="{15AB2215-88BC-4B89-9738-53061FF8067B}"/>
+              </a:ext>
+            </a:extLst>
+          </p:cNvPr>
+          <p:cNvPicPr>
+            <a:picLocks noChangeAspect="1"/>
+          </p:cNvPicPr>
+          <p:nvPr/>
+        </p:nvPicPr>
+        <p:blipFill rotWithShape="1">
+          <a:blip r:embed="rId6">
+            <a:extLst>
+              <a:ext uri="{28A0092B-C50C-407E-A947-70E740481C1C}">
+                <a14:useLocalDpi xmlns:a14="http://schemas.microsoft.com/office/drawing/2010/main" val="0"/>
+              </a:ext>
+            </a:extLst>
+          </a:blip>
+          <a:srcRect r="25941"/>
+          <a:stretch/>
+        </p:blipFill>
+        <p:spPr>
+          <a:xfrm>
+            <a:off x="5363951" y="8353224"/>
+            <a:ext cx="3917368" cy="3065525"/>
+          </a:xfrm>
+          <a:prstGeom prst="rect">
+            <a:avLst/>
+          </a:prstGeom>
+        </p:spPr>
+      </p:pic>
+    </p:spTree>
+    <p:extLst>
+      <p:ext uri="{BB962C8B-B14F-4D97-AF65-F5344CB8AC3E}">
+        <p14:creationId xmlns:p14="http://schemas.microsoft.com/office/powerpoint/2010/main" val="3385349605"/>
+      </p:ext>
+    </p:extLst>
+  </p:cSld>
+  <p:clrMapOvr>
+    <a:masterClrMapping/>
+  </p:clrMapOvr>
+</p:sld>
+</file>
+
+<file path=ppt/slides/slide3.xml><?xml version="1.0" encoding="utf-8"?>
+<p:sld xmlns:a="http://schemas.openxmlformats.org/drawingml/2006/main" xmlns:r="http://schemas.openxmlformats.org/officeDocument/2006/relationships" xmlns:p="http://schemas.openxmlformats.org/presentationml/2006/main">
+  <p:cSld>
+    <p:spTree>
+      <p:nvGrpSpPr>
+        <p:cNvPr id="1" name=""/>
+        <p:cNvGrpSpPr/>
+        <p:nvPr/>
+      </p:nvGrpSpPr>
+      <p:grpSpPr>
+        <a:xfrm>
+          <a:off x="0" y="0"/>
+          <a:ext cx="0" cy="0"/>
+          <a:chOff x="0" y="0"/>
+          <a:chExt cx="0" cy="0"/>
+        </a:xfrm>
+      </p:grpSpPr>
+      <p:pic>
+        <p:nvPicPr>
+          <p:cNvPr id="7" name="Picture 6" descr="Chart, line chart&#10;&#10;Description automatically generated">
+            <a:extLst>
+              <a:ext uri="{FF2B5EF4-FFF2-40B4-BE49-F238E27FC236}">
+                <a16:creationId xmlns:a16="http://schemas.microsoft.com/office/drawing/2014/main" id="{5FCABB89-B8A7-4AD7-8AAA-7FB3508BD36A}"/>
+              </a:ext>
+            </a:extLst>
+          </p:cNvPr>
+          <p:cNvPicPr>
+            <a:picLocks noChangeAspect="1"/>
+          </p:cNvPicPr>
+          <p:nvPr/>
+        </p:nvPicPr>
+        <p:blipFill>
+          <a:blip r:embed="rId2">
+            <a:extLst>
+              <a:ext uri="{28A0092B-C50C-407E-A947-70E740481C1C}">
+                <a14:useLocalDpi xmlns:a14="http://schemas.microsoft.com/office/drawing/2010/main" val="0"/>
+              </a:ext>
+            </a:extLst>
+          </a:blip>
+          <a:stretch>
+            <a:fillRect/>
+          </a:stretch>
+        </p:blipFill>
+        <p:spPr>
+          <a:xfrm>
+            <a:off x="2092984" y="5540418"/>
+            <a:ext cx="12334510" cy="5195484"/>
+          </a:xfrm>
+          <a:prstGeom prst="rect">
+            <a:avLst/>
+          </a:prstGeom>
+        </p:spPr>
+      </p:pic>
+      <p:pic>
+        <p:nvPicPr>
+          <p:cNvPr id="13" name="Picture 12" descr="Chart, line chart&#10;&#10;Description automatically generated">
+            <a:extLst>
+              <a:ext uri="{FF2B5EF4-FFF2-40B4-BE49-F238E27FC236}">
+                <a16:creationId xmlns:a16="http://schemas.microsoft.com/office/drawing/2014/main" id="{7646490E-4083-472D-8AAD-0722B57837A8}"/>
+              </a:ext>
+            </a:extLst>
+          </p:cNvPr>
+          <p:cNvPicPr>
+            <a:picLocks noChangeAspect="1"/>
+          </p:cNvPicPr>
+          <p:nvPr/>
+        </p:nvPicPr>
+        <p:blipFill>
+          <a:blip r:embed="rId3">
+            <a:extLst>
+              <a:ext uri="{28A0092B-C50C-407E-A947-70E740481C1C}">
+                <a14:useLocalDpi xmlns:a14="http://schemas.microsoft.com/office/drawing/2010/main" val="0"/>
+              </a:ext>
+            </a:extLst>
+          </a:blip>
+          <a:stretch>
+            <a:fillRect/>
+          </a:stretch>
+        </p:blipFill>
+        <p:spPr>
+          <a:xfrm>
+            <a:off x="2428265" y="10912136"/>
+            <a:ext cx="4612616" cy="2423925"/>
+          </a:xfrm>
+          <a:prstGeom prst="rect">
+            <a:avLst/>
+          </a:prstGeom>
+        </p:spPr>
+      </p:pic>
+    </p:spTree>
+    <p:extLst>
+      <p:ext uri="{BB962C8B-B14F-4D97-AF65-F5344CB8AC3E}">
+        <p14:creationId xmlns:p14="http://schemas.microsoft.com/office/powerpoint/2010/main" val="959029875"/>
+      </p:ext>
+    </p:extLst>
+  </p:cSld>
+  <p:clrMapOvr>
+    <a:masterClrMapping/>
+  </p:clrMapOvr>
+</p:sld>
+</file>
+
+<file path=ppt/slides/slide4.xml><?xml version="1.0" encoding="utf-8"?>
+<p:sld xmlns:a="http://schemas.openxmlformats.org/drawingml/2006/main" xmlns:r="http://schemas.openxmlformats.org/officeDocument/2006/relationships" xmlns:p="http://schemas.openxmlformats.org/presentationml/2006/main">
+  <p:cSld>
+    <p:spTree>
+      <p:nvGrpSpPr>
+        <p:cNvPr id="1" name=""/>
+        <p:cNvGrpSpPr/>
+        <p:nvPr/>
+      </p:nvGrpSpPr>
+      <p:grpSpPr>
+        <a:xfrm>
+          <a:off x="0" y="0"/>
+          <a:ext cx="0" cy="0"/>
+          <a:chOff x="0" y="0"/>
+          <a:chExt cx="0" cy="0"/>
+        </a:xfrm>
+      </p:grpSpPr>
+      <p:pic>
+        <p:nvPicPr>
+          <p:cNvPr id="3" name="Picture 2">
+            <a:extLst>
+              <a:ext uri="{FF2B5EF4-FFF2-40B4-BE49-F238E27FC236}">
+                <a16:creationId xmlns:a16="http://schemas.microsoft.com/office/drawing/2014/main" id="{DDB98112-C74E-4253-A830-CD1474E31256}"/>
+              </a:ext>
+            </a:extLst>
+          </p:cNvPr>
+          <p:cNvPicPr>
+            <a:picLocks noChangeAspect="1"/>
+          </p:cNvPicPr>
+          <p:nvPr/>
+        </p:nvPicPr>
+        <p:blipFill>
+          <a:blip r:embed="rId2"/>
+          <a:stretch>
+            <a:fillRect/>
+          </a:stretch>
+        </p:blipFill>
+        <p:spPr>
+          <a:xfrm>
+            <a:off x="2428265" y="7025394"/>
+            <a:ext cx="9231013" cy="3886742"/>
+          </a:xfrm>
+          <a:prstGeom prst="rect">
+            <a:avLst/>
+          </a:prstGeom>
+        </p:spPr>
+      </p:pic>
+      <p:pic>
+        <p:nvPicPr>
+          <p:cNvPr id="4" name="Picture 3">
+            <a:extLst>
+              <a:ext uri="{FF2B5EF4-FFF2-40B4-BE49-F238E27FC236}">
+                <a16:creationId xmlns:a16="http://schemas.microsoft.com/office/drawing/2014/main" id="{98298CDD-6658-4B49-9D1D-DBE8155E81AD}"/>
+              </a:ext>
+            </a:extLst>
+          </p:cNvPr>
+          <p:cNvPicPr>
+            <a:picLocks noChangeAspect="1"/>
+          </p:cNvPicPr>
+          <p:nvPr/>
+        </p:nvPicPr>
+        <p:blipFill>
+          <a:blip r:embed="rId3"/>
+          <a:stretch>
+            <a:fillRect/>
+          </a:stretch>
+        </p:blipFill>
+        <p:spPr>
+          <a:xfrm>
+            <a:off x="2579920" y="10912136"/>
+            <a:ext cx="3594003" cy="1889464"/>
+          </a:xfrm>
+          <a:prstGeom prst="rect">
+            <a:avLst/>
+          </a:prstGeom>
+        </p:spPr>
+      </p:pic>
+    </p:spTree>
+    <p:extLst>
+      <p:ext uri="{BB962C8B-B14F-4D97-AF65-F5344CB8AC3E}">
+        <p14:creationId xmlns:p14="http://schemas.microsoft.com/office/powerpoint/2010/main" val="1675486060"/>
+      </p:ext>
+    </p:extLst>
+  </p:cSld>
+  <p:clrMapOvr>
+    <a:masterClrMapping/>
+  </p:clrMapOvr>
+</p:sld>
+</file>
+
+<file path=ppt/slides/slide5.xml><?xml version="1.0" encoding="utf-8"?>
+<p:sld xmlns:a="http://schemas.openxmlformats.org/drawingml/2006/main" xmlns:r="http://schemas.openxmlformats.org/officeDocument/2006/relationships" xmlns:p="http://schemas.openxmlformats.org/presentationml/2006/main">
+  <p:cSld>
+    <p:spTree>
+      <p:nvGrpSpPr>
+        <p:cNvPr id="1" name=""/>
+        <p:cNvGrpSpPr/>
+        <p:nvPr/>
+      </p:nvGrpSpPr>
+      <p:grpSpPr>
+        <a:xfrm>
+          <a:off x="0" y="0"/>
+          <a:ext cx="0" cy="0"/>
+          <a:chOff x="0" y="0"/>
+          <a:chExt cx="0" cy="0"/>
+        </a:xfrm>
+      </p:grpSpPr>
+      <p:pic>
+        <p:nvPicPr>
+          <p:cNvPr id="8" name="Picture 7">
+            <a:extLst>
+              <a:ext uri="{FF2B5EF4-FFF2-40B4-BE49-F238E27FC236}">
+                <a16:creationId xmlns:a16="http://schemas.microsoft.com/office/drawing/2014/main" id="{C642CCAB-B895-4902-A320-768D2186C844}"/>
+              </a:ext>
+            </a:extLst>
+          </p:cNvPr>
+          <p:cNvPicPr>
+            <a:picLocks noChangeAspect="1"/>
+          </p:cNvPicPr>
+          <p:nvPr/>
+        </p:nvPicPr>
+        <p:blipFill>
+          <a:blip r:embed="rId2"/>
+          <a:stretch>
+            <a:fillRect/>
+          </a:stretch>
+        </p:blipFill>
+        <p:spPr>
+          <a:xfrm>
+            <a:off x="2386315" y="8483887"/>
+            <a:ext cx="12193857" cy="7717405"/>
+          </a:xfrm>
+          <a:prstGeom prst="rect">
+            <a:avLst/>
+          </a:prstGeom>
+        </p:spPr>
+      </p:pic>
+      <p:pic>
+        <p:nvPicPr>
+          <p:cNvPr id="14" name="Picture 13">
+            <a:extLst>
+              <a:ext uri="{FF2B5EF4-FFF2-40B4-BE49-F238E27FC236}">
+                <a16:creationId xmlns:a16="http://schemas.microsoft.com/office/drawing/2014/main" id="{C11D5D61-FB2D-4DCD-B266-14828AD184D5}"/>
+              </a:ext>
+            </a:extLst>
+          </p:cNvPr>
+          <p:cNvPicPr>
+            <a:picLocks noChangeAspect="1"/>
+          </p:cNvPicPr>
+          <p:nvPr/>
+        </p:nvPicPr>
+        <p:blipFill>
+          <a:blip r:embed="rId3"/>
+          <a:stretch>
+            <a:fillRect/>
+          </a:stretch>
+        </p:blipFill>
+        <p:spPr>
+          <a:xfrm>
+            <a:off x="1178235" y="4368513"/>
+            <a:ext cx="6935168" cy="4115374"/>
+          </a:xfrm>
+          <a:prstGeom prst="rect">
+            <a:avLst/>
+          </a:prstGeom>
+        </p:spPr>
+      </p:pic>
+      <p:sp>
+        <p:nvSpPr>
+          <p:cNvPr id="15" name="TextBox 14">
+            <a:extLst>
+              <a:ext uri="{FF2B5EF4-FFF2-40B4-BE49-F238E27FC236}">
+                <a16:creationId xmlns:a16="http://schemas.microsoft.com/office/drawing/2014/main" id="{AE9DAA91-5FD0-4960-A8B6-77FA59EB66FE}"/>
+              </a:ext>
+            </a:extLst>
+          </p:cNvPr>
+          <p:cNvSpPr txBox="1"/>
+          <p:nvPr/>
+        </p:nvSpPr>
+        <p:spPr>
+          <a:xfrm>
+            <a:off x="990600" y="3873500"/>
+            <a:ext cx="561372" cy="584775"/>
+          </a:xfrm>
+          <a:prstGeom prst="rect">
+            <a:avLst/>
+          </a:prstGeom>
+          <a:noFill/>
+        </p:spPr>
+        <p:txBody>
+          <a:bodyPr wrap="none" rtlCol="0">
+            <a:spAutoFit/>
+          </a:bodyPr>
+          <a:lstStyle/>
+          <a:p>
+            <a:r>
+              <a:rPr lang="en-US" sz="3200" b="1" dirty="0"/>
+              <a:t>A)</a:t>
+            </a:r>
+          </a:p>
+        </p:txBody>
+      </p:sp>
+      <p:sp>
+        <p:nvSpPr>
+          <p:cNvPr id="16" name="TextBox 15">
+            <a:extLst>
+              <a:ext uri="{FF2B5EF4-FFF2-40B4-BE49-F238E27FC236}">
+                <a16:creationId xmlns:a16="http://schemas.microsoft.com/office/drawing/2014/main" id="{C14B657E-569A-4AF5-BD7E-14854B9FE7F3}"/>
+              </a:ext>
+            </a:extLst>
+          </p:cNvPr>
+          <p:cNvSpPr txBox="1"/>
+          <p:nvPr/>
+        </p:nvSpPr>
+        <p:spPr>
+          <a:xfrm>
+            <a:off x="8203231" y="3873499"/>
+            <a:ext cx="543739" cy="584775"/>
+          </a:xfrm>
+          <a:prstGeom prst="rect">
+            <a:avLst/>
+          </a:prstGeom>
+          <a:noFill/>
+        </p:spPr>
+        <p:txBody>
+          <a:bodyPr wrap="none" rtlCol="0">
+            <a:spAutoFit/>
+          </a:bodyPr>
+          <a:lstStyle/>
+          <a:p>
+            <a:r>
+              <a:rPr lang="en-US" sz="3200" b="1" dirty="0"/>
+              <a:t>B)</a:t>
+            </a:r>
+          </a:p>
+        </p:txBody>
+      </p:sp>
+    </p:spTree>
+    <p:extLst>
+      <p:ext uri="{BB962C8B-B14F-4D97-AF65-F5344CB8AC3E}">
+        <p14:creationId xmlns:p14="http://schemas.microsoft.com/office/powerpoint/2010/main" val="1317407465"/>
+      </p:ext>
+    </p:extLst>
+  </p:cSld>
+  <p:clrMapOvr>
+    <a:masterClrMapping/>
+  </p:clrMapOvr>
+</p:sld>
+</file>
+
+<file path=ppt/slides/slide6.xml><?xml version="1.0" encoding="utf-8"?>
+<p:sld xmlns:a="http://schemas.openxmlformats.org/drawingml/2006/main" xmlns:r="http://schemas.openxmlformats.org/officeDocument/2006/relationships" xmlns:p="http://schemas.openxmlformats.org/presentationml/2006/main">
+  <p:cSld>
+    <p:spTree>
+      <p:nvGrpSpPr>
+        <p:cNvPr id="1" name=""/>
+        <p:cNvGrpSpPr/>
+        <p:nvPr/>
+      </p:nvGrpSpPr>
+      <p:grpSpPr>
+        <a:xfrm>
+          <a:off x="0" y="0"/>
+          <a:ext cx="0" cy="0"/>
+          <a:chOff x="0" y="0"/>
+          <a:chExt cx="0" cy="0"/>
+        </a:xfrm>
+      </p:grpSpPr>
+      <p:pic>
+        <p:nvPicPr>
+          <p:cNvPr id="17" name="Picture 16">
+            <a:extLst>
+              <a:ext uri="{FF2B5EF4-FFF2-40B4-BE49-F238E27FC236}">
+                <a16:creationId xmlns:a16="http://schemas.microsoft.com/office/drawing/2014/main" id="{8A993A25-7929-428E-80F4-128AFDC495EA}"/>
+              </a:ext>
+            </a:extLst>
+          </p:cNvPr>
+          <p:cNvPicPr>
+            <a:picLocks noChangeAspect="1"/>
+          </p:cNvPicPr>
+          <p:nvPr/>
+        </p:nvPicPr>
+        <p:blipFill>
+          <a:blip r:embed="rId2"/>
+          <a:stretch>
+            <a:fillRect/>
+          </a:stretch>
+        </p:blipFill>
+        <p:spPr>
+          <a:xfrm>
+            <a:off x="11848009" y="5935989"/>
+            <a:ext cx="3691508" cy="2946868"/>
+          </a:xfrm>
+          <a:prstGeom prst="rect">
+            <a:avLst/>
+          </a:prstGeom>
+        </p:spPr>
+      </p:pic>
+      <p:pic>
+        <p:nvPicPr>
+          <p:cNvPr id="19" name="Picture 18">
+            <a:extLst>
+              <a:ext uri="{FF2B5EF4-FFF2-40B4-BE49-F238E27FC236}">
+                <a16:creationId xmlns:a16="http://schemas.microsoft.com/office/drawing/2014/main" id="{496CFA67-6A50-4F6F-8C0D-3949D79D54AC}"/>
+              </a:ext>
+            </a:extLst>
+          </p:cNvPr>
+          <p:cNvPicPr>
+            <a:picLocks noChangeAspect="1"/>
+          </p:cNvPicPr>
+          <p:nvPr/>
+        </p:nvPicPr>
+        <p:blipFill>
+          <a:blip r:embed="rId3"/>
+          <a:stretch>
+            <a:fillRect/>
+          </a:stretch>
+        </p:blipFill>
+        <p:spPr>
+          <a:xfrm>
+            <a:off x="1271286" y="9068662"/>
+            <a:ext cx="15320234" cy="6327058"/>
+          </a:xfrm>
+          <a:prstGeom prst="rect">
+            <a:avLst/>
+          </a:prstGeom>
+        </p:spPr>
+      </p:pic>
+      <p:pic>
+        <p:nvPicPr>
+          <p:cNvPr id="8" name="Picture 7">
+            <a:extLst>
+              <a:ext uri="{FF2B5EF4-FFF2-40B4-BE49-F238E27FC236}">
+                <a16:creationId xmlns:a16="http://schemas.microsoft.com/office/drawing/2014/main" id="{33A7DAF0-BE2F-4A82-A1F5-BC224E324310}"/>
+              </a:ext>
+            </a:extLst>
+          </p:cNvPr>
+          <p:cNvPicPr>
+            <a:picLocks noChangeAspect="1"/>
+          </p:cNvPicPr>
+          <p:nvPr/>
+        </p:nvPicPr>
+        <p:blipFill>
+          <a:blip r:embed="rId4"/>
+          <a:stretch>
+            <a:fillRect/>
+          </a:stretch>
+        </p:blipFill>
+        <p:spPr>
+          <a:xfrm>
+            <a:off x="7181054" y="5800616"/>
+            <a:ext cx="4200530" cy="2658485"/>
+          </a:xfrm>
+          <a:prstGeom prst="rect">
+            <a:avLst/>
+          </a:prstGeom>
+        </p:spPr>
+      </p:pic>
+      <p:pic>
+        <p:nvPicPr>
+          <p:cNvPr id="9" name="Picture 8">
+            <a:extLst>
+              <a:ext uri="{FF2B5EF4-FFF2-40B4-BE49-F238E27FC236}">
+                <a16:creationId xmlns:a16="http://schemas.microsoft.com/office/drawing/2014/main" id="{E3FD0BBA-7F51-44A3-A647-C91E190839C5}"/>
+              </a:ext>
+            </a:extLst>
+          </p:cNvPr>
+          <p:cNvPicPr>
+            <a:picLocks noChangeAspect="1"/>
+          </p:cNvPicPr>
+          <p:nvPr/>
+        </p:nvPicPr>
+        <p:blipFill>
+          <a:blip r:embed="rId5"/>
+          <a:stretch>
+            <a:fillRect/>
+          </a:stretch>
+        </p:blipFill>
+        <p:spPr>
+          <a:xfrm>
+            <a:off x="2004145" y="5600904"/>
+            <a:ext cx="4816592" cy="2858197"/>
+          </a:xfrm>
+          <a:prstGeom prst="rect">
+            <a:avLst/>
+          </a:prstGeom>
+        </p:spPr>
+      </p:pic>
+      <p:sp>
+        <p:nvSpPr>
+          <p:cNvPr id="10" name="TextBox 9">
+            <a:extLst>
+              <a:ext uri="{FF2B5EF4-FFF2-40B4-BE49-F238E27FC236}">
+                <a16:creationId xmlns:a16="http://schemas.microsoft.com/office/drawing/2014/main" id="{6BC961EA-227F-4C97-A1F6-358669186B13}"/>
+              </a:ext>
+            </a:extLst>
+          </p:cNvPr>
+          <p:cNvSpPr txBox="1"/>
+          <p:nvPr/>
+        </p:nvSpPr>
+        <p:spPr>
+          <a:xfrm>
+            <a:off x="1816510" y="5105891"/>
+            <a:ext cx="561372" cy="584775"/>
+          </a:xfrm>
+          <a:prstGeom prst="rect">
+            <a:avLst/>
+          </a:prstGeom>
+          <a:noFill/>
+        </p:spPr>
+        <p:txBody>
+          <a:bodyPr wrap="none" rtlCol="0">
+            <a:spAutoFit/>
+          </a:bodyPr>
+          <a:lstStyle/>
+          <a:p>
+            <a:r>
+              <a:rPr lang="en-US" sz="3200" b="1" dirty="0"/>
+              <a:t>A)</a:t>
+            </a:r>
+          </a:p>
+        </p:txBody>
+      </p:sp>
+      <p:sp>
+        <p:nvSpPr>
+          <p:cNvPr id="11" name="TextBox 10">
+            <a:extLst>
+              <a:ext uri="{FF2B5EF4-FFF2-40B4-BE49-F238E27FC236}">
+                <a16:creationId xmlns:a16="http://schemas.microsoft.com/office/drawing/2014/main" id="{428EA024-4336-4037-9F11-81D7708B17BB}"/>
+              </a:ext>
+            </a:extLst>
+          </p:cNvPr>
+          <p:cNvSpPr txBox="1"/>
+          <p:nvPr/>
+        </p:nvSpPr>
+        <p:spPr>
+          <a:xfrm>
+            <a:off x="6729026" y="5105891"/>
+            <a:ext cx="543739" cy="584775"/>
+          </a:xfrm>
+          <a:prstGeom prst="rect">
+            <a:avLst/>
+          </a:prstGeom>
+          <a:noFill/>
+        </p:spPr>
+        <p:txBody>
+          <a:bodyPr wrap="none" rtlCol="0">
+            <a:spAutoFit/>
+          </a:bodyPr>
+          <a:lstStyle/>
+          <a:p>
+            <a:r>
+              <a:rPr lang="en-US" sz="3200" b="1" dirty="0"/>
+              <a:t>B)</a:t>
+            </a:r>
+          </a:p>
+        </p:txBody>
+      </p:sp>
+      <p:sp>
+        <p:nvSpPr>
+          <p:cNvPr id="12" name="TextBox 11">
+            <a:extLst>
+              <a:ext uri="{FF2B5EF4-FFF2-40B4-BE49-F238E27FC236}">
+                <a16:creationId xmlns:a16="http://schemas.microsoft.com/office/drawing/2014/main" id="{EFC9913A-9EE5-4AAE-9CD6-7BF67FCBFEEB}"/>
+              </a:ext>
+            </a:extLst>
+          </p:cNvPr>
+          <p:cNvSpPr txBox="1"/>
+          <p:nvPr/>
+        </p:nvSpPr>
+        <p:spPr>
+          <a:xfrm>
+            <a:off x="11582552" y="5105890"/>
+            <a:ext cx="530915" cy="584775"/>
+          </a:xfrm>
+          <a:prstGeom prst="rect">
+            <a:avLst/>
+          </a:prstGeom>
+          <a:noFill/>
+        </p:spPr>
+        <p:txBody>
+          <a:bodyPr wrap="none" rtlCol="0">
+            <a:spAutoFit/>
+          </a:bodyPr>
+          <a:lstStyle/>
+          <a:p>
+            <a:r>
+              <a:rPr lang="en-US" sz="3200" b="1" dirty="0"/>
+              <a:t>C)</a:t>
+            </a:r>
+          </a:p>
+        </p:txBody>
+      </p:sp>
+    </p:spTree>
+    <p:extLst>
+      <p:ext uri="{BB962C8B-B14F-4D97-AF65-F5344CB8AC3E}">
+        <p14:creationId xmlns:p14="http://schemas.microsoft.com/office/powerpoint/2010/main" val="1779476450"/>
+      </p:ext>
+    </p:extLst>
+  </p:cSld>
+  <p:clrMapOvr>
+    <a:masterClrMapping/>
+  </p:clrMapOvr>
+</p:sld>
+</file>
+
+<file path=ppt/slides/slide7.xml><?xml version="1.0" encoding="utf-8"?>
+<p:sld xmlns:a="http://schemas.openxmlformats.org/drawingml/2006/main" xmlns:r="http://schemas.openxmlformats.org/officeDocument/2006/relationships" xmlns:p="http://schemas.openxmlformats.org/presentationml/2006/main">
+  <p:cSld>
+    <p:spTree>
+      <p:nvGrpSpPr>
+        <p:cNvPr id="1" name=""/>
+        <p:cNvGrpSpPr/>
+        <p:nvPr/>
+      </p:nvGrpSpPr>
+      <p:grpSpPr>
+        <a:xfrm>
+          <a:off x="0" y="0"/>
+          <a:ext cx="0" cy="0"/>
+          <a:chOff x="0" y="0"/>
+          <a:chExt cx="0" cy="0"/>
+        </a:xfrm>
+      </p:grpSpPr>
+      <p:pic>
+        <p:nvPicPr>
+          <p:cNvPr id="23" name="Picture 22" descr="Graphical user interface, chart&#10;&#10;Description automatically generated">
+            <a:extLst>
+              <a:ext uri="{FF2B5EF4-FFF2-40B4-BE49-F238E27FC236}">
+                <a16:creationId xmlns:a16="http://schemas.microsoft.com/office/drawing/2014/main" id="{2A33C8AD-B09B-41EC-8155-62E11B203941}"/>
+              </a:ext>
+            </a:extLst>
+          </p:cNvPr>
+          <p:cNvPicPr>
+            <a:picLocks noChangeAspect="1"/>
+          </p:cNvPicPr>
+          <p:nvPr/>
+        </p:nvPicPr>
+        <p:blipFill rotWithShape="1">
+          <a:blip r:embed="rId2">
+            <a:extLst>
+              <a:ext uri="{28A0092B-C50C-407E-A947-70E740481C1C}">
+                <a14:useLocalDpi xmlns:a14="http://schemas.microsoft.com/office/drawing/2010/main" val="0"/>
+              </a:ext>
+            </a:extLst>
+          </a:blip>
+          <a:srcRect r="28058"/>
+          <a:stretch/>
+        </p:blipFill>
+        <p:spPr>
+          <a:xfrm>
+            <a:off x="10900234" y="2597101"/>
+            <a:ext cx="3696506" cy="2715366"/>
+          </a:xfrm>
+          <a:prstGeom prst="rect">
+            <a:avLst/>
+          </a:prstGeom>
+        </p:spPr>
+      </p:pic>
+      <p:pic>
+        <p:nvPicPr>
+          <p:cNvPr id="25" name="Picture 24" descr="Chart, line chart&#10;&#10;Description automatically generated">
+            <a:extLst>
+              <a:ext uri="{FF2B5EF4-FFF2-40B4-BE49-F238E27FC236}">
+                <a16:creationId xmlns:a16="http://schemas.microsoft.com/office/drawing/2014/main" id="{38B86B11-A0AE-4D38-848E-1A1648653377}"/>
+              </a:ext>
+            </a:extLst>
+          </p:cNvPr>
+          <p:cNvPicPr>
+            <a:picLocks noChangeAspect="1"/>
+          </p:cNvPicPr>
+          <p:nvPr/>
+        </p:nvPicPr>
+        <p:blipFill>
+          <a:blip r:embed="rId3">
+            <a:extLst>
+              <a:ext uri="{28A0092B-C50C-407E-A947-70E740481C1C}">
+                <a14:useLocalDpi xmlns:a14="http://schemas.microsoft.com/office/drawing/2010/main" val="0"/>
+              </a:ext>
+            </a:extLst>
+          </a:blip>
+          <a:stretch>
+            <a:fillRect/>
+          </a:stretch>
+        </p:blipFill>
+        <p:spPr>
+          <a:xfrm>
+            <a:off x="7804509" y="9677623"/>
+            <a:ext cx="2930454" cy="2513271"/>
+          </a:xfrm>
+          <a:prstGeom prst="rect">
+            <a:avLst/>
+          </a:prstGeom>
+        </p:spPr>
+      </p:pic>
+      <p:pic>
+        <p:nvPicPr>
+          <p:cNvPr id="27" name="Picture 26" descr="Graphical user interface, table&#10;&#10;Description automatically generated">
+            <a:extLst>
+              <a:ext uri="{FF2B5EF4-FFF2-40B4-BE49-F238E27FC236}">
+                <a16:creationId xmlns:a16="http://schemas.microsoft.com/office/drawing/2014/main" id="{4BC156D5-A2F1-42E0-BBC8-4B3E52BDF731}"/>
+              </a:ext>
+            </a:extLst>
+          </p:cNvPr>
+          <p:cNvPicPr>
+            <a:picLocks noChangeAspect="1"/>
+          </p:cNvPicPr>
+          <p:nvPr/>
+        </p:nvPicPr>
+        <p:blipFill>
+          <a:blip r:embed="rId4">
+            <a:extLst>
+              <a:ext uri="{28A0092B-C50C-407E-A947-70E740481C1C}">
+                <a14:useLocalDpi xmlns:a14="http://schemas.microsoft.com/office/drawing/2010/main" val="0"/>
+              </a:ext>
+            </a:extLst>
+          </a:blip>
+          <a:stretch>
+            <a:fillRect/>
+          </a:stretch>
+        </p:blipFill>
+        <p:spPr>
+          <a:xfrm>
+            <a:off x="297423" y="9586824"/>
+            <a:ext cx="2930454" cy="2513271"/>
+          </a:xfrm>
+          <a:prstGeom prst="rect">
+            <a:avLst/>
+          </a:prstGeom>
+        </p:spPr>
+      </p:pic>
+      <p:pic>
+        <p:nvPicPr>
+          <p:cNvPr id="29" name="Picture 28" descr="Chart, line chart&#10;&#10;Description automatically generated">
+            <a:extLst>
+              <a:ext uri="{FF2B5EF4-FFF2-40B4-BE49-F238E27FC236}">
+                <a16:creationId xmlns:a16="http://schemas.microsoft.com/office/drawing/2014/main" id="{C0463291-E82A-4033-9722-2AF05D01043B}"/>
+              </a:ext>
+            </a:extLst>
+          </p:cNvPr>
+          <p:cNvPicPr>
+            <a:picLocks noChangeAspect="1"/>
+          </p:cNvPicPr>
+          <p:nvPr/>
+        </p:nvPicPr>
+        <p:blipFill rotWithShape="1">
+          <a:blip r:embed="rId5">
+            <a:extLst>
+              <a:ext uri="{28A0092B-C50C-407E-A947-70E740481C1C}">
+                <a14:useLocalDpi xmlns:a14="http://schemas.microsoft.com/office/drawing/2010/main" val="0"/>
+              </a:ext>
+            </a:extLst>
+          </a:blip>
+          <a:srcRect l="34152"/>
+          <a:stretch/>
+        </p:blipFill>
+        <p:spPr>
+          <a:xfrm>
+            <a:off x="10818835" y="9677622"/>
+            <a:ext cx="1929652" cy="2513271"/>
+          </a:xfrm>
+          <a:prstGeom prst="rect">
+            <a:avLst/>
+          </a:prstGeom>
+        </p:spPr>
+      </p:pic>
+      <p:pic>
+        <p:nvPicPr>
+          <p:cNvPr id="31" name="Picture 30" descr="Chart, line chart&#10;&#10;Description automatically generated">
+            <a:extLst>
+              <a:ext uri="{FF2B5EF4-FFF2-40B4-BE49-F238E27FC236}">
+                <a16:creationId xmlns:a16="http://schemas.microsoft.com/office/drawing/2014/main" id="{60998189-C099-4813-9D0F-22FA950CD899}"/>
+              </a:ext>
+            </a:extLst>
+          </p:cNvPr>
+          <p:cNvPicPr>
+            <a:picLocks noChangeAspect="1"/>
+          </p:cNvPicPr>
+          <p:nvPr/>
+        </p:nvPicPr>
+        <p:blipFill>
+          <a:blip r:embed="rId6">
+            <a:extLst>
+              <a:ext uri="{28A0092B-C50C-407E-A947-70E740481C1C}">
+                <a14:useLocalDpi xmlns:a14="http://schemas.microsoft.com/office/drawing/2010/main" val="0"/>
+              </a:ext>
+            </a:extLst>
+          </a:blip>
+          <a:stretch>
+            <a:fillRect/>
+          </a:stretch>
+        </p:blipFill>
+        <p:spPr>
+          <a:xfrm>
+            <a:off x="1342517" y="12100094"/>
+            <a:ext cx="2930454" cy="2513271"/>
+          </a:xfrm>
+          <a:prstGeom prst="rect">
+            <a:avLst/>
+          </a:prstGeom>
+        </p:spPr>
+      </p:pic>
+      <p:pic>
+        <p:nvPicPr>
+          <p:cNvPr id="33" name="Picture 32" descr="Graphical user interface, chart, application&#10;&#10;Description automatically generated">
+            <a:extLst>
+              <a:ext uri="{FF2B5EF4-FFF2-40B4-BE49-F238E27FC236}">
+                <a16:creationId xmlns:a16="http://schemas.microsoft.com/office/drawing/2014/main" id="{26509B46-01FA-4D4B-8A47-FF44B6DBC383}"/>
+              </a:ext>
+            </a:extLst>
+          </p:cNvPr>
+          <p:cNvPicPr>
+            <a:picLocks noChangeAspect="1"/>
+          </p:cNvPicPr>
+          <p:nvPr/>
+        </p:nvPicPr>
+        <p:blipFill rotWithShape="1">
+          <a:blip r:embed="rId7">
+            <a:extLst>
+              <a:ext uri="{28A0092B-C50C-407E-A947-70E740481C1C}">
+                <a14:useLocalDpi xmlns:a14="http://schemas.microsoft.com/office/drawing/2010/main" val="0"/>
+              </a:ext>
+            </a:extLst>
+          </a:blip>
+          <a:srcRect l="33860" t="824" r="-1416" b="-824"/>
+          <a:stretch/>
+        </p:blipFill>
+        <p:spPr>
+          <a:xfrm>
+            <a:off x="3313343" y="9586824"/>
+            <a:ext cx="1979692" cy="2513271"/>
+          </a:xfrm>
+          <a:prstGeom prst="rect">
+            <a:avLst/>
+          </a:prstGeom>
+        </p:spPr>
+      </p:pic>
+      <p:pic>
+        <p:nvPicPr>
+          <p:cNvPr id="35" name="Picture 34" descr="Chart, line chart&#10;&#10;Description automatically generated">
+            <a:extLst>
+              <a:ext uri="{FF2B5EF4-FFF2-40B4-BE49-F238E27FC236}">
+                <a16:creationId xmlns:a16="http://schemas.microsoft.com/office/drawing/2014/main" id="{0669FD6D-4B28-4539-B3FA-E17981A40234}"/>
+              </a:ext>
+            </a:extLst>
+          </p:cNvPr>
+          <p:cNvPicPr>
+            <a:picLocks noChangeAspect="1"/>
+          </p:cNvPicPr>
+          <p:nvPr/>
+        </p:nvPicPr>
+        <p:blipFill rotWithShape="1">
+          <a:blip r:embed="rId8">
+            <a:extLst>
+              <a:ext uri="{28A0092B-C50C-407E-A947-70E740481C1C}">
+                <a14:useLocalDpi xmlns:a14="http://schemas.microsoft.com/office/drawing/2010/main" val="0"/>
+              </a:ext>
+            </a:extLst>
+          </a:blip>
+          <a:srcRect l="34152"/>
+          <a:stretch/>
+        </p:blipFill>
+        <p:spPr>
+          <a:xfrm>
+            <a:off x="5293035" y="9586823"/>
+            <a:ext cx="1929651" cy="2513271"/>
+          </a:xfrm>
+          <a:prstGeom prst="rect">
+            <a:avLst/>
+          </a:prstGeom>
+        </p:spPr>
+      </p:pic>
+      <p:pic>
+        <p:nvPicPr>
+          <p:cNvPr id="37" name="Picture 36" descr="Graphical user interface, application, table&#10;&#10;Description automatically generated">
+            <a:extLst>
+              <a:ext uri="{FF2B5EF4-FFF2-40B4-BE49-F238E27FC236}">
+                <a16:creationId xmlns:a16="http://schemas.microsoft.com/office/drawing/2014/main" id="{07AEBCCA-AD10-46D7-BEFA-90EFA44A2B02}"/>
+              </a:ext>
+            </a:extLst>
+          </p:cNvPr>
+          <p:cNvPicPr>
+            <a:picLocks noChangeAspect="1"/>
+          </p:cNvPicPr>
+          <p:nvPr/>
+        </p:nvPicPr>
+        <p:blipFill rotWithShape="1">
+          <a:blip r:embed="rId9">
+            <a:extLst>
+              <a:ext uri="{28A0092B-C50C-407E-A947-70E740481C1C}">
+                <a14:useLocalDpi xmlns:a14="http://schemas.microsoft.com/office/drawing/2010/main" val="0"/>
+              </a:ext>
+            </a:extLst>
+          </a:blip>
+          <a:srcRect l="34152"/>
+          <a:stretch/>
+        </p:blipFill>
+        <p:spPr>
+          <a:xfrm>
+            <a:off x="4399694" y="12100094"/>
+            <a:ext cx="1929652" cy="2513271"/>
+          </a:xfrm>
+          <a:prstGeom prst="rect">
+            <a:avLst/>
+          </a:prstGeom>
+        </p:spPr>
+      </p:pic>
+      <p:pic>
+        <p:nvPicPr>
+          <p:cNvPr id="39" name="Picture 38" descr="Chart, line chart&#10;&#10;Description automatically generated">
+            <a:extLst>
+              <a:ext uri="{FF2B5EF4-FFF2-40B4-BE49-F238E27FC236}">
+                <a16:creationId xmlns:a16="http://schemas.microsoft.com/office/drawing/2014/main" id="{2F688850-F5B6-47C7-8710-2FF3C35C0E82}"/>
+              </a:ext>
+            </a:extLst>
+          </p:cNvPr>
+          <p:cNvPicPr>
+            <a:picLocks noChangeAspect="1"/>
+          </p:cNvPicPr>
+          <p:nvPr/>
+        </p:nvPicPr>
+        <p:blipFill rotWithShape="1">
+          <a:blip r:embed="rId10">
+            <a:extLst>
+              <a:ext uri="{28A0092B-C50C-407E-A947-70E740481C1C}">
+                <a14:useLocalDpi xmlns:a14="http://schemas.microsoft.com/office/drawing/2010/main" val="0"/>
+              </a:ext>
+            </a:extLst>
+          </a:blip>
+          <a:srcRect l="33373"/>
+          <a:stretch/>
+        </p:blipFill>
+        <p:spPr>
+          <a:xfrm>
+            <a:off x="12832359" y="9677621"/>
+            <a:ext cx="1952464" cy="2513271"/>
+          </a:xfrm>
+          <a:prstGeom prst="rect">
+            <a:avLst/>
+          </a:prstGeom>
+        </p:spPr>
+      </p:pic>
+      <p:pic>
+        <p:nvPicPr>
+          <p:cNvPr id="41" name="Picture 40" descr="Chart, line chart, scatter chart&#10;&#10;Description automatically generated">
+            <a:extLst>
+              <a:ext uri="{FF2B5EF4-FFF2-40B4-BE49-F238E27FC236}">
+                <a16:creationId xmlns:a16="http://schemas.microsoft.com/office/drawing/2014/main" id="{283E304E-04D9-4864-9D1C-BE89607511D4}"/>
+              </a:ext>
+            </a:extLst>
+          </p:cNvPr>
+          <p:cNvPicPr>
+            <a:picLocks noChangeAspect="1"/>
+          </p:cNvPicPr>
+          <p:nvPr/>
+        </p:nvPicPr>
+        <p:blipFill>
+          <a:blip r:embed="rId11">
+            <a:extLst>
+              <a:ext uri="{28A0092B-C50C-407E-A947-70E740481C1C}">
+                <a14:useLocalDpi xmlns:a14="http://schemas.microsoft.com/office/drawing/2010/main" val="0"/>
+              </a:ext>
+            </a:extLst>
+          </a:blip>
+          <a:stretch>
+            <a:fillRect/>
+          </a:stretch>
+        </p:blipFill>
+        <p:spPr>
+          <a:xfrm>
+            <a:off x="9618702" y="6621750"/>
+            <a:ext cx="3339197" cy="3055871"/>
+          </a:xfrm>
+          <a:prstGeom prst="rect">
+            <a:avLst/>
+          </a:prstGeom>
+        </p:spPr>
+      </p:pic>
+      <p:pic>
+        <p:nvPicPr>
+          <p:cNvPr id="43" name="Picture 42" descr="Chart, line chart, surface chart&#10;&#10;Description automatically generated">
+            <a:extLst>
+              <a:ext uri="{FF2B5EF4-FFF2-40B4-BE49-F238E27FC236}">
+                <a16:creationId xmlns:a16="http://schemas.microsoft.com/office/drawing/2014/main" id="{004C8B87-179E-46AD-BAFA-2E6FAA09EAE3}"/>
+              </a:ext>
+            </a:extLst>
+          </p:cNvPr>
+          <p:cNvPicPr>
+            <a:picLocks noChangeAspect="1"/>
+          </p:cNvPicPr>
+          <p:nvPr/>
+        </p:nvPicPr>
+        <p:blipFill>
+          <a:blip r:embed="rId12">
+            <a:extLst>
+              <a:ext uri="{28A0092B-C50C-407E-A947-70E740481C1C}">
+                <a14:useLocalDpi xmlns:a14="http://schemas.microsoft.com/office/drawing/2010/main" val="0"/>
+              </a:ext>
+            </a:extLst>
+          </a:blip>
+          <a:stretch>
+            <a:fillRect/>
+          </a:stretch>
+        </p:blipFill>
+        <p:spPr>
+          <a:xfrm>
+            <a:off x="1834688" y="2215347"/>
+            <a:ext cx="3533159" cy="3233375"/>
+          </a:xfrm>
+          <a:prstGeom prst="rect">
+            <a:avLst/>
+          </a:prstGeom>
+        </p:spPr>
+      </p:pic>
+      <p:pic>
+        <p:nvPicPr>
+          <p:cNvPr id="45" name="Picture 44" descr="Chart, line chart&#10;&#10;Description automatically generated">
+            <a:extLst>
+              <a:ext uri="{FF2B5EF4-FFF2-40B4-BE49-F238E27FC236}">
+                <a16:creationId xmlns:a16="http://schemas.microsoft.com/office/drawing/2014/main" id="{B2F68A03-2DF7-406D-894F-5DAABAF9787F}"/>
+              </a:ext>
+            </a:extLst>
+          </p:cNvPr>
+          <p:cNvPicPr>
+            <a:picLocks noChangeAspect="1"/>
+          </p:cNvPicPr>
+          <p:nvPr/>
+        </p:nvPicPr>
+        <p:blipFill>
+          <a:blip r:embed="rId13">
+            <a:extLst>
+              <a:ext uri="{28A0092B-C50C-407E-A947-70E740481C1C}">
+                <a14:useLocalDpi xmlns:a14="http://schemas.microsoft.com/office/drawing/2010/main" val="0"/>
+              </a:ext>
+            </a:extLst>
+          </a:blip>
+          <a:stretch>
+            <a:fillRect/>
+          </a:stretch>
+        </p:blipFill>
+        <p:spPr>
+          <a:xfrm>
+            <a:off x="7512970" y="2411555"/>
+            <a:ext cx="3318760" cy="3037167"/>
+          </a:xfrm>
+          <a:prstGeom prst="rect">
+            <a:avLst/>
+          </a:prstGeom>
+        </p:spPr>
+      </p:pic>
+      <p:pic>
+        <p:nvPicPr>
+          <p:cNvPr id="47" name="Picture 46" descr="Chart, line chart, scatter chart&#10;&#10;Description automatically generated">
+            <a:extLst>
+              <a:ext uri="{FF2B5EF4-FFF2-40B4-BE49-F238E27FC236}">
+                <a16:creationId xmlns:a16="http://schemas.microsoft.com/office/drawing/2014/main" id="{95D5F1E4-5D72-44DA-8B02-4C14373D1BD2}"/>
+              </a:ext>
+            </a:extLst>
+          </p:cNvPr>
+          <p:cNvPicPr>
+            <a:picLocks noChangeAspect="1"/>
+          </p:cNvPicPr>
+          <p:nvPr/>
+        </p:nvPicPr>
+        <p:blipFill>
+          <a:blip r:embed="rId14">
+            <a:extLst>
+              <a:ext uri="{28A0092B-C50C-407E-A947-70E740481C1C}">
+                <a14:useLocalDpi xmlns:a14="http://schemas.microsoft.com/office/drawing/2010/main" val="0"/>
+              </a:ext>
+            </a:extLst>
+          </a:blip>
+          <a:stretch>
+            <a:fillRect/>
+          </a:stretch>
+        </p:blipFill>
+        <p:spPr>
+          <a:xfrm>
+            <a:off x="2098936" y="6501165"/>
+            <a:ext cx="3438414" cy="3146669"/>
+          </a:xfrm>
+          <a:prstGeom prst="rect">
+            <a:avLst/>
+          </a:prstGeom>
+        </p:spPr>
+      </p:pic>
+      <p:sp>
+        <p:nvSpPr>
+          <p:cNvPr id="48" name="TextBox 47">
+            <a:extLst>
+              <a:ext uri="{FF2B5EF4-FFF2-40B4-BE49-F238E27FC236}">
+                <a16:creationId xmlns:a16="http://schemas.microsoft.com/office/drawing/2014/main" id="{B5C84B40-73B9-4F2A-A739-11BCA664B6AE}"/>
+              </a:ext>
+            </a:extLst>
+          </p:cNvPr>
+          <p:cNvSpPr txBox="1"/>
+          <p:nvPr/>
+        </p:nvSpPr>
+        <p:spPr>
+          <a:xfrm>
+            <a:off x="1433052" y="1477673"/>
+            <a:ext cx="2732479" cy="707886"/>
+          </a:xfrm>
+          <a:prstGeom prst="rect">
+            <a:avLst/>
+          </a:prstGeom>
+          <a:noFill/>
+        </p:spPr>
+        <p:txBody>
+          <a:bodyPr wrap="none" rtlCol="0">
+            <a:spAutoFit/>
+          </a:bodyPr>
+          <a:lstStyle/>
+          <a:p>
+            <a:r>
+              <a:rPr lang="en-US" sz="4000" b="1" dirty="0"/>
+              <a:t>A) </a:t>
+            </a:r>
+            <a:r>
+              <a:rPr lang="en-US" sz="4000" dirty="0"/>
+              <a:t>Host only</a:t>
+            </a:r>
+          </a:p>
+        </p:txBody>
+      </p:sp>
+      <p:sp>
+        <p:nvSpPr>
+          <p:cNvPr id="51" name="TextBox 50">
+            <a:extLst>
+              <a:ext uri="{FF2B5EF4-FFF2-40B4-BE49-F238E27FC236}">
+                <a16:creationId xmlns:a16="http://schemas.microsoft.com/office/drawing/2014/main" id="{7A5ACB5B-8C8C-49F6-B551-E12B9EBDAFF0}"/>
+              </a:ext>
+            </a:extLst>
+          </p:cNvPr>
+          <p:cNvSpPr txBox="1"/>
+          <p:nvPr/>
+        </p:nvSpPr>
+        <p:spPr>
+          <a:xfrm>
+            <a:off x="8261709" y="1483912"/>
+            <a:ext cx="5038174" cy="707886"/>
+          </a:xfrm>
+          <a:prstGeom prst="rect">
+            <a:avLst/>
+          </a:prstGeom>
+          <a:noFill/>
+        </p:spPr>
+        <p:txBody>
+          <a:bodyPr wrap="none" rtlCol="0">
+            <a:spAutoFit/>
+          </a:bodyPr>
+          <a:lstStyle/>
+          <a:p>
+            <a:r>
+              <a:rPr lang="en-US" sz="4000" b="1" dirty="0"/>
+              <a:t>B) </a:t>
+            </a:r>
+            <a:r>
+              <a:rPr lang="en-US" sz="4000" dirty="0"/>
+              <a:t>Host +</a:t>
+            </a:r>
+            <a:r>
+              <a:rPr lang="en-US" sz="4000" b="1" dirty="0"/>
+              <a:t> </a:t>
+            </a:r>
+            <a:r>
+              <a:rPr lang="en-US" sz="4000" dirty="0"/>
+              <a:t>Single phages</a:t>
+            </a:r>
+          </a:p>
+        </p:txBody>
+      </p:sp>
+      <p:sp>
+        <p:nvSpPr>
+          <p:cNvPr id="52" name="TextBox 51">
+            <a:extLst>
+              <a:ext uri="{FF2B5EF4-FFF2-40B4-BE49-F238E27FC236}">
+                <a16:creationId xmlns:a16="http://schemas.microsoft.com/office/drawing/2014/main" id="{C77C4EBA-BA4F-4F4A-B4FF-478EA18C63F0}"/>
+              </a:ext>
+            </a:extLst>
+          </p:cNvPr>
+          <p:cNvSpPr txBox="1"/>
+          <p:nvPr/>
+        </p:nvSpPr>
+        <p:spPr>
+          <a:xfrm>
+            <a:off x="1527460" y="5793279"/>
+            <a:ext cx="5776966" cy="707886"/>
+          </a:xfrm>
+          <a:prstGeom prst="rect">
+            <a:avLst/>
+          </a:prstGeom>
+          <a:noFill/>
+        </p:spPr>
+        <p:txBody>
+          <a:bodyPr wrap="none" rtlCol="0">
+            <a:spAutoFit/>
+          </a:bodyPr>
+          <a:lstStyle/>
+          <a:p>
+            <a:r>
+              <a:rPr lang="en-US" sz="4000" b="1" dirty="0"/>
+              <a:t>C) </a:t>
+            </a:r>
+            <a:r>
+              <a:rPr lang="en-US" sz="4000" dirty="0"/>
+              <a:t>Host + 2-phage cocktails</a:t>
+            </a:r>
+          </a:p>
+        </p:txBody>
+      </p:sp>
+      <p:sp>
+        <p:nvSpPr>
+          <p:cNvPr id="53" name="TextBox 52">
+            <a:extLst>
+              <a:ext uri="{FF2B5EF4-FFF2-40B4-BE49-F238E27FC236}">
+                <a16:creationId xmlns:a16="http://schemas.microsoft.com/office/drawing/2014/main" id="{58DA6F99-5116-40ED-B0FC-13B853779EEF}"/>
+              </a:ext>
+            </a:extLst>
+          </p:cNvPr>
+          <p:cNvSpPr txBox="1"/>
+          <p:nvPr/>
+        </p:nvSpPr>
+        <p:spPr>
+          <a:xfrm>
+            <a:off x="8454565" y="5793279"/>
+            <a:ext cx="5776966" cy="707886"/>
+          </a:xfrm>
+          <a:prstGeom prst="rect">
+            <a:avLst/>
+          </a:prstGeom>
+          <a:noFill/>
+        </p:spPr>
+        <p:txBody>
+          <a:bodyPr wrap="none" rtlCol="0">
+            <a:spAutoFit/>
+          </a:bodyPr>
+          <a:lstStyle/>
+          <a:p>
+            <a:r>
+              <a:rPr lang="en-US" sz="4000" b="1" dirty="0"/>
+              <a:t>C) </a:t>
+            </a:r>
+            <a:r>
+              <a:rPr lang="en-US" sz="4000" dirty="0"/>
+              <a:t>Host +</a:t>
+            </a:r>
+            <a:r>
+              <a:rPr lang="en-US" sz="4000" b="1" dirty="0"/>
+              <a:t> </a:t>
+            </a:r>
+            <a:r>
+              <a:rPr lang="en-US" sz="4000" dirty="0"/>
+              <a:t>3-phage cocktails</a:t>
+            </a:r>
+          </a:p>
+        </p:txBody>
+      </p:sp>
+      <p:pic>
+        <p:nvPicPr>
+          <p:cNvPr id="55" name="Picture 54">
+            <a:extLst>
+              <a:ext uri="{FF2B5EF4-FFF2-40B4-BE49-F238E27FC236}">
+                <a16:creationId xmlns:a16="http://schemas.microsoft.com/office/drawing/2014/main" id="{7BFE3CBE-1977-4D03-9F15-F39C4109DD22}"/>
+              </a:ext>
+            </a:extLst>
+          </p:cNvPr>
+          <p:cNvPicPr>
+            <a:picLocks noChangeAspect="1"/>
+          </p:cNvPicPr>
+          <p:nvPr/>
+        </p:nvPicPr>
+        <p:blipFill>
+          <a:blip r:embed="rId15"/>
+          <a:stretch>
+            <a:fillRect/>
+          </a:stretch>
+        </p:blipFill>
+        <p:spPr>
+          <a:xfrm>
+            <a:off x="14596740" y="2185559"/>
+            <a:ext cx="1482106" cy="3239040"/>
+          </a:xfrm>
+          <a:prstGeom prst="rect">
+            <a:avLst/>
+          </a:prstGeom>
+        </p:spPr>
+      </p:pic>
+    </p:spTree>
+    <p:extLst>
+      <p:ext uri="{BB962C8B-B14F-4D97-AF65-F5344CB8AC3E}">
+        <p14:creationId xmlns:p14="http://schemas.microsoft.com/office/powerpoint/2010/main" val="2340660544"/>
+      </p:ext>
+    </p:extLst>
+  </p:cSld>
+  <p:clrMapOvr>
+    <a:masterClrMapping/>
+  </p:clrMapOvr>
+</p:sld>
+</file>
+
+<file path=ppt/slides/slide8.xml><?xml version="1.0" encoding="utf-8"?>
+<p:sld xmlns:a="http://schemas.openxmlformats.org/drawingml/2006/main" xmlns:r="http://schemas.openxmlformats.org/officeDocument/2006/relationships" xmlns:p="http://schemas.openxmlformats.org/presentationml/2006/main">
+  <p:cSld>
+    <p:spTree>
+      <p:nvGrpSpPr>
+        <p:cNvPr id="1" name=""/>
+        <p:cNvGrpSpPr/>
+        <p:nvPr/>
+      </p:nvGrpSpPr>
+      <p:grpSpPr>
+        <a:xfrm>
+          <a:off x="0" y="0"/>
+          <a:ext cx="0" cy="0"/>
+          <a:chOff x="0" y="0"/>
+          <a:chExt cx="0" cy="0"/>
+        </a:xfrm>
+      </p:grpSpPr>
+      <p:sp>
+        <p:nvSpPr>
+          <p:cNvPr id="4" name="TextBox 3">
+            <a:extLst>
+              <a:ext uri="{FF2B5EF4-FFF2-40B4-BE49-F238E27FC236}">
+                <a16:creationId xmlns:a16="http://schemas.microsoft.com/office/drawing/2014/main" id="{22DCDED8-84F8-4491-887A-E39D37BBD187}"/>
+              </a:ext>
+            </a:extLst>
+          </p:cNvPr>
+          <p:cNvSpPr txBox="1"/>
+          <p:nvPr/>
+        </p:nvSpPr>
+        <p:spPr>
+          <a:xfrm>
+            <a:off x="125667" y="2784388"/>
+            <a:ext cx="2265030" cy="861774"/>
+          </a:xfrm>
+          <a:prstGeom prst="rect">
+            <a:avLst/>
+          </a:prstGeom>
+          <a:noFill/>
+        </p:spPr>
+        <p:txBody>
+          <a:bodyPr wrap="square" rtlCol="0">
+            <a:spAutoFit/>
+          </a:bodyPr>
+          <a:lstStyle/>
+          <a:p>
+            <a:r>
+              <a:rPr lang="en-US" sz="5000" b="1" dirty="0"/>
+              <a:t>a</a:t>
+            </a:r>
+            <a:r>
+              <a:rPr lang="en-US" sz="5000" dirty="0"/>
+              <a:t>) YI6</a:t>
+            </a:r>
+            <a:endParaRPr lang="en-US" sz="5000" b="1" dirty="0"/>
+          </a:p>
+        </p:txBody>
+      </p:sp>
+      <p:sp>
+        <p:nvSpPr>
+          <p:cNvPr id="5" name="TextBox 4">
+            <a:extLst>
+              <a:ext uri="{FF2B5EF4-FFF2-40B4-BE49-F238E27FC236}">
+                <a16:creationId xmlns:a16="http://schemas.microsoft.com/office/drawing/2014/main" id="{1591C99F-AC65-4637-AAB2-F51D9B205E91}"/>
+              </a:ext>
+            </a:extLst>
+          </p:cNvPr>
+          <p:cNvSpPr txBox="1"/>
+          <p:nvPr/>
+        </p:nvSpPr>
+        <p:spPr>
+          <a:xfrm>
+            <a:off x="125668" y="8064504"/>
+            <a:ext cx="2307979" cy="861774"/>
+          </a:xfrm>
+          <a:prstGeom prst="rect">
+            <a:avLst/>
+          </a:prstGeom>
+          <a:noFill/>
+        </p:spPr>
+        <p:txBody>
+          <a:bodyPr wrap="square" rtlCol="0">
+            <a:spAutoFit/>
+          </a:bodyPr>
+          <a:lstStyle/>
+          <a:p>
+            <a:r>
+              <a:rPr lang="en-US" sz="5000" b="1" dirty="0"/>
+              <a:t>b</a:t>
+            </a:r>
+            <a:r>
+              <a:rPr lang="en-US" sz="5000" dirty="0"/>
+              <a:t>) EF06</a:t>
+            </a:r>
+            <a:endParaRPr lang="en-US" sz="5000" b="1" dirty="0"/>
+          </a:p>
+        </p:txBody>
+      </p:sp>
+      <p:sp>
+        <p:nvSpPr>
+          <p:cNvPr id="6" name="TextBox 5">
+            <a:extLst>
+              <a:ext uri="{FF2B5EF4-FFF2-40B4-BE49-F238E27FC236}">
+                <a16:creationId xmlns:a16="http://schemas.microsoft.com/office/drawing/2014/main" id="{996A034F-C276-4EE3-8D59-9C4BE6A54720}"/>
+              </a:ext>
+            </a:extLst>
+          </p:cNvPr>
+          <p:cNvSpPr txBox="1"/>
+          <p:nvPr/>
+        </p:nvSpPr>
+        <p:spPr>
+          <a:xfrm>
+            <a:off x="6510968" y="8064505"/>
+            <a:ext cx="2598742" cy="861774"/>
+          </a:xfrm>
+          <a:prstGeom prst="rect">
+            <a:avLst/>
+          </a:prstGeom>
+          <a:noFill/>
+        </p:spPr>
+        <p:txBody>
+          <a:bodyPr wrap="square" rtlCol="0">
+            <a:spAutoFit/>
+          </a:bodyPr>
+          <a:lstStyle/>
+          <a:p>
+            <a:r>
+              <a:rPr lang="en-US" sz="5000" b="1" dirty="0"/>
+              <a:t>c</a:t>
+            </a:r>
+            <a:r>
+              <a:rPr lang="en-US" sz="5000" dirty="0"/>
+              <a:t>) Ef11</a:t>
+            </a:r>
+            <a:endParaRPr lang="en-US" sz="5000" b="1" dirty="0"/>
+          </a:p>
+        </p:txBody>
+      </p:sp>
+      <p:sp>
+        <p:nvSpPr>
+          <p:cNvPr id="7" name="TextBox 6">
+            <a:extLst>
+              <a:ext uri="{FF2B5EF4-FFF2-40B4-BE49-F238E27FC236}">
+                <a16:creationId xmlns:a16="http://schemas.microsoft.com/office/drawing/2014/main" id="{AD26A57A-23F4-4300-B556-2F988922845A}"/>
+              </a:ext>
+            </a:extLst>
+          </p:cNvPr>
+          <p:cNvSpPr txBox="1"/>
+          <p:nvPr/>
+        </p:nvSpPr>
+        <p:spPr>
+          <a:xfrm>
+            <a:off x="12132328" y="8064504"/>
+            <a:ext cx="2307788" cy="861774"/>
+          </a:xfrm>
+          <a:prstGeom prst="rect">
+            <a:avLst/>
+          </a:prstGeom>
+          <a:noFill/>
+        </p:spPr>
+        <p:txBody>
+          <a:bodyPr wrap="square" rtlCol="0">
+            <a:spAutoFit/>
+          </a:bodyPr>
+          <a:lstStyle/>
+          <a:p>
+            <a:r>
+              <a:rPr lang="en-US" sz="5000" b="1" dirty="0"/>
+              <a:t>d</a:t>
+            </a:r>
+            <a:r>
+              <a:rPr lang="en-US" sz="5000" dirty="0"/>
+              <a:t>) V587</a:t>
+            </a:r>
+            <a:endParaRPr lang="en-US" sz="5000" b="1" dirty="0"/>
+          </a:p>
+        </p:txBody>
+      </p:sp>
+      <p:pic>
+        <p:nvPicPr>
+          <p:cNvPr id="1026" name="Picture 2">
+            <a:extLst>
+              <a:ext uri="{FF2B5EF4-FFF2-40B4-BE49-F238E27FC236}">
+                <a16:creationId xmlns:a16="http://schemas.microsoft.com/office/drawing/2014/main" id="{6203C510-BD56-46DF-A531-EA8606E09C3E}"/>
+              </a:ext>
+            </a:extLst>
+          </p:cNvPr>
+          <p:cNvPicPr>
+            <a:picLocks noChangeAspect="1" noChangeArrowheads="1"/>
+          </p:cNvPicPr>
+          <p:nvPr/>
+        </p:nvPicPr>
+        <p:blipFill>
+          <a:blip r:embed="rId2">
+            <a:extLst>
+              <a:ext uri="{28A0092B-C50C-407E-A947-70E740481C1C}">
+                <a14:useLocalDpi xmlns:a14="http://schemas.microsoft.com/office/drawing/2010/main" val="0"/>
+              </a:ext>
+            </a:extLst>
+          </a:blip>
+          <a:srcRect/>
+          <a:stretch>
+            <a:fillRect/>
+          </a:stretch>
+        </p:blipFill>
+        <p:spPr bwMode="auto">
+          <a:xfrm>
+            <a:off x="460667" y="3787433"/>
+            <a:ext cx="10401300" cy="4314825"/>
+          </a:xfrm>
+          <a:prstGeom prst="rect">
+            <a:avLst/>
+          </a:prstGeom>
+          <a:noFill/>
+          <a:extLst>
+            <a:ext uri="{909E8E84-426E-40DD-AFC4-6F175D3DCCD1}">
+              <a14:hiddenFill xmlns:a14="http://schemas.microsoft.com/office/drawing/2010/main">
+                <a:solidFill>
+                  <a:srgbClr val="FFFFFF"/>
+                </a:solidFill>
+              </a14:hiddenFill>
+            </a:ext>
+          </a:extLst>
+        </p:spPr>
+      </p:pic>
+      <p:pic>
+        <p:nvPicPr>
+          <p:cNvPr id="2" name="Picture 2">
+            <a:extLst>
+              <a:ext uri="{FF2B5EF4-FFF2-40B4-BE49-F238E27FC236}">
+                <a16:creationId xmlns:a16="http://schemas.microsoft.com/office/drawing/2014/main" id="{8CD723C9-BCC5-4410-B573-0CEDDAD7D44B}"/>
+              </a:ext>
+            </a:extLst>
+          </p:cNvPr>
+          <p:cNvPicPr>
+            <a:picLocks noChangeAspect="1" noChangeArrowheads="1"/>
+          </p:cNvPicPr>
+          <p:nvPr/>
+        </p:nvPicPr>
+        <p:blipFill>
+          <a:blip r:embed="rId3">
+            <a:extLst>
+              <a:ext uri="{28A0092B-C50C-407E-A947-70E740481C1C}">
+                <a14:useLocalDpi xmlns:a14="http://schemas.microsoft.com/office/drawing/2010/main" val="0"/>
+              </a:ext>
+            </a:extLst>
+          </a:blip>
+          <a:srcRect/>
+          <a:stretch>
+            <a:fillRect/>
+          </a:stretch>
+        </p:blipFill>
+        <p:spPr bwMode="auto">
+          <a:xfrm>
+            <a:off x="460668" y="8926279"/>
+            <a:ext cx="5724525" cy="4295775"/>
+          </a:xfrm>
+          <a:prstGeom prst="rect">
+            <a:avLst/>
+          </a:prstGeom>
+          <a:noFill/>
+          <a:extLst>
+            <a:ext uri="{909E8E84-426E-40DD-AFC4-6F175D3DCCD1}">
+              <a14:hiddenFill xmlns:a14="http://schemas.microsoft.com/office/drawing/2010/main">
+                <a:solidFill>
+                  <a:srgbClr val="FFFFFF"/>
+                </a:solidFill>
+              </a14:hiddenFill>
+            </a:ext>
+          </a:extLst>
+        </p:spPr>
+      </p:pic>
+      <p:pic>
+        <p:nvPicPr>
+          <p:cNvPr id="3" name="Picture 4">
+            <a:extLst>
+              <a:ext uri="{FF2B5EF4-FFF2-40B4-BE49-F238E27FC236}">
+                <a16:creationId xmlns:a16="http://schemas.microsoft.com/office/drawing/2014/main" id="{08A9B009-68FC-4717-92A2-9DFB8460919B}"/>
+              </a:ext>
+            </a:extLst>
+          </p:cNvPr>
+          <p:cNvPicPr>
+            <a:picLocks noChangeAspect="1" noChangeArrowheads="1"/>
+          </p:cNvPicPr>
+          <p:nvPr/>
+        </p:nvPicPr>
+        <p:blipFill>
+          <a:blip r:embed="rId4">
+            <a:extLst>
+              <a:ext uri="{28A0092B-C50C-407E-A947-70E740481C1C}">
+                <a14:useLocalDpi xmlns:a14="http://schemas.microsoft.com/office/drawing/2010/main" val="0"/>
+              </a:ext>
+            </a:extLst>
+          </a:blip>
+          <a:srcRect/>
+          <a:stretch>
+            <a:fillRect/>
+          </a:stretch>
+        </p:blipFill>
+        <p:spPr bwMode="auto">
+          <a:xfrm>
+            <a:off x="6510968" y="9018367"/>
+            <a:ext cx="4876800" cy="4314825"/>
+          </a:xfrm>
+          <a:prstGeom prst="rect">
+            <a:avLst/>
+          </a:prstGeom>
+          <a:noFill/>
+          <a:extLst>
+            <a:ext uri="{909E8E84-426E-40DD-AFC4-6F175D3DCCD1}">
+              <a14:hiddenFill xmlns:a14="http://schemas.microsoft.com/office/drawing/2010/main">
+                <a:solidFill>
+                  <a:srgbClr val="FFFFFF"/>
+                </a:solidFill>
+              </a14:hiddenFill>
+            </a:ext>
+          </a:extLst>
+        </p:spPr>
+      </p:pic>
+      <p:pic>
+        <p:nvPicPr>
+          <p:cNvPr id="8" name="Picture 2">
+            <a:extLst>
+              <a:ext uri="{FF2B5EF4-FFF2-40B4-BE49-F238E27FC236}">
+                <a16:creationId xmlns:a16="http://schemas.microsoft.com/office/drawing/2014/main" id="{B79B846D-81BC-4FDC-98BC-75F828439618}"/>
+              </a:ext>
+            </a:extLst>
+          </p:cNvPr>
+          <p:cNvPicPr>
+            <a:picLocks noChangeAspect="1" noChangeArrowheads="1"/>
+          </p:cNvPicPr>
+          <p:nvPr/>
+        </p:nvPicPr>
+        <p:blipFill>
+          <a:blip r:embed="rId5">
+            <a:extLst>
+              <a:ext uri="{28A0092B-C50C-407E-A947-70E740481C1C}">
+                <a14:useLocalDpi xmlns:a14="http://schemas.microsoft.com/office/drawing/2010/main" val="0"/>
+              </a:ext>
+            </a:extLst>
+          </a:blip>
+          <a:srcRect/>
+          <a:stretch>
+            <a:fillRect/>
+          </a:stretch>
+        </p:blipFill>
+        <p:spPr bwMode="auto">
+          <a:xfrm>
+            <a:off x="12132330" y="8926278"/>
+            <a:ext cx="5381625" cy="4171950"/>
+          </a:xfrm>
+          <a:prstGeom prst="rect">
+            <a:avLst/>
+          </a:prstGeom>
+          <a:noFill/>
+          <a:extLst>
+            <a:ext uri="{909E8E84-426E-40DD-AFC4-6F175D3DCCD1}">
+              <a14:hiddenFill xmlns:a14="http://schemas.microsoft.com/office/drawing/2010/main">
+                <a:solidFill>
+                  <a:srgbClr val="FFFFFF"/>
+                </a:solidFill>
+              </a14:hiddenFill>
+            </a:ext>
+          </a:extLst>
+        </p:spPr>
+      </p:pic>
+    </p:spTree>
+    <p:extLst>
+      <p:ext uri="{BB962C8B-B14F-4D97-AF65-F5344CB8AC3E}">
+        <p14:creationId xmlns:p14="http://schemas.microsoft.com/office/powerpoint/2010/main" val="2462578060"/>
+      </p:ext>
+    </p:extLst>
+  </p:cSld>
+  <p:clrMapOvr>
+    <a:masterClrMapping/>
+  </p:clrMapOvr>
+</p:sld>
+</file>
+
+<file path=ppt/slides/slide9.xml><?xml version="1.0" encoding="utf-8"?>
+<p:sld xmlns:a="http://schemas.openxmlformats.org/drawingml/2006/main" xmlns:r="http://schemas.openxmlformats.org/officeDocument/2006/relationships" xmlns:p="http://schemas.openxmlformats.org/presentationml/2006/main">
+  <p:cSld>
+    <p:spTree>
+      <p:nvGrpSpPr>
+        <p:cNvPr id="1" name=""/>
+        <p:cNvGrpSpPr/>
+        <p:nvPr/>
+      </p:nvGrpSpPr>
+      <p:grpSpPr>
+        <a:xfrm>
+          <a:off x="0" y="0"/>
+          <a:ext cx="0" cy="0"/>
+          <a:chOff x="0" y="0"/>
+          <a:chExt cx="0" cy="0"/>
+        </a:xfrm>
+      </p:grpSpPr>
+      <p:sp>
+        <p:nvSpPr>
+          <p:cNvPr id="2" name="Rectangle 1">
+            <a:extLst>
+              <a:ext uri="{FF2B5EF4-FFF2-40B4-BE49-F238E27FC236}">
+                <a16:creationId xmlns:a16="http://schemas.microsoft.com/office/drawing/2014/main" id="{8DA4DBB0-0245-4960-BCB2-E112BF87B22C}"/>
+              </a:ext>
+            </a:extLst>
+          </p:cNvPr>
+          <p:cNvSpPr/>
+          <p:nvPr/>
+        </p:nvSpPr>
+        <p:spPr>
+          <a:xfrm>
+            <a:off x="125668" y="2529784"/>
+            <a:ext cx="17976302" cy="11303447"/>
+          </a:xfrm>
+          <a:prstGeom prst="rect">
+            <a:avLst/>
+          </a:prstGeom>
+          <a:solidFill>
+            <a:schemeClr val="bg1"/>
+          </a:solidFill>
+          <a:ln>
+            <a:noFill/>
+          </a:ln>
+        </p:spPr>
+        <p:style>
+          <a:lnRef idx="2">
+            <a:schemeClr val="accent1">
+              <a:shade val="50000"/>
+            </a:schemeClr>
+          </a:lnRef>
+          <a:fillRef idx="1">
+            <a:schemeClr val="accent1"/>
+          </a:fillRef>
+          <a:effectRef idx="0">
+            <a:schemeClr val="accent1"/>
+          </a:effectRef>
+          <a:fontRef idx="minor">
+            <a:schemeClr val="lt1"/>
+          </a:fontRef>
+        </p:style>
+        <p:txBody>
+          <a:bodyPr rtlCol="0" anchor="ctr"/>
+          <a:lstStyle/>
+          <a:p>
+            <a:pPr algn="ctr"/>
+            <a:endParaRPr lang="en-US"/>
+          </a:p>
+        </p:txBody>
+      </p:sp>
+      <p:sp>
+        <p:nvSpPr>
+          <p:cNvPr id="5" name="TextBox 4">
+            <a:extLst>
+              <a:ext uri="{FF2B5EF4-FFF2-40B4-BE49-F238E27FC236}">
+                <a16:creationId xmlns:a16="http://schemas.microsoft.com/office/drawing/2014/main" id="{D633D3B2-A014-406B-AE2A-70CF115301D0}"/>
+              </a:ext>
+            </a:extLst>
+          </p:cNvPr>
+          <p:cNvSpPr txBox="1"/>
+          <p:nvPr/>
+        </p:nvSpPr>
+        <p:spPr>
+          <a:xfrm>
+            <a:off x="125668" y="2529784"/>
+            <a:ext cx="7863301" cy="1015663"/>
+          </a:xfrm>
+          <a:prstGeom prst="rect">
+            <a:avLst/>
+          </a:prstGeom>
+          <a:noFill/>
+        </p:spPr>
+        <p:txBody>
+          <a:bodyPr wrap="square" rtlCol="0">
+            <a:spAutoFit/>
+          </a:bodyPr>
+          <a:lstStyle/>
+          <a:p>
+            <a:r>
+              <a:rPr lang="en-US" sz="4000" b="1" dirty="0">
+                <a:latin typeface="Arial" panose="020B0604020202020204" pitchFamily="34" charset="0"/>
+                <a:cs typeface="Arial" panose="020B0604020202020204" pitchFamily="34" charset="0"/>
+              </a:rPr>
+              <a:t>A</a:t>
+            </a:r>
+            <a:r>
+              <a:rPr lang="en-US" sz="4000" dirty="0">
+                <a:latin typeface="Arial" panose="020B0604020202020204" pitchFamily="34" charset="0"/>
+                <a:cs typeface="Arial" panose="020B0604020202020204" pitchFamily="34" charset="0"/>
+              </a:rPr>
+              <a:t>) </a:t>
+            </a:r>
+            <a:r>
+              <a:rPr lang="en-US" sz="4000" i="1" dirty="0">
+                <a:latin typeface="Arial" panose="020B0604020202020204" pitchFamily="34" charset="0"/>
+                <a:cs typeface="Arial" panose="020B0604020202020204" pitchFamily="34" charset="0"/>
+              </a:rPr>
+              <a:t>E. faecalis </a:t>
+            </a:r>
+            <a:r>
+              <a:rPr lang="en-US" sz="4000" dirty="0">
+                <a:latin typeface="Arial" panose="020B0604020202020204" pitchFamily="34" charset="0"/>
+                <a:cs typeface="Arial" panose="020B0604020202020204" pitchFamily="34" charset="0"/>
+              </a:rPr>
+              <a:t>Yi6-1</a:t>
+            </a:r>
+          </a:p>
+          <a:p>
+            <a:r>
+              <a:rPr lang="en-US" sz="2000" dirty="0">
+                <a:latin typeface="Arial" panose="020B0604020202020204" pitchFamily="34" charset="0"/>
+                <a:cs typeface="Arial" panose="020B0604020202020204" pitchFamily="34" charset="0"/>
+              </a:rPr>
+              <a:t>	Individual phages </a:t>
+            </a:r>
+            <a:r>
+              <a:rPr lang="en-US" sz="2000" b="1" dirty="0">
+                <a:latin typeface="Arial" panose="020B0604020202020204" pitchFamily="34" charset="0"/>
+                <a:cs typeface="Arial" panose="020B0604020202020204" pitchFamily="34" charset="0"/>
+              </a:rPr>
+              <a:t>don’t</a:t>
+            </a:r>
+            <a:r>
+              <a:rPr lang="en-US" sz="2000" dirty="0">
+                <a:latin typeface="Arial" panose="020B0604020202020204" pitchFamily="34" charset="0"/>
+                <a:cs typeface="Arial" panose="020B0604020202020204" pitchFamily="34" charset="0"/>
+              </a:rPr>
+              <a:t> clear host</a:t>
+            </a:r>
+            <a:endParaRPr lang="en-US" sz="2000" b="1" dirty="0">
+              <a:latin typeface="Arial" panose="020B0604020202020204" pitchFamily="34" charset="0"/>
+              <a:cs typeface="Arial" panose="020B0604020202020204" pitchFamily="34" charset="0"/>
+            </a:endParaRPr>
+          </a:p>
+        </p:txBody>
+      </p:sp>
+      <p:pic>
+        <p:nvPicPr>
+          <p:cNvPr id="2054" name="Picture 6">
+            <a:extLst>
+              <a:ext uri="{FF2B5EF4-FFF2-40B4-BE49-F238E27FC236}">
+                <a16:creationId xmlns:a16="http://schemas.microsoft.com/office/drawing/2014/main" id="{BA113FB9-B345-453C-BC44-14FE3B507AEC}"/>
+              </a:ext>
+            </a:extLst>
+          </p:cNvPr>
+          <p:cNvPicPr>
+            <a:picLocks noChangeAspect="1" noChangeArrowheads="1"/>
+          </p:cNvPicPr>
+          <p:nvPr/>
+        </p:nvPicPr>
+        <p:blipFill>
+          <a:blip r:embed="rId2">
+            <a:extLst>
+              <a:ext uri="{28A0092B-C50C-407E-A947-70E740481C1C}">
+                <a14:useLocalDpi xmlns:a14="http://schemas.microsoft.com/office/drawing/2010/main" val="0"/>
+              </a:ext>
+            </a:extLst>
+          </a:blip>
+          <a:srcRect/>
+          <a:stretch>
+            <a:fillRect/>
+          </a:stretch>
+        </p:blipFill>
+        <p:spPr bwMode="auto">
+          <a:xfrm>
+            <a:off x="348874" y="3660969"/>
+            <a:ext cx="6362700" cy="4295775"/>
+          </a:xfrm>
+          <a:prstGeom prst="rect">
+            <a:avLst/>
+          </a:prstGeom>
+          <a:noFill/>
+          <a:extLst>
+            <a:ext uri="{909E8E84-426E-40DD-AFC4-6F175D3DCCD1}">
+              <a14:hiddenFill xmlns:a14="http://schemas.microsoft.com/office/drawing/2010/main">
+                <a:solidFill>
+                  <a:srgbClr val="FFFFFF"/>
+                </a:solidFill>
+              </a14:hiddenFill>
+            </a:ext>
+          </a:extLst>
+        </p:spPr>
+      </p:pic>
+      <p:pic>
+        <p:nvPicPr>
+          <p:cNvPr id="2056" name="Picture 8">
+            <a:extLst>
+              <a:ext uri="{FF2B5EF4-FFF2-40B4-BE49-F238E27FC236}">
+                <a16:creationId xmlns:a16="http://schemas.microsoft.com/office/drawing/2014/main" id="{B18F29A3-3A38-4087-B698-108E99B1370D}"/>
+              </a:ext>
+            </a:extLst>
+          </p:cNvPr>
+          <p:cNvPicPr>
+            <a:picLocks noChangeAspect="1" noChangeArrowheads="1"/>
+          </p:cNvPicPr>
+          <p:nvPr/>
+        </p:nvPicPr>
+        <p:blipFill>
+          <a:blip r:embed="rId3">
+            <a:extLst>
+              <a:ext uri="{28A0092B-C50C-407E-A947-70E740481C1C}">
+                <a14:useLocalDpi xmlns:a14="http://schemas.microsoft.com/office/drawing/2010/main" val="0"/>
+              </a:ext>
+            </a:extLst>
+          </a:blip>
+          <a:srcRect/>
+          <a:stretch>
+            <a:fillRect/>
+          </a:stretch>
+        </p:blipFill>
+        <p:spPr bwMode="auto">
+          <a:xfrm>
+            <a:off x="7505065" y="3721102"/>
+            <a:ext cx="4876800" cy="4314825"/>
+          </a:xfrm>
+          <a:prstGeom prst="rect">
+            <a:avLst/>
+          </a:prstGeom>
+          <a:noFill/>
+          <a:extLst>
+            <a:ext uri="{909E8E84-426E-40DD-AFC4-6F175D3DCCD1}">
+              <a14:hiddenFill xmlns:a14="http://schemas.microsoft.com/office/drawing/2010/main">
+                <a:solidFill>
+                  <a:srgbClr val="FFFFFF"/>
+                </a:solidFill>
+              </a14:hiddenFill>
+            </a:ext>
+          </a:extLst>
+        </p:spPr>
+      </p:pic>
+      <p:sp>
+        <p:nvSpPr>
+          <p:cNvPr id="10" name="TextBox 9">
+            <a:extLst>
+              <a:ext uri="{FF2B5EF4-FFF2-40B4-BE49-F238E27FC236}">
+                <a16:creationId xmlns:a16="http://schemas.microsoft.com/office/drawing/2014/main" id="{CBEB159E-EA83-42E9-AB07-18EB16A1B7C3}"/>
+              </a:ext>
+            </a:extLst>
+          </p:cNvPr>
+          <p:cNvSpPr txBox="1"/>
+          <p:nvPr/>
+        </p:nvSpPr>
+        <p:spPr>
+          <a:xfrm>
+            <a:off x="125668" y="8296915"/>
+            <a:ext cx="5022570" cy="707886"/>
+          </a:xfrm>
+          <a:prstGeom prst="rect">
+            <a:avLst/>
+          </a:prstGeom>
+          <a:noFill/>
+        </p:spPr>
+        <p:txBody>
+          <a:bodyPr wrap="square" rtlCol="0">
+            <a:spAutoFit/>
+          </a:bodyPr>
+          <a:lstStyle/>
+          <a:p>
+            <a:r>
+              <a:rPr lang="en-US" sz="4000" b="1" dirty="0">
+                <a:latin typeface="Arial" panose="020B0604020202020204" pitchFamily="34" charset="0"/>
+                <a:cs typeface="Arial" panose="020B0604020202020204" pitchFamily="34" charset="0"/>
+              </a:rPr>
+              <a:t>C</a:t>
+            </a:r>
+            <a:r>
+              <a:rPr lang="en-US" sz="4000" dirty="0">
+                <a:latin typeface="Arial" panose="020B0604020202020204" pitchFamily="34" charset="0"/>
+                <a:cs typeface="Arial" panose="020B0604020202020204" pitchFamily="34" charset="0"/>
+              </a:rPr>
+              <a:t>) </a:t>
+            </a:r>
+            <a:r>
+              <a:rPr lang="en-US" sz="4000" i="1" dirty="0">
+                <a:latin typeface="Arial" panose="020B0604020202020204" pitchFamily="34" charset="0"/>
+                <a:cs typeface="Arial" panose="020B0604020202020204" pitchFamily="34" charset="0"/>
+              </a:rPr>
+              <a:t>E. faecalis </a:t>
+            </a:r>
+            <a:r>
+              <a:rPr lang="en-US" sz="4000" dirty="0">
+                <a:latin typeface="Arial" panose="020B0604020202020204" pitchFamily="34" charset="0"/>
+                <a:cs typeface="Arial" panose="020B0604020202020204" pitchFamily="34" charset="0"/>
+              </a:rPr>
+              <a:t>EF06</a:t>
+            </a:r>
+            <a:endParaRPr lang="en-US" sz="4000" b="1" dirty="0">
+              <a:latin typeface="Arial" panose="020B0604020202020204" pitchFamily="34" charset="0"/>
+              <a:cs typeface="Arial" panose="020B0604020202020204" pitchFamily="34" charset="0"/>
+            </a:endParaRPr>
+          </a:p>
+        </p:txBody>
+      </p:sp>
+      <p:sp>
+        <p:nvSpPr>
+          <p:cNvPr id="11" name="TextBox 10">
+            <a:extLst>
+              <a:ext uri="{FF2B5EF4-FFF2-40B4-BE49-F238E27FC236}">
+                <a16:creationId xmlns:a16="http://schemas.microsoft.com/office/drawing/2014/main" id="{39729911-74C7-475C-83F4-4674B0A05F6B}"/>
+              </a:ext>
+            </a:extLst>
+          </p:cNvPr>
+          <p:cNvSpPr txBox="1"/>
+          <p:nvPr/>
+        </p:nvSpPr>
+        <p:spPr>
+          <a:xfrm>
+            <a:off x="6560017" y="8296916"/>
+            <a:ext cx="4584407" cy="707886"/>
+          </a:xfrm>
+          <a:prstGeom prst="rect">
+            <a:avLst/>
+          </a:prstGeom>
+          <a:noFill/>
+        </p:spPr>
+        <p:txBody>
+          <a:bodyPr wrap="square" rtlCol="0">
+            <a:spAutoFit/>
+          </a:bodyPr>
+          <a:lstStyle/>
+          <a:p>
+            <a:r>
+              <a:rPr lang="en-US" sz="4000" dirty="0">
+                <a:latin typeface="Arial" panose="020B0604020202020204" pitchFamily="34" charset="0"/>
+                <a:cs typeface="Arial" panose="020B0604020202020204" pitchFamily="34" charset="0"/>
+              </a:rPr>
+              <a:t>D) </a:t>
+            </a:r>
+            <a:r>
+              <a:rPr lang="en-US" sz="4000" i="1" dirty="0">
+                <a:latin typeface="Arial" panose="020B0604020202020204" pitchFamily="34" charset="0"/>
+                <a:cs typeface="Arial" panose="020B0604020202020204" pitchFamily="34" charset="0"/>
+              </a:rPr>
+              <a:t>E. faecalis </a:t>
+            </a:r>
+            <a:r>
+              <a:rPr lang="en-US" sz="4000" dirty="0">
+                <a:latin typeface="Arial" panose="020B0604020202020204" pitchFamily="34" charset="0"/>
+                <a:cs typeface="Arial" panose="020B0604020202020204" pitchFamily="34" charset="0"/>
+              </a:rPr>
+              <a:t>Ef11</a:t>
+            </a:r>
+            <a:endParaRPr lang="en-US" sz="4000" b="1" dirty="0">
+              <a:latin typeface="Arial" panose="020B0604020202020204" pitchFamily="34" charset="0"/>
+              <a:cs typeface="Arial" panose="020B0604020202020204" pitchFamily="34" charset="0"/>
+            </a:endParaRPr>
+          </a:p>
+        </p:txBody>
+      </p:sp>
+      <p:sp>
+        <p:nvSpPr>
+          <p:cNvPr id="12" name="TextBox 11">
+            <a:extLst>
+              <a:ext uri="{FF2B5EF4-FFF2-40B4-BE49-F238E27FC236}">
+                <a16:creationId xmlns:a16="http://schemas.microsoft.com/office/drawing/2014/main" id="{F14D093C-BD00-4A85-AC88-01C4C31DD11B}"/>
+              </a:ext>
+            </a:extLst>
+          </p:cNvPr>
+          <p:cNvSpPr txBox="1"/>
+          <p:nvPr/>
+        </p:nvSpPr>
+        <p:spPr>
+          <a:xfrm>
+            <a:off x="12132328" y="8296916"/>
+            <a:ext cx="4584408" cy="707886"/>
+          </a:xfrm>
+          <a:prstGeom prst="rect">
+            <a:avLst/>
+          </a:prstGeom>
+          <a:noFill/>
+        </p:spPr>
+        <p:txBody>
+          <a:bodyPr wrap="square" rtlCol="0">
+            <a:spAutoFit/>
+          </a:bodyPr>
+          <a:lstStyle/>
+          <a:p>
+            <a:r>
+              <a:rPr lang="en-US" sz="4000" b="1" dirty="0">
+                <a:latin typeface="Arial" panose="020B0604020202020204" pitchFamily="34" charset="0"/>
+                <a:cs typeface="Arial" panose="020B0604020202020204" pitchFamily="34" charset="0"/>
+              </a:rPr>
+              <a:t>E</a:t>
+            </a:r>
+            <a:r>
+              <a:rPr lang="en-US" sz="4000" dirty="0">
+                <a:latin typeface="Arial" panose="020B0604020202020204" pitchFamily="34" charset="0"/>
+                <a:cs typeface="Arial" panose="020B0604020202020204" pitchFamily="34" charset="0"/>
+              </a:rPr>
+              <a:t>) </a:t>
+            </a:r>
+            <a:r>
+              <a:rPr lang="en-US" sz="4000" i="1" dirty="0">
+                <a:latin typeface="Arial" panose="020B0604020202020204" pitchFamily="34" charset="0"/>
+                <a:cs typeface="Arial" panose="020B0604020202020204" pitchFamily="34" charset="0"/>
+              </a:rPr>
+              <a:t>E. faecalis </a:t>
+            </a:r>
+            <a:r>
+              <a:rPr lang="en-US" sz="4000" dirty="0">
+                <a:latin typeface="Arial" panose="020B0604020202020204" pitchFamily="34" charset="0"/>
+                <a:cs typeface="Arial" panose="020B0604020202020204" pitchFamily="34" charset="0"/>
+              </a:rPr>
+              <a:t>V587</a:t>
+            </a:r>
+            <a:endParaRPr lang="en-US" sz="4000" b="1" dirty="0">
+              <a:latin typeface="Arial" panose="020B0604020202020204" pitchFamily="34" charset="0"/>
+              <a:cs typeface="Arial" panose="020B0604020202020204" pitchFamily="34" charset="0"/>
+            </a:endParaRPr>
+          </a:p>
+        </p:txBody>
+      </p:sp>
+      <p:pic>
+        <p:nvPicPr>
+          <p:cNvPr id="14" name="Picture 2">
+            <a:extLst>
+              <a:ext uri="{FF2B5EF4-FFF2-40B4-BE49-F238E27FC236}">
+                <a16:creationId xmlns:a16="http://schemas.microsoft.com/office/drawing/2014/main" id="{01B72A8F-3169-4D4F-A3EF-FE7D26318E5A}"/>
+              </a:ext>
+            </a:extLst>
+          </p:cNvPr>
+          <p:cNvPicPr>
+            <a:picLocks noChangeAspect="1" noChangeArrowheads="1"/>
+          </p:cNvPicPr>
+          <p:nvPr/>
+        </p:nvPicPr>
+        <p:blipFill>
+          <a:blip r:embed="rId4">
+            <a:extLst>
+              <a:ext uri="{28A0092B-C50C-407E-A947-70E740481C1C}">
+                <a14:useLocalDpi xmlns:a14="http://schemas.microsoft.com/office/drawing/2010/main" val="0"/>
+              </a:ext>
+            </a:extLst>
+          </a:blip>
+          <a:srcRect/>
+          <a:stretch>
+            <a:fillRect/>
+          </a:stretch>
+        </p:blipFill>
+        <p:spPr bwMode="auto">
+          <a:xfrm>
+            <a:off x="460668" y="9021529"/>
+            <a:ext cx="5724525" cy="4295775"/>
+          </a:xfrm>
+          <a:prstGeom prst="rect">
+            <a:avLst/>
+          </a:prstGeom>
+          <a:noFill/>
+          <a:extLst>
+            <a:ext uri="{909E8E84-426E-40DD-AFC4-6F175D3DCCD1}">
+              <a14:hiddenFill xmlns:a14="http://schemas.microsoft.com/office/drawing/2010/main">
+                <a:solidFill>
+                  <a:srgbClr val="FFFFFF"/>
+                </a:solidFill>
+              </a14:hiddenFill>
+            </a:ext>
+          </a:extLst>
+        </p:spPr>
+      </p:pic>
+      <p:pic>
+        <p:nvPicPr>
+          <p:cNvPr id="17" name="Picture 4">
+            <a:extLst>
+              <a:ext uri="{FF2B5EF4-FFF2-40B4-BE49-F238E27FC236}">
+                <a16:creationId xmlns:a16="http://schemas.microsoft.com/office/drawing/2014/main" id="{A0B3F7BA-2A43-40B8-8A29-9F3C1905A589}"/>
+              </a:ext>
+            </a:extLst>
+          </p:cNvPr>
+          <p:cNvPicPr>
+            <a:picLocks noChangeAspect="1" noChangeArrowheads="1"/>
+          </p:cNvPicPr>
+          <p:nvPr/>
+        </p:nvPicPr>
+        <p:blipFill>
+          <a:blip r:embed="rId5">
+            <a:extLst>
+              <a:ext uri="{28A0092B-C50C-407E-A947-70E740481C1C}">
+                <a14:useLocalDpi xmlns:a14="http://schemas.microsoft.com/office/drawing/2010/main" val="0"/>
+              </a:ext>
+            </a:extLst>
+          </a:blip>
+          <a:srcRect/>
+          <a:stretch>
+            <a:fillRect/>
+          </a:stretch>
+        </p:blipFill>
+        <p:spPr bwMode="auto">
+          <a:xfrm>
+            <a:off x="6510968" y="9113617"/>
+            <a:ext cx="4876800" cy="4314825"/>
+          </a:xfrm>
+          <a:prstGeom prst="rect">
+            <a:avLst/>
+          </a:prstGeom>
+          <a:noFill/>
+          <a:extLst>
+            <a:ext uri="{909E8E84-426E-40DD-AFC4-6F175D3DCCD1}">
+              <a14:hiddenFill xmlns:a14="http://schemas.microsoft.com/office/drawing/2010/main">
+                <a:solidFill>
+                  <a:srgbClr val="FFFFFF"/>
+                </a:solidFill>
+              </a14:hiddenFill>
+            </a:ext>
+          </a:extLst>
+        </p:spPr>
+      </p:pic>
+      <p:pic>
+        <p:nvPicPr>
+          <p:cNvPr id="2050" name="Picture 2">
+            <a:extLst>
+              <a:ext uri="{FF2B5EF4-FFF2-40B4-BE49-F238E27FC236}">
+                <a16:creationId xmlns:a16="http://schemas.microsoft.com/office/drawing/2014/main" id="{199A1B3D-1EAE-41D9-B404-19CA8C889B60}"/>
+              </a:ext>
+            </a:extLst>
+          </p:cNvPr>
+          <p:cNvPicPr>
+            <a:picLocks noChangeAspect="1" noChangeArrowheads="1"/>
+          </p:cNvPicPr>
+          <p:nvPr/>
+        </p:nvPicPr>
+        <p:blipFill>
+          <a:blip r:embed="rId6">
+            <a:extLst>
+              <a:ext uri="{28A0092B-C50C-407E-A947-70E740481C1C}">
+                <a14:useLocalDpi xmlns:a14="http://schemas.microsoft.com/office/drawing/2010/main" val="0"/>
+              </a:ext>
+            </a:extLst>
+          </a:blip>
+          <a:srcRect/>
+          <a:stretch>
+            <a:fillRect/>
+          </a:stretch>
+        </p:blipFill>
+        <p:spPr bwMode="auto">
+          <a:xfrm>
+            <a:off x="12132330" y="9021528"/>
+            <a:ext cx="5381625" cy="4171950"/>
+          </a:xfrm>
+          <a:prstGeom prst="rect">
+            <a:avLst/>
+          </a:prstGeom>
+          <a:noFill/>
+          <a:extLst>
+            <a:ext uri="{909E8E84-426E-40DD-AFC4-6F175D3DCCD1}">
+              <a14:hiddenFill xmlns:a14="http://schemas.microsoft.com/office/drawing/2010/main">
+                <a:solidFill>
+                  <a:srgbClr val="FFFFFF"/>
+                </a:solidFill>
+              </a14:hiddenFill>
+            </a:ext>
+          </a:extLst>
+        </p:spPr>
+      </p:pic>
+      <p:sp>
+        <p:nvSpPr>
+          <p:cNvPr id="3" name="TextBox 2">
+            <a:extLst>
+              <a:ext uri="{FF2B5EF4-FFF2-40B4-BE49-F238E27FC236}">
+                <a16:creationId xmlns:a16="http://schemas.microsoft.com/office/drawing/2014/main" id="{BD07CFFF-0A63-4630-B0EB-1D9FF00B6764}"/>
+              </a:ext>
+            </a:extLst>
+          </p:cNvPr>
+          <p:cNvSpPr txBox="1"/>
+          <p:nvPr/>
+        </p:nvSpPr>
+        <p:spPr>
+          <a:xfrm>
+            <a:off x="7547610" y="2529871"/>
+            <a:ext cx="5314949" cy="1015663"/>
+          </a:xfrm>
+          <a:prstGeom prst="rect">
+            <a:avLst/>
+          </a:prstGeom>
+          <a:noFill/>
+        </p:spPr>
+        <p:txBody>
+          <a:bodyPr wrap="square" rtlCol="0">
+            <a:spAutoFit/>
+          </a:bodyPr>
+          <a:lstStyle/>
+          <a:p>
+            <a:r>
+              <a:rPr lang="en-US" sz="4000" b="1" dirty="0">
+                <a:latin typeface="Arial" panose="020B0604020202020204" pitchFamily="34" charset="0"/>
+                <a:cs typeface="Arial" panose="020B0604020202020204" pitchFamily="34" charset="0"/>
+              </a:rPr>
+              <a:t>B</a:t>
+            </a:r>
+            <a:r>
+              <a:rPr lang="en-US" sz="4000" dirty="0">
+                <a:latin typeface="Arial" panose="020B0604020202020204" pitchFamily="34" charset="0"/>
+                <a:cs typeface="Arial" panose="020B0604020202020204" pitchFamily="34" charset="0"/>
+              </a:rPr>
+              <a:t>) </a:t>
+            </a:r>
+            <a:r>
+              <a:rPr lang="en-US" sz="4000" i="1" dirty="0">
+                <a:latin typeface="Arial" panose="020B0604020202020204" pitchFamily="34" charset="0"/>
+                <a:cs typeface="Arial" panose="020B0604020202020204" pitchFamily="34" charset="0"/>
+              </a:rPr>
+              <a:t>E. faecalis </a:t>
+            </a:r>
+            <a:r>
+              <a:rPr lang="en-US" sz="4000" dirty="0">
+                <a:latin typeface="Arial" panose="020B0604020202020204" pitchFamily="34" charset="0"/>
+                <a:cs typeface="Arial" panose="020B0604020202020204" pitchFamily="34" charset="0"/>
+              </a:rPr>
+              <a:t>Yi6-1</a:t>
+            </a:r>
+          </a:p>
+          <a:p>
+            <a:r>
+              <a:rPr lang="en-US" sz="2000" dirty="0">
+                <a:latin typeface="Arial" panose="020B0604020202020204" pitchFamily="34" charset="0"/>
+                <a:cs typeface="Arial" panose="020B0604020202020204" pitchFamily="34" charset="0"/>
+              </a:rPr>
+              <a:t>	Individual phages </a:t>
+            </a:r>
+            <a:r>
+              <a:rPr lang="en-US" sz="2000" b="1" dirty="0">
+                <a:latin typeface="Arial" panose="020B0604020202020204" pitchFamily="34" charset="0"/>
+                <a:cs typeface="Arial" panose="020B0604020202020204" pitchFamily="34" charset="0"/>
+              </a:rPr>
+              <a:t>do</a:t>
+            </a:r>
+            <a:r>
+              <a:rPr lang="en-US" sz="2000" dirty="0">
+                <a:latin typeface="Arial" panose="020B0604020202020204" pitchFamily="34" charset="0"/>
+                <a:cs typeface="Arial" panose="020B0604020202020204" pitchFamily="34" charset="0"/>
+              </a:rPr>
+              <a:t> clear host</a:t>
+            </a:r>
+            <a:endParaRPr lang="en-US" sz="2000" b="1" dirty="0">
+              <a:latin typeface="Arial" panose="020B0604020202020204" pitchFamily="34" charset="0"/>
+              <a:cs typeface="Arial" panose="020B0604020202020204" pitchFamily="34" charset="0"/>
+            </a:endParaRPr>
+          </a:p>
+        </p:txBody>
+      </p:sp>
+    </p:spTree>
+    <p:extLst>
+      <p:ext uri="{BB962C8B-B14F-4D97-AF65-F5344CB8AC3E}">
+        <p14:creationId xmlns:p14="http://schemas.microsoft.com/office/powerpoint/2010/main" val="1367113770"/>
       </p:ext>
     </p:extLst>
   </p:cSld>
